--- a/Presentación_mkt.pptx
+++ b/Presentación_mkt.pptx
@@ -5,7 +5,7 @@
     <p:sldMasterId id="2147484862" r:id="rId1"/>
   </p:sldMasterIdLst>
   <p:notesMasterIdLst>
-    <p:notesMasterId r:id="rId13"/>
+    <p:notesMasterId r:id="rId19"/>
   </p:notesMasterIdLst>
   <p:sldIdLst>
     <p:sldId id="256" r:id="rId2"/>
@@ -19,6 +19,12 @@
     <p:sldId id="264" r:id="rId10"/>
     <p:sldId id="269" r:id="rId11"/>
     <p:sldId id="270" r:id="rId12"/>
+    <p:sldId id="271" r:id="rId13"/>
+    <p:sldId id="272" r:id="rId14"/>
+    <p:sldId id="273" r:id="rId15"/>
+    <p:sldId id="274" r:id="rId16"/>
+    <p:sldId id="275" r:id="rId17"/>
+    <p:sldId id="276" r:id="rId18"/>
   </p:sldIdLst>
   <p:sldSz cx="12192000" cy="6858000"/>
   <p:notesSz cx="6858000" cy="9144000"/>
@@ -10025,6 +10031,513 @@
 </p:notes>
 </file>
 
+<file path=ppt/notesSlides/notesSlide10.xml><?xml version="1.0" encoding="utf-8"?>
+<p:notes xmlns:a="http://schemas.openxmlformats.org/drawingml/2006/main" xmlns:r="http://schemas.openxmlformats.org/officeDocument/2006/relationships" xmlns:p="http://schemas.openxmlformats.org/presentationml/2006/main">
+  <p:cSld>
+    <p:spTree>
+      <p:nvGrpSpPr>
+        <p:cNvPr id="1" name=""/>
+        <p:cNvGrpSpPr/>
+        <p:nvPr/>
+      </p:nvGrpSpPr>
+      <p:grpSpPr>
+        <a:xfrm>
+          <a:off x="0" y="0"/>
+          <a:ext cx="0" cy="0"/>
+          <a:chOff x="0" y="0"/>
+          <a:chExt cx="0" cy="0"/>
+        </a:xfrm>
+      </p:grpSpPr>
+      <p:sp>
+        <p:nvSpPr>
+          <p:cNvPr id="2" name="Marcador de imagen de diapositiva 1"/>
+          <p:cNvSpPr>
+            <a:spLocks noGrp="1" noRot="1" noChangeAspect="1"/>
+          </p:cNvSpPr>
+          <p:nvPr>
+            <p:ph type="sldImg"/>
+          </p:nvPr>
+        </p:nvSpPr>
+        <p:spPr/>
+      </p:sp>
+      <p:sp>
+        <p:nvSpPr>
+          <p:cNvPr id="3" name="Marcador de notas 2"/>
+          <p:cNvSpPr>
+            <a:spLocks noGrp="1"/>
+          </p:cNvSpPr>
+          <p:nvPr>
+            <p:ph type="body" idx="1"/>
+          </p:nvPr>
+        </p:nvSpPr>
+        <p:spPr/>
+        <p:txBody>
+          <a:bodyPr/>
+          <a:lstStyle/>
+          <a:p>
+            <a:endParaRPr lang="es-ES" dirty="0"/>
+          </a:p>
+        </p:txBody>
+      </p:sp>
+      <p:sp>
+        <p:nvSpPr>
+          <p:cNvPr id="4" name="Marcador de número de diapositiva 3"/>
+          <p:cNvSpPr>
+            <a:spLocks noGrp="1"/>
+          </p:cNvSpPr>
+          <p:nvPr>
+            <p:ph type="sldNum" sz="quarter" idx="5"/>
+          </p:nvPr>
+        </p:nvSpPr>
+        <p:spPr/>
+        <p:txBody>
+          <a:bodyPr/>
+          <a:lstStyle/>
+          <a:p>
+            <a:fld id="{45EDAE93-6FDE-8F45-8B84-73D9258E281C}" type="slidenum">
+              <a:rPr lang="es-ES" smtClean="0"/>
+              <a:t>13</a:t>
+            </a:fld>
+            <a:endParaRPr lang="es-ES"/>
+          </a:p>
+        </p:txBody>
+      </p:sp>
+    </p:spTree>
+    <p:extLst>
+      <p:ext uri="{BB962C8B-B14F-4D97-AF65-F5344CB8AC3E}">
+        <p14:creationId xmlns:p14="http://schemas.microsoft.com/office/powerpoint/2010/main" val="3615901706"/>
+      </p:ext>
+    </p:extLst>
+  </p:cSld>
+  <p:clrMapOvr>
+    <a:masterClrMapping/>
+  </p:clrMapOvr>
+</p:notes>
+</file>
+
+<file path=ppt/notesSlides/notesSlide11.xml><?xml version="1.0" encoding="utf-8"?>
+<p:notes xmlns:a="http://schemas.openxmlformats.org/drawingml/2006/main" xmlns:r="http://schemas.openxmlformats.org/officeDocument/2006/relationships" xmlns:p="http://schemas.openxmlformats.org/presentationml/2006/main">
+  <p:cSld>
+    <p:spTree>
+      <p:nvGrpSpPr>
+        <p:cNvPr id="1" name=""/>
+        <p:cNvGrpSpPr/>
+        <p:nvPr/>
+      </p:nvGrpSpPr>
+      <p:grpSpPr>
+        <a:xfrm>
+          <a:off x="0" y="0"/>
+          <a:ext cx="0" cy="0"/>
+          <a:chOff x="0" y="0"/>
+          <a:chExt cx="0" cy="0"/>
+        </a:xfrm>
+      </p:grpSpPr>
+      <p:sp>
+        <p:nvSpPr>
+          <p:cNvPr id="2" name="Marcador de imagen de diapositiva 1"/>
+          <p:cNvSpPr>
+            <a:spLocks noGrp="1" noRot="1" noChangeAspect="1"/>
+          </p:cNvSpPr>
+          <p:nvPr>
+            <p:ph type="sldImg"/>
+          </p:nvPr>
+        </p:nvSpPr>
+        <p:spPr/>
+      </p:sp>
+      <p:sp>
+        <p:nvSpPr>
+          <p:cNvPr id="3" name="Marcador de notas 2"/>
+          <p:cNvSpPr>
+            <a:spLocks noGrp="1"/>
+          </p:cNvSpPr>
+          <p:nvPr>
+            <p:ph type="body" idx="1"/>
+          </p:nvPr>
+        </p:nvSpPr>
+        <p:spPr/>
+        <p:txBody>
+          <a:bodyPr/>
+          <a:lstStyle/>
+          <a:p>
+            <a:endParaRPr lang="es-ES" dirty="0"/>
+          </a:p>
+        </p:txBody>
+      </p:sp>
+      <p:sp>
+        <p:nvSpPr>
+          <p:cNvPr id="4" name="Marcador de número de diapositiva 3"/>
+          <p:cNvSpPr>
+            <a:spLocks noGrp="1"/>
+          </p:cNvSpPr>
+          <p:nvPr>
+            <p:ph type="sldNum" sz="quarter" idx="5"/>
+          </p:nvPr>
+        </p:nvSpPr>
+        <p:spPr/>
+        <p:txBody>
+          <a:bodyPr/>
+          <a:lstStyle/>
+          <a:p>
+            <a:fld id="{45EDAE93-6FDE-8F45-8B84-73D9258E281C}" type="slidenum">
+              <a:rPr lang="es-ES" smtClean="0"/>
+              <a:t>14</a:t>
+            </a:fld>
+            <a:endParaRPr lang="es-ES"/>
+          </a:p>
+        </p:txBody>
+      </p:sp>
+    </p:spTree>
+    <p:extLst>
+      <p:ext uri="{BB962C8B-B14F-4D97-AF65-F5344CB8AC3E}">
+        <p14:creationId xmlns:p14="http://schemas.microsoft.com/office/powerpoint/2010/main" val="2223143646"/>
+      </p:ext>
+    </p:extLst>
+  </p:cSld>
+  <p:clrMapOvr>
+    <a:masterClrMapping/>
+  </p:clrMapOvr>
+</p:notes>
+</file>
+
+<file path=ppt/notesSlides/notesSlide12.xml><?xml version="1.0" encoding="utf-8"?>
+<p:notes xmlns:a="http://schemas.openxmlformats.org/drawingml/2006/main" xmlns:r="http://schemas.openxmlformats.org/officeDocument/2006/relationships" xmlns:p="http://schemas.openxmlformats.org/presentationml/2006/main">
+  <p:cSld>
+    <p:spTree>
+      <p:nvGrpSpPr>
+        <p:cNvPr id="1" name=""/>
+        <p:cNvGrpSpPr/>
+        <p:nvPr/>
+      </p:nvGrpSpPr>
+      <p:grpSpPr>
+        <a:xfrm>
+          <a:off x="0" y="0"/>
+          <a:ext cx="0" cy="0"/>
+          <a:chOff x="0" y="0"/>
+          <a:chExt cx="0" cy="0"/>
+        </a:xfrm>
+      </p:grpSpPr>
+      <p:sp>
+        <p:nvSpPr>
+          <p:cNvPr id="2" name="Marcador de imagen de diapositiva 1"/>
+          <p:cNvSpPr>
+            <a:spLocks noGrp="1" noRot="1" noChangeAspect="1"/>
+          </p:cNvSpPr>
+          <p:nvPr>
+            <p:ph type="sldImg"/>
+          </p:nvPr>
+        </p:nvSpPr>
+        <p:spPr/>
+      </p:sp>
+      <p:sp>
+        <p:nvSpPr>
+          <p:cNvPr id="3" name="Marcador de notas 2"/>
+          <p:cNvSpPr>
+            <a:spLocks noGrp="1"/>
+          </p:cNvSpPr>
+          <p:nvPr>
+            <p:ph type="body" idx="1"/>
+          </p:nvPr>
+        </p:nvSpPr>
+        <p:spPr/>
+        <p:txBody>
+          <a:bodyPr/>
+          <a:lstStyle/>
+          <a:p>
+            <a:r>
+              <a:rPr lang="es-ES" sz="1200" b="0" i="0" kern="1200" dirty="0">
+                <a:solidFill>
+                  <a:schemeClr val="tx1"/>
+                </a:solidFill>
+                <a:effectLst/>
+                <a:latin typeface="+mn-lt"/>
+                <a:ea typeface="+mn-ea"/>
+                <a:cs typeface="+mn-cs"/>
+              </a:rPr>
+              <a:t>La puntuación de </a:t>
+            </a:r>
+            <a:r>
+              <a:rPr lang="es-ES" sz="1200" b="1" i="0" kern="1200" dirty="0">
+                <a:solidFill>
+                  <a:schemeClr val="tx1"/>
+                </a:solidFill>
+                <a:effectLst/>
+                <a:latin typeface="+mn-lt"/>
+                <a:ea typeface="+mn-ea"/>
+                <a:cs typeface="+mn-cs"/>
+              </a:rPr>
+              <a:t>silueta</a:t>
+            </a:r>
+            <a:r>
+              <a:rPr lang="es-ES" sz="1200" b="0" i="0" kern="1200" dirty="0">
+                <a:solidFill>
+                  <a:schemeClr val="tx1"/>
+                </a:solidFill>
+                <a:effectLst/>
+                <a:latin typeface="+mn-lt"/>
+                <a:ea typeface="+mn-ea"/>
+                <a:cs typeface="+mn-cs"/>
+              </a:rPr>
+              <a:t> se utiliza para evaluar la calidad de los conglomerados creados mediante algoritmos de conglomerados como K-</a:t>
+            </a:r>
+            <a:r>
+              <a:rPr lang="es-ES" sz="1200" b="0" i="0" kern="1200" dirty="0" err="1">
+                <a:solidFill>
+                  <a:schemeClr val="tx1"/>
+                </a:solidFill>
+                <a:effectLst/>
+                <a:latin typeface="+mn-lt"/>
+                <a:ea typeface="+mn-ea"/>
+                <a:cs typeface="+mn-cs"/>
+              </a:rPr>
+              <a:t>Means</a:t>
+            </a:r>
+            <a:r>
+              <a:rPr lang="es-ES" sz="1200" b="0" i="0" kern="1200" dirty="0">
+                <a:solidFill>
+                  <a:schemeClr val="tx1"/>
+                </a:solidFill>
+                <a:effectLst/>
+                <a:latin typeface="+mn-lt"/>
+                <a:ea typeface="+mn-ea"/>
+                <a:cs typeface="+mn-cs"/>
+              </a:rPr>
+              <a:t> en términos de qué tan bien se agrupan las muestras con otras muestras que son similares entre sí.</a:t>
+            </a:r>
+            <a:endParaRPr lang="es-ES" dirty="0"/>
+          </a:p>
+        </p:txBody>
+      </p:sp>
+      <p:sp>
+        <p:nvSpPr>
+          <p:cNvPr id="4" name="Marcador de número de diapositiva 3"/>
+          <p:cNvSpPr>
+            <a:spLocks noGrp="1"/>
+          </p:cNvSpPr>
+          <p:nvPr>
+            <p:ph type="sldNum" sz="quarter" idx="5"/>
+          </p:nvPr>
+        </p:nvSpPr>
+        <p:spPr/>
+        <p:txBody>
+          <a:bodyPr/>
+          <a:lstStyle/>
+          <a:p>
+            <a:fld id="{45EDAE93-6FDE-8F45-8B84-73D9258E281C}" type="slidenum">
+              <a:rPr lang="es-ES" smtClean="0"/>
+              <a:t>15</a:t>
+            </a:fld>
+            <a:endParaRPr lang="es-ES"/>
+          </a:p>
+        </p:txBody>
+      </p:sp>
+    </p:spTree>
+    <p:extLst>
+      <p:ext uri="{BB962C8B-B14F-4D97-AF65-F5344CB8AC3E}">
+        <p14:creationId xmlns:p14="http://schemas.microsoft.com/office/powerpoint/2010/main" val="3485940937"/>
+      </p:ext>
+    </p:extLst>
+  </p:cSld>
+  <p:clrMapOvr>
+    <a:masterClrMapping/>
+  </p:clrMapOvr>
+</p:notes>
+</file>
+
+<file path=ppt/notesSlides/notesSlide13.xml><?xml version="1.0" encoding="utf-8"?>
+<p:notes xmlns:a="http://schemas.openxmlformats.org/drawingml/2006/main" xmlns:r="http://schemas.openxmlformats.org/officeDocument/2006/relationships" xmlns:p="http://schemas.openxmlformats.org/presentationml/2006/main">
+  <p:cSld>
+    <p:spTree>
+      <p:nvGrpSpPr>
+        <p:cNvPr id="1" name=""/>
+        <p:cNvGrpSpPr/>
+        <p:nvPr/>
+      </p:nvGrpSpPr>
+      <p:grpSpPr>
+        <a:xfrm>
+          <a:off x="0" y="0"/>
+          <a:ext cx="0" cy="0"/>
+          <a:chOff x="0" y="0"/>
+          <a:chExt cx="0" cy="0"/>
+        </a:xfrm>
+      </p:grpSpPr>
+      <p:sp>
+        <p:nvSpPr>
+          <p:cNvPr id="2" name="Marcador de imagen de diapositiva 1"/>
+          <p:cNvSpPr>
+            <a:spLocks noGrp="1" noRot="1" noChangeAspect="1"/>
+          </p:cNvSpPr>
+          <p:nvPr>
+            <p:ph type="sldImg"/>
+          </p:nvPr>
+        </p:nvSpPr>
+        <p:spPr/>
+      </p:sp>
+      <p:sp>
+        <p:nvSpPr>
+          <p:cNvPr id="3" name="Marcador de notas 2"/>
+          <p:cNvSpPr>
+            <a:spLocks noGrp="1"/>
+          </p:cNvSpPr>
+          <p:nvPr>
+            <p:ph type="body" idx="1"/>
+          </p:nvPr>
+        </p:nvSpPr>
+        <p:spPr/>
+        <p:txBody>
+          <a:bodyPr/>
+          <a:lstStyle/>
+          <a:p>
+            <a:r>
+              <a:rPr lang="es-ES" dirty="0"/>
+              <a:t>Inercia: </a:t>
+            </a:r>
+            <a:r>
+              <a:rPr lang="es-ES" dirty="0" err="1"/>
+              <a:t>metrica</a:t>
+            </a:r>
+            <a:r>
+              <a:rPr lang="es-ES" dirty="0"/>
+              <a:t> de rendimiento que mide la distancia cuadrática media entre cada instancia y su centroide. </a:t>
+            </a:r>
+          </a:p>
+        </p:txBody>
+      </p:sp>
+      <p:sp>
+        <p:nvSpPr>
+          <p:cNvPr id="4" name="Marcador de número de diapositiva 3"/>
+          <p:cNvSpPr>
+            <a:spLocks noGrp="1"/>
+          </p:cNvSpPr>
+          <p:nvPr>
+            <p:ph type="sldNum" sz="quarter" idx="5"/>
+          </p:nvPr>
+        </p:nvSpPr>
+        <p:spPr/>
+        <p:txBody>
+          <a:bodyPr/>
+          <a:lstStyle/>
+          <a:p>
+            <a:fld id="{45EDAE93-6FDE-8F45-8B84-73D9258E281C}" type="slidenum">
+              <a:rPr lang="es-ES" smtClean="0"/>
+              <a:t>16</a:t>
+            </a:fld>
+            <a:endParaRPr lang="es-ES"/>
+          </a:p>
+        </p:txBody>
+      </p:sp>
+    </p:spTree>
+    <p:extLst>
+      <p:ext uri="{BB962C8B-B14F-4D97-AF65-F5344CB8AC3E}">
+        <p14:creationId xmlns:p14="http://schemas.microsoft.com/office/powerpoint/2010/main" val="1168860174"/>
+      </p:ext>
+    </p:extLst>
+  </p:cSld>
+  <p:clrMapOvr>
+    <a:masterClrMapping/>
+  </p:clrMapOvr>
+</p:notes>
+</file>
+
+<file path=ppt/notesSlides/notesSlide14.xml><?xml version="1.0" encoding="utf-8"?>
+<p:notes xmlns:a="http://schemas.openxmlformats.org/drawingml/2006/main" xmlns:r="http://schemas.openxmlformats.org/officeDocument/2006/relationships" xmlns:p="http://schemas.openxmlformats.org/presentationml/2006/main">
+  <p:cSld>
+    <p:spTree>
+      <p:nvGrpSpPr>
+        <p:cNvPr id="1" name=""/>
+        <p:cNvGrpSpPr/>
+        <p:nvPr/>
+      </p:nvGrpSpPr>
+      <p:grpSpPr>
+        <a:xfrm>
+          <a:off x="0" y="0"/>
+          <a:ext cx="0" cy="0"/>
+          <a:chOff x="0" y="0"/>
+          <a:chExt cx="0" cy="0"/>
+        </a:xfrm>
+      </p:grpSpPr>
+      <p:sp>
+        <p:nvSpPr>
+          <p:cNvPr id="2" name="Marcador de imagen de diapositiva 1"/>
+          <p:cNvSpPr>
+            <a:spLocks noGrp="1" noRot="1" noChangeAspect="1"/>
+          </p:cNvSpPr>
+          <p:nvPr>
+            <p:ph type="sldImg"/>
+          </p:nvPr>
+        </p:nvSpPr>
+        <p:spPr/>
+      </p:sp>
+      <p:sp>
+        <p:nvSpPr>
+          <p:cNvPr id="3" name="Marcador de notas 2"/>
+          <p:cNvSpPr>
+            <a:spLocks noGrp="1"/>
+          </p:cNvSpPr>
+          <p:nvPr>
+            <p:ph type="body" idx="1"/>
+          </p:nvPr>
+        </p:nvSpPr>
+        <p:spPr/>
+        <p:txBody>
+          <a:bodyPr/>
+          <a:lstStyle/>
+          <a:p>
+            <a:r>
+              <a:rPr lang="es-ES" dirty="0"/>
+              <a:t>En este gráfico podemos ver la clasificación de nuestros datos actuales que podemos llamar </a:t>
+            </a:r>
+            <a:r>
+              <a:rPr lang="es-ES" dirty="0" err="1"/>
+              <a:t>train</a:t>
+            </a:r>
+            <a:r>
+              <a:rPr lang="es-ES" dirty="0"/>
+              <a:t>. Esto nos denota 5 categorías. Posterior identificaremos que productos sean mejor para </a:t>
+            </a:r>
+            <a:r>
+              <a:rPr lang="es-ES"/>
+              <a:t>cada grupo. </a:t>
+            </a:r>
+            <a:endParaRPr lang="es-ES" dirty="0"/>
+          </a:p>
+        </p:txBody>
+      </p:sp>
+      <p:sp>
+        <p:nvSpPr>
+          <p:cNvPr id="4" name="Marcador de número de diapositiva 3"/>
+          <p:cNvSpPr>
+            <a:spLocks noGrp="1"/>
+          </p:cNvSpPr>
+          <p:nvPr>
+            <p:ph type="sldNum" sz="quarter" idx="5"/>
+          </p:nvPr>
+        </p:nvSpPr>
+        <p:spPr/>
+        <p:txBody>
+          <a:bodyPr/>
+          <a:lstStyle/>
+          <a:p>
+            <a:fld id="{45EDAE93-6FDE-8F45-8B84-73D9258E281C}" type="slidenum">
+              <a:rPr lang="es-ES" smtClean="0"/>
+              <a:t>17</a:t>
+            </a:fld>
+            <a:endParaRPr lang="es-ES"/>
+          </a:p>
+        </p:txBody>
+      </p:sp>
+    </p:spTree>
+    <p:extLst>
+      <p:ext uri="{BB962C8B-B14F-4D97-AF65-F5344CB8AC3E}">
+        <p14:creationId xmlns:p14="http://schemas.microsoft.com/office/powerpoint/2010/main" val="589927699"/>
+      </p:ext>
+    </p:extLst>
+  </p:cSld>
+  <p:clrMapOvr>
+    <a:masterClrMapping/>
+  </p:clrMapOvr>
+</p:notes>
+</file>
+
 <file path=ppt/notesSlides/notesSlide2.xml><?xml version="1.0" encoding="utf-8"?>
 <p:notes xmlns:a="http://schemas.openxmlformats.org/drawingml/2006/main" xmlns:r="http://schemas.openxmlformats.org/officeDocument/2006/relationships" xmlns:p="http://schemas.openxmlformats.org/presentationml/2006/main">
   <p:cSld>
@@ -11303,6 +11816,174 @@
     <p:extLst>
       <p:ext uri="{BB962C8B-B14F-4D97-AF65-F5344CB8AC3E}">
         <p14:creationId xmlns:p14="http://schemas.microsoft.com/office/powerpoint/2010/main" val="844893310"/>
+      </p:ext>
+    </p:extLst>
+  </p:cSld>
+  <p:clrMapOvr>
+    <a:masterClrMapping/>
+  </p:clrMapOvr>
+</p:notes>
+</file>
+
+<file path=ppt/notesSlides/notesSlide8.xml><?xml version="1.0" encoding="utf-8"?>
+<p:notes xmlns:a="http://schemas.openxmlformats.org/drawingml/2006/main" xmlns:r="http://schemas.openxmlformats.org/officeDocument/2006/relationships" xmlns:p="http://schemas.openxmlformats.org/presentationml/2006/main">
+  <p:cSld>
+    <p:spTree>
+      <p:nvGrpSpPr>
+        <p:cNvPr id="1" name=""/>
+        <p:cNvGrpSpPr/>
+        <p:nvPr/>
+      </p:nvGrpSpPr>
+      <p:grpSpPr>
+        <a:xfrm>
+          <a:off x="0" y="0"/>
+          <a:ext cx="0" cy="0"/>
+          <a:chOff x="0" y="0"/>
+          <a:chExt cx="0" cy="0"/>
+        </a:xfrm>
+      </p:grpSpPr>
+      <p:sp>
+        <p:nvSpPr>
+          <p:cNvPr id="2" name="Marcador de imagen de diapositiva 1"/>
+          <p:cNvSpPr>
+            <a:spLocks noGrp="1" noRot="1" noChangeAspect="1"/>
+          </p:cNvSpPr>
+          <p:nvPr>
+            <p:ph type="sldImg"/>
+          </p:nvPr>
+        </p:nvSpPr>
+        <p:spPr/>
+      </p:sp>
+      <p:sp>
+        <p:nvSpPr>
+          <p:cNvPr id="3" name="Marcador de notas 2"/>
+          <p:cNvSpPr>
+            <a:spLocks noGrp="1"/>
+          </p:cNvSpPr>
+          <p:nvPr>
+            <p:ph type="body" idx="1"/>
+          </p:nvPr>
+        </p:nvSpPr>
+        <p:spPr/>
+        <p:txBody>
+          <a:bodyPr/>
+          <a:lstStyle/>
+          <a:p>
+            <a:endParaRPr lang="es-ES" dirty="0"/>
+          </a:p>
+        </p:txBody>
+      </p:sp>
+      <p:sp>
+        <p:nvSpPr>
+          <p:cNvPr id="4" name="Marcador de número de diapositiva 3"/>
+          <p:cNvSpPr>
+            <a:spLocks noGrp="1"/>
+          </p:cNvSpPr>
+          <p:nvPr>
+            <p:ph type="sldNum" sz="quarter" idx="5"/>
+          </p:nvPr>
+        </p:nvSpPr>
+        <p:spPr/>
+        <p:txBody>
+          <a:bodyPr/>
+          <a:lstStyle/>
+          <a:p>
+            <a:fld id="{45EDAE93-6FDE-8F45-8B84-73D9258E281C}" type="slidenum">
+              <a:rPr lang="es-ES" smtClean="0"/>
+              <a:t>11</a:t>
+            </a:fld>
+            <a:endParaRPr lang="es-ES"/>
+          </a:p>
+        </p:txBody>
+      </p:sp>
+    </p:spTree>
+    <p:extLst>
+      <p:ext uri="{BB962C8B-B14F-4D97-AF65-F5344CB8AC3E}">
+        <p14:creationId xmlns:p14="http://schemas.microsoft.com/office/powerpoint/2010/main" val="1226574473"/>
+      </p:ext>
+    </p:extLst>
+  </p:cSld>
+  <p:clrMapOvr>
+    <a:masterClrMapping/>
+  </p:clrMapOvr>
+</p:notes>
+</file>
+
+<file path=ppt/notesSlides/notesSlide9.xml><?xml version="1.0" encoding="utf-8"?>
+<p:notes xmlns:a="http://schemas.openxmlformats.org/drawingml/2006/main" xmlns:r="http://schemas.openxmlformats.org/officeDocument/2006/relationships" xmlns:p="http://schemas.openxmlformats.org/presentationml/2006/main">
+  <p:cSld>
+    <p:spTree>
+      <p:nvGrpSpPr>
+        <p:cNvPr id="1" name=""/>
+        <p:cNvGrpSpPr/>
+        <p:nvPr/>
+      </p:nvGrpSpPr>
+      <p:grpSpPr>
+        <a:xfrm>
+          <a:off x="0" y="0"/>
+          <a:ext cx="0" cy="0"/>
+          <a:chOff x="0" y="0"/>
+          <a:chExt cx="0" cy="0"/>
+        </a:xfrm>
+      </p:grpSpPr>
+      <p:sp>
+        <p:nvSpPr>
+          <p:cNvPr id="2" name="Marcador de imagen de diapositiva 1"/>
+          <p:cNvSpPr>
+            <a:spLocks noGrp="1" noRot="1" noChangeAspect="1"/>
+          </p:cNvSpPr>
+          <p:nvPr>
+            <p:ph type="sldImg"/>
+          </p:nvPr>
+        </p:nvSpPr>
+        <p:spPr/>
+      </p:sp>
+      <p:sp>
+        <p:nvSpPr>
+          <p:cNvPr id="3" name="Marcador de notas 2"/>
+          <p:cNvSpPr>
+            <a:spLocks noGrp="1"/>
+          </p:cNvSpPr>
+          <p:nvPr>
+            <p:ph type="body" idx="1"/>
+          </p:nvPr>
+        </p:nvSpPr>
+        <p:spPr/>
+        <p:txBody>
+          <a:bodyPr/>
+          <a:lstStyle/>
+          <a:p>
+            <a:endParaRPr lang="es-ES" dirty="0"/>
+          </a:p>
+        </p:txBody>
+      </p:sp>
+      <p:sp>
+        <p:nvSpPr>
+          <p:cNvPr id="4" name="Marcador de número de diapositiva 3"/>
+          <p:cNvSpPr>
+            <a:spLocks noGrp="1"/>
+          </p:cNvSpPr>
+          <p:nvPr>
+            <p:ph type="sldNum" sz="quarter" idx="5"/>
+          </p:nvPr>
+        </p:nvSpPr>
+        <p:spPr/>
+        <p:txBody>
+          <a:bodyPr/>
+          <a:lstStyle/>
+          <a:p>
+            <a:fld id="{45EDAE93-6FDE-8F45-8B84-73D9258E281C}" type="slidenum">
+              <a:rPr lang="es-ES" smtClean="0"/>
+              <a:t>12</a:t>
+            </a:fld>
+            <a:endParaRPr lang="es-ES"/>
+          </a:p>
+        </p:txBody>
+      </p:sp>
+    </p:spTree>
+    <p:extLst>
+      <p:ext uri="{BB962C8B-B14F-4D97-AF65-F5344CB8AC3E}">
+        <p14:creationId xmlns:p14="http://schemas.microsoft.com/office/powerpoint/2010/main" val="308266757"/>
       </p:ext>
     </p:extLst>
   </p:cSld>
@@ -21893,6 +22574,593 @@
 <file path=ppt/slides/slide11.xml><?xml version="1.0" encoding="utf-8"?>
 <p:sld xmlns:a="http://schemas.openxmlformats.org/drawingml/2006/main" xmlns:r="http://schemas.openxmlformats.org/officeDocument/2006/relationships" xmlns:p="http://schemas.openxmlformats.org/presentationml/2006/main">
   <p:cSld>
+    <p:bg>
+      <p:bgPr>
+        <a:blipFill>
+          <a:blip r:embed="rId3"/>
+          <a:stretch/>
+        </a:blipFill>
+        <a:effectLst/>
+      </p:bgPr>
+    </p:bg>
+    <p:spTree>
+      <p:nvGrpSpPr>
+        <p:cNvPr id="1" name=""/>
+        <p:cNvGrpSpPr/>
+        <p:nvPr/>
+      </p:nvGrpSpPr>
+      <p:grpSpPr>
+        <a:xfrm>
+          <a:off x="0" y="0"/>
+          <a:ext cx="0" cy="0"/>
+          <a:chOff x="0" y="0"/>
+          <a:chExt cx="0" cy="0"/>
+        </a:xfrm>
+      </p:grpSpPr>
+      <p:pic>
+        <p:nvPicPr>
+          <p:cNvPr id="10" name="Picture 9">
+            <a:extLst>
+              <a:ext uri="{FF2B5EF4-FFF2-40B4-BE49-F238E27FC236}">
+                <a16:creationId xmlns:a16="http://schemas.microsoft.com/office/drawing/2014/main" id="{CBECFFDC-94DB-4DA3-94FE-22FEDDA8FA30}"/>
+              </a:ext>
+              <a:ext uri="{C183D7F6-B498-43B3-948B-1728B52AA6E4}">
+                <adec:decorative xmlns:adec="http://schemas.microsoft.com/office/drawing/2017/decorative" val="1"/>
+              </a:ext>
+            </a:extLst>
+          </p:cNvPr>
+          <p:cNvPicPr>
+            <a:picLocks noGrp="1" noRot="1" noChangeAspect="1" noMove="1" noResize="1" noEditPoints="1" noAdjustHandles="1" noChangeArrowheads="1" noChangeShapeType="1" noCrop="1"/>
+          </p:cNvPicPr>
+          <p:nvPr>
+            <p:extLst>
+              <p:ext uri="{386F3935-93C4-4BCD-93E2-E3B085C9AB24}">
+                <p16:designElem xmlns:p16="http://schemas.microsoft.com/office/powerpoint/2015/main" val="1"/>
+              </p:ext>
+            </p:extLst>
+          </p:nvPr>
+        </p:nvPicPr>
+        <p:blipFill>
+          <a:blip r:embed="rId4">
+            <a:extLst>
+              <a:ext uri="{28A0092B-C50C-407E-A947-70E740481C1C}">
+                <a14:useLocalDpi xmlns:a14="http://schemas.microsoft.com/office/drawing/2010/main" val="0"/>
+              </a:ext>
+            </a:extLst>
+          </a:blip>
+          <a:stretch>
+            <a:fillRect/>
+          </a:stretch>
+        </p:blipFill>
+        <p:spPr>
+          <a:xfrm>
+            <a:off x="0" y="0"/>
+            <a:ext cx="12188825" cy="6856214"/>
+          </a:xfrm>
+          <a:prstGeom prst="rect">
+            <a:avLst/>
+          </a:prstGeom>
+        </p:spPr>
+      </p:pic>
+      <p:pic>
+        <p:nvPicPr>
+          <p:cNvPr id="5" name="Marcador de contenido 4" descr="Gráfico&#10;&#10;Descripción generada automáticamente con confianza media">
+            <a:extLst>
+              <a:ext uri="{FF2B5EF4-FFF2-40B4-BE49-F238E27FC236}">
+                <a16:creationId xmlns:a16="http://schemas.microsoft.com/office/drawing/2014/main" id="{5F3A45E7-B79F-8C20-6AC1-355931208FD7}"/>
+              </a:ext>
+            </a:extLst>
+          </p:cNvPr>
+          <p:cNvPicPr>
+            <a:picLocks noChangeAspect="1"/>
+          </p:cNvPicPr>
+          <p:nvPr/>
+        </p:nvPicPr>
+        <p:blipFill rotWithShape="1">
+          <a:blip r:embed="rId5"/>
+          <a:srcRect t="884" r="-1" b="12856"/>
+          <a:stretch/>
+        </p:blipFill>
+        <p:spPr>
+          <a:xfrm>
+            <a:off x="-1" y="0"/>
+            <a:ext cx="9781309" cy="6858000"/>
+          </a:xfrm>
+          <a:prstGeom prst="rect">
+            <a:avLst/>
+          </a:prstGeom>
+        </p:spPr>
+      </p:pic>
+      <p:pic>
+        <p:nvPicPr>
+          <p:cNvPr id="20" name="Picture 11">
+            <a:extLst>
+              <a:ext uri="{FF2B5EF4-FFF2-40B4-BE49-F238E27FC236}">
+                <a16:creationId xmlns:a16="http://schemas.microsoft.com/office/drawing/2014/main" id="{98BF0107-3463-486E-B9EE-5A5727B4F7FB}"/>
+              </a:ext>
+              <a:ext uri="{C183D7F6-B498-43B3-948B-1728B52AA6E4}">
+                <adec:decorative xmlns:adec="http://schemas.microsoft.com/office/drawing/2017/decorative" val="1"/>
+              </a:ext>
+            </a:extLst>
+          </p:cNvPr>
+          <p:cNvPicPr>
+            <a:picLocks noGrp="1" noRot="1" noChangeAspect="1" noMove="1" noResize="1" noEditPoints="1" noAdjustHandles="1" noChangeArrowheads="1" noChangeShapeType="1" noCrop="1"/>
+          </p:cNvPicPr>
+          <p:nvPr>
+            <p:extLst>
+              <p:ext uri="{386F3935-93C4-4BCD-93E2-E3B085C9AB24}">
+                <p16:designElem xmlns:p16="http://schemas.microsoft.com/office/powerpoint/2015/main" val="1"/>
+              </p:ext>
+            </p:extLst>
+          </p:nvPr>
+        </p:nvPicPr>
+        <p:blipFill>
+          <a:blip r:embed="rId6">
+            <a:extLst>
+              <a:ext uri="{28A0092B-C50C-407E-A947-70E740481C1C}">
+                <a14:useLocalDpi xmlns:a14="http://schemas.microsoft.com/office/drawing/2010/main" val="0"/>
+              </a:ext>
+            </a:extLst>
+          </a:blip>
+          <a:stretch>
+            <a:fillRect/>
+          </a:stretch>
+        </p:blipFill>
+        <p:spPr>
+          <a:xfrm>
+            <a:off x="0" y="0"/>
+            <a:ext cx="12188825" cy="6856214"/>
+          </a:xfrm>
+          <a:prstGeom prst="rect">
+            <a:avLst/>
+          </a:prstGeom>
+        </p:spPr>
+      </p:pic>
+      <p:sp>
+        <p:nvSpPr>
+          <p:cNvPr id="2" name="Título 1">
+            <a:extLst>
+              <a:ext uri="{FF2B5EF4-FFF2-40B4-BE49-F238E27FC236}">
+                <a16:creationId xmlns:a16="http://schemas.microsoft.com/office/drawing/2014/main" id="{5F825D65-A136-D137-461D-91E11A66FF02}"/>
+              </a:ext>
+            </a:extLst>
+          </p:cNvPr>
+          <p:cNvSpPr>
+            <a:spLocks noGrp="1"/>
+          </p:cNvSpPr>
+          <p:nvPr>
+            <p:ph type="title"/>
+          </p:nvPr>
+        </p:nvSpPr>
+        <p:spPr>
+          <a:xfrm>
+            <a:off x="9476508" y="1894994"/>
+            <a:ext cx="2584161" cy="2421464"/>
+          </a:xfrm>
+        </p:spPr>
+        <p:txBody>
+          <a:bodyPr vert="horz" lIns="91440" tIns="45720" rIns="91440" bIns="45720" rtlCol="0" anchor="b">
+            <a:normAutofit/>
+          </a:bodyPr>
+          <a:lstStyle/>
+          <a:p>
+            <a:pPr algn="r">
+              <a:lnSpc>
+                <a:spcPct val="90000"/>
+              </a:lnSpc>
+            </a:pPr>
+            <a:r>
+              <a:rPr lang="en-US" sz="3200" dirty="0" err="1"/>
+              <a:t>Mapa</a:t>
+            </a:r>
+            <a:r>
+              <a:rPr lang="en-US" sz="3200" dirty="0"/>
+              <a:t> de </a:t>
+            </a:r>
+            <a:r>
+              <a:rPr lang="en-US" sz="3200" dirty="0" err="1"/>
+              <a:t>Calor</a:t>
+            </a:r>
+            <a:r>
+              <a:rPr lang="en-US" sz="3200" dirty="0"/>
+              <a:t> de </a:t>
+            </a:r>
+            <a:r>
+              <a:rPr lang="en-US" sz="3200" dirty="0" err="1"/>
+              <a:t>correlación</a:t>
+            </a:r>
+            <a:endParaRPr lang="en-US" sz="3200" dirty="0"/>
+          </a:p>
+        </p:txBody>
+      </p:sp>
+    </p:spTree>
+    <p:extLst>
+      <p:ext uri="{BB962C8B-B14F-4D97-AF65-F5344CB8AC3E}">
+        <p14:creationId xmlns:p14="http://schemas.microsoft.com/office/powerpoint/2010/main" val="3670396813"/>
+      </p:ext>
+    </p:extLst>
+  </p:cSld>
+  <p:clrMapOvr>
+    <a:masterClrMapping/>
+  </p:clrMapOvr>
+  <p:timing>
+    <p:tnLst>
+      <p:par>
+        <p:cTn id="1" dur="indefinite" restart="never" nodeType="tmRoot">
+          <p:childTnLst>
+            <p:seq concurrent="1" nextAc="seek">
+              <p:cTn id="2" dur="indefinite" nodeType="mainSeq">
+                <p:childTnLst>
+                  <p:par>
+                    <p:cTn id="3" fill="hold">
+                      <p:stCondLst>
+                        <p:cond delay="indefinite"/>
+                        <p:cond evt="onBegin" delay="0">
+                          <p:tn val="2"/>
+                        </p:cond>
+                      </p:stCondLst>
+                      <p:childTnLst>
+                        <p:par>
+                          <p:cTn id="4" fill="hold">
+                            <p:stCondLst>
+                              <p:cond delay="0"/>
+                            </p:stCondLst>
+                            <p:childTnLst>
+                              <p:par>
+                                <p:cTn id="5" presetID="10" presetClass="entr" presetSubtype="0" fill="hold" grpId="0" nodeType="withEffect">
+                                  <p:stCondLst>
+                                    <p:cond delay="1000"/>
+                                  </p:stCondLst>
+                                  <p:iterate type="lt">
+                                    <p:tmPct val="10000"/>
+                                  </p:iterate>
+                                  <p:childTnLst>
+                                    <p:set>
+                                      <p:cBhvr>
+                                        <p:cTn id="6" dur="1" fill="hold">
+                                          <p:stCondLst>
+                                            <p:cond delay="0"/>
+                                          </p:stCondLst>
+                                        </p:cTn>
+                                        <p:tgtEl>
+                                          <p:spTgt spid="2"/>
+                                        </p:tgtEl>
+                                        <p:attrNameLst>
+                                          <p:attrName>style.visibility</p:attrName>
+                                        </p:attrNameLst>
+                                      </p:cBhvr>
+                                      <p:to>
+                                        <p:strVal val="visible"/>
+                                      </p:to>
+                                    </p:set>
+                                    <p:animEffect transition="in" filter="fade">
+                                      <p:cBhvr>
+                                        <p:cTn id="7" dur="400"/>
+                                        <p:tgtEl>
+                                          <p:spTgt spid="2"/>
+                                        </p:tgtEl>
+                                      </p:cBhvr>
+                                    </p:animEffect>
+                                  </p:childTnLst>
+                                </p:cTn>
+                              </p:par>
+                            </p:childTnLst>
+                          </p:cTn>
+                        </p:par>
+                      </p:childTnLst>
+                    </p:cTn>
+                  </p:par>
+                </p:childTnLst>
+              </p:cTn>
+              <p:prevCondLst>
+                <p:cond evt="onPrev" delay="0">
+                  <p:tgtEl>
+                    <p:sldTgt/>
+                  </p:tgtEl>
+                </p:cond>
+              </p:prevCondLst>
+              <p:nextCondLst>
+                <p:cond evt="onNext" delay="0">
+                  <p:tgtEl>
+                    <p:sldTgt/>
+                  </p:tgtEl>
+                </p:cond>
+              </p:nextCondLst>
+            </p:seq>
+          </p:childTnLst>
+        </p:cTn>
+      </p:par>
+    </p:tnLst>
+    <p:bldLst>
+      <p:bldP spid="2" grpId="0"/>
+    </p:bldLst>
+  </p:timing>
+</p:sld>
+</file>
+
+<file path=ppt/slides/slide12.xml><?xml version="1.0" encoding="utf-8"?>
+<p:sld xmlns:a="http://schemas.openxmlformats.org/drawingml/2006/main" xmlns:r="http://schemas.openxmlformats.org/officeDocument/2006/relationships" xmlns:p="http://schemas.openxmlformats.org/presentationml/2006/main">
+  <p:cSld>
+    <p:bg>
+      <p:bgPr>
+        <a:blipFill>
+          <a:blip r:embed="rId3"/>
+          <a:stretch/>
+        </a:blipFill>
+        <a:effectLst/>
+      </p:bgPr>
+    </p:bg>
+    <p:spTree>
+      <p:nvGrpSpPr>
+        <p:cNvPr id="1" name=""/>
+        <p:cNvGrpSpPr/>
+        <p:nvPr/>
+      </p:nvGrpSpPr>
+      <p:grpSpPr>
+        <a:xfrm>
+          <a:off x="0" y="0"/>
+          <a:ext cx="0" cy="0"/>
+          <a:chOff x="0" y="0"/>
+          <a:chExt cx="0" cy="0"/>
+        </a:xfrm>
+      </p:grpSpPr>
+      <p:sp useBgFill="1">
+        <p:nvSpPr>
+          <p:cNvPr id="8" name="Rectangle 7">
+            <a:extLst>
+              <a:ext uri="{FF2B5EF4-FFF2-40B4-BE49-F238E27FC236}">
+                <a16:creationId xmlns:a16="http://schemas.microsoft.com/office/drawing/2014/main" id="{50E53EDA-3B94-4F6B-9E86-D3BB9EBB9616}"/>
+              </a:ext>
+              <a:ext uri="{C183D7F6-B498-43B3-948B-1728B52AA6E4}">
+                <adec:decorative xmlns:adec="http://schemas.microsoft.com/office/drawing/2017/decorative" val="1"/>
+              </a:ext>
+            </a:extLst>
+          </p:cNvPr>
+          <p:cNvSpPr>
+            <a:spLocks noGrp="1" noRot="1" noChangeAspect="1" noMove="1" noResize="1" noEditPoints="1" noAdjustHandles="1" noChangeArrowheads="1" noChangeShapeType="1" noTextEdit="1"/>
+          </p:cNvSpPr>
+          <p:nvPr>
+            <p:extLst>
+              <p:ext uri="{386F3935-93C4-4BCD-93E2-E3B085C9AB24}">
+                <p16:designElem xmlns:p16="http://schemas.microsoft.com/office/powerpoint/2015/main" val="1"/>
+              </p:ext>
+            </p:extLst>
+          </p:nvPr>
+        </p:nvSpPr>
+        <p:spPr>
+          <a:xfrm>
+            <a:off x="0" y="0"/>
+            <a:ext cx="12192000" cy="6858000"/>
+          </a:xfrm>
+          <a:prstGeom prst="rect">
+            <a:avLst/>
+          </a:prstGeom>
+          <a:ln>
+            <a:noFill/>
+          </a:ln>
+        </p:spPr>
+        <p:style>
+          <a:lnRef idx="2">
+            <a:schemeClr val="accent1">
+              <a:shade val="50000"/>
+            </a:schemeClr>
+          </a:lnRef>
+          <a:fillRef idx="1">
+            <a:schemeClr val="accent1"/>
+          </a:fillRef>
+          <a:effectRef idx="0">
+            <a:schemeClr val="accent1"/>
+          </a:effectRef>
+          <a:fontRef idx="minor">
+            <a:schemeClr val="lt1"/>
+          </a:fontRef>
+        </p:style>
+        <p:txBody>
+          <a:bodyPr rtlCol="0" anchor="ctr"/>
+          <a:lstStyle/>
+          <a:p>
+            <a:pPr algn="ctr"/>
+            <a:endParaRPr lang="en-US"/>
+          </a:p>
+        </p:txBody>
+      </p:sp>
+      <p:sp>
+        <p:nvSpPr>
+          <p:cNvPr id="2" name="Título 1">
+            <a:extLst>
+              <a:ext uri="{FF2B5EF4-FFF2-40B4-BE49-F238E27FC236}">
+                <a16:creationId xmlns:a16="http://schemas.microsoft.com/office/drawing/2014/main" id="{C37EAE00-1D6D-A7DD-A9B7-394D5F03ADCF}"/>
+              </a:ext>
+            </a:extLst>
+          </p:cNvPr>
+          <p:cNvSpPr>
+            <a:spLocks noGrp="1"/>
+          </p:cNvSpPr>
+          <p:nvPr>
+            <p:ph type="title"/>
+          </p:nvPr>
+        </p:nvSpPr>
+        <p:spPr>
+          <a:xfrm>
+            <a:off x="685799" y="1150076"/>
+            <a:ext cx="3659389" cy="4557849"/>
+          </a:xfrm>
+        </p:spPr>
+        <p:txBody>
+          <a:bodyPr>
+            <a:normAutofit/>
+          </a:bodyPr>
+          <a:lstStyle/>
+          <a:p>
+            <a:pPr algn="r">
+              <a:lnSpc>
+                <a:spcPct val="90000"/>
+              </a:lnSpc>
+            </a:pPr>
+            <a:r>
+              <a:rPr lang="es-ES" sz="2500"/>
+              <a:t>Podemos usar un bloque aleatorio para predecir la cantidad de compras en la tienda y luego usar el puntaje de importancia de las características del modelo para clasificar los factores.</a:t>
+            </a:r>
+            <a:br>
+              <a:rPr lang="es-ES" sz="2500"/>
+            </a:br>
+            <a:endParaRPr lang="es-ES" sz="2500"/>
+          </a:p>
+        </p:txBody>
+      </p:sp>
+      <p:cxnSp>
+        <p:nvCxnSpPr>
+          <p:cNvPr id="10" name="Straight Connector 9">
+            <a:extLst>
+              <a:ext uri="{FF2B5EF4-FFF2-40B4-BE49-F238E27FC236}">
+                <a16:creationId xmlns:a16="http://schemas.microsoft.com/office/drawing/2014/main" id="{30EFD79F-7790-479B-B7DB-BD0D8C101DDD}"/>
+              </a:ext>
+              <a:ext uri="{C183D7F6-B498-43B3-948B-1728B52AA6E4}">
+                <adec:decorative xmlns:adec="http://schemas.microsoft.com/office/drawing/2017/decorative" val="1"/>
+              </a:ext>
+            </a:extLst>
+          </p:cNvPr>
+          <p:cNvCxnSpPr>
+            <a:cxnSpLocks noGrp="1" noRot="1" noChangeAspect="1" noMove="1" noResize="1" noEditPoints="1" noAdjustHandles="1" noChangeArrowheads="1" noChangeShapeType="1"/>
+          </p:cNvCxnSpPr>
+          <p:nvPr>
+            <p:extLst>
+              <p:ext uri="{386F3935-93C4-4BCD-93E2-E3B085C9AB24}">
+                <p16:designElem xmlns:p16="http://schemas.microsoft.com/office/powerpoint/2015/main" val="1"/>
+              </p:ext>
+            </p:extLst>
+          </p:nvPr>
+        </p:nvCxnSpPr>
+        <p:spPr>
+          <a:xfrm>
+            <a:off x="4666923" y="1668780"/>
+            <a:ext cx="0" cy="3520440"/>
+          </a:xfrm>
+          <a:prstGeom prst="line">
+            <a:avLst/>
+          </a:prstGeom>
+          <a:ln w="19050"/>
+        </p:spPr>
+        <p:style>
+          <a:lnRef idx="1">
+            <a:schemeClr val="accent1"/>
+          </a:lnRef>
+          <a:fillRef idx="0">
+            <a:schemeClr val="accent1"/>
+          </a:fillRef>
+          <a:effectRef idx="0">
+            <a:schemeClr val="accent1"/>
+          </a:effectRef>
+          <a:fontRef idx="minor">
+            <a:schemeClr val="tx1"/>
+          </a:fontRef>
+        </p:style>
+      </p:cxnSp>
+      <p:sp>
+        <p:nvSpPr>
+          <p:cNvPr id="3" name="Marcador de contenido 2">
+            <a:extLst>
+              <a:ext uri="{FF2B5EF4-FFF2-40B4-BE49-F238E27FC236}">
+                <a16:creationId xmlns:a16="http://schemas.microsoft.com/office/drawing/2014/main" id="{82CA77F0-C6AC-46D3-E2ED-6D94A75B39DF}"/>
+              </a:ext>
+            </a:extLst>
+          </p:cNvPr>
+          <p:cNvSpPr>
+            <a:spLocks noGrp="1"/>
+          </p:cNvSpPr>
+          <p:nvPr>
+            <p:ph idx="1"/>
+          </p:nvPr>
+        </p:nvSpPr>
+        <p:spPr>
+          <a:xfrm>
+            <a:off x="4988658" y="1150076"/>
+            <a:ext cx="6517543" cy="4557849"/>
+          </a:xfrm>
+        </p:spPr>
+        <p:txBody>
+          <a:bodyPr>
+            <a:normAutofit/>
+          </a:bodyPr>
+          <a:lstStyle/>
+          <a:p>
+            <a:r>
+              <a:rPr lang="es-ES" dirty="0"/>
+              <a:t>Consideramos 7 factores principales son: </a:t>
+            </a:r>
+          </a:p>
+          <a:p>
+            <a:r>
+              <a:rPr lang="es-ES" dirty="0"/>
+              <a:t>1. Monto total gastado en los últimos dos años </a:t>
+            </a:r>
+          </a:p>
+          <a:p>
+            <a:r>
+              <a:rPr lang="es-ES" dirty="0"/>
+              <a:t>2. Volumen medio de pedidos </a:t>
+            </a:r>
+          </a:p>
+          <a:p>
+            <a:r>
+              <a:rPr lang="es-ES" dirty="0"/>
+              <a:t>3. Número total de compras en los últimos dos años </a:t>
+            </a:r>
+          </a:p>
+          <a:p>
+            <a:r>
+              <a:rPr lang="es-ES" dirty="0"/>
+              <a:t>4. Cantidad gastada en vino en los últimos 2 años </a:t>
+            </a:r>
+          </a:p>
+          <a:p>
+            <a:r>
+              <a:rPr lang="es-ES" dirty="0"/>
+              <a:t>5. Número de compras realizadas por catálogo </a:t>
+            </a:r>
+          </a:p>
+          <a:p>
+            <a:r>
+              <a:rPr lang="es-ES" dirty="0"/>
+              <a:t>6. Número de visitas al sitio web de la empresa en el último mes </a:t>
+            </a:r>
+          </a:p>
+          <a:p>
+            <a:r>
+              <a:rPr lang="es-ES" dirty="0"/>
+              <a:t>7. Número total de compras a través del sitio web en los últimos dos años </a:t>
+            </a:r>
+          </a:p>
+          <a:p>
+            <a:endParaRPr lang="es-ES" dirty="0"/>
+          </a:p>
+        </p:txBody>
+      </p:sp>
+    </p:spTree>
+    <p:extLst>
+      <p:ext uri="{BB962C8B-B14F-4D97-AF65-F5344CB8AC3E}">
+        <p14:creationId xmlns:p14="http://schemas.microsoft.com/office/powerpoint/2010/main" val="1582578336"/>
+      </p:ext>
+    </p:extLst>
+  </p:cSld>
+  <p:clrMapOvr>
+    <a:masterClrMapping/>
+  </p:clrMapOvr>
+</p:sld>
+</file>
+
+<file path=ppt/slides/slide13.xml><?xml version="1.0" encoding="utf-8"?>
+<p:sld xmlns:a="http://schemas.openxmlformats.org/drawingml/2006/main" xmlns:r="http://schemas.openxmlformats.org/officeDocument/2006/relationships" xmlns:p="http://schemas.openxmlformats.org/presentationml/2006/main">
+  <p:cSld>
+    <p:bg>
+      <p:bgPr>
+        <a:blipFill>
+          <a:blip r:embed="rId3"/>
+          <a:stretch/>
+        </a:blipFill>
+        <a:effectLst/>
+      </p:bgPr>
+    </p:bg>
     <p:spTree>
       <p:nvGrpSpPr>
         <p:cNvPr id="1" name=""/>
@@ -21912,7 +23180,7 @@
           <p:cNvPr id="2" name="Título 1">
             <a:extLst>
               <a:ext uri="{FF2B5EF4-FFF2-40B4-BE49-F238E27FC236}">
-                <a16:creationId xmlns:a16="http://schemas.microsoft.com/office/drawing/2014/main" id="{5F825D65-A136-D137-461D-91E11A66FF02}"/>
+                <a16:creationId xmlns:a16="http://schemas.microsoft.com/office/drawing/2014/main" id="{096EFE5F-1F08-DAB4-DDE1-B8D65DCF8E12}"/>
               </a:ext>
             </a:extLst>
           </p:cNvPr>
@@ -21923,21 +23191,64 @@
             <p:ph type="title"/>
           </p:nvPr>
         </p:nvSpPr>
-        <p:spPr/>
+        <p:spPr>
+          <a:xfrm>
+            <a:off x="4955458" y="639097"/>
+            <a:ext cx="6593075" cy="1612490"/>
+          </a:xfrm>
+        </p:spPr>
         <p:txBody>
-          <a:bodyPr/>
+          <a:bodyPr>
+            <a:normAutofit/>
+          </a:bodyPr>
           <a:lstStyle/>
           <a:p>
-            <a:endParaRPr lang="es-ES"/>
+            <a:r>
+              <a:rPr lang="es-ES" dirty="0" err="1"/>
+              <a:t>Clustering</a:t>
+            </a:r>
+            <a:r>
+              <a:rPr lang="es-ES" dirty="0"/>
+              <a:t> </a:t>
+            </a:r>
           </a:p>
         </p:txBody>
       </p:sp>
+      <p:pic>
+        <p:nvPicPr>
+          <p:cNvPr id="9" name="Picture 8" descr="Vista superior de cubos conectados con líneas negras">
+            <a:extLst>
+              <a:ext uri="{FF2B5EF4-FFF2-40B4-BE49-F238E27FC236}">
+                <a16:creationId xmlns:a16="http://schemas.microsoft.com/office/drawing/2014/main" id="{8983E13B-90FB-0EBE-439D-EC50792F6678}"/>
+              </a:ext>
+            </a:extLst>
+          </p:cNvPr>
+          <p:cNvPicPr>
+            <a:picLocks noChangeAspect="1"/>
+          </p:cNvPicPr>
+          <p:nvPr/>
+        </p:nvPicPr>
+        <p:blipFill rotWithShape="1">
+          <a:blip r:embed="rId4"/>
+          <a:srcRect l="29611" r="19689"/>
+          <a:stretch/>
+        </p:blipFill>
+        <p:spPr>
+          <a:xfrm>
+            <a:off x="20" y="975"/>
+            <a:ext cx="4635988" cy="6858000"/>
+          </a:xfrm>
+          <a:prstGeom prst="rect">
+            <a:avLst/>
+          </a:prstGeom>
+        </p:spPr>
+      </p:pic>
       <p:sp>
         <p:nvSpPr>
-          <p:cNvPr id="3" name="Marcador de contenido 2">
+          <p:cNvPr id="7" name="Marcador de contenido 6">
             <a:extLst>
               <a:ext uri="{FF2B5EF4-FFF2-40B4-BE49-F238E27FC236}">
-                <a16:creationId xmlns:a16="http://schemas.microsoft.com/office/drawing/2014/main" id="{95692D3B-3D65-DE13-4044-1B465B499D10}"/>
+                <a16:creationId xmlns:a16="http://schemas.microsoft.com/office/drawing/2014/main" id="{78175074-9211-68AF-DCB0-BEEF830BA29E}"/>
               </a:ext>
             </a:extLst>
           </p:cNvPr>
@@ -21948,25 +23259,769 @@
             <p:ph idx="1"/>
           </p:nvPr>
         </p:nvSpPr>
-        <p:spPr/>
+        <p:spPr>
+          <a:xfrm>
+            <a:off x="4955458" y="2251587"/>
+            <a:ext cx="6593075" cy="3972232"/>
+          </a:xfrm>
+        </p:spPr>
         <p:txBody>
-          <a:bodyPr/>
+          <a:bodyPr>
+            <a:normAutofit/>
+          </a:bodyPr>
           <a:lstStyle/>
           <a:p>
-            <a:endParaRPr lang="es-ES"/>
+            <a:r>
+              <a:rPr lang="es-ES" dirty="0"/>
+              <a:t>Hemos realizado una estandarización de datos con dos modelos:</a:t>
+            </a:r>
+          </a:p>
+          <a:p>
+            <a:r>
+              <a:rPr lang="es-ES" dirty="0"/>
+              <a:t>1. Estandarización estándar</a:t>
+            </a:r>
+          </a:p>
+          <a:p>
+            <a:r>
+              <a:rPr lang="es-ES" dirty="0"/>
+              <a:t>2. Estandarización Robusta( Reduce los </a:t>
+            </a:r>
+            <a:r>
+              <a:rPr lang="es-ES" dirty="0" err="1"/>
+              <a:t>outliers</a:t>
+            </a:r>
+            <a:r>
+              <a:rPr lang="es-ES" dirty="0"/>
+              <a:t> de nuestro modelo )</a:t>
+            </a:r>
+          </a:p>
+          <a:p>
+            <a:endParaRPr lang="es-ES" dirty="0"/>
           </a:p>
         </p:txBody>
       </p:sp>
     </p:spTree>
     <p:extLst>
       <p:ext uri="{BB962C8B-B14F-4D97-AF65-F5344CB8AC3E}">
-        <p14:creationId xmlns:p14="http://schemas.microsoft.com/office/powerpoint/2010/main" val="3670396813"/>
+        <p14:creationId xmlns:p14="http://schemas.microsoft.com/office/powerpoint/2010/main" val="2074500310"/>
       </p:ext>
     </p:extLst>
   </p:cSld>
   <p:clrMapOvr>
     <a:masterClrMapping/>
   </p:clrMapOvr>
+</p:sld>
+</file>
+
+<file path=ppt/slides/slide14.xml><?xml version="1.0" encoding="utf-8"?>
+<p:sld xmlns:a="http://schemas.openxmlformats.org/drawingml/2006/main" xmlns:r="http://schemas.openxmlformats.org/officeDocument/2006/relationships" xmlns:p="http://schemas.openxmlformats.org/presentationml/2006/main">
+  <p:cSld>
+    <p:bg>
+      <p:bgPr>
+        <a:blipFill>
+          <a:blip r:embed="rId3"/>
+          <a:stretch/>
+        </a:blipFill>
+        <a:effectLst/>
+      </p:bgPr>
+    </p:bg>
+    <p:spTree>
+      <p:nvGrpSpPr>
+        <p:cNvPr id="1" name=""/>
+        <p:cNvGrpSpPr/>
+        <p:nvPr/>
+      </p:nvGrpSpPr>
+      <p:grpSpPr>
+        <a:xfrm>
+          <a:off x="0" y="0"/>
+          <a:ext cx="0" cy="0"/>
+          <a:chOff x="0" y="0"/>
+          <a:chExt cx="0" cy="0"/>
+        </a:xfrm>
+      </p:grpSpPr>
+      <p:sp>
+        <p:nvSpPr>
+          <p:cNvPr id="2" name="Título 1">
+            <a:extLst>
+              <a:ext uri="{FF2B5EF4-FFF2-40B4-BE49-F238E27FC236}">
+                <a16:creationId xmlns:a16="http://schemas.microsoft.com/office/drawing/2014/main" id="{D51BF8C8-F5CA-D350-9FA2-CC29BF97F565}"/>
+              </a:ext>
+            </a:extLst>
+          </p:cNvPr>
+          <p:cNvSpPr>
+            <a:spLocks noGrp="1"/>
+          </p:cNvSpPr>
+          <p:nvPr>
+            <p:ph type="title"/>
+          </p:nvPr>
+        </p:nvSpPr>
+        <p:spPr>
+          <a:xfrm>
+            <a:off x="632651" y="643465"/>
+            <a:ext cx="3746091" cy="5571072"/>
+          </a:xfrm>
+        </p:spPr>
+        <p:txBody>
+          <a:bodyPr>
+            <a:normAutofit/>
+          </a:bodyPr>
+          <a:lstStyle/>
+          <a:p>
+            <a:r>
+              <a:rPr lang="es-ES" dirty="0" err="1"/>
+              <a:t>Clasificacion</a:t>
+            </a:r>
+            <a:r>
+              <a:rPr lang="es-ES" dirty="0"/>
+              <a:t> 1 </a:t>
+            </a:r>
+          </a:p>
+        </p:txBody>
+      </p:sp>
+      <p:sp>
+        <p:nvSpPr>
+          <p:cNvPr id="3" name="Marcador de contenido 2">
+            <a:extLst>
+              <a:ext uri="{FF2B5EF4-FFF2-40B4-BE49-F238E27FC236}">
+                <a16:creationId xmlns:a16="http://schemas.microsoft.com/office/drawing/2014/main" id="{97C9EBF6-944F-3494-DF3F-A6C62D82A8FD}"/>
+              </a:ext>
+            </a:extLst>
+          </p:cNvPr>
+          <p:cNvSpPr>
+            <a:spLocks noGrp="1"/>
+          </p:cNvSpPr>
+          <p:nvPr>
+            <p:ph idx="1"/>
+          </p:nvPr>
+        </p:nvSpPr>
+        <p:spPr>
+          <a:xfrm>
+            <a:off x="4709650" y="643464"/>
+            <a:ext cx="6838883" cy="3731891"/>
+          </a:xfrm>
+        </p:spPr>
+        <p:txBody>
+          <a:bodyPr>
+            <a:normAutofit/>
+          </a:bodyPr>
+          <a:lstStyle/>
+          <a:p>
+            <a:r>
+              <a:rPr lang="es-ES" dirty="0"/>
+              <a:t>Hemos realizado un </a:t>
+            </a:r>
+            <a:r>
+              <a:rPr lang="es-ES" dirty="0" err="1"/>
+              <a:t>Clustering</a:t>
+            </a:r>
+            <a:r>
+              <a:rPr lang="es-ES" dirty="0"/>
+              <a:t> con el </a:t>
+            </a:r>
+            <a:r>
+              <a:rPr lang="es-ES" dirty="0" err="1"/>
+              <a:t>metodo</a:t>
+            </a:r>
+            <a:r>
+              <a:rPr lang="es-ES" dirty="0"/>
+              <a:t> K-</a:t>
+            </a:r>
+            <a:r>
+              <a:rPr lang="es-ES" dirty="0" err="1"/>
+              <a:t>Means</a:t>
+            </a:r>
+            <a:r>
+              <a:rPr lang="es-ES" dirty="0"/>
+              <a:t> para predecir los clientes que tendremos y enfocar la campaña de marketing</a:t>
+            </a:r>
+          </a:p>
+          <a:p>
+            <a:r>
+              <a:rPr lang="es-ES" dirty="0"/>
+              <a:t>Hemos seleccionado las siguientes variables. </a:t>
+            </a:r>
+          </a:p>
+          <a:p>
+            <a:r>
+              <a:rPr lang="es-ES" dirty="0"/>
+              <a:t>Se ha pasado por un proceso de </a:t>
+            </a:r>
+            <a:r>
+              <a:rPr lang="es-ES" dirty="0" err="1"/>
+              <a:t>get_dummies</a:t>
+            </a:r>
+            <a:r>
+              <a:rPr lang="es-ES" dirty="0"/>
+              <a:t> las variables para poder procesarlas</a:t>
+            </a:r>
+            <a:br>
+              <a:rPr lang="es-ES" dirty="0"/>
+            </a:br>
+            <a:endParaRPr lang="es-ES" dirty="0"/>
+          </a:p>
+          <a:p>
+            <a:endParaRPr lang="es-ES" dirty="0"/>
+          </a:p>
+        </p:txBody>
+      </p:sp>
+      <p:pic>
+        <p:nvPicPr>
+          <p:cNvPr id="4" name="Imagen 3">
+            <a:extLst>
+              <a:ext uri="{FF2B5EF4-FFF2-40B4-BE49-F238E27FC236}">
+                <a16:creationId xmlns:a16="http://schemas.microsoft.com/office/drawing/2014/main" id="{2B71B14B-8C89-CEDC-369C-E875038EF34A}"/>
+              </a:ext>
+            </a:extLst>
+          </p:cNvPr>
+          <p:cNvPicPr>
+            <a:picLocks noChangeAspect="1"/>
+          </p:cNvPicPr>
+          <p:nvPr/>
+        </p:nvPicPr>
+        <p:blipFill>
+          <a:blip r:embed="rId4"/>
+          <a:stretch>
+            <a:fillRect/>
+          </a:stretch>
+        </p:blipFill>
+        <p:spPr>
+          <a:xfrm>
+            <a:off x="4709652" y="4583500"/>
+            <a:ext cx="6838882" cy="1590038"/>
+          </a:xfrm>
+          <a:prstGeom prst="roundRect">
+            <a:avLst>
+              <a:gd name="adj" fmla="val 4380"/>
+            </a:avLst>
+          </a:prstGeom>
+          <a:ln w="50800" cap="sq" cmpd="dbl">
+            <a:gradFill flip="none" rotWithShape="1">
+              <a:gsLst>
+                <a:gs pos="0">
+                  <a:srgbClr val="FFFFFF"/>
+                </a:gs>
+                <a:gs pos="100000">
+                  <a:schemeClr val="tx1">
+                    <a:alpha val="0"/>
+                  </a:schemeClr>
+                </a:gs>
+              </a:gsLst>
+              <a:path path="circle">
+                <a:fillToRect l="50000" t="50000" r="50000" b="50000"/>
+              </a:path>
+              <a:tileRect/>
+            </a:gradFill>
+            <a:miter lim="800000"/>
+          </a:ln>
+          <a:effectLst>
+            <a:outerShdw blurRad="254000" algn="tl" rotWithShape="0">
+              <a:srgbClr val="000000">
+                <a:alpha val="43000"/>
+              </a:srgbClr>
+            </a:outerShdw>
+          </a:effectLst>
+        </p:spPr>
+      </p:pic>
+    </p:spTree>
+    <p:extLst>
+      <p:ext uri="{BB962C8B-B14F-4D97-AF65-F5344CB8AC3E}">
+        <p14:creationId xmlns:p14="http://schemas.microsoft.com/office/powerpoint/2010/main" val="798706836"/>
+      </p:ext>
+    </p:extLst>
+  </p:cSld>
+  <p:clrMapOvr>
+    <a:masterClrMapping/>
+  </p:clrMapOvr>
+</p:sld>
+</file>
+
+<file path=ppt/slides/slide15.xml><?xml version="1.0" encoding="utf-8"?>
+<p:sld xmlns:a="http://schemas.openxmlformats.org/drawingml/2006/main" xmlns:r="http://schemas.openxmlformats.org/officeDocument/2006/relationships" xmlns:p="http://schemas.openxmlformats.org/presentationml/2006/main">
+  <p:cSld>
+    <p:bg>
+      <p:bgPr>
+        <a:blipFill>
+          <a:blip r:embed="rId3"/>
+          <a:stretch/>
+        </a:blipFill>
+        <a:effectLst/>
+      </p:bgPr>
+    </p:bg>
+    <p:spTree>
+      <p:nvGrpSpPr>
+        <p:cNvPr id="1" name=""/>
+        <p:cNvGrpSpPr/>
+        <p:nvPr/>
+      </p:nvGrpSpPr>
+      <p:grpSpPr>
+        <a:xfrm>
+          <a:off x="0" y="0"/>
+          <a:ext cx="0" cy="0"/>
+          <a:chOff x="0" y="0"/>
+          <a:chExt cx="0" cy="0"/>
+        </a:xfrm>
+      </p:grpSpPr>
+      <p:sp>
+        <p:nvSpPr>
+          <p:cNvPr id="2" name="Título 1">
+            <a:extLst>
+              <a:ext uri="{FF2B5EF4-FFF2-40B4-BE49-F238E27FC236}">
+                <a16:creationId xmlns:a16="http://schemas.microsoft.com/office/drawing/2014/main" id="{B1812027-7E24-7537-C905-60E50FB96D21}"/>
+              </a:ext>
+            </a:extLst>
+          </p:cNvPr>
+          <p:cNvSpPr>
+            <a:spLocks noGrp="1"/>
+          </p:cNvSpPr>
+          <p:nvPr>
+            <p:ph type="title"/>
+          </p:nvPr>
+        </p:nvSpPr>
+        <p:spPr>
+          <a:xfrm>
+            <a:off x="8616921" y="2047720"/>
+            <a:ext cx="3706762" cy="1608124"/>
+          </a:xfrm>
+        </p:spPr>
+        <p:txBody>
+          <a:bodyPr>
+            <a:normAutofit/>
+          </a:bodyPr>
+          <a:lstStyle/>
+          <a:p>
+            <a:r>
+              <a:rPr lang="es-ES" dirty="0"/>
+              <a:t>Score de la silueta</a:t>
+            </a:r>
+          </a:p>
+        </p:txBody>
+      </p:sp>
+      <p:pic>
+        <p:nvPicPr>
+          <p:cNvPr id="5" name="Marcador de contenido 4" descr="Gráfico, Gráfico de líneas&#10;&#10;Descripción generada automáticamente">
+            <a:extLst>
+              <a:ext uri="{FF2B5EF4-FFF2-40B4-BE49-F238E27FC236}">
+                <a16:creationId xmlns:a16="http://schemas.microsoft.com/office/drawing/2014/main" id="{C53C6AE1-DE21-8E14-FD9B-4247D6C388F9}"/>
+              </a:ext>
+            </a:extLst>
+          </p:cNvPr>
+          <p:cNvPicPr>
+            <a:picLocks noChangeAspect="1"/>
+          </p:cNvPicPr>
+          <p:nvPr/>
+        </p:nvPicPr>
+        <p:blipFill rotWithShape="1">
+          <a:blip r:embed="rId4"/>
+          <a:srcRect l="1777" r="24336" b="-1"/>
+          <a:stretch/>
+        </p:blipFill>
+        <p:spPr>
+          <a:xfrm>
+            <a:off x="574139" y="0"/>
+            <a:ext cx="7552924" cy="6858000"/>
+          </a:xfrm>
+          <a:prstGeom prst="rect">
+            <a:avLst/>
+          </a:prstGeom>
+        </p:spPr>
+      </p:pic>
+    </p:spTree>
+    <p:extLst>
+      <p:ext uri="{BB962C8B-B14F-4D97-AF65-F5344CB8AC3E}">
+        <p14:creationId xmlns:p14="http://schemas.microsoft.com/office/powerpoint/2010/main" val="2416612942"/>
+      </p:ext>
+    </p:extLst>
+  </p:cSld>
+  <p:clrMapOvr>
+    <a:masterClrMapping/>
+  </p:clrMapOvr>
+</p:sld>
+</file>
+
+<file path=ppt/slides/slide16.xml><?xml version="1.0" encoding="utf-8"?>
+<p:sld xmlns:a="http://schemas.openxmlformats.org/drawingml/2006/main" xmlns:r="http://schemas.openxmlformats.org/officeDocument/2006/relationships" xmlns:p="http://schemas.openxmlformats.org/presentationml/2006/main">
+  <p:cSld>
+    <p:spTree>
+      <p:nvGrpSpPr>
+        <p:cNvPr id="1" name=""/>
+        <p:cNvGrpSpPr/>
+        <p:nvPr/>
+      </p:nvGrpSpPr>
+      <p:grpSpPr>
+        <a:xfrm>
+          <a:off x="0" y="0"/>
+          <a:ext cx="0" cy="0"/>
+          <a:chOff x="0" y="0"/>
+          <a:chExt cx="0" cy="0"/>
+        </a:xfrm>
+      </p:grpSpPr>
+      <p:sp>
+        <p:nvSpPr>
+          <p:cNvPr id="2" name="Título 1">
+            <a:extLst>
+              <a:ext uri="{FF2B5EF4-FFF2-40B4-BE49-F238E27FC236}">
+                <a16:creationId xmlns:a16="http://schemas.microsoft.com/office/drawing/2014/main" id="{A41D7729-2B09-4FAF-4215-6134929B113C}"/>
+              </a:ext>
+            </a:extLst>
+          </p:cNvPr>
+          <p:cNvSpPr>
+            <a:spLocks noGrp="1"/>
+          </p:cNvSpPr>
+          <p:nvPr>
+            <p:ph type="title"/>
+          </p:nvPr>
+        </p:nvSpPr>
+        <p:spPr>
+          <a:xfrm>
+            <a:off x="228601" y="0"/>
+            <a:ext cx="10131425" cy="1456267"/>
+          </a:xfrm>
+        </p:spPr>
+        <p:txBody>
+          <a:bodyPr/>
+          <a:lstStyle/>
+          <a:p>
+            <a:r>
+              <a:rPr lang="es-ES" dirty="0"/>
+              <a:t>Inercia</a:t>
+            </a:r>
+            <a:br>
+              <a:rPr lang="es-ES" dirty="0"/>
+            </a:br>
+            <a:endParaRPr lang="es-ES" dirty="0"/>
+          </a:p>
+        </p:txBody>
+      </p:sp>
+      <p:pic>
+        <p:nvPicPr>
+          <p:cNvPr id="5" name="Marcador de contenido 4" descr="Gráfico, Gráfico de líneas&#10;&#10;Descripción generada automáticamente">
+            <a:extLst>
+              <a:ext uri="{FF2B5EF4-FFF2-40B4-BE49-F238E27FC236}">
+                <a16:creationId xmlns:a16="http://schemas.microsoft.com/office/drawing/2014/main" id="{793BE29A-6A90-A043-92AA-4F5227FC4EDD}"/>
+              </a:ext>
+            </a:extLst>
+          </p:cNvPr>
+          <p:cNvPicPr>
+            <a:picLocks noGrp="1" noChangeAspect="1"/>
+          </p:cNvPicPr>
+          <p:nvPr>
+            <p:ph idx="1"/>
+          </p:nvPr>
+        </p:nvPicPr>
+        <p:blipFill>
+          <a:blip r:embed="rId3"/>
+          <a:stretch>
+            <a:fillRect/>
+          </a:stretch>
+        </p:blipFill>
+        <p:spPr>
+          <a:xfrm>
+            <a:off x="861375" y="685800"/>
+            <a:ext cx="9498651" cy="6372210"/>
+          </a:xfrm>
+        </p:spPr>
+      </p:pic>
+    </p:spTree>
+    <p:extLst>
+      <p:ext uri="{BB962C8B-B14F-4D97-AF65-F5344CB8AC3E}">
+        <p14:creationId xmlns:p14="http://schemas.microsoft.com/office/powerpoint/2010/main" val="3932765994"/>
+      </p:ext>
+    </p:extLst>
+  </p:cSld>
+  <p:clrMapOvr>
+    <a:masterClrMapping/>
+  </p:clrMapOvr>
+</p:sld>
+</file>
+
+<file path=ppt/slides/slide17.xml><?xml version="1.0" encoding="utf-8"?>
+<p:sld xmlns:a="http://schemas.openxmlformats.org/drawingml/2006/main" xmlns:r="http://schemas.openxmlformats.org/officeDocument/2006/relationships" xmlns:p="http://schemas.openxmlformats.org/presentationml/2006/main">
+  <p:cSld>
+    <p:bg>
+      <p:bgPr>
+        <a:blipFill>
+          <a:blip r:embed="rId3"/>
+          <a:stretch/>
+        </a:blipFill>
+        <a:effectLst/>
+      </p:bgPr>
+    </p:bg>
+    <p:spTree>
+      <p:nvGrpSpPr>
+        <p:cNvPr id="1" name=""/>
+        <p:cNvGrpSpPr/>
+        <p:nvPr/>
+      </p:nvGrpSpPr>
+      <p:grpSpPr>
+        <a:xfrm>
+          <a:off x="0" y="0"/>
+          <a:ext cx="0" cy="0"/>
+          <a:chOff x="0" y="0"/>
+          <a:chExt cx="0" cy="0"/>
+        </a:xfrm>
+      </p:grpSpPr>
+      <p:pic>
+        <p:nvPicPr>
+          <p:cNvPr id="10" name="Picture 9">
+            <a:extLst>
+              <a:ext uri="{FF2B5EF4-FFF2-40B4-BE49-F238E27FC236}">
+                <a16:creationId xmlns:a16="http://schemas.microsoft.com/office/drawing/2014/main" id="{CBECFFDC-94DB-4DA3-94FE-22FEDDA8FA30}"/>
+              </a:ext>
+              <a:ext uri="{C183D7F6-B498-43B3-948B-1728B52AA6E4}">
+                <adec:decorative xmlns:adec="http://schemas.microsoft.com/office/drawing/2017/decorative" val="1"/>
+              </a:ext>
+            </a:extLst>
+          </p:cNvPr>
+          <p:cNvPicPr>
+            <a:picLocks noGrp="1" noRot="1" noChangeAspect="1" noMove="1" noResize="1" noEditPoints="1" noAdjustHandles="1" noChangeArrowheads="1" noChangeShapeType="1" noCrop="1"/>
+          </p:cNvPicPr>
+          <p:nvPr>
+            <p:extLst>
+              <p:ext uri="{386F3935-93C4-4BCD-93E2-E3B085C9AB24}">
+                <p16:designElem xmlns:p16="http://schemas.microsoft.com/office/powerpoint/2015/main" val="1"/>
+              </p:ext>
+            </p:extLst>
+          </p:nvPr>
+        </p:nvPicPr>
+        <p:blipFill>
+          <a:blip r:embed="rId4">
+            <a:extLst>
+              <a:ext uri="{28A0092B-C50C-407E-A947-70E740481C1C}">
+                <a14:useLocalDpi xmlns:a14="http://schemas.microsoft.com/office/drawing/2010/main" val="0"/>
+              </a:ext>
+            </a:extLst>
+          </a:blip>
+          <a:stretch>
+            <a:fillRect/>
+          </a:stretch>
+        </p:blipFill>
+        <p:spPr>
+          <a:xfrm>
+            <a:off x="0" y="0"/>
+            <a:ext cx="12188825" cy="6856214"/>
+          </a:xfrm>
+          <a:prstGeom prst="rect">
+            <a:avLst/>
+          </a:prstGeom>
+        </p:spPr>
+      </p:pic>
+      <p:pic>
+        <p:nvPicPr>
+          <p:cNvPr id="5" name="Marcador de contenido 4" descr="Gráfico, Gráfico circular&#10;&#10;Descripción generada automáticamente">
+            <a:extLst>
+              <a:ext uri="{FF2B5EF4-FFF2-40B4-BE49-F238E27FC236}">
+                <a16:creationId xmlns:a16="http://schemas.microsoft.com/office/drawing/2014/main" id="{762351BE-F121-2A2A-0865-076C6634968B}"/>
+              </a:ext>
+            </a:extLst>
+          </p:cNvPr>
+          <p:cNvPicPr>
+            <a:picLocks noChangeAspect="1"/>
+          </p:cNvPicPr>
+          <p:nvPr/>
+        </p:nvPicPr>
+        <p:blipFill rotWithShape="1">
+          <a:blip r:embed="rId5"/>
+          <a:srcRect b="947"/>
+          <a:stretch/>
+        </p:blipFill>
+        <p:spPr>
+          <a:xfrm>
+            <a:off x="20" y="975"/>
+            <a:ext cx="7552924" cy="6858000"/>
+          </a:xfrm>
+          <a:prstGeom prst="rect">
+            <a:avLst/>
+          </a:prstGeom>
+        </p:spPr>
+      </p:pic>
+      <p:pic>
+        <p:nvPicPr>
+          <p:cNvPr id="12" name="Picture 11">
+            <a:extLst>
+              <a:ext uri="{FF2B5EF4-FFF2-40B4-BE49-F238E27FC236}">
+                <a16:creationId xmlns:a16="http://schemas.microsoft.com/office/drawing/2014/main" id="{98BF0107-3463-486E-B9EE-5A5727B4F7FB}"/>
+              </a:ext>
+              <a:ext uri="{C183D7F6-B498-43B3-948B-1728B52AA6E4}">
+                <adec:decorative xmlns:adec="http://schemas.microsoft.com/office/drawing/2017/decorative" val="1"/>
+              </a:ext>
+            </a:extLst>
+          </p:cNvPr>
+          <p:cNvPicPr>
+            <a:picLocks noGrp="1" noRot="1" noChangeAspect="1" noMove="1" noResize="1" noEditPoints="1" noAdjustHandles="1" noChangeArrowheads="1" noChangeShapeType="1" noCrop="1"/>
+          </p:cNvPicPr>
+          <p:nvPr>
+            <p:extLst>
+              <p:ext uri="{386F3935-93C4-4BCD-93E2-E3B085C9AB24}">
+                <p16:designElem xmlns:p16="http://schemas.microsoft.com/office/powerpoint/2015/main" val="1"/>
+              </p:ext>
+            </p:extLst>
+          </p:nvPr>
+        </p:nvPicPr>
+        <p:blipFill>
+          <a:blip r:embed="rId6">
+            <a:extLst>
+              <a:ext uri="{28A0092B-C50C-407E-A947-70E740481C1C}">
+                <a14:useLocalDpi xmlns:a14="http://schemas.microsoft.com/office/drawing/2010/main" val="0"/>
+              </a:ext>
+            </a:extLst>
+          </a:blip>
+          <a:stretch>
+            <a:fillRect/>
+          </a:stretch>
+        </p:blipFill>
+        <p:spPr>
+          <a:xfrm>
+            <a:off x="0" y="0"/>
+            <a:ext cx="12188825" cy="6856214"/>
+          </a:xfrm>
+          <a:prstGeom prst="rect">
+            <a:avLst/>
+          </a:prstGeom>
+        </p:spPr>
+      </p:pic>
+      <p:sp>
+        <p:nvSpPr>
+          <p:cNvPr id="2" name="Título 1">
+            <a:extLst>
+              <a:ext uri="{FF2B5EF4-FFF2-40B4-BE49-F238E27FC236}">
+                <a16:creationId xmlns:a16="http://schemas.microsoft.com/office/drawing/2014/main" id="{18295425-9442-B5F6-32D7-EAC248AFBE11}"/>
+              </a:ext>
+            </a:extLst>
+          </p:cNvPr>
+          <p:cNvSpPr>
+            <a:spLocks noGrp="1"/>
+          </p:cNvSpPr>
+          <p:nvPr>
+            <p:ph type="title"/>
+          </p:nvPr>
+        </p:nvSpPr>
+        <p:spPr>
+          <a:xfrm>
+            <a:off x="7905135" y="1964267"/>
+            <a:ext cx="3254990" cy="2421464"/>
+          </a:xfrm>
+        </p:spPr>
+        <p:txBody>
+          <a:bodyPr vert="horz" lIns="91440" tIns="45720" rIns="91440" bIns="45720" rtlCol="0" anchor="b">
+            <a:normAutofit/>
+          </a:bodyPr>
+          <a:lstStyle/>
+          <a:p>
+            <a:pPr algn="r">
+              <a:lnSpc>
+                <a:spcPct val="90000"/>
+              </a:lnSpc>
+            </a:pPr>
+            <a:r>
+              <a:rPr lang="en-US" sz="3400"/>
+              <a:t>Segmentacion de nuestros clientes</a:t>
+            </a:r>
+          </a:p>
+        </p:txBody>
+      </p:sp>
+    </p:spTree>
+    <p:extLst>
+      <p:ext uri="{BB962C8B-B14F-4D97-AF65-F5344CB8AC3E}">
+        <p14:creationId xmlns:p14="http://schemas.microsoft.com/office/powerpoint/2010/main" val="2223583000"/>
+      </p:ext>
+    </p:extLst>
+  </p:cSld>
+  <p:clrMapOvr>
+    <a:masterClrMapping/>
+  </p:clrMapOvr>
+  <p:timing>
+    <p:tnLst>
+      <p:par>
+        <p:cTn id="1" dur="indefinite" restart="never" nodeType="tmRoot">
+          <p:childTnLst>
+            <p:seq concurrent="1" nextAc="seek">
+              <p:cTn id="2" dur="indefinite" nodeType="mainSeq">
+                <p:childTnLst>
+                  <p:par>
+                    <p:cTn id="3" fill="hold">
+                      <p:stCondLst>
+                        <p:cond delay="indefinite"/>
+                        <p:cond evt="onBegin" delay="0">
+                          <p:tn val="2"/>
+                        </p:cond>
+                      </p:stCondLst>
+                      <p:childTnLst>
+                        <p:par>
+                          <p:cTn id="4" fill="hold">
+                            <p:stCondLst>
+                              <p:cond delay="0"/>
+                            </p:stCondLst>
+                            <p:childTnLst>
+                              <p:par>
+                                <p:cTn id="5" presetID="10" presetClass="entr" presetSubtype="0" fill="hold" grpId="0" nodeType="withEffect">
+                                  <p:stCondLst>
+                                    <p:cond delay="1000"/>
+                                  </p:stCondLst>
+                                  <p:iterate>
+                                    <p:tmPct val="10000"/>
+                                  </p:iterate>
+                                  <p:childTnLst>
+                                    <p:set>
+                                      <p:cBhvr>
+                                        <p:cTn id="6" dur="1" fill="hold">
+                                          <p:stCondLst>
+                                            <p:cond delay="0"/>
+                                          </p:stCondLst>
+                                        </p:cTn>
+                                        <p:tgtEl>
+                                          <p:spTgt spid="2"/>
+                                        </p:tgtEl>
+                                        <p:attrNameLst>
+                                          <p:attrName>style.visibility</p:attrName>
+                                        </p:attrNameLst>
+                                      </p:cBhvr>
+                                      <p:to>
+                                        <p:strVal val="visible"/>
+                                      </p:to>
+                                    </p:set>
+                                    <p:animEffect transition="in" filter="fade">
+                                      <p:cBhvr>
+                                        <p:cTn id="7" dur="700"/>
+                                        <p:tgtEl>
+                                          <p:spTgt spid="2"/>
+                                        </p:tgtEl>
+                                      </p:cBhvr>
+                                    </p:animEffect>
+                                  </p:childTnLst>
+                                </p:cTn>
+                              </p:par>
+                            </p:childTnLst>
+                          </p:cTn>
+                        </p:par>
+                      </p:childTnLst>
+                    </p:cTn>
+                  </p:par>
+                </p:childTnLst>
+              </p:cTn>
+              <p:prevCondLst>
+                <p:cond evt="onPrev" delay="0">
+                  <p:tgtEl>
+                    <p:sldTgt/>
+                  </p:tgtEl>
+                </p:cond>
+              </p:prevCondLst>
+              <p:nextCondLst>
+                <p:cond evt="onNext" delay="0">
+                  <p:tgtEl>
+                    <p:sldTgt/>
+                  </p:tgtEl>
+                </p:cond>
+              </p:nextCondLst>
+            </p:seq>
+          </p:childTnLst>
+        </p:cTn>
+      </p:par>
+    </p:tnLst>
+    <p:bldLst>
+      <p:bldP spid="2" grpId="0"/>
+    </p:bldLst>
+  </p:timing>
 </p:sld>
 </file>
 

--- a/Presentación_mkt.pptx
+++ b/Presentación_mkt.pptx
@@ -5,7 +5,7 @@
     <p:sldMasterId id="2147484862" r:id="rId1"/>
   </p:sldMasterIdLst>
   <p:notesMasterIdLst>
-    <p:notesMasterId r:id="rId19"/>
+    <p:notesMasterId r:id="rId25"/>
   </p:notesMasterIdLst>
   <p:sldIdLst>
     <p:sldId id="256" r:id="rId2"/>
@@ -19,12 +19,18 @@
     <p:sldId id="264" r:id="rId10"/>
     <p:sldId id="269" r:id="rId11"/>
     <p:sldId id="270" r:id="rId12"/>
-    <p:sldId id="271" r:id="rId13"/>
-    <p:sldId id="272" r:id="rId14"/>
-    <p:sldId id="273" r:id="rId15"/>
-    <p:sldId id="274" r:id="rId16"/>
-    <p:sldId id="275" r:id="rId17"/>
-    <p:sldId id="276" r:id="rId18"/>
+    <p:sldId id="272" r:id="rId13"/>
+    <p:sldId id="273" r:id="rId14"/>
+    <p:sldId id="274" r:id="rId15"/>
+    <p:sldId id="275" r:id="rId16"/>
+    <p:sldId id="276" r:id="rId17"/>
+    <p:sldId id="271" r:id="rId18"/>
+    <p:sldId id="277" r:id="rId19"/>
+    <p:sldId id="279" r:id="rId20"/>
+    <p:sldId id="278" r:id="rId21"/>
+    <p:sldId id="282" r:id="rId22"/>
+    <p:sldId id="280" r:id="rId23"/>
+    <p:sldId id="281" r:id="rId24"/>
   </p:sldIdLst>
   <p:sldSz cx="12192000" cy="6858000"/>
   <p:notesSz cx="6858000" cy="9144000"/>
@@ -2512,6 +2518,1672 @@
     <dgm:fillClrLst meth="repeat">
       <a:schemeClr val="accent2">
         <a:tint val="40000"/>
+      </a:schemeClr>
+    </dgm:fillClrLst>
+    <dgm:linClrLst meth="repeat">
+      <a:schemeClr val="lt1"/>
+    </dgm:linClrLst>
+    <dgm:effectClrLst/>
+    <dgm:txLinClrLst/>
+    <dgm:txFillClrLst meth="repeat">
+      <a:schemeClr val="dk1"/>
+    </dgm:txFillClrLst>
+    <dgm:txEffectClrLst/>
+  </dgm:styleLbl>
+  <dgm:styleLbl name="revTx">
+    <dgm:fillClrLst meth="repeat">
+      <a:schemeClr val="lt1">
+        <a:alpha val="0"/>
+      </a:schemeClr>
+    </dgm:fillClrLst>
+    <dgm:linClrLst meth="repeat">
+      <a:schemeClr val="dk1">
+        <a:alpha val="0"/>
+      </a:schemeClr>
+    </dgm:linClrLst>
+    <dgm:effectClrLst/>
+    <dgm:txLinClrLst/>
+    <dgm:txFillClrLst meth="repeat">
+      <a:schemeClr val="tx1"/>
+    </dgm:txFillClrLst>
+    <dgm:txEffectClrLst/>
+  </dgm:styleLbl>
+</dgm:colorsDef>
+</file>
+
+<file path=ppt/diagrams/colors4.xml><?xml version="1.0" encoding="utf-8"?>
+<dgm:colorsDef xmlns:dgm="http://schemas.openxmlformats.org/drawingml/2006/diagram" xmlns:a="http://schemas.openxmlformats.org/drawingml/2006/main" uniqueId="urn:microsoft.com/office/officeart/2005/8/colors/colorful1">
+  <dgm:title val=""/>
+  <dgm:desc val=""/>
+  <dgm:catLst>
+    <dgm:cat type="colorful" pri="10100"/>
+  </dgm:catLst>
+  <dgm:styleLbl name="node0">
+    <dgm:fillClrLst meth="repeat">
+      <a:schemeClr val="accent1"/>
+    </dgm:fillClrLst>
+    <dgm:linClrLst meth="repeat">
+      <a:schemeClr val="lt1"/>
+    </dgm:linClrLst>
+    <dgm:effectClrLst/>
+    <dgm:txLinClrLst/>
+    <dgm:txFillClrLst/>
+    <dgm:txEffectClrLst/>
+  </dgm:styleLbl>
+  <dgm:styleLbl name="node1">
+    <dgm:fillClrLst meth="repeat">
+      <a:schemeClr val="accent2"/>
+      <a:schemeClr val="accent3"/>
+      <a:schemeClr val="accent4"/>
+      <a:schemeClr val="accent5"/>
+      <a:schemeClr val="accent6"/>
+    </dgm:fillClrLst>
+    <dgm:linClrLst meth="repeat">
+      <a:schemeClr val="lt1"/>
+    </dgm:linClrLst>
+    <dgm:effectClrLst/>
+    <dgm:txLinClrLst/>
+    <dgm:txFillClrLst/>
+    <dgm:txEffectClrLst/>
+  </dgm:styleLbl>
+  <dgm:styleLbl name="alignNode1">
+    <dgm:fillClrLst meth="repeat">
+      <a:schemeClr val="accent2"/>
+      <a:schemeClr val="accent3"/>
+      <a:schemeClr val="accent4"/>
+      <a:schemeClr val="accent5"/>
+      <a:schemeClr val="accent6"/>
+    </dgm:fillClrLst>
+    <dgm:linClrLst meth="repeat">
+      <a:schemeClr val="accent2"/>
+      <a:schemeClr val="accent3"/>
+      <a:schemeClr val="accent4"/>
+      <a:schemeClr val="accent5"/>
+      <a:schemeClr val="accent6"/>
+    </dgm:linClrLst>
+    <dgm:effectClrLst/>
+    <dgm:txLinClrLst/>
+    <dgm:txFillClrLst/>
+    <dgm:txEffectClrLst/>
+  </dgm:styleLbl>
+  <dgm:styleLbl name="lnNode1">
+    <dgm:fillClrLst meth="repeat">
+      <a:schemeClr val="accent2"/>
+      <a:schemeClr val="accent3"/>
+      <a:schemeClr val="accent4"/>
+      <a:schemeClr val="accent5"/>
+      <a:schemeClr val="accent6"/>
+    </dgm:fillClrLst>
+    <dgm:linClrLst meth="repeat">
+      <a:schemeClr val="lt1"/>
+    </dgm:linClrLst>
+    <dgm:effectClrLst/>
+    <dgm:txLinClrLst/>
+    <dgm:txFillClrLst/>
+    <dgm:txEffectClrLst/>
+  </dgm:styleLbl>
+  <dgm:styleLbl name="vennNode1">
+    <dgm:fillClrLst meth="repeat">
+      <a:schemeClr val="accent2">
+        <a:alpha val="50000"/>
+      </a:schemeClr>
+      <a:schemeClr val="accent3">
+        <a:alpha val="50000"/>
+      </a:schemeClr>
+      <a:schemeClr val="accent4">
+        <a:alpha val="50000"/>
+      </a:schemeClr>
+      <a:schemeClr val="accent5">
+        <a:alpha val="50000"/>
+      </a:schemeClr>
+      <a:schemeClr val="accent6">
+        <a:alpha val="50000"/>
+      </a:schemeClr>
+    </dgm:fillClrLst>
+    <dgm:linClrLst meth="repeat">
+      <a:schemeClr val="lt1"/>
+    </dgm:linClrLst>
+    <dgm:effectClrLst/>
+    <dgm:txLinClrLst/>
+    <dgm:txFillClrLst/>
+    <dgm:txEffectClrLst/>
+  </dgm:styleLbl>
+  <dgm:styleLbl name="node2">
+    <dgm:fillClrLst>
+      <a:schemeClr val="accent2"/>
+    </dgm:fillClrLst>
+    <dgm:linClrLst meth="repeat">
+      <a:schemeClr val="lt1"/>
+    </dgm:linClrLst>
+    <dgm:effectClrLst/>
+    <dgm:txLinClrLst/>
+    <dgm:txFillClrLst/>
+    <dgm:txEffectClrLst/>
+  </dgm:styleLbl>
+  <dgm:styleLbl name="node3">
+    <dgm:fillClrLst>
+      <a:schemeClr val="accent3"/>
+    </dgm:fillClrLst>
+    <dgm:linClrLst meth="repeat">
+      <a:schemeClr val="lt1"/>
+    </dgm:linClrLst>
+    <dgm:effectClrLst/>
+    <dgm:txLinClrLst/>
+    <dgm:txFillClrLst/>
+    <dgm:txEffectClrLst/>
+  </dgm:styleLbl>
+  <dgm:styleLbl name="node4">
+    <dgm:fillClrLst>
+      <a:schemeClr val="accent4"/>
+    </dgm:fillClrLst>
+    <dgm:linClrLst meth="repeat">
+      <a:schemeClr val="lt1"/>
+    </dgm:linClrLst>
+    <dgm:effectClrLst/>
+    <dgm:txLinClrLst/>
+    <dgm:txFillClrLst/>
+    <dgm:txEffectClrLst/>
+  </dgm:styleLbl>
+  <dgm:styleLbl name="fgImgPlace1">
+    <dgm:fillClrLst meth="repeat">
+      <a:schemeClr val="accent2">
+        <a:tint val="50000"/>
+      </a:schemeClr>
+      <a:schemeClr val="accent3">
+        <a:tint val="50000"/>
+      </a:schemeClr>
+      <a:schemeClr val="accent4">
+        <a:tint val="50000"/>
+      </a:schemeClr>
+      <a:schemeClr val="accent5">
+        <a:tint val="50000"/>
+      </a:schemeClr>
+      <a:schemeClr val="accent6">
+        <a:tint val="50000"/>
+      </a:schemeClr>
+    </dgm:fillClrLst>
+    <dgm:linClrLst meth="repeat">
+      <a:schemeClr val="lt1"/>
+    </dgm:linClrLst>
+    <dgm:effectClrLst/>
+    <dgm:txLinClrLst/>
+    <dgm:txFillClrLst meth="repeat">
+      <a:schemeClr val="lt1"/>
+    </dgm:txFillClrLst>
+    <dgm:txEffectClrLst/>
+  </dgm:styleLbl>
+  <dgm:styleLbl name="alignImgPlace1">
+    <dgm:fillClrLst>
+      <a:schemeClr val="accent1">
+        <a:tint val="50000"/>
+      </a:schemeClr>
+      <a:schemeClr val="accent2">
+        <a:tint val="20000"/>
+      </a:schemeClr>
+    </dgm:fillClrLst>
+    <dgm:linClrLst meth="repeat">
+      <a:schemeClr val="lt1"/>
+    </dgm:linClrLst>
+    <dgm:effectClrLst/>
+    <dgm:txLinClrLst/>
+    <dgm:txFillClrLst meth="repeat">
+      <a:schemeClr val="lt1"/>
+    </dgm:txFillClrLst>
+    <dgm:txEffectClrLst/>
+  </dgm:styleLbl>
+  <dgm:styleLbl name="bgImgPlace1">
+    <dgm:fillClrLst>
+      <a:schemeClr val="accent1">
+        <a:tint val="50000"/>
+      </a:schemeClr>
+      <a:schemeClr val="accent2">
+        <a:tint val="20000"/>
+      </a:schemeClr>
+    </dgm:fillClrLst>
+    <dgm:linClrLst meth="repeat">
+      <a:schemeClr val="lt1"/>
+    </dgm:linClrLst>
+    <dgm:effectClrLst/>
+    <dgm:txLinClrLst/>
+    <dgm:txFillClrLst meth="repeat">
+      <a:schemeClr val="lt1"/>
+    </dgm:txFillClrLst>
+    <dgm:txEffectClrLst/>
+  </dgm:styleLbl>
+  <dgm:styleLbl name="sibTrans2D1">
+    <dgm:fillClrLst meth="repeat">
+      <a:schemeClr val="accent2"/>
+      <a:schemeClr val="accent3"/>
+      <a:schemeClr val="accent4"/>
+      <a:schemeClr val="accent5"/>
+      <a:schemeClr val="accent6"/>
+    </dgm:fillClrLst>
+    <dgm:linClrLst meth="cycle">
+      <a:schemeClr val="lt1"/>
+    </dgm:linClrLst>
+    <dgm:effectClrLst/>
+    <dgm:txLinClrLst/>
+    <dgm:txFillClrLst/>
+    <dgm:txEffectClrLst/>
+  </dgm:styleLbl>
+  <dgm:styleLbl name="fgSibTrans2D1">
+    <dgm:fillClrLst meth="repeat">
+      <a:schemeClr val="accent2"/>
+      <a:schemeClr val="accent3"/>
+      <a:schemeClr val="accent4"/>
+      <a:schemeClr val="accent5"/>
+      <a:schemeClr val="accent6"/>
+    </dgm:fillClrLst>
+    <dgm:linClrLst meth="cycle">
+      <a:schemeClr val="lt1"/>
+    </dgm:linClrLst>
+    <dgm:effectClrLst/>
+    <dgm:txLinClrLst/>
+    <dgm:txFillClrLst meth="repeat">
+      <a:schemeClr val="lt1"/>
+    </dgm:txFillClrLst>
+    <dgm:txEffectClrLst/>
+  </dgm:styleLbl>
+  <dgm:styleLbl name="bgSibTrans2D1">
+    <dgm:fillClrLst meth="repeat">
+      <a:schemeClr val="accent2"/>
+      <a:schemeClr val="accent3"/>
+      <a:schemeClr val="accent4"/>
+      <a:schemeClr val="accent5"/>
+      <a:schemeClr val="accent6"/>
+    </dgm:fillClrLst>
+    <dgm:linClrLst meth="cycle">
+      <a:schemeClr val="lt1"/>
+    </dgm:linClrLst>
+    <dgm:effectClrLst/>
+    <dgm:txLinClrLst/>
+    <dgm:txFillClrLst meth="repeat">
+      <a:schemeClr val="lt1"/>
+    </dgm:txFillClrLst>
+    <dgm:txEffectClrLst/>
+  </dgm:styleLbl>
+  <dgm:styleLbl name="sibTrans1D1">
+    <dgm:fillClrLst meth="repeat">
+      <a:schemeClr val="accent2"/>
+      <a:schemeClr val="accent3"/>
+      <a:schemeClr val="accent4"/>
+      <a:schemeClr val="accent5"/>
+      <a:schemeClr val="accent6"/>
+    </dgm:fillClrLst>
+    <dgm:linClrLst meth="repeat">
+      <a:schemeClr val="accent2"/>
+      <a:schemeClr val="accent3"/>
+      <a:schemeClr val="accent4"/>
+      <a:schemeClr val="accent5"/>
+      <a:schemeClr val="accent6"/>
+    </dgm:linClrLst>
+    <dgm:effectClrLst/>
+    <dgm:txLinClrLst/>
+    <dgm:txFillClrLst meth="repeat">
+      <a:schemeClr val="tx1"/>
+    </dgm:txFillClrLst>
+    <dgm:txEffectClrLst/>
+  </dgm:styleLbl>
+  <dgm:styleLbl name="callout">
+    <dgm:fillClrLst meth="repeat">
+      <a:schemeClr val="accent2"/>
+    </dgm:fillClrLst>
+    <dgm:linClrLst meth="repeat">
+      <a:schemeClr val="accent2">
+        <a:tint val="50000"/>
+      </a:schemeClr>
+    </dgm:linClrLst>
+    <dgm:effectClrLst/>
+    <dgm:txLinClrLst/>
+    <dgm:txFillClrLst meth="repeat">
+      <a:schemeClr val="tx1"/>
+    </dgm:txFillClrLst>
+    <dgm:txEffectClrLst/>
+  </dgm:styleLbl>
+  <dgm:styleLbl name="asst0">
+    <dgm:fillClrLst meth="repeat">
+      <a:schemeClr val="accent1"/>
+    </dgm:fillClrLst>
+    <dgm:linClrLst meth="repeat">
+      <a:schemeClr val="lt1"/>
+    </dgm:linClrLst>
+    <dgm:effectClrLst/>
+    <dgm:txLinClrLst/>
+    <dgm:txFillClrLst/>
+    <dgm:txEffectClrLst/>
+  </dgm:styleLbl>
+  <dgm:styleLbl name="asst1">
+    <dgm:fillClrLst meth="repeat">
+      <a:schemeClr val="accent2"/>
+    </dgm:fillClrLst>
+    <dgm:linClrLst meth="repeat">
+      <a:schemeClr val="lt1"/>
+    </dgm:linClrLst>
+    <dgm:effectClrLst/>
+    <dgm:txLinClrLst/>
+    <dgm:txFillClrLst/>
+    <dgm:txEffectClrLst/>
+  </dgm:styleLbl>
+  <dgm:styleLbl name="asst2">
+    <dgm:fillClrLst>
+      <a:schemeClr val="accent3"/>
+    </dgm:fillClrLst>
+    <dgm:linClrLst meth="repeat">
+      <a:schemeClr val="lt1"/>
+    </dgm:linClrLst>
+    <dgm:effectClrLst/>
+    <dgm:txLinClrLst/>
+    <dgm:txFillClrLst/>
+    <dgm:txEffectClrLst/>
+  </dgm:styleLbl>
+  <dgm:styleLbl name="asst3">
+    <dgm:fillClrLst>
+      <a:schemeClr val="accent4"/>
+    </dgm:fillClrLst>
+    <dgm:linClrLst meth="repeat">
+      <a:schemeClr val="lt1"/>
+    </dgm:linClrLst>
+    <dgm:effectClrLst/>
+    <dgm:txLinClrLst/>
+    <dgm:txFillClrLst/>
+    <dgm:txEffectClrLst/>
+  </dgm:styleLbl>
+  <dgm:styleLbl name="asst4">
+    <dgm:fillClrLst>
+      <a:schemeClr val="accent5"/>
+    </dgm:fillClrLst>
+    <dgm:linClrLst meth="repeat">
+      <a:schemeClr val="lt1"/>
+    </dgm:linClrLst>
+    <dgm:effectClrLst/>
+    <dgm:txLinClrLst/>
+    <dgm:txFillClrLst/>
+    <dgm:txEffectClrLst/>
+  </dgm:styleLbl>
+  <dgm:styleLbl name="parChTrans2D1">
+    <dgm:fillClrLst meth="repeat">
+      <a:schemeClr val="accent2"/>
+    </dgm:fillClrLst>
+    <dgm:linClrLst meth="repeat">
+      <a:schemeClr val="lt1"/>
+    </dgm:linClrLst>
+    <dgm:effectClrLst/>
+    <dgm:txLinClrLst/>
+    <dgm:txFillClrLst meth="repeat">
+      <a:schemeClr val="lt1"/>
+    </dgm:txFillClrLst>
+    <dgm:txEffectClrLst/>
+  </dgm:styleLbl>
+  <dgm:styleLbl name="parChTrans2D2">
+    <dgm:fillClrLst meth="repeat">
+      <a:schemeClr val="accent3"/>
+    </dgm:fillClrLst>
+    <dgm:linClrLst meth="repeat">
+      <a:schemeClr val="lt1"/>
+    </dgm:linClrLst>
+    <dgm:effectClrLst/>
+    <dgm:txLinClrLst/>
+    <dgm:txFillClrLst/>
+    <dgm:txEffectClrLst/>
+  </dgm:styleLbl>
+  <dgm:styleLbl name="parChTrans2D3">
+    <dgm:fillClrLst meth="repeat">
+      <a:schemeClr val="accent4"/>
+    </dgm:fillClrLst>
+    <dgm:linClrLst meth="repeat">
+      <a:schemeClr val="lt1"/>
+    </dgm:linClrLst>
+    <dgm:effectClrLst/>
+    <dgm:txLinClrLst/>
+    <dgm:txFillClrLst/>
+    <dgm:txEffectClrLst/>
+  </dgm:styleLbl>
+  <dgm:styleLbl name="parChTrans2D4">
+    <dgm:fillClrLst meth="repeat">
+      <a:schemeClr val="accent5"/>
+    </dgm:fillClrLst>
+    <dgm:linClrLst meth="repeat">
+      <a:schemeClr val="lt1"/>
+    </dgm:linClrLst>
+    <dgm:effectClrLst/>
+    <dgm:txLinClrLst/>
+    <dgm:txFillClrLst meth="repeat">
+      <a:schemeClr val="lt1"/>
+    </dgm:txFillClrLst>
+    <dgm:txEffectClrLst/>
+  </dgm:styleLbl>
+  <dgm:styleLbl name="parChTrans1D1">
+    <dgm:fillClrLst meth="repeat">
+      <a:schemeClr val="accent2"/>
+    </dgm:fillClrLst>
+    <dgm:linClrLst meth="repeat">
+      <a:schemeClr val="accent1"/>
+    </dgm:linClrLst>
+    <dgm:effectClrLst/>
+    <dgm:txLinClrLst/>
+    <dgm:txFillClrLst meth="repeat">
+      <a:schemeClr val="tx1"/>
+    </dgm:txFillClrLst>
+    <dgm:txEffectClrLst/>
+  </dgm:styleLbl>
+  <dgm:styleLbl name="parChTrans1D2">
+    <dgm:fillClrLst meth="repeat">
+      <a:schemeClr val="accent3">
+        <a:tint val="90000"/>
+      </a:schemeClr>
+    </dgm:fillClrLst>
+    <dgm:linClrLst meth="repeat">
+      <a:schemeClr val="accent2"/>
+    </dgm:linClrLst>
+    <dgm:effectClrLst/>
+    <dgm:txLinClrLst/>
+    <dgm:txFillClrLst meth="repeat">
+      <a:schemeClr val="tx1"/>
+    </dgm:txFillClrLst>
+    <dgm:txEffectClrLst/>
+  </dgm:styleLbl>
+  <dgm:styleLbl name="parChTrans1D3">
+    <dgm:fillClrLst meth="repeat">
+      <a:schemeClr val="accent4">
+        <a:tint val="70000"/>
+      </a:schemeClr>
+    </dgm:fillClrLst>
+    <dgm:linClrLst meth="repeat">
+      <a:schemeClr val="accent3"/>
+    </dgm:linClrLst>
+    <dgm:effectClrLst/>
+    <dgm:txLinClrLst/>
+    <dgm:txFillClrLst meth="repeat">
+      <a:schemeClr val="tx1"/>
+    </dgm:txFillClrLst>
+    <dgm:txEffectClrLst/>
+  </dgm:styleLbl>
+  <dgm:styleLbl name="parChTrans1D4">
+    <dgm:fillClrLst meth="repeat">
+      <a:schemeClr val="accent5">
+        <a:tint val="50000"/>
+      </a:schemeClr>
+    </dgm:fillClrLst>
+    <dgm:linClrLst meth="repeat">
+      <a:schemeClr val="accent4"/>
+    </dgm:linClrLst>
+    <dgm:effectClrLst/>
+    <dgm:txLinClrLst/>
+    <dgm:txFillClrLst meth="repeat">
+      <a:schemeClr val="tx1"/>
+    </dgm:txFillClrLst>
+    <dgm:txEffectClrLst/>
+  </dgm:styleLbl>
+  <dgm:styleLbl name="fgAcc1">
+    <dgm:fillClrLst meth="repeat">
+      <a:schemeClr val="lt1">
+        <a:alpha val="90000"/>
+      </a:schemeClr>
+    </dgm:fillClrLst>
+    <dgm:linClrLst meth="repeat">
+      <a:schemeClr val="accent2"/>
+      <a:schemeClr val="accent3"/>
+      <a:schemeClr val="accent4"/>
+      <a:schemeClr val="accent5"/>
+      <a:schemeClr val="accent6"/>
+    </dgm:linClrLst>
+    <dgm:effectClrLst/>
+    <dgm:txLinClrLst/>
+    <dgm:txFillClrLst meth="repeat">
+      <a:schemeClr val="dk1"/>
+    </dgm:txFillClrLst>
+    <dgm:txEffectClrLst/>
+  </dgm:styleLbl>
+  <dgm:styleLbl name="conFgAcc1">
+    <dgm:fillClrLst meth="repeat">
+      <a:schemeClr val="lt1">
+        <a:alpha val="90000"/>
+      </a:schemeClr>
+    </dgm:fillClrLst>
+    <dgm:linClrLst meth="repeat">
+      <a:schemeClr val="accent2"/>
+      <a:schemeClr val="accent3"/>
+      <a:schemeClr val="accent4"/>
+      <a:schemeClr val="accent5"/>
+      <a:schemeClr val="accent6"/>
+    </dgm:linClrLst>
+    <dgm:effectClrLst/>
+    <dgm:txLinClrLst/>
+    <dgm:txFillClrLst meth="repeat">
+      <a:schemeClr val="dk1"/>
+    </dgm:txFillClrLst>
+    <dgm:txEffectClrLst/>
+  </dgm:styleLbl>
+  <dgm:styleLbl name="alignAcc1">
+    <dgm:fillClrLst meth="repeat">
+      <a:schemeClr val="lt1">
+        <a:alpha val="90000"/>
+      </a:schemeClr>
+    </dgm:fillClrLst>
+    <dgm:linClrLst meth="repeat">
+      <a:schemeClr val="accent2"/>
+      <a:schemeClr val="accent3"/>
+      <a:schemeClr val="accent4"/>
+      <a:schemeClr val="accent5"/>
+      <a:schemeClr val="accent6"/>
+    </dgm:linClrLst>
+    <dgm:effectClrLst/>
+    <dgm:txLinClrLst/>
+    <dgm:txFillClrLst meth="repeat">
+      <a:schemeClr val="dk1"/>
+    </dgm:txFillClrLst>
+    <dgm:txEffectClrLst/>
+  </dgm:styleLbl>
+  <dgm:styleLbl name="trAlignAcc1">
+    <dgm:fillClrLst meth="repeat">
+      <a:schemeClr val="lt1">
+        <a:alpha val="40000"/>
+      </a:schemeClr>
+    </dgm:fillClrLst>
+    <dgm:linClrLst meth="repeat">
+      <a:schemeClr val="accent1"/>
+    </dgm:linClrLst>
+    <dgm:effectClrLst/>
+    <dgm:txLinClrLst/>
+    <dgm:txFillClrLst meth="repeat">
+      <a:schemeClr val="dk1"/>
+    </dgm:txFillClrLst>
+    <dgm:txEffectClrLst/>
+  </dgm:styleLbl>
+  <dgm:styleLbl name="bgAcc1">
+    <dgm:fillClrLst meth="repeat">
+      <a:schemeClr val="lt1">
+        <a:alpha val="90000"/>
+      </a:schemeClr>
+    </dgm:fillClrLst>
+    <dgm:linClrLst meth="repeat">
+      <a:schemeClr val="accent2"/>
+      <a:schemeClr val="accent3"/>
+      <a:schemeClr val="accent4"/>
+      <a:schemeClr val="accent5"/>
+      <a:schemeClr val="accent6"/>
+    </dgm:linClrLst>
+    <dgm:effectClrLst/>
+    <dgm:txLinClrLst/>
+    <dgm:txFillClrLst meth="repeat">
+      <a:schemeClr val="dk1"/>
+    </dgm:txFillClrLst>
+    <dgm:txEffectClrLst/>
+  </dgm:styleLbl>
+  <dgm:styleLbl name="solidFgAcc1">
+    <dgm:fillClrLst meth="repeat">
+      <a:schemeClr val="lt1"/>
+    </dgm:fillClrLst>
+    <dgm:linClrLst meth="repeat">
+      <a:schemeClr val="accent2"/>
+      <a:schemeClr val="accent3"/>
+      <a:schemeClr val="accent4"/>
+      <a:schemeClr val="accent5"/>
+      <a:schemeClr val="accent6"/>
+    </dgm:linClrLst>
+    <dgm:effectClrLst/>
+    <dgm:txLinClrLst/>
+    <dgm:txFillClrLst meth="repeat">
+      <a:schemeClr val="dk1"/>
+    </dgm:txFillClrLst>
+    <dgm:txEffectClrLst/>
+  </dgm:styleLbl>
+  <dgm:styleLbl name="solidAlignAcc1">
+    <dgm:fillClrLst meth="repeat">
+      <a:schemeClr val="lt1"/>
+    </dgm:fillClrLst>
+    <dgm:linClrLst meth="repeat">
+      <a:schemeClr val="accent2"/>
+      <a:schemeClr val="accent3"/>
+      <a:schemeClr val="accent4"/>
+      <a:schemeClr val="accent5"/>
+      <a:schemeClr val="accent6"/>
+    </dgm:linClrLst>
+    <dgm:effectClrLst/>
+    <dgm:txLinClrLst/>
+    <dgm:txFillClrLst meth="repeat">
+      <a:schemeClr val="dk1"/>
+    </dgm:txFillClrLst>
+    <dgm:txEffectClrLst/>
+  </dgm:styleLbl>
+  <dgm:styleLbl name="solidBgAcc1">
+    <dgm:fillClrLst meth="repeat">
+      <a:schemeClr val="lt1"/>
+    </dgm:fillClrLst>
+    <dgm:linClrLst meth="repeat">
+      <a:schemeClr val="accent2"/>
+      <a:schemeClr val="accent3"/>
+      <a:schemeClr val="accent4"/>
+      <a:schemeClr val="accent5"/>
+      <a:schemeClr val="accent6"/>
+    </dgm:linClrLst>
+    <dgm:effectClrLst/>
+    <dgm:txLinClrLst/>
+    <dgm:txFillClrLst meth="repeat">
+      <a:schemeClr val="dk1"/>
+    </dgm:txFillClrLst>
+    <dgm:txEffectClrLst/>
+  </dgm:styleLbl>
+  <dgm:styleLbl name="fgAccFollowNode1">
+    <dgm:fillClrLst meth="repeat">
+      <a:schemeClr val="accent2">
+        <a:tint val="40000"/>
+        <a:alpha val="90000"/>
+      </a:schemeClr>
+      <a:schemeClr val="accent3">
+        <a:tint val="40000"/>
+        <a:alpha val="90000"/>
+      </a:schemeClr>
+      <a:schemeClr val="accent4">
+        <a:tint val="40000"/>
+        <a:alpha val="90000"/>
+      </a:schemeClr>
+      <a:schemeClr val="accent5">
+        <a:tint val="40000"/>
+        <a:alpha val="90000"/>
+      </a:schemeClr>
+      <a:schemeClr val="accent6">
+        <a:tint val="40000"/>
+        <a:alpha val="90000"/>
+      </a:schemeClr>
+    </dgm:fillClrLst>
+    <dgm:linClrLst meth="repeat">
+      <a:schemeClr val="accent2">
+        <a:tint val="40000"/>
+        <a:alpha val="90000"/>
+      </a:schemeClr>
+      <a:schemeClr val="accent3">
+        <a:tint val="40000"/>
+        <a:alpha val="90000"/>
+      </a:schemeClr>
+      <a:schemeClr val="accent4">
+        <a:tint val="40000"/>
+        <a:alpha val="90000"/>
+      </a:schemeClr>
+      <a:schemeClr val="accent5">
+        <a:tint val="40000"/>
+        <a:alpha val="90000"/>
+      </a:schemeClr>
+      <a:schemeClr val="accent6">
+        <a:tint val="40000"/>
+        <a:alpha val="90000"/>
+      </a:schemeClr>
+    </dgm:linClrLst>
+    <dgm:effectClrLst/>
+    <dgm:txLinClrLst/>
+    <dgm:txFillClrLst meth="repeat">
+      <a:schemeClr val="dk1"/>
+    </dgm:txFillClrLst>
+    <dgm:txEffectClrLst/>
+  </dgm:styleLbl>
+  <dgm:styleLbl name="alignAccFollowNode1">
+    <dgm:fillClrLst meth="repeat">
+      <a:schemeClr val="accent2">
+        <a:tint val="40000"/>
+        <a:alpha val="90000"/>
+      </a:schemeClr>
+      <a:schemeClr val="accent3">
+        <a:tint val="40000"/>
+        <a:alpha val="90000"/>
+      </a:schemeClr>
+      <a:schemeClr val="accent4">
+        <a:tint val="40000"/>
+        <a:alpha val="90000"/>
+      </a:schemeClr>
+      <a:schemeClr val="accent5">
+        <a:tint val="40000"/>
+        <a:alpha val="90000"/>
+      </a:schemeClr>
+      <a:schemeClr val="accent6">
+        <a:tint val="40000"/>
+        <a:alpha val="90000"/>
+      </a:schemeClr>
+    </dgm:fillClrLst>
+    <dgm:linClrLst meth="repeat">
+      <a:schemeClr val="accent2">
+        <a:tint val="40000"/>
+        <a:alpha val="90000"/>
+      </a:schemeClr>
+      <a:schemeClr val="accent3">
+        <a:tint val="40000"/>
+        <a:alpha val="90000"/>
+      </a:schemeClr>
+      <a:schemeClr val="accent4">
+        <a:tint val="40000"/>
+        <a:alpha val="90000"/>
+      </a:schemeClr>
+      <a:schemeClr val="accent5">
+        <a:tint val="40000"/>
+        <a:alpha val="90000"/>
+      </a:schemeClr>
+      <a:schemeClr val="accent6">
+        <a:tint val="40000"/>
+        <a:alpha val="90000"/>
+      </a:schemeClr>
+    </dgm:linClrLst>
+    <dgm:effectClrLst/>
+    <dgm:txLinClrLst/>
+    <dgm:txFillClrLst meth="repeat">
+      <a:schemeClr val="dk1"/>
+    </dgm:txFillClrLst>
+    <dgm:txEffectClrLst/>
+  </dgm:styleLbl>
+  <dgm:styleLbl name="bgAccFollowNode1">
+    <dgm:fillClrLst meth="repeat">
+      <a:schemeClr val="accent2">
+        <a:tint val="40000"/>
+        <a:alpha val="90000"/>
+      </a:schemeClr>
+      <a:schemeClr val="accent3">
+        <a:tint val="40000"/>
+        <a:alpha val="90000"/>
+      </a:schemeClr>
+      <a:schemeClr val="accent4">
+        <a:tint val="40000"/>
+        <a:alpha val="90000"/>
+      </a:schemeClr>
+      <a:schemeClr val="accent5">
+        <a:tint val="40000"/>
+        <a:alpha val="90000"/>
+      </a:schemeClr>
+      <a:schemeClr val="accent6">
+        <a:tint val="40000"/>
+        <a:alpha val="90000"/>
+      </a:schemeClr>
+    </dgm:fillClrLst>
+    <dgm:linClrLst meth="repeat">
+      <a:schemeClr val="accent2">
+        <a:tint val="40000"/>
+        <a:alpha val="90000"/>
+      </a:schemeClr>
+      <a:schemeClr val="accent3">
+        <a:tint val="40000"/>
+        <a:alpha val="90000"/>
+      </a:schemeClr>
+      <a:schemeClr val="accent4">
+        <a:tint val="40000"/>
+        <a:alpha val="90000"/>
+      </a:schemeClr>
+      <a:schemeClr val="accent5">
+        <a:tint val="40000"/>
+        <a:alpha val="90000"/>
+      </a:schemeClr>
+      <a:schemeClr val="accent6">
+        <a:tint val="40000"/>
+        <a:alpha val="90000"/>
+      </a:schemeClr>
+    </dgm:linClrLst>
+    <dgm:effectClrLst/>
+    <dgm:txLinClrLst/>
+    <dgm:txFillClrLst meth="repeat">
+      <a:schemeClr val="dk1"/>
+    </dgm:txFillClrLst>
+    <dgm:txEffectClrLst/>
+  </dgm:styleLbl>
+  <dgm:styleLbl name="fgAcc0">
+    <dgm:fillClrLst meth="repeat">
+      <a:schemeClr val="lt1">
+        <a:alpha val="90000"/>
+      </a:schemeClr>
+    </dgm:fillClrLst>
+    <dgm:linClrLst>
+      <a:schemeClr val="accent1"/>
+    </dgm:linClrLst>
+    <dgm:effectClrLst/>
+    <dgm:txLinClrLst/>
+    <dgm:txFillClrLst meth="repeat">
+      <a:schemeClr val="dk1"/>
+    </dgm:txFillClrLst>
+    <dgm:txEffectClrLst/>
+  </dgm:styleLbl>
+  <dgm:styleLbl name="fgAcc2">
+    <dgm:fillClrLst meth="repeat">
+      <a:schemeClr val="lt1">
+        <a:alpha val="90000"/>
+      </a:schemeClr>
+    </dgm:fillClrLst>
+    <dgm:linClrLst>
+      <a:schemeClr val="accent2"/>
+    </dgm:linClrLst>
+    <dgm:effectClrLst/>
+    <dgm:txLinClrLst/>
+    <dgm:txFillClrLst meth="repeat">
+      <a:schemeClr val="dk1"/>
+    </dgm:txFillClrLst>
+    <dgm:txEffectClrLst/>
+  </dgm:styleLbl>
+  <dgm:styleLbl name="fgAcc3">
+    <dgm:fillClrLst meth="repeat">
+      <a:schemeClr val="lt1">
+        <a:alpha val="90000"/>
+      </a:schemeClr>
+    </dgm:fillClrLst>
+    <dgm:linClrLst>
+      <a:schemeClr val="accent3"/>
+    </dgm:linClrLst>
+    <dgm:effectClrLst/>
+    <dgm:txLinClrLst/>
+    <dgm:txFillClrLst meth="repeat">
+      <a:schemeClr val="dk1"/>
+    </dgm:txFillClrLst>
+    <dgm:txEffectClrLst/>
+  </dgm:styleLbl>
+  <dgm:styleLbl name="fgAcc4">
+    <dgm:fillClrLst meth="repeat">
+      <a:schemeClr val="lt1">
+        <a:alpha val="90000"/>
+      </a:schemeClr>
+    </dgm:fillClrLst>
+    <dgm:linClrLst>
+      <a:schemeClr val="accent4"/>
+    </dgm:linClrLst>
+    <dgm:effectClrLst/>
+    <dgm:txLinClrLst/>
+    <dgm:txFillClrLst meth="repeat">
+      <a:schemeClr val="dk1"/>
+    </dgm:txFillClrLst>
+    <dgm:txEffectClrLst/>
+  </dgm:styleLbl>
+  <dgm:styleLbl name="bgShp">
+    <dgm:fillClrLst meth="repeat">
+      <a:schemeClr val="accent2">
+        <a:tint val="40000"/>
+      </a:schemeClr>
+    </dgm:fillClrLst>
+    <dgm:linClrLst meth="repeat">
+      <a:schemeClr val="dk1"/>
+    </dgm:linClrLst>
+    <dgm:effectClrLst/>
+    <dgm:txLinClrLst/>
+    <dgm:txFillClrLst meth="repeat">
+      <a:schemeClr val="dk1"/>
+    </dgm:txFillClrLst>
+    <dgm:txEffectClrLst/>
+  </dgm:styleLbl>
+  <dgm:styleLbl name="dkBgShp">
+    <dgm:fillClrLst meth="repeat">
+      <a:schemeClr val="accent2">
+        <a:shade val="90000"/>
+      </a:schemeClr>
+    </dgm:fillClrLst>
+    <dgm:linClrLst meth="repeat">
+      <a:schemeClr val="dk1"/>
+    </dgm:linClrLst>
+    <dgm:effectClrLst/>
+    <dgm:txLinClrLst/>
+    <dgm:txFillClrLst meth="repeat">
+      <a:schemeClr val="lt1"/>
+    </dgm:txFillClrLst>
+    <dgm:txEffectClrLst/>
+  </dgm:styleLbl>
+  <dgm:styleLbl name="trBgShp">
+    <dgm:fillClrLst meth="repeat">
+      <a:schemeClr val="accent1">
+        <a:tint val="50000"/>
+        <a:alpha val="40000"/>
+      </a:schemeClr>
+    </dgm:fillClrLst>
+    <dgm:linClrLst meth="repeat">
+      <a:schemeClr val="accent2"/>
+    </dgm:linClrLst>
+    <dgm:effectClrLst/>
+    <dgm:txLinClrLst/>
+    <dgm:txFillClrLst meth="repeat">
+      <a:schemeClr val="lt1"/>
+    </dgm:txFillClrLst>
+    <dgm:txEffectClrLst/>
+  </dgm:styleLbl>
+  <dgm:styleLbl name="fgShp">
+    <dgm:fillClrLst meth="repeat">
+      <a:schemeClr val="accent2">
+        <a:tint val="40000"/>
+      </a:schemeClr>
+    </dgm:fillClrLst>
+    <dgm:linClrLst meth="repeat">
+      <a:schemeClr val="lt1"/>
+    </dgm:linClrLst>
+    <dgm:effectClrLst/>
+    <dgm:txLinClrLst/>
+    <dgm:txFillClrLst meth="repeat">
+      <a:schemeClr val="dk1"/>
+    </dgm:txFillClrLst>
+    <dgm:txEffectClrLst/>
+  </dgm:styleLbl>
+  <dgm:styleLbl name="revTx">
+    <dgm:fillClrLst meth="repeat">
+      <a:schemeClr val="lt1">
+        <a:alpha val="0"/>
+      </a:schemeClr>
+    </dgm:fillClrLst>
+    <dgm:linClrLst meth="repeat">
+      <a:schemeClr val="dk1">
+        <a:alpha val="0"/>
+      </a:schemeClr>
+    </dgm:linClrLst>
+    <dgm:effectClrLst/>
+    <dgm:txLinClrLst/>
+    <dgm:txFillClrLst meth="repeat">
+      <a:schemeClr val="tx1"/>
+    </dgm:txFillClrLst>
+    <dgm:txEffectClrLst/>
+  </dgm:styleLbl>
+</dgm:colorsDef>
+</file>
+
+<file path=ppt/diagrams/colors5.xml><?xml version="1.0" encoding="utf-8"?>
+<dgm:colorsDef xmlns:dgm="http://schemas.openxmlformats.org/drawingml/2006/diagram" xmlns:a="http://schemas.openxmlformats.org/drawingml/2006/main" uniqueId="urn:microsoft.com/office/officeart/2005/8/colors/accent1_2">
+  <dgm:title val=""/>
+  <dgm:desc val=""/>
+  <dgm:catLst>
+    <dgm:cat type="accent1" pri="11200"/>
+  </dgm:catLst>
+  <dgm:styleLbl name="node0">
+    <dgm:fillClrLst meth="repeat">
+      <a:schemeClr val="accent1"/>
+    </dgm:fillClrLst>
+    <dgm:linClrLst meth="repeat">
+      <a:schemeClr val="lt1"/>
+    </dgm:linClrLst>
+    <dgm:effectClrLst/>
+    <dgm:txLinClrLst/>
+    <dgm:txFillClrLst/>
+    <dgm:txEffectClrLst/>
+  </dgm:styleLbl>
+  <dgm:styleLbl name="alignNode1">
+    <dgm:fillClrLst meth="repeat">
+      <a:schemeClr val="accent1"/>
+    </dgm:fillClrLst>
+    <dgm:linClrLst meth="repeat">
+      <a:schemeClr val="accent1"/>
+    </dgm:linClrLst>
+    <dgm:effectClrLst/>
+    <dgm:txLinClrLst/>
+    <dgm:txFillClrLst/>
+    <dgm:txEffectClrLst/>
+  </dgm:styleLbl>
+  <dgm:styleLbl name="node1">
+    <dgm:fillClrLst meth="repeat">
+      <a:schemeClr val="accent1"/>
+    </dgm:fillClrLst>
+    <dgm:linClrLst meth="repeat">
+      <a:schemeClr val="lt1"/>
+    </dgm:linClrLst>
+    <dgm:effectClrLst/>
+    <dgm:txLinClrLst/>
+    <dgm:txFillClrLst/>
+    <dgm:txEffectClrLst/>
+  </dgm:styleLbl>
+  <dgm:styleLbl name="lnNode1">
+    <dgm:fillClrLst meth="repeat">
+      <a:schemeClr val="accent1"/>
+    </dgm:fillClrLst>
+    <dgm:linClrLst meth="repeat">
+      <a:schemeClr val="lt1"/>
+    </dgm:linClrLst>
+    <dgm:effectClrLst/>
+    <dgm:txLinClrLst/>
+    <dgm:txFillClrLst/>
+    <dgm:txEffectClrLst/>
+  </dgm:styleLbl>
+  <dgm:styleLbl name="vennNode1">
+    <dgm:fillClrLst meth="repeat">
+      <a:schemeClr val="accent1">
+        <a:alpha val="50000"/>
+      </a:schemeClr>
+    </dgm:fillClrLst>
+    <dgm:linClrLst meth="repeat">
+      <a:schemeClr val="lt1"/>
+    </dgm:linClrLst>
+    <dgm:effectClrLst/>
+    <dgm:txLinClrLst/>
+    <dgm:txFillClrLst/>
+    <dgm:txEffectClrLst/>
+  </dgm:styleLbl>
+  <dgm:styleLbl name="node2">
+    <dgm:fillClrLst meth="repeat">
+      <a:schemeClr val="accent1"/>
+    </dgm:fillClrLst>
+    <dgm:linClrLst meth="repeat">
+      <a:schemeClr val="lt1"/>
+    </dgm:linClrLst>
+    <dgm:effectClrLst/>
+    <dgm:txLinClrLst/>
+    <dgm:txFillClrLst/>
+    <dgm:txEffectClrLst/>
+  </dgm:styleLbl>
+  <dgm:styleLbl name="node3">
+    <dgm:fillClrLst meth="repeat">
+      <a:schemeClr val="accent1"/>
+    </dgm:fillClrLst>
+    <dgm:linClrLst meth="repeat">
+      <a:schemeClr val="lt1"/>
+    </dgm:linClrLst>
+    <dgm:effectClrLst/>
+    <dgm:txLinClrLst/>
+    <dgm:txFillClrLst/>
+    <dgm:txEffectClrLst/>
+  </dgm:styleLbl>
+  <dgm:styleLbl name="node4">
+    <dgm:fillClrLst meth="repeat">
+      <a:schemeClr val="accent1"/>
+    </dgm:fillClrLst>
+    <dgm:linClrLst meth="repeat">
+      <a:schemeClr val="lt1"/>
+    </dgm:linClrLst>
+    <dgm:effectClrLst/>
+    <dgm:txLinClrLst/>
+    <dgm:txFillClrLst/>
+    <dgm:txEffectClrLst/>
+  </dgm:styleLbl>
+  <dgm:styleLbl name="fgImgPlace1">
+    <dgm:fillClrLst meth="repeat">
+      <a:schemeClr val="accent1">
+        <a:tint val="50000"/>
+      </a:schemeClr>
+    </dgm:fillClrLst>
+    <dgm:linClrLst meth="repeat">
+      <a:schemeClr val="lt1"/>
+    </dgm:linClrLst>
+    <dgm:effectClrLst/>
+    <dgm:txLinClrLst/>
+    <dgm:txFillClrLst meth="repeat">
+      <a:schemeClr val="lt1"/>
+    </dgm:txFillClrLst>
+    <dgm:txEffectClrLst/>
+  </dgm:styleLbl>
+  <dgm:styleLbl name="alignImgPlace1">
+    <dgm:fillClrLst meth="repeat">
+      <a:schemeClr val="accent1">
+        <a:tint val="50000"/>
+      </a:schemeClr>
+    </dgm:fillClrLst>
+    <dgm:linClrLst meth="repeat">
+      <a:schemeClr val="lt1"/>
+    </dgm:linClrLst>
+    <dgm:effectClrLst/>
+    <dgm:txLinClrLst/>
+    <dgm:txFillClrLst meth="repeat">
+      <a:schemeClr val="lt1"/>
+    </dgm:txFillClrLst>
+    <dgm:txEffectClrLst/>
+  </dgm:styleLbl>
+  <dgm:styleLbl name="bgImgPlace1">
+    <dgm:fillClrLst meth="repeat">
+      <a:schemeClr val="accent1">
+        <a:tint val="50000"/>
+      </a:schemeClr>
+    </dgm:fillClrLst>
+    <dgm:linClrLst meth="repeat">
+      <a:schemeClr val="lt1"/>
+    </dgm:linClrLst>
+    <dgm:effectClrLst/>
+    <dgm:txLinClrLst/>
+    <dgm:txFillClrLst meth="repeat">
+      <a:schemeClr val="lt1"/>
+    </dgm:txFillClrLst>
+    <dgm:txEffectClrLst/>
+  </dgm:styleLbl>
+  <dgm:styleLbl name="sibTrans2D1">
+    <dgm:fillClrLst meth="repeat">
+      <a:schemeClr val="accent1">
+        <a:tint val="60000"/>
+      </a:schemeClr>
+    </dgm:fillClrLst>
+    <dgm:linClrLst meth="repeat">
+      <a:schemeClr val="accent1">
+        <a:tint val="60000"/>
+      </a:schemeClr>
+    </dgm:linClrLst>
+    <dgm:effectClrLst/>
+    <dgm:txLinClrLst/>
+    <dgm:txFillClrLst/>
+    <dgm:txEffectClrLst/>
+  </dgm:styleLbl>
+  <dgm:styleLbl name="fgSibTrans2D1">
+    <dgm:fillClrLst meth="repeat">
+      <a:schemeClr val="accent1">
+        <a:tint val="60000"/>
+      </a:schemeClr>
+    </dgm:fillClrLst>
+    <dgm:linClrLst meth="repeat">
+      <a:schemeClr val="accent1">
+        <a:tint val="60000"/>
+      </a:schemeClr>
+    </dgm:linClrLst>
+    <dgm:effectClrLst/>
+    <dgm:txLinClrLst/>
+    <dgm:txFillClrLst/>
+    <dgm:txEffectClrLst/>
+  </dgm:styleLbl>
+  <dgm:styleLbl name="bgSibTrans2D1">
+    <dgm:fillClrLst meth="repeat">
+      <a:schemeClr val="accent1">
+        <a:tint val="60000"/>
+      </a:schemeClr>
+    </dgm:fillClrLst>
+    <dgm:linClrLst meth="repeat">
+      <a:schemeClr val="accent1">
+        <a:tint val="60000"/>
+      </a:schemeClr>
+    </dgm:linClrLst>
+    <dgm:effectClrLst/>
+    <dgm:txLinClrLst/>
+    <dgm:txFillClrLst/>
+    <dgm:txEffectClrLst/>
+  </dgm:styleLbl>
+  <dgm:styleLbl name="sibTrans1D1">
+    <dgm:fillClrLst meth="repeat">
+      <a:schemeClr val="accent1"/>
+    </dgm:fillClrLst>
+    <dgm:linClrLst meth="repeat">
+      <a:schemeClr val="accent1"/>
+    </dgm:linClrLst>
+    <dgm:effectClrLst/>
+    <dgm:txLinClrLst/>
+    <dgm:txFillClrLst meth="repeat">
+      <a:schemeClr val="tx1"/>
+    </dgm:txFillClrLst>
+    <dgm:txEffectClrLst/>
+  </dgm:styleLbl>
+  <dgm:styleLbl name="callout">
+    <dgm:fillClrLst meth="repeat">
+      <a:schemeClr val="accent1"/>
+    </dgm:fillClrLst>
+    <dgm:linClrLst meth="repeat">
+      <a:schemeClr val="accent1">
+        <a:tint val="50000"/>
+      </a:schemeClr>
+    </dgm:linClrLst>
+    <dgm:effectClrLst/>
+    <dgm:txLinClrLst/>
+    <dgm:txFillClrLst meth="repeat">
+      <a:schemeClr val="tx1"/>
+    </dgm:txFillClrLst>
+    <dgm:txEffectClrLst/>
+  </dgm:styleLbl>
+  <dgm:styleLbl name="asst0">
+    <dgm:fillClrLst meth="repeat">
+      <a:schemeClr val="accent1"/>
+    </dgm:fillClrLst>
+    <dgm:linClrLst meth="repeat">
+      <a:schemeClr val="lt1"/>
+    </dgm:linClrLst>
+    <dgm:effectClrLst/>
+    <dgm:txLinClrLst/>
+    <dgm:txFillClrLst/>
+    <dgm:txEffectClrLst/>
+  </dgm:styleLbl>
+  <dgm:styleLbl name="asst1">
+    <dgm:fillClrLst meth="repeat">
+      <a:schemeClr val="accent1"/>
+    </dgm:fillClrLst>
+    <dgm:linClrLst meth="repeat">
+      <a:schemeClr val="lt1"/>
+    </dgm:linClrLst>
+    <dgm:effectClrLst/>
+    <dgm:txLinClrLst/>
+    <dgm:txFillClrLst/>
+    <dgm:txEffectClrLst/>
+  </dgm:styleLbl>
+  <dgm:styleLbl name="asst2">
+    <dgm:fillClrLst meth="repeat">
+      <a:schemeClr val="accent1"/>
+    </dgm:fillClrLst>
+    <dgm:linClrLst meth="repeat">
+      <a:schemeClr val="lt1"/>
+    </dgm:linClrLst>
+    <dgm:effectClrLst/>
+    <dgm:txLinClrLst/>
+    <dgm:txFillClrLst/>
+    <dgm:txEffectClrLst/>
+  </dgm:styleLbl>
+  <dgm:styleLbl name="asst3">
+    <dgm:fillClrLst meth="repeat">
+      <a:schemeClr val="accent1"/>
+    </dgm:fillClrLst>
+    <dgm:linClrLst meth="repeat">
+      <a:schemeClr val="lt1"/>
+    </dgm:linClrLst>
+    <dgm:effectClrLst/>
+    <dgm:txLinClrLst/>
+    <dgm:txFillClrLst/>
+    <dgm:txEffectClrLst/>
+  </dgm:styleLbl>
+  <dgm:styleLbl name="asst4">
+    <dgm:fillClrLst meth="repeat">
+      <a:schemeClr val="accent1"/>
+    </dgm:fillClrLst>
+    <dgm:linClrLst meth="repeat">
+      <a:schemeClr val="lt1"/>
+    </dgm:linClrLst>
+    <dgm:effectClrLst/>
+    <dgm:txLinClrLst/>
+    <dgm:txFillClrLst/>
+    <dgm:txEffectClrLst/>
+  </dgm:styleLbl>
+  <dgm:styleLbl name="parChTrans2D1">
+    <dgm:fillClrLst meth="repeat">
+      <a:schemeClr val="accent1">
+        <a:tint val="60000"/>
+      </a:schemeClr>
+    </dgm:fillClrLst>
+    <dgm:linClrLst meth="repeat">
+      <a:schemeClr val="accent1">
+        <a:tint val="60000"/>
+      </a:schemeClr>
+    </dgm:linClrLst>
+    <dgm:effectClrLst/>
+    <dgm:txLinClrLst/>
+    <dgm:txFillClrLst meth="repeat">
+      <a:schemeClr val="lt1"/>
+    </dgm:txFillClrLst>
+    <dgm:txEffectClrLst/>
+  </dgm:styleLbl>
+  <dgm:styleLbl name="parChTrans2D2">
+    <dgm:fillClrLst meth="repeat">
+      <a:schemeClr val="accent1"/>
+    </dgm:fillClrLst>
+    <dgm:linClrLst meth="repeat">
+      <a:schemeClr val="accent1"/>
+    </dgm:linClrLst>
+    <dgm:effectClrLst/>
+    <dgm:txLinClrLst/>
+    <dgm:txFillClrLst meth="repeat">
+      <a:schemeClr val="lt1"/>
+    </dgm:txFillClrLst>
+    <dgm:txEffectClrLst/>
+  </dgm:styleLbl>
+  <dgm:styleLbl name="parChTrans2D3">
+    <dgm:fillClrLst meth="repeat">
+      <a:schemeClr val="accent1"/>
+    </dgm:fillClrLst>
+    <dgm:linClrLst meth="repeat">
+      <a:schemeClr val="accent1"/>
+    </dgm:linClrLst>
+    <dgm:effectClrLst/>
+    <dgm:txLinClrLst/>
+    <dgm:txFillClrLst meth="repeat">
+      <a:schemeClr val="lt1"/>
+    </dgm:txFillClrLst>
+    <dgm:txEffectClrLst/>
+  </dgm:styleLbl>
+  <dgm:styleLbl name="parChTrans2D4">
+    <dgm:fillClrLst meth="repeat">
+      <a:schemeClr val="accent1"/>
+    </dgm:fillClrLst>
+    <dgm:linClrLst meth="repeat">
+      <a:schemeClr val="accent1"/>
+    </dgm:linClrLst>
+    <dgm:effectClrLst/>
+    <dgm:txLinClrLst/>
+    <dgm:txFillClrLst meth="repeat">
+      <a:schemeClr val="lt1"/>
+    </dgm:txFillClrLst>
+    <dgm:txEffectClrLst/>
+  </dgm:styleLbl>
+  <dgm:styleLbl name="parChTrans1D1">
+    <dgm:fillClrLst meth="repeat">
+      <a:schemeClr val="accent1"/>
+    </dgm:fillClrLst>
+    <dgm:linClrLst meth="repeat">
+      <a:schemeClr val="accent1">
+        <a:shade val="60000"/>
+      </a:schemeClr>
+    </dgm:linClrLst>
+    <dgm:effectClrLst/>
+    <dgm:txLinClrLst/>
+    <dgm:txFillClrLst meth="repeat">
+      <a:schemeClr val="tx1"/>
+    </dgm:txFillClrLst>
+    <dgm:txEffectClrLst/>
+  </dgm:styleLbl>
+  <dgm:styleLbl name="parChTrans1D2">
+    <dgm:fillClrLst meth="repeat">
+      <a:schemeClr val="accent1"/>
+    </dgm:fillClrLst>
+    <dgm:linClrLst meth="repeat">
+      <a:schemeClr val="accent1">
+        <a:shade val="60000"/>
+      </a:schemeClr>
+    </dgm:linClrLst>
+    <dgm:effectClrLst/>
+    <dgm:txLinClrLst/>
+    <dgm:txFillClrLst meth="repeat">
+      <a:schemeClr val="tx1"/>
+    </dgm:txFillClrLst>
+    <dgm:txEffectClrLst/>
+  </dgm:styleLbl>
+  <dgm:styleLbl name="parChTrans1D3">
+    <dgm:fillClrLst meth="repeat">
+      <a:schemeClr val="accent1"/>
+    </dgm:fillClrLst>
+    <dgm:linClrLst meth="repeat">
+      <a:schemeClr val="accent1">
+        <a:shade val="80000"/>
+      </a:schemeClr>
+    </dgm:linClrLst>
+    <dgm:effectClrLst/>
+    <dgm:txLinClrLst/>
+    <dgm:txFillClrLst meth="repeat">
+      <a:schemeClr val="tx1"/>
+    </dgm:txFillClrLst>
+    <dgm:txEffectClrLst/>
+  </dgm:styleLbl>
+  <dgm:styleLbl name="parChTrans1D4">
+    <dgm:fillClrLst meth="repeat">
+      <a:schemeClr val="accent1"/>
+    </dgm:fillClrLst>
+    <dgm:linClrLst meth="repeat">
+      <a:schemeClr val="accent1">
+        <a:shade val="80000"/>
+      </a:schemeClr>
+    </dgm:linClrLst>
+    <dgm:effectClrLst/>
+    <dgm:txLinClrLst/>
+    <dgm:txFillClrLst meth="repeat">
+      <a:schemeClr val="tx1"/>
+    </dgm:txFillClrLst>
+    <dgm:txEffectClrLst/>
+  </dgm:styleLbl>
+  <dgm:styleLbl name="fgAcc1">
+    <dgm:fillClrLst meth="repeat">
+      <a:schemeClr val="lt1">
+        <a:alpha val="90000"/>
+      </a:schemeClr>
+    </dgm:fillClrLst>
+    <dgm:linClrLst meth="repeat">
+      <a:schemeClr val="accent1"/>
+    </dgm:linClrLst>
+    <dgm:effectClrLst/>
+    <dgm:txLinClrLst/>
+    <dgm:txFillClrLst meth="repeat">
+      <a:schemeClr val="dk1"/>
+    </dgm:txFillClrLst>
+    <dgm:txEffectClrLst/>
+  </dgm:styleLbl>
+  <dgm:styleLbl name="conFgAcc1">
+    <dgm:fillClrLst meth="repeat">
+      <a:schemeClr val="lt1">
+        <a:alpha val="90000"/>
+      </a:schemeClr>
+    </dgm:fillClrLst>
+    <dgm:linClrLst meth="repeat">
+      <a:schemeClr val="accent1"/>
+    </dgm:linClrLst>
+    <dgm:effectClrLst/>
+    <dgm:txLinClrLst/>
+    <dgm:txFillClrLst meth="repeat">
+      <a:schemeClr val="dk1"/>
+    </dgm:txFillClrLst>
+    <dgm:txEffectClrLst/>
+  </dgm:styleLbl>
+  <dgm:styleLbl name="alignAcc1">
+    <dgm:fillClrLst meth="repeat">
+      <a:schemeClr val="lt1">
+        <a:alpha val="90000"/>
+      </a:schemeClr>
+    </dgm:fillClrLst>
+    <dgm:linClrLst meth="repeat">
+      <a:schemeClr val="accent1"/>
+    </dgm:linClrLst>
+    <dgm:effectClrLst/>
+    <dgm:txLinClrLst/>
+    <dgm:txFillClrLst meth="repeat">
+      <a:schemeClr val="dk1"/>
+    </dgm:txFillClrLst>
+    <dgm:txEffectClrLst/>
+  </dgm:styleLbl>
+  <dgm:styleLbl name="trAlignAcc1">
+    <dgm:fillClrLst meth="repeat">
+      <a:schemeClr val="lt1">
+        <a:alpha val="40000"/>
+      </a:schemeClr>
+    </dgm:fillClrLst>
+    <dgm:linClrLst meth="repeat">
+      <a:schemeClr val="accent1"/>
+    </dgm:linClrLst>
+    <dgm:effectClrLst/>
+    <dgm:txLinClrLst/>
+    <dgm:txFillClrLst meth="repeat">
+      <a:schemeClr val="dk1"/>
+    </dgm:txFillClrLst>
+    <dgm:txEffectClrLst/>
+  </dgm:styleLbl>
+  <dgm:styleLbl name="bgAcc1">
+    <dgm:fillClrLst meth="repeat">
+      <a:schemeClr val="lt1">
+        <a:alpha val="90000"/>
+      </a:schemeClr>
+    </dgm:fillClrLst>
+    <dgm:linClrLst meth="repeat">
+      <a:schemeClr val="accent1"/>
+    </dgm:linClrLst>
+    <dgm:effectClrLst/>
+    <dgm:txLinClrLst/>
+    <dgm:txFillClrLst meth="repeat">
+      <a:schemeClr val="dk1"/>
+    </dgm:txFillClrLst>
+    <dgm:txEffectClrLst/>
+  </dgm:styleLbl>
+  <dgm:styleLbl name="solidFgAcc1">
+    <dgm:fillClrLst meth="repeat">
+      <a:schemeClr val="lt1"/>
+    </dgm:fillClrLst>
+    <dgm:linClrLst meth="repeat">
+      <a:schemeClr val="accent1"/>
+    </dgm:linClrLst>
+    <dgm:effectClrLst/>
+    <dgm:txLinClrLst/>
+    <dgm:txFillClrLst meth="repeat">
+      <a:schemeClr val="dk1"/>
+    </dgm:txFillClrLst>
+    <dgm:txEffectClrLst/>
+  </dgm:styleLbl>
+  <dgm:styleLbl name="solidAlignAcc1">
+    <dgm:fillClrLst meth="repeat">
+      <a:schemeClr val="lt1"/>
+    </dgm:fillClrLst>
+    <dgm:linClrLst meth="repeat">
+      <a:schemeClr val="accent1"/>
+    </dgm:linClrLst>
+    <dgm:effectClrLst/>
+    <dgm:txLinClrLst/>
+    <dgm:txFillClrLst meth="repeat">
+      <a:schemeClr val="dk1"/>
+    </dgm:txFillClrLst>
+    <dgm:txEffectClrLst/>
+  </dgm:styleLbl>
+  <dgm:styleLbl name="solidBgAcc1">
+    <dgm:fillClrLst meth="repeat">
+      <a:schemeClr val="lt1"/>
+    </dgm:fillClrLst>
+    <dgm:linClrLst meth="repeat">
+      <a:schemeClr val="accent1"/>
+    </dgm:linClrLst>
+    <dgm:effectClrLst/>
+    <dgm:txLinClrLst/>
+    <dgm:txFillClrLst meth="repeat">
+      <a:schemeClr val="dk1"/>
+    </dgm:txFillClrLst>
+    <dgm:txEffectClrLst/>
+  </dgm:styleLbl>
+  <dgm:styleLbl name="fgAccFollowNode1">
+    <dgm:fillClrLst meth="repeat">
+      <a:schemeClr val="accent1">
+        <a:alpha val="90000"/>
+        <a:tint val="40000"/>
+      </a:schemeClr>
+    </dgm:fillClrLst>
+    <dgm:linClrLst meth="repeat">
+      <a:schemeClr val="accent1">
+        <a:alpha val="90000"/>
+        <a:tint val="40000"/>
+      </a:schemeClr>
+    </dgm:linClrLst>
+    <dgm:effectClrLst/>
+    <dgm:txLinClrLst/>
+    <dgm:txFillClrLst meth="repeat">
+      <a:schemeClr val="dk1"/>
+    </dgm:txFillClrLst>
+    <dgm:txEffectClrLst/>
+  </dgm:styleLbl>
+  <dgm:styleLbl name="alignAccFollowNode1">
+    <dgm:fillClrLst meth="repeat">
+      <a:schemeClr val="accent1">
+        <a:alpha val="90000"/>
+        <a:tint val="40000"/>
+      </a:schemeClr>
+    </dgm:fillClrLst>
+    <dgm:linClrLst meth="repeat">
+      <a:schemeClr val="accent1">
+        <a:alpha val="90000"/>
+        <a:tint val="40000"/>
+      </a:schemeClr>
+    </dgm:linClrLst>
+    <dgm:effectClrLst/>
+    <dgm:txLinClrLst/>
+    <dgm:txFillClrLst meth="repeat">
+      <a:schemeClr val="dk1"/>
+    </dgm:txFillClrLst>
+    <dgm:txEffectClrLst/>
+  </dgm:styleLbl>
+  <dgm:styleLbl name="bgAccFollowNode1">
+    <dgm:fillClrLst meth="repeat">
+      <a:schemeClr val="accent1">
+        <a:alpha val="90000"/>
+        <a:tint val="40000"/>
+      </a:schemeClr>
+    </dgm:fillClrLst>
+    <dgm:linClrLst meth="repeat">
+      <a:schemeClr val="accent1">
+        <a:alpha val="90000"/>
+        <a:tint val="40000"/>
+      </a:schemeClr>
+    </dgm:linClrLst>
+    <dgm:effectClrLst/>
+    <dgm:txLinClrLst/>
+    <dgm:txFillClrLst meth="repeat">
+      <a:schemeClr val="dk1"/>
+    </dgm:txFillClrLst>
+    <dgm:txEffectClrLst/>
+  </dgm:styleLbl>
+  <dgm:styleLbl name="fgAcc0">
+    <dgm:fillClrLst meth="repeat">
+      <a:schemeClr val="lt1">
+        <a:alpha val="90000"/>
+      </a:schemeClr>
+    </dgm:fillClrLst>
+    <dgm:linClrLst meth="repeat">
+      <a:schemeClr val="accent1"/>
+    </dgm:linClrLst>
+    <dgm:effectClrLst/>
+    <dgm:txLinClrLst/>
+    <dgm:txFillClrLst meth="repeat">
+      <a:schemeClr val="dk1"/>
+    </dgm:txFillClrLst>
+    <dgm:txEffectClrLst/>
+  </dgm:styleLbl>
+  <dgm:styleLbl name="fgAcc2">
+    <dgm:fillClrLst meth="repeat">
+      <a:schemeClr val="lt1">
+        <a:alpha val="90000"/>
+      </a:schemeClr>
+    </dgm:fillClrLst>
+    <dgm:linClrLst meth="repeat">
+      <a:schemeClr val="accent1"/>
+    </dgm:linClrLst>
+    <dgm:effectClrLst/>
+    <dgm:txLinClrLst/>
+    <dgm:txFillClrLst meth="repeat">
+      <a:schemeClr val="dk1"/>
+    </dgm:txFillClrLst>
+    <dgm:txEffectClrLst/>
+  </dgm:styleLbl>
+  <dgm:styleLbl name="fgAcc3">
+    <dgm:fillClrLst meth="repeat">
+      <a:schemeClr val="lt1">
+        <a:alpha val="90000"/>
+      </a:schemeClr>
+    </dgm:fillClrLst>
+    <dgm:linClrLst meth="repeat">
+      <a:schemeClr val="accent1"/>
+    </dgm:linClrLst>
+    <dgm:effectClrLst/>
+    <dgm:txLinClrLst/>
+    <dgm:txFillClrLst meth="repeat">
+      <a:schemeClr val="dk1"/>
+    </dgm:txFillClrLst>
+    <dgm:txEffectClrLst/>
+  </dgm:styleLbl>
+  <dgm:styleLbl name="fgAcc4">
+    <dgm:fillClrLst meth="repeat">
+      <a:schemeClr val="lt1">
+        <a:alpha val="90000"/>
+      </a:schemeClr>
+    </dgm:fillClrLst>
+    <dgm:linClrLst meth="repeat">
+      <a:schemeClr val="accent1"/>
+    </dgm:linClrLst>
+    <dgm:effectClrLst/>
+    <dgm:txLinClrLst/>
+    <dgm:txFillClrLst meth="repeat">
+      <a:schemeClr val="dk1"/>
+    </dgm:txFillClrLst>
+    <dgm:txEffectClrLst/>
+  </dgm:styleLbl>
+  <dgm:styleLbl name="bgShp">
+    <dgm:fillClrLst meth="repeat">
+      <a:schemeClr val="accent1">
+        <a:tint val="40000"/>
+      </a:schemeClr>
+    </dgm:fillClrLst>
+    <dgm:linClrLst meth="repeat">
+      <a:schemeClr val="accent1"/>
+    </dgm:linClrLst>
+    <dgm:effectClrLst/>
+    <dgm:txLinClrLst/>
+    <dgm:txFillClrLst meth="repeat">
+      <a:schemeClr val="dk1"/>
+    </dgm:txFillClrLst>
+    <dgm:txEffectClrLst/>
+  </dgm:styleLbl>
+  <dgm:styleLbl name="dkBgShp">
+    <dgm:fillClrLst meth="repeat">
+      <a:schemeClr val="accent1">
+        <a:shade val="80000"/>
+      </a:schemeClr>
+    </dgm:fillClrLst>
+    <dgm:linClrLst meth="repeat">
+      <a:schemeClr val="accent1"/>
+    </dgm:linClrLst>
+    <dgm:effectClrLst/>
+    <dgm:txLinClrLst/>
+    <dgm:txFillClrLst meth="repeat">
+      <a:schemeClr val="lt1"/>
+    </dgm:txFillClrLst>
+    <dgm:txEffectClrLst/>
+  </dgm:styleLbl>
+  <dgm:styleLbl name="trBgShp">
+    <dgm:fillClrLst meth="repeat">
+      <a:schemeClr val="accent1">
+        <a:tint val="50000"/>
+        <a:alpha val="40000"/>
+      </a:schemeClr>
+    </dgm:fillClrLst>
+    <dgm:linClrLst meth="repeat">
+      <a:schemeClr val="accent1"/>
+    </dgm:linClrLst>
+    <dgm:effectClrLst/>
+    <dgm:txLinClrLst/>
+    <dgm:txFillClrLst meth="repeat">
+      <a:schemeClr val="lt1"/>
+    </dgm:txFillClrLst>
+    <dgm:txEffectClrLst/>
+  </dgm:styleLbl>
+  <dgm:styleLbl name="fgShp">
+    <dgm:fillClrLst meth="repeat">
+      <a:schemeClr val="accent1">
+        <a:tint val="60000"/>
       </a:schemeClr>
     </dgm:fillClrLst>
     <dgm:linClrLst meth="repeat">
@@ -3707,6 +5379,652 @@
     <dgm:cxn modelId="{12A7616D-AEE1-1248-8CAA-9797DFF21B82}" type="presParOf" srcId="{8B08E008-9836-5949-802B-393B0BEC9F5F}" destId="{4FB41104-099A-614B-AB25-0048FC7B37CF}" srcOrd="26" destOrd="0" presId="urn:microsoft.com/office/officeart/2016/7/layout/BasicProcessNew"/>
     <dgm:cxn modelId="{55A0C1D9-28C5-1F4F-A544-10FDAED57C32}" type="presParOf" srcId="{8B08E008-9836-5949-802B-393B0BEC9F5F}" destId="{032E19CF-CF22-F648-B86C-B555DA62E3C1}" srcOrd="27" destOrd="0" presId="urn:microsoft.com/office/officeart/2016/7/layout/BasicProcessNew"/>
     <dgm:cxn modelId="{051DF0EA-607B-B843-BC03-DDC79B3C3C0D}" type="presParOf" srcId="{8B08E008-9836-5949-802B-393B0BEC9F5F}" destId="{CC4FEB0C-6A3E-CC4D-8D12-CA144F93B638}" srcOrd="28" destOrd="0" presId="urn:microsoft.com/office/officeart/2016/7/layout/BasicProcessNew"/>
+  </dgm:cxnLst>
+  <dgm:bg/>
+  <dgm:whole/>
+  <dgm:extLst>
+    <a:ext uri="http://schemas.microsoft.com/office/drawing/2008/diagram">
+      <dsp:dataModelExt xmlns:dsp="http://schemas.microsoft.com/office/drawing/2008/diagram" relId="rId8" minVer="http://schemas.openxmlformats.org/drawingml/2006/diagram"/>
+    </a:ext>
+  </dgm:extLst>
+</dgm:dataModel>
+</file>
+
+<file path=ppt/diagrams/data4.xml><?xml version="1.0" encoding="utf-8"?>
+<dgm:dataModel xmlns:dgm="http://schemas.openxmlformats.org/drawingml/2006/diagram" xmlns:a="http://schemas.openxmlformats.org/drawingml/2006/main">
+  <dgm:ptLst>
+    <dgm:pt modelId="{D041ED71-3BFD-4DE6-AA15-48C8DD963DA1}" type="doc">
+      <dgm:prSet loTypeId="urn:microsoft.com/office/officeart/2005/8/layout/matrix3" loCatId="matrix" qsTypeId="urn:microsoft.com/office/officeart/2005/8/quickstyle/simple1" qsCatId="simple" csTypeId="urn:microsoft.com/office/officeart/2005/8/colors/colorful1" csCatId="colorful"/>
+      <dgm:spPr/>
+      <dgm:t>
+        <a:bodyPr/>
+        <a:lstStyle/>
+        <a:p>
+          <a:endParaRPr lang="en-US"/>
+        </a:p>
+      </dgm:t>
+    </dgm:pt>
+    <dgm:pt modelId="{CF7D452E-E4E0-4D23-825B-9CFB5BD2CCD3}">
+      <dgm:prSet/>
+      <dgm:spPr/>
+      <dgm:t>
+        <a:bodyPr/>
+        <a:lstStyle/>
+        <a:p>
+          <a:r>
+            <a:rPr lang="es-ES"/>
+            <a:t>Hemos usado un modelo de Random Forest Regresor  con 100 ramas y al entrenar el modelo pudimos obtener los siguientes datos: </a:t>
+          </a:r>
+          <a:endParaRPr lang="en-US"/>
+        </a:p>
+      </dgm:t>
+    </dgm:pt>
+    <dgm:pt modelId="{8488094A-956A-4B85-B5FE-E04058C5D11F}" type="parTrans" cxnId="{C4FBE1A8-873C-40AB-8BC3-DD2E0F7DD46C}">
+      <dgm:prSet/>
+      <dgm:spPr/>
+      <dgm:t>
+        <a:bodyPr/>
+        <a:lstStyle/>
+        <a:p>
+          <a:endParaRPr lang="en-US"/>
+        </a:p>
+      </dgm:t>
+    </dgm:pt>
+    <dgm:pt modelId="{32DB73B1-697B-4A79-8C2D-EF3F6BD6FE68}" type="sibTrans" cxnId="{C4FBE1A8-873C-40AB-8BC3-DD2E0F7DD46C}">
+      <dgm:prSet/>
+      <dgm:spPr/>
+      <dgm:t>
+        <a:bodyPr/>
+        <a:lstStyle/>
+        <a:p>
+          <a:endParaRPr lang="en-US"/>
+        </a:p>
+      </dgm:t>
+    </dgm:pt>
+    <dgm:pt modelId="{5ACD472A-0239-4CB7-A3C3-0EAC0109D9CC}">
+      <dgm:prSet/>
+      <dgm:spPr/>
+      <dgm:t>
+        <a:bodyPr/>
+        <a:lstStyle/>
+        <a:p>
+          <a:r>
+            <a:rPr lang="es-ES"/>
+            <a:t>Mean Absolute Error: 0.7627976190476191 </a:t>
+          </a:r>
+          <a:endParaRPr lang="en-US"/>
+        </a:p>
+      </dgm:t>
+    </dgm:pt>
+    <dgm:pt modelId="{8FBBC098-FB4C-44CC-9E55-27EF1DE8A703}" type="parTrans" cxnId="{92BCCCCF-5A33-4F23-9BF9-5F28EF8CBA7B}">
+      <dgm:prSet/>
+      <dgm:spPr/>
+      <dgm:t>
+        <a:bodyPr/>
+        <a:lstStyle/>
+        <a:p>
+          <a:endParaRPr lang="en-US"/>
+        </a:p>
+      </dgm:t>
+    </dgm:pt>
+    <dgm:pt modelId="{F1045F60-B771-4834-BD89-56EE96C667BB}" type="sibTrans" cxnId="{92BCCCCF-5A33-4F23-9BF9-5F28EF8CBA7B}">
+      <dgm:prSet/>
+      <dgm:spPr/>
+      <dgm:t>
+        <a:bodyPr/>
+        <a:lstStyle/>
+        <a:p>
+          <a:endParaRPr lang="en-US"/>
+        </a:p>
+      </dgm:t>
+    </dgm:pt>
+    <dgm:pt modelId="{005B4723-0487-44CB-B8DC-08048D14D094}">
+      <dgm:prSet/>
+      <dgm:spPr/>
+      <dgm:t>
+        <a:bodyPr/>
+        <a:lstStyle/>
+        <a:p>
+          <a:r>
+            <a:rPr lang="es-ES"/>
+            <a:t>Mean Squared Error: 1.2517511904761904 </a:t>
+          </a:r>
+          <a:endParaRPr lang="en-US"/>
+        </a:p>
+      </dgm:t>
+    </dgm:pt>
+    <dgm:pt modelId="{0435CB88-E345-4929-B1D1-09CDC4BFD8B6}" type="parTrans" cxnId="{FC1FF4A8-1C57-462B-B64D-50CD864A4CBD}">
+      <dgm:prSet/>
+      <dgm:spPr/>
+      <dgm:t>
+        <a:bodyPr/>
+        <a:lstStyle/>
+        <a:p>
+          <a:endParaRPr lang="en-US"/>
+        </a:p>
+      </dgm:t>
+    </dgm:pt>
+    <dgm:pt modelId="{81133E0F-4AE8-4C8C-8DD3-E747232AA852}" type="sibTrans" cxnId="{FC1FF4A8-1C57-462B-B64D-50CD864A4CBD}">
+      <dgm:prSet/>
+      <dgm:spPr/>
+      <dgm:t>
+        <a:bodyPr/>
+        <a:lstStyle/>
+        <a:p>
+          <a:endParaRPr lang="en-US"/>
+        </a:p>
+      </dgm:t>
+    </dgm:pt>
+    <dgm:pt modelId="{1975A4F7-4914-431E-9005-CD6D129BA498}">
+      <dgm:prSet/>
+      <dgm:spPr/>
+      <dgm:t>
+        <a:bodyPr/>
+        <a:lstStyle/>
+        <a:p>
+          <a:r>
+            <a:rPr lang="es-ES"/>
+            <a:t>Root Mean Squared Error: 1.1188168708399915</a:t>
+          </a:r>
+          <a:endParaRPr lang="en-US"/>
+        </a:p>
+      </dgm:t>
+    </dgm:pt>
+    <dgm:pt modelId="{A1984AB0-58B2-44C9-A20C-EC2F64044ECD}" type="parTrans" cxnId="{B33A39F0-22CC-4148-BEBC-42D112E1760C}">
+      <dgm:prSet/>
+      <dgm:spPr/>
+      <dgm:t>
+        <a:bodyPr/>
+        <a:lstStyle/>
+        <a:p>
+          <a:endParaRPr lang="en-US"/>
+        </a:p>
+      </dgm:t>
+    </dgm:pt>
+    <dgm:pt modelId="{222EDC26-A6FE-4211-AAB2-9943059AD1B3}" type="sibTrans" cxnId="{B33A39F0-22CC-4148-BEBC-42D112E1760C}">
+      <dgm:prSet/>
+      <dgm:spPr/>
+      <dgm:t>
+        <a:bodyPr/>
+        <a:lstStyle/>
+        <a:p>
+          <a:endParaRPr lang="en-US"/>
+        </a:p>
+      </dgm:t>
+    </dgm:pt>
+    <dgm:pt modelId="{5ECDE32B-566F-FB49-A01A-773AA1A5471F}" type="pres">
+      <dgm:prSet presAssocID="{D041ED71-3BFD-4DE6-AA15-48C8DD963DA1}" presName="matrix" presStyleCnt="0">
+        <dgm:presLayoutVars>
+          <dgm:chMax val="1"/>
+          <dgm:dir/>
+          <dgm:resizeHandles val="exact"/>
+        </dgm:presLayoutVars>
+      </dgm:prSet>
+      <dgm:spPr/>
+    </dgm:pt>
+    <dgm:pt modelId="{A5281809-817C-7B4E-83EB-1A9B8F3014A5}" type="pres">
+      <dgm:prSet presAssocID="{D041ED71-3BFD-4DE6-AA15-48C8DD963DA1}" presName="diamond" presStyleLbl="bgShp" presStyleIdx="0" presStyleCnt="1"/>
+      <dgm:spPr/>
+    </dgm:pt>
+    <dgm:pt modelId="{12E4D696-BB59-9046-8CD4-CD3996CF44EC}" type="pres">
+      <dgm:prSet presAssocID="{D041ED71-3BFD-4DE6-AA15-48C8DD963DA1}" presName="quad1" presStyleLbl="node1" presStyleIdx="0" presStyleCnt="4">
+        <dgm:presLayoutVars>
+          <dgm:chMax val="0"/>
+          <dgm:chPref val="0"/>
+          <dgm:bulletEnabled val="1"/>
+        </dgm:presLayoutVars>
+      </dgm:prSet>
+      <dgm:spPr/>
+    </dgm:pt>
+    <dgm:pt modelId="{9D392011-81EC-7141-878B-33C588434313}" type="pres">
+      <dgm:prSet presAssocID="{D041ED71-3BFD-4DE6-AA15-48C8DD963DA1}" presName="quad2" presStyleLbl="node1" presStyleIdx="1" presStyleCnt="4">
+        <dgm:presLayoutVars>
+          <dgm:chMax val="0"/>
+          <dgm:chPref val="0"/>
+          <dgm:bulletEnabled val="1"/>
+        </dgm:presLayoutVars>
+      </dgm:prSet>
+      <dgm:spPr/>
+    </dgm:pt>
+    <dgm:pt modelId="{7769A741-46BB-2B49-A3BD-DCD568F11D92}" type="pres">
+      <dgm:prSet presAssocID="{D041ED71-3BFD-4DE6-AA15-48C8DD963DA1}" presName="quad3" presStyleLbl="node1" presStyleIdx="2" presStyleCnt="4">
+        <dgm:presLayoutVars>
+          <dgm:chMax val="0"/>
+          <dgm:chPref val="0"/>
+          <dgm:bulletEnabled val="1"/>
+        </dgm:presLayoutVars>
+      </dgm:prSet>
+      <dgm:spPr/>
+    </dgm:pt>
+    <dgm:pt modelId="{3E1C636E-0ADA-8C4C-B247-7EDCADE8D4E5}" type="pres">
+      <dgm:prSet presAssocID="{D041ED71-3BFD-4DE6-AA15-48C8DD963DA1}" presName="quad4" presStyleLbl="node1" presStyleIdx="3" presStyleCnt="4">
+        <dgm:presLayoutVars>
+          <dgm:chMax val="0"/>
+          <dgm:chPref val="0"/>
+          <dgm:bulletEnabled val="1"/>
+        </dgm:presLayoutVars>
+      </dgm:prSet>
+      <dgm:spPr/>
+    </dgm:pt>
+  </dgm:ptLst>
+  <dgm:cxnLst>
+    <dgm:cxn modelId="{07B11D11-7CF3-7146-A8B7-A15F24E10FB3}" type="presOf" srcId="{1975A4F7-4914-431E-9005-CD6D129BA498}" destId="{3E1C636E-0ADA-8C4C-B247-7EDCADE8D4E5}" srcOrd="0" destOrd="0" presId="urn:microsoft.com/office/officeart/2005/8/layout/matrix3"/>
+    <dgm:cxn modelId="{5883CC28-740B-7844-8EFE-6F7841D0C786}" type="presOf" srcId="{D041ED71-3BFD-4DE6-AA15-48C8DD963DA1}" destId="{5ECDE32B-566F-FB49-A01A-773AA1A5471F}" srcOrd="0" destOrd="0" presId="urn:microsoft.com/office/officeart/2005/8/layout/matrix3"/>
+    <dgm:cxn modelId="{0098A995-8AF7-914D-BF66-754E3E921C45}" type="presOf" srcId="{5ACD472A-0239-4CB7-A3C3-0EAC0109D9CC}" destId="{9D392011-81EC-7141-878B-33C588434313}" srcOrd="0" destOrd="0" presId="urn:microsoft.com/office/officeart/2005/8/layout/matrix3"/>
+    <dgm:cxn modelId="{C4FBE1A8-873C-40AB-8BC3-DD2E0F7DD46C}" srcId="{D041ED71-3BFD-4DE6-AA15-48C8DD963DA1}" destId="{CF7D452E-E4E0-4D23-825B-9CFB5BD2CCD3}" srcOrd="0" destOrd="0" parTransId="{8488094A-956A-4B85-B5FE-E04058C5D11F}" sibTransId="{32DB73B1-697B-4A79-8C2D-EF3F6BD6FE68}"/>
+    <dgm:cxn modelId="{FC1FF4A8-1C57-462B-B64D-50CD864A4CBD}" srcId="{D041ED71-3BFD-4DE6-AA15-48C8DD963DA1}" destId="{005B4723-0487-44CB-B8DC-08048D14D094}" srcOrd="2" destOrd="0" parTransId="{0435CB88-E345-4929-B1D1-09CDC4BFD8B6}" sibTransId="{81133E0F-4AE8-4C8C-8DD3-E747232AA852}"/>
+    <dgm:cxn modelId="{CB7592B8-9F98-AC49-B7C0-7081E22A3426}" type="presOf" srcId="{005B4723-0487-44CB-B8DC-08048D14D094}" destId="{7769A741-46BB-2B49-A3BD-DCD568F11D92}" srcOrd="0" destOrd="0" presId="urn:microsoft.com/office/officeart/2005/8/layout/matrix3"/>
+    <dgm:cxn modelId="{92BCCCCF-5A33-4F23-9BF9-5F28EF8CBA7B}" srcId="{D041ED71-3BFD-4DE6-AA15-48C8DD963DA1}" destId="{5ACD472A-0239-4CB7-A3C3-0EAC0109D9CC}" srcOrd="1" destOrd="0" parTransId="{8FBBC098-FB4C-44CC-9E55-27EF1DE8A703}" sibTransId="{F1045F60-B771-4834-BD89-56EE96C667BB}"/>
+    <dgm:cxn modelId="{B33A39F0-22CC-4148-BEBC-42D112E1760C}" srcId="{D041ED71-3BFD-4DE6-AA15-48C8DD963DA1}" destId="{1975A4F7-4914-431E-9005-CD6D129BA498}" srcOrd="3" destOrd="0" parTransId="{A1984AB0-58B2-44C9-A20C-EC2F64044ECD}" sibTransId="{222EDC26-A6FE-4211-AAB2-9943059AD1B3}"/>
+    <dgm:cxn modelId="{F96E11F5-238C-B649-A0E3-9E2C58741650}" type="presOf" srcId="{CF7D452E-E4E0-4D23-825B-9CFB5BD2CCD3}" destId="{12E4D696-BB59-9046-8CD4-CD3996CF44EC}" srcOrd="0" destOrd="0" presId="urn:microsoft.com/office/officeart/2005/8/layout/matrix3"/>
+    <dgm:cxn modelId="{82E0585B-1DEC-5546-A8F2-C2816E38806C}" type="presParOf" srcId="{5ECDE32B-566F-FB49-A01A-773AA1A5471F}" destId="{A5281809-817C-7B4E-83EB-1A9B8F3014A5}" srcOrd="0" destOrd="0" presId="urn:microsoft.com/office/officeart/2005/8/layout/matrix3"/>
+    <dgm:cxn modelId="{9B192D3D-D8F6-C54A-8C48-E53FCE03BA5F}" type="presParOf" srcId="{5ECDE32B-566F-FB49-A01A-773AA1A5471F}" destId="{12E4D696-BB59-9046-8CD4-CD3996CF44EC}" srcOrd="1" destOrd="0" presId="urn:microsoft.com/office/officeart/2005/8/layout/matrix3"/>
+    <dgm:cxn modelId="{9399A84F-D28F-7543-A2E9-B2147A7A32C8}" type="presParOf" srcId="{5ECDE32B-566F-FB49-A01A-773AA1A5471F}" destId="{9D392011-81EC-7141-878B-33C588434313}" srcOrd="2" destOrd="0" presId="urn:microsoft.com/office/officeart/2005/8/layout/matrix3"/>
+    <dgm:cxn modelId="{7E2D9AE9-CE6E-C644-B7B2-B76B1A16DE2C}" type="presParOf" srcId="{5ECDE32B-566F-FB49-A01A-773AA1A5471F}" destId="{7769A741-46BB-2B49-A3BD-DCD568F11D92}" srcOrd="3" destOrd="0" presId="urn:microsoft.com/office/officeart/2005/8/layout/matrix3"/>
+    <dgm:cxn modelId="{9112A5CC-D8B6-0548-A23C-05F14305EA97}" type="presParOf" srcId="{5ECDE32B-566F-FB49-A01A-773AA1A5471F}" destId="{3E1C636E-0ADA-8C4C-B247-7EDCADE8D4E5}" srcOrd="4" destOrd="0" presId="urn:microsoft.com/office/officeart/2005/8/layout/matrix3"/>
+  </dgm:cxnLst>
+  <dgm:bg/>
+  <dgm:whole/>
+  <dgm:extLst>
+    <a:ext uri="http://schemas.microsoft.com/office/drawing/2008/diagram">
+      <dsp:dataModelExt xmlns:dsp="http://schemas.microsoft.com/office/drawing/2008/diagram" relId="rId9" minVer="http://schemas.openxmlformats.org/drawingml/2006/diagram"/>
+    </a:ext>
+  </dgm:extLst>
+</dgm:dataModel>
+</file>
+
+<file path=ppt/diagrams/data5.xml><?xml version="1.0" encoding="utf-8"?>
+<dgm:dataModel xmlns:dgm="http://schemas.openxmlformats.org/drawingml/2006/diagram" xmlns:a="http://schemas.openxmlformats.org/drawingml/2006/main">
+  <dgm:ptLst>
+    <dgm:pt modelId="{D5F95A57-86B9-4AAF-87B6-AC8F8ED26118}" type="doc">
+      <dgm:prSet loTypeId="urn:microsoft.com/office/officeart/2005/8/layout/default" loCatId="list" qsTypeId="urn:microsoft.com/office/officeart/2005/8/quickstyle/simple1" qsCatId="simple" csTypeId="urn:microsoft.com/office/officeart/2005/8/colors/accent1_2" csCatId="accent1"/>
+      <dgm:spPr/>
+      <dgm:t>
+        <a:bodyPr/>
+        <a:lstStyle/>
+        <a:p>
+          <a:endParaRPr lang="en-US"/>
+        </a:p>
+      </dgm:t>
+    </dgm:pt>
+    <dgm:pt modelId="{3111E660-F9E7-4656-8FD2-3EBAA399124A}">
+      <dgm:prSet/>
+      <dgm:spPr/>
+      <dgm:t>
+        <a:bodyPr/>
+        <a:lstStyle/>
+        <a:p>
+          <a:r>
+            <a:rPr lang="es-ES"/>
+            <a:t>- Años</a:t>
+          </a:r>
+          <a:endParaRPr lang="en-US"/>
+        </a:p>
+      </dgm:t>
+    </dgm:pt>
+    <dgm:pt modelId="{8BB24CBC-99E4-4739-B9E2-1BBD9F3964B0}" type="parTrans" cxnId="{2DF9D6C9-6F0E-4038-9352-582C3DB1E488}">
+      <dgm:prSet/>
+      <dgm:spPr/>
+      <dgm:t>
+        <a:bodyPr/>
+        <a:lstStyle/>
+        <a:p>
+          <a:endParaRPr lang="en-US"/>
+        </a:p>
+      </dgm:t>
+    </dgm:pt>
+    <dgm:pt modelId="{6D3DB0E9-46A9-4437-B6D6-543296CC0015}" type="sibTrans" cxnId="{2DF9D6C9-6F0E-4038-9352-582C3DB1E488}">
+      <dgm:prSet/>
+      <dgm:spPr/>
+      <dgm:t>
+        <a:bodyPr/>
+        <a:lstStyle/>
+        <a:p>
+          <a:endParaRPr lang="en-US"/>
+        </a:p>
+      </dgm:t>
+    </dgm:pt>
+    <dgm:pt modelId="{FB4FCD6B-635C-4545-8342-550001BE13BD}">
+      <dgm:prSet/>
+      <dgm:spPr/>
+      <dgm:t>
+        <a:bodyPr/>
+        <a:lstStyle/>
+        <a:p>
+          <a:r>
+            <a:rPr lang="es-ES"/>
+            <a:t>- Ingresos</a:t>
+          </a:r>
+          <a:endParaRPr lang="en-US"/>
+        </a:p>
+      </dgm:t>
+    </dgm:pt>
+    <dgm:pt modelId="{739E03C6-5516-4EF6-9034-1DEEF3B95A19}" type="parTrans" cxnId="{812B2AF9-F82B-4069-ACEA-F1CFFACF7910}">
+      <dgm:prSet/>
+      <dgm:spPr/>
+      <dgm:t>
+        <a:bodyPr/>
+        <a:lstStyle/>
+        <a:p>
+          <a:endParaRPr lang="en-US"/>
+        </a:p>
+      </dgm:t>
+    </dgm:pt>
+    <dgm:pt modelId="{65CF15C5-1B8C-429C-BE30-E26B1BBABA8C}" type="sibTrans" cxnId="{812B2AF9-F82B-4069-ACEA-F1CFFACF7910}">
+      <dgm:prSet/>
+      <dgm:spPr/>
+      <dgm:t>
+        <a:bodyPr/>
+        <a:lstStyle/>
+        <a:p>
+          <a:endParaRPr lang="en-US"/>
+        </a:p>
+      </dgm:t>
+    </dgm:pt>
+    <dgm:pt modelId="{B08F18E0-D8EC-4B22-9DAB-E32C92B77FFC}">
+      <dgm:prSet/>
+      <dgm:spPr/>
+      <dgm:t>
+        <a:bodyPr/>
+        <a:lstStyle/>
+        <a:p>
+          <a:r>
+            <a:rPr lang="es-ES"/>
+            <a:t>- Cuantos menores hay en casa</a:t>
+          </a:r>
+          <a:endParaRPr lang="en-US"/>
+        </a:p>
+      </dgm:t>
+    </dgm:pt>
+    <dgm:pt modelId="{FF1EF5E7-C3AD-419F-A820-18D00CEC691D}" type="parTrans" cxnId="{70DFB7B4-88DF-42BA-9DF2-B9D2B742DD71}">
+      <dgm:prSet/>
+      <dgm:spPr/>
+      <dgm:t>
+        <a:bodyPr/>
+        <a:lstStyle/>
+        <a:p>
+          <a:endParaRPr lang="en-US"/>
+        </a:p>
+      </dgm:t>
+    </dgm:pt>
+    <dgm:pt modelId="{1CA32BF4-1289-4B90-8FE4-32F8BA807D30}" type="sibTrans" cxnId="{70DFB7B4-88DF-42BA-9DF2-B9D2B742DD71}">
+      <dgm:prSet/>
+      <dgm:spPr/>
+      <dgm:t>
+        <a:bodyPr/>
+        <a:lstStyle/>
+        <a:p>
+          <a:endParaRPr lang="en-US"/>
+        </a:p>
+      </dgm:t>
+    </dgm:pt>
+    <dgm:pt modelId="{9E9837A2-C720-468F-9065-7ABDC4DEFA25}">
+      <dgm:prSet/>
+      <dgm:spPr/>
+      <dgm:t>
+        <a:bodyPr/>
+        <a:lstStyle/>
+        <a:p>
+          <a:r>
+            <a:rPr lang="es-ES"/>
+            <a:t>- Fecha de Registro</a:t>
+          </a:r>
+          <a:endParaRPr lang="en-US"/>
+        </a:p>
+      </dgm:t>
+    </dgm:pt>
+    <dgm:pt modelId="{85AC0E3E-6C73-4AFF-B72A-DF81C08719EE}" type="parTrans" cxnId="{ECBEE999-BE45-480E-B4E5-AB3BE1E22670}">
+      <dgm:prSet/>
+      <dgm:spPr/>
+      <dgm:t>
+        <a:bodyPr/>
+        <a:lstStyle/>
+        <a:p>
+          <a:endParaRPr lang="en-US"/>
+        </a:p>
+      </dgm:t>
+    </dgm:pt>
+    <dgm:pt modelId="{FB7908D9-98BC-459F-B0D8-93F2D7B3469D}" type="sibTrans" cxnId="{ECBEE999-BE45-480E-B4E5-AB3BE1E22670}">
+      <dgm:prSet/>
+      <dgm:spPr/>
+      <dgm:t>
+        <a:bodyPr/>
+        <a:lstStyle/>
+        <a:p>
+          <a:endParaRPr lang="en-US"/>
+        </a:p>
+      </dgm:t>
+    </dgm:pt>
+    <dgm:pt modelId="{88637885-D444-47CB-916B-F319AB1812AE}">
+      <dgm:prSet/>
+      <dgm:spPr/>
+      <dgm:t>
+        <a:bodyPr/>
+        <a:lstStyle/>
+        <a:p>
+          <a:r>
+            <a:rPr lang="es-ES"/>
+            <a:t>- Productos de: carne, vino, pescado, frutas, productos dulces.</a:t>
+          </a:r>
+          <a:endParaRPr lang="en-US"/>
+        </a:p>
+      </dgm:t>
+    </dgm:pt>
+    <dgm:pt modelId="{E0DC3EE3-4D95-4466-8349-2312B19895ED}" type="parTrans" cxnId="{C9CEA248-DA6D-4745-B1E7-6E37A4B0F763}">
+      <dgm:prSet/>
+      <dgm:spPr/>
+      <dgm:t>
+        <a:bodyPr/>
+        <a:lstStyle/>
+        <a:p>
+          <a:endParaRPr lang="en-US"/>
+        </a:p>
+      </dgm:t>
+    </dgm:pt>
+    <dgm:pt modelId="{E206855A-AAB2-475E-8287-55703A92340C}" type="sibTrans" cxnId="{C9CEA248-DA6D-4745-B1E7-6E37A4B0F763}">
+      <dgm:prSet/>
+      <dgm:spPr/>
+      <dgm:t>
+        <a:bodyPr/>
+        <a:lstStyle/>
+        <a:p>
+          <a:endParaRPr lang="en-US"/>
+        </a:p>
+      </dgm:t>
+    </dgm:pt>
+    <dgm:pt modelId="{CB5C1DA9-F69F-403C-814F-DC937402F256}">
+      <dgm:prSet/>
+      <dgm:spPr/>
+      <dgm:t>
+        <a:bodyPr/>
+        <a:lstStyle/>
+        <a:p>
+          <a:r>
+            <a:rPr lang="es-ES"/>
+            <a:t>- Canales: Numero de ventas, Compras por catalogo, Compras por la tienda</a:t>
+          </a:r>
+          <a:endParaRPr lang="en-US"/>
+        </a:p>
+      </dgm:t>
+    </dgm:pt>
+    <dgm:pt modelId="{0607EEBF-5AAD-4ECE-B88B-122994374199}" type="parTrans" cxnId="{C53B6E99-F8C9-461D-85FC-368402102893}">
+      <dgm:prSet/>
+      <dgm:spPr/>
+      <dgm:t>
+        <a:bodyPr/>
+        <a:lstStyle/>
+        <a:p>
+          <a:endParaRPr lang="en-US"/>
+        </a:p>
+      </dgm:t>
+    </dgm:pt>
+    <dgm:pt modelId="{271DE0D6-4772-4DCE-98DA-BD71FCF29707}" type="sibTrans" cxnId="{C53B6E99-F8C9-461D-85FC-368402102893}">
+      <dgm:prSet/>
+      <dgm:spPr/>
+      <dgm:t>
+        <a:bodyPr/>
+        <a:lstStyle/>
+        <a:p>
+          <a:endParaRPr lang="en-US"/>
+        </a:p>
+      </dgm:t>
+    </dgm:pt>
+    <dgm:pt modelId="{685CEB98-4075-403D-AC9C-6EA356398296}">
+      <dgm:prSet/>
+      <dgm:spPr/>
+      <dgm:t>
+        <a:bodyPr/>
+        <a:lstStyle/>
+        <a:p>
+          <a:r>
+            <a:rPr lang="es-ES"/>
+            <a:t>- Total: Volumen del pedido promedio, Numero de compras, Total de monto gastado. </a:t>
+          </a:r>
+          <a:endParaRPr lang="en-US"/>
+        </a:p>
+      </dgm:t>
+    </dgm:pt>
+    <dgm:pt modelId="{EBAD2647-4D2C-4843-994A-52A0684B6AFE}" type="parTrans" cxnId="{BE3F91B9-13E7-44D4-961E-FD3020816CC7}">
+      <dgm:prSet/>
+      <dgm:spPr/>
+      <dgm:t>
+        <a:bodyPr/>
+        <a:lstStyle/>
+        <a:p>
+          <a:endParaRPr lang="en-US"/>
+        </a:p>
+      </dgm:t>
+    </dgm:pt>
+    <dgm:pt modelId="{381E06D9-DBB6-4834-94C4-2C38BF5420B6}" type="sibTrans" cxnId="{BE3F91B9-13E7-44D4-961E-FD3020816CC7}">
+      <dgm:prSet/>
+      <dgm:spPr/>
+      <dgm:t>
+        <a:bodyPr/>
+        <a:lstStyle/>
+        <a:p>
+          <a:endParaRPr lang="en-US"/>
+        </a:p>
+      </dgm:t>
+    </dgm:pt>
+    <dgm:pt modelId="{ABD20439-8CA0-E84D-BC6B-75EA1FBB0387}" type="pres">
+      <dgm:prSet presAssocID="{D5F95A57-86B9-4AAF-87B6-AC8F8ED26118}" presName="diagram" presStyleCnt="0">
+        <dgm:presLayoutVars>
+          <dgm:dir/>
+          <dgm:resizeHandles val="exact"/>
+        </dgm:presLayoutVars>
+      </dgm:prSet>
+      <dgm:spPr/>
+    </dgm:pt>
+    <dgm:pt modelId="{97982543-5EE4-0A48-8CFF-AE75D4F8CA2A}" type="pres">
+      <dgm:prSet presAssocID="{3111E660-F9E7-4656-8FD2-3EBAA399124A}" presName="node" presStyleLbl="node1" presStyleIdx="0" presStyleCnt="7">
+        <dgm:presLayoutVars>
+          <dgm:bulletEnabled val="1"/>
+        </dgm:presLayoutVars>
+      </dgm:prSet>
+      <dgm:spPr/>
+    </dgm:pt>
+    <dgm:pt modelId="{168EA1C0-CA81-604F-8D0C-E0FEBCA2F8F6}" type="pres">
+      <dgm:prSet presAssocID="{6D3DB0E9-46A9-4437-B6D6-543296CC0015}" presName="sibTrans" presStyleCnt="0"/>
+      <dgm:spPr/>
+    </dgm:pt>
+    <dgm:pt modelId="{ABC4B1A8-B047-9A42-BBDC-91F2412C3EB5}" type="pres">
+      <dgm:prSet presAssocID="{FB4FCD6B-635C-4545-8342-550001BE13BD}" presName="node" presStyleLbl="node1" presStyleIdx="1" presStyleCnt="7">
+        <dgm:presLayoutVars>
+          <dgm:bulletEnabled val="1"/>
+        </dgm:presLayoutVars>
+      </dgm:prSet>
+      <dgm:spPr/>
+    </dgm:pt>
+    <dgm:pt modelId="{DA6F1212-CCBE-EE4B-A7C9-DA234779ABA5}" type="pres">
+      <dgm:prSet presAssocID="{65CF15C5-1B8C-429C-BE30-E26B1BBABA8C}" presName="sibTrans" presStyleCnt="0"/>
+      <dgm:spPr/>
+    </dgm:pt>
+    <dgm:pt modelId="{EA2AE4A9-97F0-DF4C-810B-30FF867C1BC0}" type="pres">
+      <dgm:prSet presAssocID="{B08F18E0-D8EC-4B22-9DAB-E32C92B77FFC}" presName="node" presStyleLbl="node1" presStyleIdx="2" presStyleCnt="7">
+        <dgm:presLayoutVars>
+          <dgm:bulletEnabled val="1"/>
+        </dgm:presLayoutVars>
+      </dgm:prSet>
+      <dgm:spPr/>
+    </dgm:pt>
+    <dgm:pt modelId="{F901F0DE-4518-A04D-BE6D-33326D3A2282}" type="pres">
+      <dgm:prSet presAssocID="{1CA32BF4-1289-4B90-8FE4-32F8BA807D30}" presName="sibTrans" presStyleCnt="0"/>
+      <dgm:spPr/>
+    </dgm:pt>
+    <dgm:pt modelId="{34FEDC8C-C968-FC4F-92E5-93961FCB1877}" type="pres">
+      <dgm:prSet presAssocID="{9E9837A2-C720-468F-9065-7ABDC4DEFA25}" presName="node" presStyleLbl="node1" presStyleIdx="3" presStyleCnt="7">
+        <dgm:presLayoutVars>
+          <dgm:bulletEnabled val="1"/>
+        </dgm:presLayoutVars>
+      </dgm:prSet>
+      <dgm:spPr/>
+    </dgm:pt>
+    <dgm:pt modelId="{E312DC78-E5B3-1441-AC53-C6039DC2E970}" type="pres">
+      <dgm:prSet presAssocID="{FB7908D9-98BC-459F-B0D8-93F2D7B3469D}" presName="sibTrans" presStyleCnt="0"/>
+      <dgm:spPr/>
+    </dgm:pt>
+    <dgm:pt modelId="{4D0A8850-9F29-C84E-9272-0FCFBBD1E93F}" type="pres">
+      <dgm:prSet presAssocID="{88637885-D444-47CB-916B-F319AB1812AE}" presName="node" presStyleLbl="node1" presStyleIdx="4" presStyleCnt="7">
+        <dgm:presLayoutVars>
+          <dgm:bulletEnabled val="1"/>
+        </dgm:presLayoutVars>
+      </dgm:prSet>
+      <dgm:spPr/>
+    </dgm:pt>
+    <dgm:pt modelId="{8C9A7A48-B16F-CF4E-A981-D83AF3F84DD8}" type="pres">
+      <dgm:prSet presAssocID="{E206855A-AAB2-475E-8287-55703A92340C}" presName="sibTrans" presStyleCnt="0"/>
+      <dgm:spPr/>
+    </dgm:pt>
+    <dgm:pt modelId="{8404387C-E445-9B48-B14C-17E85AAF1B72}" type="pres">
+      <dgm:prSet presAssocID="{CB5C1DA9-F69F-403C-814F-DC937402F256}" presName="node" presStyleLbl="node1" presStyleIdx="5" presStyleCnt="7">
+        <dgm:presLayoutVars>
+          <dgm:bulletEnabled val="1"/>
+        </dgm:presLayoutVars>
+      </dgm:prSet>
+      <dgm:spPr/>
+    </dgm:pt>
+    <dgm:pt modelId="{0D0C8454-B753-E140-96A5-44ED81A2F05A}" type="pres">
+      <dgm:prSet presAssocID="{271DE0D6-4772-4DCE-98DA-BD71FCF29707}" presName="sibTrans" presStyleCnt="0"/>
+      <dgm:spPr/>
+    </dgm:pt>
+    <dgm:pt modelId="{412E1CEE-950B-994B-927F-5081E10D6885}" type="pres">
+      <dgm:prSet presAssocID="{685CEB98-4075-403D-AC9C-6EA356398296}" presName="node" presStyleLbl="node1" presStyleIdx="6" presStyleCnt="7">
+        <dgm:presLayoutVars>
+          <dgm:bulletEnabled val="1"/>
+        </dgm:presLayoutVars>
+      </dgm:prSet>
+      <dgm:spPr/>
+    </dgm:pt>
+  </dgm:ptLst>
+  <dgm:cxnLst>
+    <dgm:cxn modelId="{02331506-A753-7C49-BFE0-FF654C155B24}" type="presOf" srcId="{3111E660-F9E7-4656-8FD2-3EBAA399124A}" destId="{97982543-5EE4-0A48-8CFF-AE75D4F8CA2A}" srcOrd="0" destOrd="0" presId="urn:microsoft.com/office/officeart/2005/8/layout/default"/>
+    <dgm:cxn modelId="{511C9511-86D6-1942-8D39-BF743E91B007}" type="presOf" srcId="{685CEB98-4075-403D-AC9C-6EA356398296}" destId="{412E1CEE-950B-994B-927F-5081E10D6885}" srcOrd="0" destOrd="0" presId="urn:microsoft.com/office/officeart/2005/8/layout/default"/>
+    <dgm:cxn modelId="{3F67911A-448A-FA42-80D8-578D9407D084}" type="presOf" srcId="{D5F95A57-86B9-4AAF-87B6-AC8F8ED26118}" destId="{ABD20439-8CA0-E84D-BC6B-75EA1FBB0387}" srcOrd="0" destOrd="0" presId="urn:microsoft.com/office/officeart/2005/8/layout/default"/>
+    <dgm:cxn modelId="{B543FC2A-91AF-9A4C-ABA9-E3FF8788DEA5}" type="presOf" srcId="{B08F18E0-D8EC-4B22-9DAB-E32C92B77FFC}" destId="{EA2AE4A9-97F0-DF4C-810B-30FF867C1BC0}" srcOrd="0" destOrd="0" presId="urn:microsoft.com/office/officeart/2005/8/layout/default"/>
+    <dgm:cxn modelId="{EBD4D83B-16A4-2344-A252-B26869CE2BEE}" type="presOf" srcId="{CB5C1DA9-F69F-403C-814F-DC937402F256}" destId="{8404387C-E445-9B48-B14C-17E85AAF1B72}" srcOrd="0" destOrd="0" presId="urn:microsoft.com/office/officeart/2005/8/layout/default"/>
+    <dgm:cxn modelId="{C9CEA248-DA6D-4745-B1E7-6E37A4B0F763}" srcId="{D5F95A57-86B9-4AAF-87B6-AC8F8ED26118}" destId="{88637885-D444-47CB-916B-F319AB1812AE}" srcOrd="4" destOrd="0" parTransId="{E0DC3EE3-4D95-4466-8349-2312B19895ED}" sibTransId="{E206855A-AAB2-475E-8287-55703A92340C}"/>
+    <dgm:cxn modelId="{87128A80-E86C-F546-B05C-C003D1330241}" type="presOf" srcId="{88637885-D444-47CB-916B-F319AB1812AE}" destId="{4D0A8850-9F29-C84E-9272-0FCFBBD1E93F}" srcOrd="0" destOrd="0" presId="urn:microsoft.com/office/officeart/2005/8/layout/default"/>
+    <dgm:cxn modelId="{C53B6E99-F8C9-461D-85FC-368402102893}" srcId="{D5F95A57-86B9-4AAF-87B6-AC8F8ED26118}" destId="{CB5C1DA9-F69F-403C-814F-DC937402F256}" srcOrd="5" destOrd="0" parTransId="{0607EEBF-5AAD-4ECE-B88B-122994374199}" sibTransId="{271DE0D6-4772-4DCE-98DA-BD71FCF29707}"/>
+    <dgm:cxn modelId="{ECBEE999-BE45-480E-B4E5-AB3BE1E22670}" srcId="{D5F95A57-86B9-4AAF-87B6-AC8F8ED26118}" destId="{9E9837A2-C720-468F-9065-7ABDC4DEFA25}" srcOrd="3" destOrd="0" parTransId="{85AC0E3E-6C73-4AFF-B72A-DF81C08719EE}" sibTransId="{FB7908D9-98BC-459F-B0D8-93F2D7B3469D}"/>
+    <dgm:cxn modelId="{70DFB7B4-88DF-42BA-9DF2-B9D2B742DD71}" srcId="{D5F95A57-86B9-4AAF-87B6-AC8F8ED26118}" destId="{B08F18E0-D8EC-4B22-9DAB-E32C92B77FFC}" srcOrd="2" destOrd="0" parTransId="{FF1EF5E7-C3AD-419F-A820-18D00CEC691D}" sibTransId="{1CA32BF4-1289-4B90-8FE4-32F8BA807D30}"/>
+    <dgm:cxn modelId="{BE3F91B9-13E7-44D4-961E-FD3020816CC7}" srcId="{D5F95A57-86B9-4AAF-87B6-AC8F8ED26118}" destId="{685CEB98-4075-403D-AC9C-6EA356398296}" srcOrd="6" destOrd="0" parTransId="{EBAD2647-4D2C-4843-994A-52A0684B6AFE}" sibTransId="{381E06D9-DBB6-4834-94C4-2C38BF5420B6}"/>
+    <dgm:cxn modelId="{2D7A3CC4-F097-EC42-A29F-FA0BAD3FC998}" type="presOf" srcId="{9E9837A2-C720-468F-9065-7ABDC4DEFA25}" destId="{34FEDC8C-C968-FC4F-92E5-93961FCB1877}" srcOrd="0" destOrd="0" presId="urn:microsoft.com/office/officeart/2005/8/layout/default"/>
+    <dgm:cxn modelId="{2DF9D6C9-6F0E-4038-9352-582C3DB1E488}" srcId="{D5F95A57-86B9-4AAF-87B6-AC8F8ED26118}" destId="{3111E660-F9E7-4656-8FD2-3EBAA399124A}" srcOrd="0" destOrd="0" parTransId="{8BB24CBC-99E4-4739-B9E2-1BBD9F3964B0}" sibTransId="{6D3DB0E9-46A9-4437-B6D6-543296CC0015}"/>
+    <dgm:cxn modelId="{74D421DE-DA85-7B48-A6CA-C1EEC5AA3459}" type="presOf" srcId="{FB4FCD6B-635C-4545-8342-550001BE13BD}" destId="{ABC4B1A8-B047-9A42-BBDC-91F2412C3EB5}" srcOrd="0" destOrd="0" presId="urn:microsoft.com/office/officeart/2005/8/layout/default"/>
+    <dgm:cxn modelId="{812B2AF9-F82B-4069-ACEA-F1CFFACF7910}" srcId="{D5F95A57-86B9-4AAF-87B6-AC8F8ED26118}" destId="{FB4FCD6B-635C-4545-8342-550001BE13BD}" srcOrd="1" destOrd="0" parTransId="{739E03C6-5516-4EF6-9034-1DEEF3B95A19}" sibTransId="{65CF15C5-1B8C-429C-BE30-E26B1BBABA8C}"/>
+    <dgm:cxn modelId="{BD6358C5-8DD8-5141-AFF1-48E24C5E5B0B}" type="presParOf" srcId="{ABD20439-8CA0-E84D-BC6B-75EA1FBB0387}" destId="{97982543-5EE4-0A48-8CFF-AE75D4F8CA2A}" srcOrd="0" destOrd="0" presId="urn:microsoft.com/office/officeart/2005/8/layout/default"/>
+    <dgm:cxn modelId="{6A6CE727-E816-4F4A-BD26-1446619CE07A}" type="presParOf" srcId="{ABD20439-8CA0-E84D-BC6B-75EA1FBB0387}" destId="{168EA1C0-CA81-604F-8D0C-E0FEBCA2F8F6}" srcOrd="1" destOrd="0" presId="urn:microsoft.com/office/officeart/2005/8/layout/default"/>
+    <dgm:cxn modelId="{408AA53A-03AB-1845-B00E-72259376D6FC}" type="presParOf" srcId="{ABD20439-8CA0-E84D-BC6B-75EA1FBB0387}" destId="{ABC4B1A8-B047-9A42-BBDC-91F2412C3EB5}" srcOrd="2" destOrd="0" presId="urn:microsoft.com/office/officeart/2005/8/layout/default"/>
+    <dgm:cxn modelId="{3019F885-C54F-2F49-BAA2-0A617DCFA864}" type="presParOf" srcId="{ABD20439-8CA0-E84D-BC6B-75EA1FBB0387}" destId="{DA6F1212-CCBE-EE4B-A7C9-DA234779ABA5}" srcOrd="3" destOrd="0" presId="urn:microsoft.com/office/officeart/2005/8/layout/default"/>
+    <dgm:cxn modelId="{87D1055C-3895-5C4F-B1AC-C4944DC749B7}" type="presParOf" srcId="{ABD20439-8CA0-E84D-BC6B-75EA1FBB0387}" destId="{EA2AE4A9-97F0-DF4C-810B-30FF867C1BC0}" srcOrd="4" destOrd="0" presId="urn:microsoft.com/office/officeart/2005/8/layout/default"/>
+    <dgm:cxn modelId="{B2CEB4B7-BEC3-744C-9F22-F99F5329CEA6}" type="presParOf" srcId="{ABD20439-8CA0-E84D-BC6B-75EA1FBB0387}" destId="{F901F0DE-4518-A04D-BE6D-33326D3A2282}" srcOrd="5" destOrd="0" presId="urn:microsoft.com/office/officeart/2005/8/layout/default"/>
+    <dgm:cxn modelId="{79CF8600-74FF-7148-A699-1804D7FE0E44}" type="presParOf" srcId="{ABD20439-8CA0-E84D-BC6B-75EA1FBB0387}" destId="{34FEDC8C-C968-FC4F-92E5-93961FCB1877}" srcOrd="6" destOrd="0" presId="urn:microsoft.com/office/officeart/2005/8/layout/default"/>
+    <dgm:cxn modelId="{95331BB0-DF08-DE45-93BB-BDB194D08575}" type="presParOf" srcId="{ABD20439-8CA0-E84D-BC6B-75EA1FBB0387}" destId="{E312DC78-E5B3-1441-AC53-C6039DC2E970}" srcOrd="7" destOrd="0" presId="urn:microsoft.com/office/officeart/2005/8/layout/default"/>
+    <dgm:cxn modelId="{A9F527DB-DBA3-B543-B55C-F580ABCE4748}" type="presParOf" srcId="{ABD20439-8CA0-E84D-BC6B-75EA1FBB0387}" destId="{4D0A8850-9F29-C84E-9272-0FCFBBD1E93F}" srcOrd="8" destOrd="0" presId="urn:microsoft.com/office/officeart/2005/8/layout/default"/>
+    <dgm:cxn modelId="{0E05E08B-34AA-534C-90C7-6EA32C9F7CAA}" type="presParOf" srcId="{ABD20439-8CA0-E84D-BC6B-75EA1FBB0387}" destId="{8C9A7A48-B16F-CF4E-A981-D83AF3F84DD8}" srcOrd="9" destOrd="0" presId="urn:microsoft.com/office/officeart/2005/8/layout/default"/>
+    <dgm:cxn modelId="{ECC664C3-C760-EF43-BC5C-3F152E11889E}" type="presParOf" srcId="{ABD20439-8CA0-E84D-BC6B-75EA1FBB0387}" destId="{8404387C-E445-9B48-B14C-17E85AAF1B72}" srcOrd="10" destOrd="0" presId="urn:microsoft.com/office/officeart/2005/8/layout/default"/>
+    <dgm:cxn modelId="{7D876803-7307-D24F-BF3A-444829941600}" type="presParOf" srcId="{ABD20439-8CA0-E84D-BC6B-75EA1FBB0387}" destId="{0D0C8454-B753-E140-96A5-44ED81A2F05A}" srcOrd="11" destOrd="0" presId="urn:microsoft.com/office/officeart/2005/8/layout/default"/>
+    <dgm:cxn modelId="{60E1E958-B0F8-6949-B1BC-FCE6F497326A}" type="presParOf" srcId="{ABD20439-8CA0-E84D-BC6B-75EA1FBB0387}" destId="{412E1CEE-950B-994B-927F-5081E10D6885}" srcOrd="12" destOrd="0" presId="urn:microsoft.com/office/officeart/2005/8/layout/default"/>
   </dgm:cxnLst>
   <dgm:bg/>
   <dgm:whole/>
@@ -5634,6 +7952,928 @@
 </dsp:drawing>
 </file>
 
+<file path=ppt/diagrams/drawing4.xml><?xml version="1.0" encoding="utf-8"?>
+<dsp:drawing xmlns:dgm="http://schemas.openxmlformats.org/drawingml/2006/diagram" xmlns:dsp="http://schemas.microsoft.com/office/drawing/2008/diagram" xmlns:a="http://schemas.openxmlformats.org/drawingml/2006/main">
+  <dsp:spTree>
+    <dsp:nvGrpSpPr>
+      <dsp:cNvPr id="0" name=""/>
+      <dsp:cNvGrpSpPr/>
+    </dsp:nvGrpSpPr>
+    <dsp:grpSpPr/>
+    <dsp:sp modelId="{A5281809-817C-7B4E-83EB-1A9B8F3014A5}">
+      <dsp:nvSpPr>
+        <dsp:cNvPr id="0" name=""/>
+        <dsp:cNvSpPr/>
+      </dsp:nvSpPr>
+      <dsp:spPr>
+        <a:xfrm>
+          <a:off x="484540" y="0"/>
+          <a:ext cx="4917211" cy="4917211"/>
+        </a:xfrm>
+        <a:prstGeom prst="diamond">
+          <a:avLst/>
+        </a:prstGeom>
+        <a:solidFill>
+          <a:schemeClr val="accent2">
+            <a:tint val="40000"/>
+            <a:hueOff val="0"/>
+            <a:satOff val="0"/>
+            <a:lumOff val="0"/>
+            <a:alphaOff val="0"/>
+          </a:schemeClr>
+        </a:solidFill>
+        <a:ln>
+          <a:noFill/>
+        </a:ln>
+        <a:effectLst/>
+      </dsp:spPr>
+      <dsp:style>
+        <a:lnRef idx="0">
+          <a:scrgbClr r="0" g="0" b="0"/>
+        </a:lnRef>
+        <a:fillRef idx="1">
+          <a:scrgbClr r="0" g="0" b="0"/>
+        </a:fillRef>
+        <a:effectRef idx="0">
+          <a:scrgbClr r="0" g="0" b="0"/>
+        </a:effectRef>
+        <a:fontRef idx="minor"/>
+      </dsp:style>
+    </dsp:sp>
+    <dsp:sp modelId="{12E4D696-BB59-9046-8CD4-CD3996CF44EC}">
+      <dsp:nvSpPr>
+        <dsp:cNvPr id="0" name=""/>
+        <dsp:cNvSpPr/>
+      </dsp:nvSpPr>
+      <dsp:spPr>
+        <a:xfrm>
+          <a:off x="951675" y="467135"/>
+          <a:ext cx="1917712" cy="1917712"/>
+        </a:xfrm>
+        <a:prstGeom prst="roundRect">
+          <a:avLst/>
+        </a:prstGeom>
+        <a:solidFill>
+          <a:schemeClr val="accent2">
+            <a:hueOff val="0"/>
+            <a:satOff val="0"/>
+            <a:lumOff val="0"/>
+            <a:alphaOff val="0"/>
+          </a:schemeClr>
+        </a:solidFill>
+        <a:ln w="19050" cap="rnd" cmpd="sng" algn="ctr">
+          <a:solidFill>
+            <a:schemeClr val="lt1">
+              <a:hueOff val="0"/>
+              <a:satOff val="0"/>
+              <a:lumOff val="0"/>
+              <a:alphaOff val="0"/>
+            </a:schemeClr>
+          </a:solidFill>
+          <a:prstDash val="solid"/>
+        </a:ln>
+        <a:effectLst/>
+      </dsp:spPr>
+      <dsp:style>
+        <a:lnRef idx="2">
+          <a:scrgbClr r="0" g="0" b="0"/>
+        </a:lnRef>
+        <a:fillRef idx="1">
+          <a:scrgbClr r="0" g="0" b="0"/>
+        </a:fillRef>
+        <a:effectRef idx="0">
+          <a:scrgbClr r="0" g="0" b="0"/>
+        </a:effectRef>
+        <a:fontRef idx="minor">
+          <a:schemeClr val="lt1"/>
+        </a:fontRef>
+      </dsp:style>
+      <dsp:txBody>
+        <a:bodyPr spcFirstLastPara="0" vert="horz" wrap="square" lIns="53340" tIns="53340" rIns="53340" bIns="53340" numCol="1" spcCol="1270" anchor="ctr" anchorCtr="0">
+          <a:noAutofit/>
+        </a:bodyPr>
+        <a:lstStyle/>
+        <a:p>
+          <a:pPr marL="0" lvl="0" indent="0" algn="ctr" defTabSz="622300">
+            <a:lnSpc>
+              <a:spcPct val="90000"/>
+            </a:lnSpc>
+            <a:spcBef>
+              <a:spcPct val="0"/>
+            </a:spcBef>
+            <a:spcAft>
+              <a:spcPct val="35000"/>
+            </a:spcAft>
+            <a:buNone/>
+          </a:pPr>
+          <a:r>
+            <a:rPr lang="es-ES" sz="1400" kern="1200"/>
+            <a:t>Hemos usado un modelo de Random Forest Regresor  con 100 ramas y al entrenar el modelo pudimos obtener los siguientes datos: </a:t>
+          </a:r>
+          <a:endParaRPr lang="en-US" sz="1400" kern="1200"/>
+        </a:p>
+      </dsp:txBody>
+      <dsp:txXfrm>
+        <a:off x="1045290" y="560750"/>
+        <a:ext cx="1730482" cy="1730482"/>
+      </dsp:txXfrm>
+    </dsp:sp>
+    <dsp:sp modelId="{9D392011-81EC-7141-878B-33C588434313}">
+      <dsp:nvSpPr>
+        <dsp:cNvPr id="0" name=""/>
+        <dsp:cNvSpPr/>
+      </dsp:nvSpPr>
+      <dsp:spPr>
+        <a:xfrm>
+          <a:off x="3016903" y="467135"/>
+          <a:ext cx="1917712" cy="1917712"/>
+        </a:xfrm>
+        <a:prstGeom prst="roundRect">
+          <a:avLst/>
+        </a:prstGeom>
+        <a:solidFill>
+          <a:schemeClr val="accent3">
+            <a:hueOff val="0"/>
+            <a:satOff val="0"/>
+            <a:lumOff val="0"/>
+            <a:alphaOff val="0"/>
+          </a:schemeClr>
+        </a:solidFill>
+        <a:ln w="19050" cap="rnd" cmpd="sng" algn="ctr">
+          <a:solidFill>
+            <a:schemeClr val="lt1">
+              <a:hueOff val="0"/>
+              <a:satOff val="0"/>
+              <a:lumOff val="0"/>
+              <a:alphaOff val="0"/>
+            </a:schemeClr>
+          </a:solidFill>
+          <a:prstDash val="solid"/>
+        </a:ln>
+        <a:effectLst/>
+      </dsp:spPr>
+      <dsp:style>
+        <a:lnRef idx="2">
+          <a:scrgbClr r="0" g="0" b="0"/>
+        </a:lnRef>
+        <a:fillRef idx="1">
+          <a:scrgbClr r="0" g="0" b="0"/>
+        </a:fillRef>
+        <a:effectRef idx="0">
+          <a:scrgbClr r="0" g="0" b="0"/>
+        </a:effectRef>
+        <a:fontRef idx="minor">
+          <a:schemeClr val="lt1"/>
+        </a:fontRef>
+      </dsp:style>
+      <dsp:txBody>
+        <a:bodyPr spcFirstLastPara="0" vert="horz" wrap="square" lIns="53340" tIns="53340" rIns="53340" bIns="53340" numCol="1" spcCol="1270" anchor="ctr" anchorCtr="0">
+          <a:noAutofit/>
+        </a:bodyPr>
+        <a:lstStyle/>
+        <a:p>
+          <a:pPr marL="0" lvl="0" indent="0" algn="ctr" defTabSz="622300">
+            <a:lnSpc>
+              <a:spcPct val="90000"/>
+            </a:lnSpc>
+            <a:spcBef>
+              <a:spcPct val="0"/>
+            </a:spcBef>
+            <a:spcAft>
+              <a:spcPct val="35000"/>
+            </a:spcAft>
+            <a:buNone/>
+          </a:pPr>
+          <a:r>
+            <a:rPr lang="es-ES" sz="1400" kern="1200"/>
+            <a:t>Mean Absolute Error: 0.7627976190476191 </a:t>
+          </a:r>
+          <a:endParaRPr lang="en-US" sz="1400" kern="1200"/>
+        </a:p>
+      </dsp:txBody>
+      <dsp:txXfrm>
+        <a:off x="3110518" y="560750"/>
+        <a:ext cx="1730482" cy="1730482"/>
+      </dsp:txXfrm>
+    </dsp:sp>
+    <dsp:sp modelId="{7769A741-46BB-2B49-A3BD-DCD568F11D92}">
+      <dsp:nvSpPr>
+        <dsp:cNvPr id="0" name=""/>
+        <dsp:cNvSpPr/>
+      </dsp:nvSpPr>
+      <dsp:spPr>
+        <a:xfrm>
+          <a:off x="951675" y="2532363"/>
+          <a:ext cx="1917712" cy="1917712"/>
+        </a:xfrm>
+        <a:prstGeom prst="roundRect">
+          <a:avLst/>
+        </a:prstGeom>
+        <a:solidFill>
+          <a:schemeClr val="accent4">
+            <a:hueOff val="0"/>
+            <a:satOff val="0"/>
+            <a:lumOff val="0"/>
+            <a:alphaOff val="0"/>
+          </a:schemeClr>
+        </a:solidFill>
+        <a:ln w="19050" cap="rnd" cmpd="sng" algn="ctr">
+          <a:solidFill>
+            <a:schemeClr val="lt1">
+              <a:hueOff val="0"/>
+              <a:satOff val="0"/>
+              <a:lumOff val="0"/>
+              <a:alphaOff val="0"/>
+            </a:schemeClr>
+          </a:solidFill>
+          <a:prstDash val="solid"/>
+        </a:ln>
+        <a:effectLst/>
+      </dsp:spPr>
+      <dsp:style>
+        <a:lnRef idx="2">
+          <a:scrgbClr r="0" g="0" b="0"/>
+        </a:lnRef>
+        <a:fillRef idx="1">
+          <a:scrgbClr r="0" g="0" b="0"/>
+        </a:fillRef>
+        <a:effectRef idx="0">
+          <a:scrgbClr r="0" g="0" b="0"/>
+        </a:effectRef>
+        <a:fontRef idx="minor">
+          <a:schemeClr val="lt1"/>
+        </a:fontRef>
+      </dsp:style>
+      <dsp:txBody>
+        <a:bodyPr spcFirstLastPara="0" vert="horz" wrap="square" lIns="53340" tIns="53340" rIns="53340" bIns="53340" numCol="1" spcCol="1270" anchor="ctr" anchorCtr="0">
+          <a:noAutofit/>
+        </a:bodyPr>
+        <a:lstStyle/>
+        <a:p>
+          <a:pPr marL="0" lvl="0" indent="0" algn="ctr" defTabSz="622300">
+            <a:lnSpc>
+              <a:spcPct val="90000"/>
+            </a:lnSpc>
+            <a:spcBef>
+              <a:spcPct val="0"/>
+            </a:spcBef>
+            <a:spcAft>
+              <a:spcPct val="35000"/>
+            </a:spcAft>
+            <a:buNone/>
+          </a:pPr>
+          <a:r>
+            <a:rPr lang="es-ES" sz="1400" kern="1200"/>
+            <a:t>Mean Squared Error: 1.2517511904761904 </a:t>
+          </a:r>
+          <a:endParaRPr lang="en-US" sz="1400" kern="1200"/>
+        </a:p>
+      </dsp:txBody>
+      <dsp:txXfrm>
+        <a:off x="1045290" y="2625978"/>
+        <a:ext cx="1730482" cy="1730482"/>
+      </dsp:txXfrm>
+    </dsp:sp>
+    <dsp:sp modelId="{3E1C636E-0ADA-8C4C-B247-7EDCADE8D4E5}">
+      <dsp:nvSpPr>
+        <dsp:cNvPr id="0" name=""/>
+        <dsp:cNvSpPr/>
+      </dsp:nvSpPr>
+      <dsp:spPr>
+        <a:xfrm>
+          <a:off x="3016903" y="2532363"/>
+          <a:ext cx="1917712" cy="1917712"/>
+        </a:xfrm>
+        <a:prstGeom prst="roundRect">
+          <a:avLst/>
+        </a:prstGeom>
+        <a:solidFill>
+          <a:schemeClr val="accent5">
+            <a:hueOff val="0"/>
+            <a:satOff val="0"/>
+            <a:lumOff val="0"/>
+            <a:alphaOff val="0"/>
+          </a:schemeClr>
+        </a:solidFill>
+        <a:ln w="19050" cap="rnd" cmpd="sng" algn="ctr">
+          <a:solidFill>
+            <a:schemeClr val="lt1">
+              <a:hueOff val="0"/>
+              <a:satOff val="0"/>
+              <a:lumOff val="0"/>
+              <a:alphaOff val="0"/>
+            </a:schemeClr>
+          </a:solidFill>
+          <a:prstDash val="solid"/>
+        </a:ln>
+        <a:effectLst/>
+      </dsp:spPr>
+      <dsp:style>
+        <a:lnRef idx="2">
+          <a:scrgbClr r="0" g="0" b="0"/>
+        </a:lnRef>
+        <a:fillRef idx="1">
+          <a:scrgbClr r="0" g="0" b="0"/>
+        </a:fillRef>
+        <a:effectRef idx="0">
+          <a:scrgbClr r="0" g="0" b="0"/>
+        </a:effectRef>
+        <a:fontRef idx="minor">
+          <a:schemeClr val="lt1"/>
+        </a:fontRef>
+      </dsp:style>
+      <dsp:txBody>
+        <a:bodyPr spcFirstLastPara="0" vert="horz" wrap="square" lIns="53340" tIns="53340" rIns="53340" bIns="53340" numCol="1" spcCol="1270" anchor="ctr" anchorCtr="0">
+          <a:noAutofit/>
+        </a:bodyPr>
+        <a:lstStyle/>
+        <a:p>
+          <a:pPr marL="0" lvl="0" indent="0" algn="ctr" defTabSz="622300">
+            <a:lnSpc>
+              <a:spcPct val="90000"/>
+            </a:lnSpc>
+            <a:spcBef>
+              <a:spcPct val="0"/>
+            </a:spcBef>
+            <a:spcAft>
+              <a:spcPct val="35000"/>
+            </a:spcAft>
+            <a:buNone/>
+          </a:pPr>
+          <a:r>
+            <a:rPr lang="es-ES" sz="1400" kern="1200"/>
+            <a:t>Root Mean Squared Error: 1.1188168708399915</a:t>
+          </a:r>
+          <a:endParaRPr lang="en-US" sz="1400" kern="1200"/>
+        </a:p>
+      </dsp:txBody>
+      <dsp:txXfrm>
+        <a:off x="3110518" y="2625978"/>
+        <a:ext cx="1730482" cy="1730482"/>
+      </dsp:txXfrm>
+    </dsp:sp>
+  </dsp:spTree>
+</dsp:drawing>
+</file>
+
+<file path=ppt/diagrams/drawing5.xml><?xml version="1.0" encoding="utf-8"?>
+<dsp:drawing xmlns:dgm="http://schemas.openxmlformats.org/drawingml/2006/diagram" xmlns:dsp="http://schemas.microsoft.com/office/drawing/2008/diagram" xmlns:a="http://schemas.openxmlformats.org/drawingml/2006/main">
+  <dsp:spTree>
+    <dsp:nvGrpSpPr>
+      <dsp:cNvPr id="0" name=""/>
+      <dsp:cNvGrpSpPr/>
+    </dsp:nvGrpSpPr>
+    <dsp:grpSpPr/>
+    <dsp:sp modelId="{97982543-5EE4-0A48-8CFF-AE75D4F8CA2A}">
+      <dsp:nvSpPr>
+        <dsp:cNvPr id="0" name=""/>
+        <dsp:cNvSpPr/>
+      </dsp:nvSpPr>
+      <dsp:spPr>
+        <a:xfrm>
+          <a:off x="0" y="242192"/>
+          <a:ext cx="2036732" cy="1222039"/>
+        </a:xfrm>
+        <a:prstGeom prst="rect">
+          <a:avLst/>
+        </a:prstGeom>
+        <a:solidFill>
+          <a:schemeClr val="accent1">
+            <a:hueOff val="0"/>
+            <a:satOff val="0"/>
+            <a:lumOff val="0"/>
+            <a:alphaOff val="0"/>
+          </a:schemeClr>
+        </a:solidFill>
+        <a:ln w="19050" cap="rnd" cmpd="sng" algn="ctr">
+          <a:solidFill>
+            <a:schemeClr val="lt1">
+              <a:hueOff val="0"/>
+              <a:satOff val="0"/>
+              <a:lumOff val="0"/>
+              <a:alphaOff val="0"/>
+            </a:schemeClr>
+          </a:solidFill>
+          <a:prstDash val="solid"/>
+        </a:ln>
+        <a:effectLst/>
+      </dsp:spPr>
+      <dsp:style>
+        <a:lnRef idx="2">
+          <a:scrgbClr r="0" g="0" b="0"/>
+        </a:lnRef>
+        <a:fillRef idx="1">
+          <a:scrgbClr r="0" g="0" b="0"/>
+        </a:fillRef>
+        <a:effectRef idx="0">
+          <a:scrgbClr r="0" g="0" b="0"/>
+        </a:effectRef>
+        <a:fontRef idx="minor">
+          <a:schemeClr val="lt1"/>
+        </a:fontRef>
+      </dsp:style>
+      <dsp:txBody>
+        <a:bodyPr spcFirstLastPara="0" vert="horz" wrap="square" lIns="57150" tIns="57150" rIns="57150" bIns="57150" numCol="1" spcCol="1270" anchor="ctr" anchorCtr="0">
+          <a:noAutofit/>
+        </a:bodyPr>
+        <a:lstStyle/>
+        <a:p>
+          <a:pPr marL="0" lvl="0" indent="0" algn="ctr" defTabSz="666750">
+            <a:lnSpc>
+              <a:spcPct val="90000"/>
+            </a:lnSpc>
+            <a:spcBef>
+              <a:spcPct val="0"/>
+            </a:spcBef>
+            <a:spcAft>
+              <a:spcPct val="35000"/>
+            </a:spcAft>
+            <a:buNone/>
+          </a:pPr>
+          <a:r>
+            <a:rPr lang="es-ES" sz="1500" kern="1200"/>
+            <a:t>- Años</a:t>
+          </a:r>
+          <a:endParaRPr lang="en-US" sz="1500" kern="1200"/>
+        </a:p>
+      </dsp:txBody>
+      <dsp:txXfrm>
+        <a:off x="0" y="242192"/>
+        <a:ext cx="2036732" cy="1222039"/>
+      </dsp:txXfrm>
+    </dsp:sp>
+    <dsp:sp modelId="{ABC4B1A8-B047-9A42-BBDC-91F2412C3EB5}">
+      <dsp:nvSpPr>
+        <dsp:cNvPr id="0" name=""/>
+        <dsp:cNvSpPr/>
+      </dsp:nvSpPr>
+      <dsp:spPr>
+        <a:xfrm>
+          <a:off x="2240405" y="242192"/>
+          <a:ext cx="2036732" cy="1222039"/>
+        </a:xfrm>
+        <a:prstGeom prst="rect">
+          <a:avLst/>
+        </a:prstGeom>
+        <a:solidFill>
+          <a:schemeClr val="accent1">
+            <a:hueOff val="0"/>
+            <a:satOff val="0"/>
+            <a:lumOff val="0"/>
+            <a:alphaOff val="0"/>
+          </a:schemeClr>
+        </a:solidFill>
+        <a:ln w="19050" cap="rnd" cmpd="sng" algn="ctr">
+          <a:solidFill>
+            <a:schemeClr val="lt1">
+              <a:hueOff val="0"/>
+              <a:satOff val="0"/>
+              <a:lumOff val="0"/>
+              <a:alphaOff val="0"/>
+            </a:schemeClr>
+          </a:solidFill>
+          <a:prstDash val="solid"/>
+        </a:ln>
+        <a:effectLst/>
+      </dsp:spPr>
+      <dsp:style>
+        <a:lnRef idx="2">
+          <a:scrgbClr r="0" g="0" b="0"/>
+        </a:lnRef>
+        <a:fillRef idx="1">
+          <a:scrgbClr r="0" g="0" b="0"/>
+        </a:fillRef>
+        <a:effectRef idx="0">
+          <a:scrgbClr r="0" g="0" b="0"/>
+        </a:effectRef>
+        <a:fontRef idx="minor">
+          <a:schemeClr val="lt1"/>
+        </a:fontRef>
+      </dsp:style>
+      <dsp:txBody>
+        <a:bodyPr spcFirstLastPara="0" vert="horz" wrap="square" lIns="57150" tIns="57150" rIns="57150" bIns="57150" numCol="1" spcCol="1270" anchor="ctr" anchorCtr="0">
+          <a:noAutofit/>
+        </a:bodyPr>
+        <a:lstStyle/>
+        <a:p>
+          <a:pPr marL="0" lvl="0" indent="0" algn="ctr" defTabSz="666750">
+            <a:lnSpc>
+              <a:spcPct val="90000"/>
+            </a:lnSpc>
+            <a:spcBef>
+              <a:spcPct val="0"/>
+            </a:spcBef>
+            <a:spcAft>
+              <a:spcPct val="35000"/>
+            </a:spcAft>
+            <a:buNone/>
+          </a:pPr>
+          <a:r>
+            <a:rPr lang="es-ES" sz="1500" kern="1200"/>
+            <a:t>- Ingresos</a:t>
+          </a:r>
+          <a:endParaRPr lang="en-US" sz="1500" kern="1200"/>
+        </a:p>
+      </dsp:txBody>
+      <dsp:txXfrm>
+        <a:off x="2240405" y="242192"/>
+        <a:ext cx="2036732" cy="1222039"/>
+      </dsp:txXfrm>
+    </dsp:sp>
+    <dsp:sp modelId="{EA2AE4A9-97F0-DF4C-810B-30FF867C1BC0}">
+      <dsp:nvSpPr>
+        <dsp:cNvPr id="0" name=""/>
+        <dsp:cNvSpPr/>
+      </dsp:nvSpPr>
+      <dsp:spPr>
+        <a:xfrm>
+          <a:off x="4480810" y="242192"/>
+          <a:ext cx="2036732" cy="1222039"/>
+        </a:xfrm>
+        <a:prstGeom prst="rect">
+          <a:avLst/>
+        </a:prstGeom>
+        <a:solidFill>
+          <a:schemeClr val="accent1">
+            <a:hueOff val="0"/>
+            <a:satOff val="0"/>
+            <a:lumOff val="0"/>
+            <a:alphaOff val="0"/>
+          </a:schemeClr>
+        </a:solidFill>
+        <a:ln w="19050" cap="rnd" cmpd="sng" algn="ctr">
+          <a:solidFill>
+            <a:schemeClr val="lt1">
+              <a:hueOff val="0"/>
+              <a:satOff val="0"/>
+              <a:lumOff val="0"/>
+              <a:alphaOff val="0"/>
+            </a:schemeClr>
+          </a:solidFill>
+          <a:prstDash val="solid"/>
+        </a:ln>
+        <a:effectLst/>
+      </dsp:spPr>
+      <dsp:style>
+        <a:lnRef idx="2">
+          <a:scrgbClr r="0" g="0" b="0"/>
+        </a:lnRef>
+        <a:fillRef idx="1">
+          <a:scrgbClr r="0" g="0" b="0"/>
+        </a:fillRef>
+        <a:effectRef idx="0">
+          <a:scrgbClr r="0" g="0" b="0"/>
+        </a:effectRef>
+        <a:fontRef idx="minor">
+          <a:schemeClr val="lt1"/>
+        </a:fontRef>
+      </dsp:style>
+      <dsp:txBody>
+        <a:bodyPr spcFirstLastPara="0" vert="horz" wrap="square" lIns="57150" tIns="57150" rIns="57150" bIns="57150" numCol="1" spcCol="1270" anchor="ctr" anchorCtr="0">
+          <a:noAutofit/>
+        </a:bodyPr>
+        <a:lstStyle/>
+        <a:p>
+          <a:pPr marL="0" lvl="0" indent="0" algn="ctr" defTabSz="666750">
+            <a:lnSpc>
+              <a:spcPct val="90000"/>
+            </a:lnSpc>
+            <a:spcBef>
+              <a:spcPct val="0"/>
+            </a:spcBef>
+            <a:spcAft>
+              <a:spcPct val="35000"/>
+            </a:spcAft>
+            <a:buNone/>
+          </a:pPr>
+          <a:r>
+            <a:rPr lang="es-ES" sz="1500" kern="1200"/>
+            <a:t>- Cuantos menores hay en casa</a:t>
+          </a:r>
+          <a:endParaRPr lang="en-US" sz="1500" kern="1200"/>
+        </a:p>
+      </dsp:txBody>
+      <dsp:txXfrm>
+        <a:off x="4480810" y="242192"/>
+        <a:ext cx="2036732" cy="1222039"/>
+      </dsp:txXfrm>
+    </dsp:sp>
+    <dsp:sp modelId="{34FEDC8C-C968-FC4F-92E5-93961FCB1877}">
+      <dsp:nvSpPr>
+        <dsp:cNvPr id="0" name=""/>
+        <dsp:cNvSpPr/>
+      </dsp:nvSpPr>
+      <dsp:spPr>
+        <a:xfrm>
+          <a:off x="0" y="1667904"/>
+          <a:ext cx="2036732" cy="1222039"/>
+        </a:xfrm>
+        <a:prstGeom prst="rect">
+          <a:avLst/>
+        </a:prstGeom>
+        <a:solidFill>
+          <a:schemeClr val="accent1">
+            <a:hueOff val="0"/>
+            <a:satOff val="0"/>
+            <a:lumOff val="0"/>
+            <a:alphaOff val="0"/>
+          </a:schemeClr>
+        </a:solidFill>
+        <a:ln w="19050" cap="rnd" cmpd="sng" algn="ctr">
+          <a:solidFill>
+            <a:schemeClr val="lt1">
+              <a:hueOff val="0"/>
+              <a:satOff val="0"/>
+              <a:lumOff val="0"/>
+              <a:alphaOff val="0"/>
+            </a:schemeClr>
+          </a:solidFill>
+          <a:prstDash val="solid"/>
+        </a:ln>
+        <a:effectLst/>
+      </dsp:spPr>
+      <dsp:style>
+        <a:lnRef idx="2">
+          <a:scrgbClr r="0" g="0" b="0"/>
+        </a:lnRef>
+        <a:fillRef idx="1">
+          <a:scrgbClr r="0" g="0" b="0"/>
+        </a:fillRef>
+        <a:effectRef idx="0">
+          <a:scrgbClr r="0" g="0" b="0"/>
+        </a:effectRef>
+        <a:fontRef idx="minor">
+          <a:schemeClr val="lt1"/>
+        </a:fontRef>
+      </dsp:style>
+      <dsp:txBody>
+        <a:bodyPr spcFirstLastPara="0" vert="horz" wrap="square" lIns="57150" tIns="57150" rIns="57150" bIns="57150" numCol="1" spcCol="1270" anchor="ctr" anchorCtr="0">
+          <a:noAutofit/>
+        </a:bodyPr>
+        <a:lstStyle/>
+        <a:p>
+          <a:pPr marL="0" lvl="0" indent="0" algn="ctr" defTabSz="666750">
+            <a:lnSpc>
+              <a:spcPct val="90000"/>
+            </a:lnSpc>
+            <a:spcBef>
+              <a:spcPct val="0"/>
+            </a:spcBef>
+            <a:spcAft>
+              <a:spcPct val="35000"/>
+            </a:spcAft>
+            <a:buNone/>
+          </a:pPr>
+          <a:r>
+            <a:rPr lang="es-ES" sz="1500" kern="1200"/>
+            <a:t>- Fecha de Registro</a:t>
+          </a:r>
+          <a:endParaRPr lang="en-US" sz="1500" kern="1200"/>
+        </a:p>
+      </dsp:txBody>
+      <dsp:txXfrm>
+        <a:off x="0" y="1667904"/>
+        <a:ext cx="2036732" cy="1222039"/>
+      </dsp:txXfrm>
+    </dsp:sp>
+    <dsp:sp modelId="{4D0A8850-9F29-C84E-9272-0FCFBBD1E93F}">
+      <dsp:nvSpPr>
+        <dsp:cNvPr id="0" name=""/>
+        <dsp:cNvSpPr/>
+      </dsp:nvSpPr>
+      <dsp:spPr>
+        <a:xfrm>
+          <a:off x="2240405" y="1667904"/>
+          <a:ext cx="2036732" cy="1222039"/>
+        </a:xfrm>
+        <a:prstGeom prst="rect">
+          <a:avLst/>
+        </a:prstGeom>
+        <a:solidFill>
+          <a:schemeClr val="accent1">
+            <a:hueOff val="0"/>
+            <a:satOff val="0"/>
+            <a:lumOff val="0"/>
+            <a:alphaOff val="0"/>
+          </a:schemeClr>
+        </a:solidFill>
+        <a:ln w="19050" cap="rnd" cmpd="sng" algn="ctr">
+          <a:solidFill>
+            <a:schemeClr val="lt1">
+              <a:hueOff val="0"/>
+              <a:satOff val="0"/>
+              <a:lumOff val="0"/>
+              <a:alphaOff val="0"/>
+            </a:schemeClr>
+          </a:solidFill>
+          <a:prstDash val="solid"/>
+        </a:ln>
+        <a:effectLst/>
+      </dsp:spPr>
+      <dsp:style>
+        <a:lnRef idx="2">
+          <a:scrgbClr r="0" g="0" b="0"/>
+        </a:lnRef>
+        <a:fillRef idx="1">
+          <a:scrgbClr r="0" g="0" b="0"/>
+        </a:fillRef>
+        <a:effectRef idx="0">
+          <a:scrgbClr r="0" g="0" b="0"/>
+        </a:effectRef>
+        <a:fontRef idx="minor">
+          <a:schemeClr val="lt1"/>
+        </a:fontRef>
+      </dsp:style>
+      <dsp:txBody>
+        <a:bodyPr spcFirstLastPara="0" vert="horz" wrap="square" lIns="57150" tIns="57150" rIns="57150" bIns="57150" numCol="1" spcCol="1270" anchor="ctr" anchorCtr="0">
+          <a:noAutofit/>
+        </a:bodyPr>
+        <a:lstStyle/>
+        <a:p>
+          <a:pPr marL="0" lvl="0" indent="0" algn="ctr" defTabSz="666750">
+            <a:lnSpc>
+              <a:spcPct val="90000"/>
+            </a:lnSpc>
+            <a:spcBef>
+              <a:spcPct val="0"/>
+            </a:spcBef>
+            <a:spcAft>
+              <a:spcPct val="35000"/>
+            </a:spcAft>
+            <a:buNone/>
+          </a:pPr>
+          <a:r>
+            <a:rPr lang="es-ES" sz="1500" kern="1200"/>
+            <a:t>- Productos de: carne, vino, pescado, frutas, productos dulces.</a:t>
+          </a:r>
+          <a:endParaRPr lang="en-US" sz="1500" kern="1200"/>
+        </a:p>
+      </dsp:txBody>
+      <dsp:txXfrm>
+        <a:off x="2240405" y="1667904"/>
+        <a:ext cx="2036732" cy="1222039"/>
+      </dsp:txXfrm>
+    </dsp:sp>
+    <dsp:sp modelId="{8404387C-E445-9B48-B14C-17E85AAF1B72}">
+      <dsp:nvSpPr>
+        <dsp:cNvPr id="0" name=""/>
+        <dsp:cNvSpPr/>
+      </dsp:nvSpPr>
+      <dsp:spPr>
+        <a:xfrm>
+          <a:off x="4480810" y="1667904"/>
+          <a:ext cx="2036732" cy="1222039"/>
+        </a:xfrm>
+        <a:prstGeom prst="rect">
+          <a:avLst/>
+        </a:prstGeom>
+        <a:solidFill>
+          <a:schemeClr val="accent1">
+            <a:hueOff val="0"/>
+            <a:satOff val="0"/>
+            <a:lumOff val="0"/>
+            <a:alphaOff val="0"/>
+          </a:schemeClr>
+        </a:solidFill>
+        <a:ln w="19050" cap="rnd" cmpd="sng" algn="ctr">
+          <a:solidFill>
+            <a:schemeClr val="lt1">
+              <a:hueOff val="0"/>
+              <a:satOff val="0"/>
+              <a:lumOff val="0"/>
+              <a:alphaOff val="0"/>
+            </a:schemeClr>
+          </a:solidFill>
+          <a:prstDash val="solid"/>
+        </a:ln>
+        <a:effectLst/>
+      </dsp:spPr>
+      <dsp:style>
+        <a:lnRef idx="2">
+          <a:scrgbClr r="0" g="0" b="0"/>
+        </a:lnRef>
+        <a:fillRef idx="1">
+          <a:scrgbClr r="0" g="0" b="0"/>
+        </a:fillRef>
+        <a:effectRef idx="0">
+          <a:scrgbClr r="0" g="0" b="0"/>
+        </a:effectRef>
+        <a:fontRef idx="minor">
+          <a:schemeClr val="lt1"/>
+        </a:fontRef>
+      </dsp:style>
+      <dsp:txBody>
+        <a:bodyPr spcFirstLastPara="0" vert="horz" wrap="square" lIns="57150" tIns="57150" rIns="57150" bIns="57150" numCol="1" spcCol="1270" anchor="ctr" anchorCtr="0">
+          <a:noAutofit/>
+        </a:bodyPr>
+        <a:lstStyle/>
+        <a:p>
+          <a:pPr marL="0" lvl="0" indent="0" algn="ctr" defTabSz="666750">
+            <a:lnSpc>
+              <a:spcPct val="90000"/>
+            </a:lnSpc>
+            <a:spcBef>
+              <a:spcPct val="0"/>
+            </a:spcBef>
+            <a:spcAft>
+              <a:spcPct val="35000"/>
+            </a:spcAft>
+            <a:buNone/>
+          </a:pPr>
+          <a:r>
+            <a:rPr lang="es-ES" sz="1500" kern="1200"/>
+            <a:t>- Canales: Numero de ventas, Compras por catalogo, Compras por la tienda</a:t>
+          </a:r>
+          <a:endParaRPr lang="en-US" sz="1500" kern="1200"/>
+        </a:p>
+      </dsp:txBody>
+      <dsp:txXfrm>
+        <a:off x="4480810" y="1667904"/>
+        <a:ext cx="2036732" cy="1222039"/>
+      </dsp:txXfrm>
+    </dsp:sp>
+    <dsp:sp modelId="{412E1CEE-950B-994B-927F-5081E10D6885}">
+      <dsp:nvSpPr>
+        <dsp:cNvPr id="0" name=""/>
+        <dsp:cNvSpPr/>
+      </dsp:nvSpPr>
+      <dsp:spPr>
+        <a:xfrm>
+          <a:off x="2240405" y="3093617"/>
+          <a:ext cx="2036732" cy="1222039"/>
+        </a:xfrm>
+        <a:prstGeom prst="rect">
+          <a:avLst/>
+        </a:prstGeom>
+        <a:solidFill>
+          <a:schemeClr val="accent1">
+            <a:hueOff val="0"/>
+            <a:satOff val="0"/>
+            <a:lumOff val="0"/>
+            <a:alphaOff val="0"/>
+          </a:schemeClr>
+        </a:solidFill>
+        <a:ln w="19050" cap="rnd" cmpd="sng" algn="ctr">
+          <a:solidFill>
+            <a:schemeClr val="lt1">
+              <a:hueOff val="0"/>
+              <a:satOff val="0"/>
+              <a:lumOff val="0"/>
+              <a:alphaOff val="0"/>
+            </a:schemeClr>
+          </a:solidFill>
+          <a:prstDash val="solid"/>
+        </a:ln>
+        <a:effectLst/>
+      </dsp:spPr>
+      <dsp:style>
+        <a:lnRef idx="2">
+          <a:scrgbClr r="0" g="0" b="0"/>
+        </a:lnRef>
+        <a:fillRef idx="1">
+          <a:scrgbClr r="0" g="0" b="0"/>
+        </a:fillRef>
+        <a:effectRef idx="0">
+          <a:scrgbClr r="0" g="0" b="0"/>
+        </a:effectRef>
+        <a:fontRef idx="minor">
+          <a:schemeClr val="lt1"/>
+        </a:fontRef>
+      </dsp:style>
+      <dsp:txBody>
+        <a:bodyPr spcFirstLastPara="0" vert="horz" wrap="square" lIns="57150" tIns="57150" rIns="57150" bIns="57150" numCol="1" spcCol="1270" anchor="ctr" anchorCtr="0">
+          <a:noAutofit/>
+        </a:bodyPr>
+        <a:lstStyle/>
+        <a:p>
+          <a:pPr marL="0" lvl="0" indent="0" algn="ctr" defTabSz="666750">
+            <a:lnSpc>
+              <a:spcPct val="90000"/>
+            </a:lnSpc>
+            <a:spcBef>
+              <a:spcPct val="0"/>
+            </a:spcBef>
+            <a:spcAft>
+              <a:spcPct val="35000"/>
+            </a:spcAft>
+            <a:buNone/>
+          </a:pPr>
+          <a:r>
+            <a:rPr lang="es-ES" sz="1500" kern="1200"/>
+            <a:t>- Total: Volumen del pedido promedio, Numero de compras, Total de monto gastado. </a:t>
+          </a:r>
+          <a:endParaRPr lang="en-US" sz="1500" kern="1200"/>
+        </a:p>
+      </dsp:txBody>
+      <dsp:txXfrm>
+        <a:off x="2240405" y="3093617"/>
+        <a:ext cx="2036732" cy="1222039"/>
+      </dsp:txXfrm>
+    </dsp:sp>
+  </dsp:spTree>
+</dsp:drawing>
+</file>
+
 <file path=ppt/diagrams/layout1.xml><?xml version="1.0" encoding="utf-8"?>
 <dgm:layoutDef xmlns:dgm="http://schemas.openxmlformats.org/drawingml/2006/diagram" xmlns:a="http://schemas.openxmlformats.org/drawingml/2006/main" uniqueId="urn:microsoft.com/office/officeart/2005/8/layout/default">
   <dgm:title val=""/>
@@ -6496,6 +9736,372 @@
 </dgm:layoutDef>
 </file>
 
+<file path=ppt/diagrams/layout4.xml><?xml version="1.0" encoding="utf-8"?>
+<dgm:layoutDef xmlns:dgm="http://schemas.openxmlformats.org/drawingml/2006/diagram" xmlns:a="http://schemas.openxmlformats.org/drawingml/2006/main" uniqueId="urn:microsoft.com/office/officeart/2005/8/layout/matrix3">
+  <dgm:title val=""/>
+  <dgm:desc val=""/>
+  <dgm:catLst>
+    <dgm:cat type="matrix" pri="1000"/>
+    <dgm:cat type="convert" pri="18000"/>
+  </dgm:catLst>
+  <dgm:sampData>
+    <dgm:dataModel>
+      <dgm:ptLst>
+        <dgm:pt modelId="0" type="doc"/>
+        <dgm:pt modelId="1">
+          <dgm:prSet phldr="1"/>
+        </dgm:pt>
+        <dgm:pt modelId="2">
+          <dgm:prSet phldr="1"/>
+        </dgm:pt>
+        <dgm:pt modelId="3">
+          <dgm:prSet phldr="1"/>
+        </dgm:pt>
+        <dgm:pt modelId="4">
+          <dgm:prSet phldr="1"/>
+        </dgm:pt>
+      </dgm:ptLst>
+      <dgm:cxnLst>
+        <dgm:cxn modelId="5" srcId="0" destId="1" srcOrd="0" destOrd="0"/>
+        <dgm:cxn modelId="6" srcId="0" destId="2" srcOrd="1" destOrd="0"/>
+        <dgm:cxn modelId="7" srcId="0" destId="3" srcOrd="0" destOrd="0"/>
+        <dgm:cxn modelId="8" srcId="0" destId="4" srcOrd="1" destOrd="0"/>
+      </dgm:cxnLst>
+      <dgm:bg/>
+      <dgm:whole/>
+    </dgm:dataModel>
+  </dgm:sampData>
+  <dgm:styleData useDef="1">
+    <dgm:dataModel>
+      <dgm:ptLst/>
+      <dgm:bg/>
+      <dgm:whole/>
+    </dgm:dataModel>
+  </dgm:styleData>
+  <dgm:clrData useDef="1">
+    <dgm:dataModel>
+      <dgm:ptLst/>
+      <dgm:bg/>
+      <dgm:whole/>
+    </dgm:dataModel>
+  </dgm:clrData>
+  <dgm:layoutNode name="matrix">
+    <dgm:varLst>
+      <dgm:chMax val="1"/>
+      <dgm:dir/>
+      <dgm:resizeHandles val="exact"/>
+    </dgm:varLst>
+    <dgm:alg type="composite">
+      <dgm:param type="ar" val="1"/>
+    </dgm:alg>
+    <dgm:shape xmlns:r="http://schemas.openxmlformats.org/officeDocument/2006/relationships" r:blip="">
+      <dgm:adjLst/>
+    </dgm:shape>
+    <dgm:presOf/>
+    <dgm:choose name="Name0">
+      <dgm:if name="Name1" func="var" arg="dir" op="equ" val="norm">
+        <dgm:constrLst>
+          <dgm:constr type="w" for="ch" forName="diamond" refType="w"/>
+          <dgm:constr type="h" for="ch" forName="diamond" refType="h"/>
+          <dgm:constr type="w" for="ch" forName="quad1" refType="w" fact="0.39"/>
+          <dgm:constr type="h" for="ch" forName="quad1" refType="h" fact="0.39"/>
+          <dgm:constr type="ctrX" for="ch" forName="quad1" refType="w" fact="0.29"/>
+          <dgm:constr type="ctrY" for="ch" forName="quad1" refType="h" fact="0.29"/>
+          <dgm:constr type="w" for="ch" forName="quad2" refType="w" fact="0.39"/>
+          <dgm:constr type="h" for="ch" forName="quad2" refType="h" fact="0.39"/>
+          <dgm:constr type="ctrX" for="ch" forName="quad2" refType="w" fact="0.71"/>
+          <dgm:constr type="ctrY" for="ch" forName="quad2" refType="h" fact="0.29"/>
+          <dgm:constr type="w" for="ch" forName="quad3" refType="w" fact="0.39"/>
+          <dgm:constr type="h" for="ch" forName="quad3" refType="h" fact="0.39"/>
+          <dgm:constr type="ctrX" for="ch" forName="quad3" refType="w" fact="0.29"/>
+          <dgm:constr type="ctrY" for="ch" forName="quad3" refType="h" fact="0.71"/>
+          <dgm:constr type="w" for="ch" forName="quad4" refType="w" fact="0.39"/>
+          <dgm:constr type="h" for="ch" forName="quad4" refType="h" fact="0.39"/>
+          <dgm:constr type="ctrX" for="ch" forName="quad4" refType="w" fact="0.71"/>
+          <dgm:constr type="ctrY" for="ch" forName="quad4" refType="h" fact="0.71"/>
+          <dgm:constr type="primFontSz" for="des" ptType="node" op="equ" val="65"/>
+        </dgm:constrLst>
+      </dgm:if>
+      <dgm:else name="Name2">
+        <dgm:constrLst>
+          <dgm:constr type="w" for="ch" forName="diamond" refType="w"/>
+          <dgm:constr type="h" for="ch" forName="diamond" refType="h"/>
+          <dgm:constr type="w" for="ch" forName="quad1" refType="w" fact="0.39"/>
+          <dgm:constr type="h" for="ch" forName="quad1" refType="h" fact="0.39"/>
+          <dgm:constr type="ctrX" for="ch" forName="quad1" refType="w" fact="0.71"/>
+          <dgm:constr type="ctrY" for="ch" forName="quad1" refType="h" fact="0.29"/>
+          <dgm:constr type="w" for="ch" forName="quad2" refType="w" fact="0.39"/>
+          <dgm:constr type="h" for="ch" forName="quad2" refType="h" fact="0.39"/>
+          <dgm:constr type="ctrX" for="ch" forName="quad2" refType="w" fact="0.29"/>
+          <dgm:constr type="ctrY" for="ch" forName="quad2" refType="h" fact="0.29"/>
+          <dgm:constr type="w" for="ch" forName="quad3" refType="w" fact="0.39"/>
+          <dgm:constr type="h" for="ch" forName="quad3" refType="h" fact="0.39"/>
+          <dgm:constr type="ctrX" for="ch" forName="quad3" refType="w" fact="0.71"/>
+          <dgm:constr type="ctrY" for="ch" forName="quad3" refType="h" fact="0.71"/>
+          <dgm:constr type="w" for="ch" forName="quad4" refType="w" fact="0.39"/>
+          <dgm:constr type="h" for="ch" forName="quad4" refType="h" fact="0.39"/>
+          <dgm:constr type="ctrX" for="ch" forName="quad4" refType="w" fact="0.29"/>
+          <dgm:constr type="ctrY" for="ch" forName="quad4" refType="h" fact="0.71"/>
+          <dgm:constr type="primFontSz" for="des" ptType="node" op="equ" val="65"/>
+        </dgm:constrLst>
+      </dgm:else>
+    </dgm:choose>
+    <dgm:ruleLst/>
+    <dgm:choose name="Name3">
+      <dgm:if name="Name4" axis="ch" ptType="node" func="cnt" op="gte" val="1">
+        <dgm:layoutNode name="diamond" styleLbl="bgShp">
+          <dgm:alg type="sp"/>
+          <dgm:shape xmlns:r="http://schemas.openxmlformats.org/officeDocument/2006/relationships" type="diamond" r:blip="">
+            <dgm:adjLst/>
+          </dgm:shape>
+          <dgm:presOf/>
+          <dgm:constrLst>
+            <dgm:constr type="w" refType="h" op="equ"/>
+          </dgm:constrLst>
+          <dgm:ruleLst/>
+        </dgm:layoutNode>
+        <dgm:layoutNode name="quad1">
+          <dgm:varLst>
+            <dgm:chMax val="0"/>
+            <dgm:chPref val="0"/>
+            <dgm:bulletEnabled val="1"/>
+          </dgm:varLst>
+          <dgm:alg type="tx"/>
+          <dgm:shape xmlns:r="http://schemas.openxmlformats.org/officeDocument/2006/relationships" type="roundRect" r:blip="">
+            <dgm:adjLst/>
+          </dgm:shape>
+          <dgm:presOf axis="ch desOrSelf" ptType="node node" st="1 1" cnt="1 0"/>
+          <dgm:constrLst>
+            <dgm:constr type="w" refType="h" op="equ"/>
+            <dgm:constr type="tMarg" refType="primFontSz" fact="0.3"/>
+            <dgm:constr type="bMarg" refType="primFontSz" fact="0.3"/>
+            <dgm:constr type="lMarg" refType="primFontSz" fact="0.3"/>
+            <dgm:constr type="rMarg" refType="primFontSz" fact="0.3"/>
+          </dgm:constrLst>
+          <dgm:ruleLst>
+            <dgm:rule type="primFontSz" val="5" fact="NaN" max="NaN"/>
+          </dgm:ruleLst>
+        </dgm:layoutNode>
+        <dgm:layoutNode name="quad2">
+          <dgm:varLst>
+            <dgm:chMax val="0"/>
+            <dgm:chPref val="0"/>
+            <dgm:bulletEnabled val="1"/>
+          </dgm:varLst>
+          <dgm:alg type="tx"/>
+          <dgm:shape xmlns:r="http://schemas.openxmlformats.org/officeDocument/2006/relationships" type="roundRect" r:blip="">
+            <dgm:adjLst/>
+          </dgm:shape>
+          <dgm:presOf axis="ch desOrSelf" ptType="node node" st="2 1" cnt="1 0"/>
+          <dgm:constrLst>
+            <dgm:constr type="w" refType="h" op="equ"/>
+            <dgm:constr type="tMarg" refType="primFontSz" fact="0.3"/>
+            <dgm:constr type="bMarg" refType="primFontSz" fact="0.3"/>
+            <dgm:constr type="lMarg" refType="primFontSz" fact="0.3"/>
+            <dgm:constr type="rMarg" refType="primFontSz" fact="0.3"/>
+          </dgm:constrLst>
+          <dgm:ruleLst>
+            <dgm:rule type="primFontSz" val="5" fact="NaN" max="NaN"/>
+          </dgm:ruleLst>
+        </dgm:layoutNode>
+        <dgm:layoutNode name="quad3">
+          <dgm:varLst>
+            <dgm:chMax val="0"/>
+            <dgm:chPref val="0"/>
+            <dgm:bulletEnabled val="1"/>
+          </dgm:varLst>
+          <dgm:alg type="tx"/>
+          <dgm:shape xmlns:r="http://schemas.openxmlformats.org/officeDocument/2006/relationships" type="roundRect" r:blip="">
+            <dgm:adjLst/>
+          </dgm:shape>
+          <dgm:presOf axis="ch desOrSelf" ptType="node node" st="3 1" cnt="1 0"/>
+          <dgm:constrLst>
+            <dgm:constr type="w" refType="h" op="equ"/>
+            <dgm:constr type="tMarg" refType="primFontSz" fact="0.3"/>
+            <dgm:constr type="bMarg" refType="primFontSz" fact="0.3"/>
+            <dgm:constr type="lMarg" refType="primFontSz" fact="0.3"/>
+            <dgm:constr type="rMarg" refType="primFontSz" fact="0.3"/>
+          </dgm:constrLst>
+          <dgm:ruleLst>
+            <dgm:rule type="primFontSz" val="5" fact="NaN" max="NaN"/>
+          </dgm:ruleLst>
+        </dgm:layoutNode>
+        <dgm:layoutNode name="quad4">
+          <dgm:varLst>
+            <dgm:chMax val="0"/>
+            <dgm:chPref val="0"/>
+            <dgm:bulletEnabled val="1"/>
+          </dgm:varLst>
+          <dgm:alg type="tx"/>
+          <dgm:shape xmlns:r="http://schemas.openxmlformats.org/officeDocument/2006/relationships" type="roundRect" r:blip="">
+            <dgm:adjLst/>
+          </dgm:shape>
+          <dgm:presOf axis="ch desOrSelf" ptType="node node" st="4 1" cnt="1 0"/>
+          <dgm:constrLst>
+            <dgm:constr type="w" refType="h" op="equ"/>
+            <dgm:constr type="tMarg" refType="primFontSz" fact="0.3"/>
+            <dgm:constr type="bMarg" refType="primFontSz" fact="0.3"/>
+            <dgm:constr type="lMarg" refType="primFontSz" fact="0.3"/>
+            <dgm:constr type="rMarg" refType="primFontSz" fact="0.3"/>
+          </dgm:constrLst>
+          <dgm:ruleLst>
+            <dgm:rule type="primFontSz" val="5" fact="NaN" max="NaN"/>
+          </dgm:ruleLst>
+        </dgm:layoutNode>
+      </dgm:if>
+      <dgm:else name="Name5"/>
+    </dgm:choose>
+  </dgm:layoutNode>
+</dgm:layoutDef>
+</file>
+
+<file path=ppt/diagrams/layout5.xml><?xml version="1.0" encoding="utf-8"?>
+<dgm:layoutDef xmlns:dgm="http://schemas.openxmlformats.org/drawingml/2006/diagram" xmlns:a="http://schemas.openxmlformats.org/drawingml/2006/main" uniqueId="urn:microsoft.com/office/officeart/2005/8/layout/default">
+  <dgm:title val=""/>
+  <dgm:desc val=""/>
+  <dgm:catLst>
+    <dgm:cat type="list" pri="400"/>
+  </dgm:catLst>
+  <dgm:sampData>
+    <dgm:dataModel>
+      <dgm:ptLst>
+        <dgm:pt modelId="0" type="doc"/>
+        <dgm:pt modelId="1">
+          <dgm:prSet phldr="1"/>
+        </dgm:pt>
+        <dgm:pt modelId="2">
+          <dgm:prSet phldr="1"/>
+        </dgm:pt>
+        <dgm:pt modelId="3">
+          <dgm:prSet phldr="1"/>
+        </dgm:pt>
+        <dgm:pt modelId="4">
+          <dgm:prSet phldr="1"/>
+        </dgm:pt>
+        <dgm:pt modelId="5">
+          <dgm:prSet phldr="1"/>
+        </dgm:pt>
+      </dgm:ptLst>
+      <dgm:cxnLst>
+        <dgm:cxn modelId="6" srcId="0" destId="1" srcOrd="0" destOrd="0"/>
+        <dgm:cxn modelId="7" srcId="0" destId="2" srcOrd="1" destOrd="0"/>
+        <dgm:cxn modelId="8" srcId="0" destId="3" srcOrd="2" destOrd="0"/>
+        <dgm:cxn modelId="9" srcId="0" destId="4" srcOrd="3" destOrd="0"/>
+        <dgm:cxn modelId="10" srcId="0" destId="5" srcOrd="4" destOrd="0"/>
+      </dgm:cxnLst>
+      <dgm:bg/>
+      <dgm:whole/>
+    </dgm:dataModel>
+  </dgm:sampData>
+  <dgm:styleData>
+    <dgm:dataModel>
+      <dgm:ptLst>
+        <dgm:pt modelId="0" type="doc"/>
+        <dgm:pt modelId="1"/>
+        <dgm:pt modelId="2"/>
+      </dgm:ptLst>
+      <dgm:cxnLst>
+        <dgm:cxn modelId="3" srcId="0" destId="1" srcOrd="0" destOrd="0"/>
+        <dgm:cxn modelId="4" srcId="0" destId="2" srcOrd="1" destOrd="0"/>
+      </dgm:cxnLst>
+      <dgm:bg/>
+      <dgm:whole/>
+    </dgm:dataModel>
+  </dgm:styleData>
+  <dgm:clrData>
+    <dgm:dataModel>
+      <dgm:ptLst>
+        <dgm:pt modelId="0" type="doc"/>
+        <dgm:pt modelId="1"/>
+        <dgm:pt modelId="2"/>
+        <dgm:pt modelId="3"/>
+        <dgm:pt modelId="4"/>
+        <dgm:pt modelId="5"/>
+        <dgm:pt modelId="6"/>
+      </dgm:ptLst>
+      <dgm:cxnLst>
+        <dgm:cxn modelId="7" srcId="0" destId="1" srcOrd="0" destOrd="0"/>
+        <dgm:cxn modelId="8" srcId="0" destId="2" srcOrd="1" destOrd="0"/>
+        <dgm:cxn modelId="9" srcId="0" destId="3" srcOrd="2" destOrd="0"/>
+        <dgm:cxn modelId="10" srcId="0" destId="4" srcOrd="3" destOrd="0"/>
+        <dgm:cxn modelId="11" srcId="0" destId="5" srcOrd="4" destOrd="0"/>
+        <dgm:cxn modelId="12" srcId="0" destId="6" srcOrd="5" destOrd="0"/>
+      </dgm:cxnLst>
+      <dgm:bg/>
+      <dgm:whole/>
+    </dgm:dataModel>
+  </dgm:clrData>
+  <dgm:layoutNode name="diagram">
+    <dgm:varLst>
+      <dgm:dir/>
+      <dgm:resizeHandles val="exact"/>
+    </dgm:varLst>
+    <dgm:choose name="Name0">
+      <dgm:if name="Name1" func="var" arg="dir" op="equ" val="norm">
+        <dgm:alg type="snake">
+          <dgm:param type="grDir" val="tL"/>
+          <dgm:param type="flowDir" val="row"/>
+          <dgm:param type="contDir" val="sameDir"/>
+          <dgm:param type="off" val="ctr"/>
+        </dgm:alg>
+      </dgm:if>
+      <dgm:else name="Name2">
+        <dgm:alg type="snake">
+          <dgm:param type="grDir" val="tR"/>
+          <dgm:param type="flowDir" val="row"/>
+          <dgm:param type="contDir" val="sameDir"/>
+          <dgm:param type="off" val="ctr"/>
+        </dgm:alg>
+      </dgm:else>
+    </dgm:choose>
+    <dgm:shape xmlns:r="http://schemas.openxmlformats.org/officeDocument/2006/relationships" r:blip="">
+      <dgm:adjLst/>
+    </dgm:shape>
+    <dgm:presOf/>
+    <dgm:constrLst>
+      <dgm:constr type="w" for="ch" forName="node" refType="w"/>
+      <dgm:constr type="h" for="ch" forName="node" refType="w" refFor="ch" refForName="node" fact="0.6"/>
+      <dgm:constr type="w" for="ch" forName="sibTrans" refType="w" refFor="ch" refForName="node" fact="0.1"/>
+      <dgm:constr type="sp" refType="w" refFor="ch" refForName="sibTrans"/>
+      <dgm:constr type="primFontSz" for="ch" forName="node" op="equ" val="65"/>
+    </dgm:constrLst>
+    <dgm:ruleLst/>
+    <dgm:forEach name="Name3" axis="ch" ptType="node">
+      <dgm:layoutNode name="node">
+        <dgm:varLst>
+          <dgm:bulletEnabled val="1"/>
+        </dgm:varLst>
+        <dgm:alg type="tx"/>
+        <dgm:shape xmlns:r="http://schemas.openxmlformats.org/officeDocument/2006/relationships" type="rect" r:blip="">
+          <dgm:adjLst/>
+        </dgm:shape>
+        <dgm:presOf axis="desOrSelf" ptType="node"/>
+        <dgm:constrLst>
+          <dgm:constr type="lMarg" refType="primFontSz" fact="0.3"/>
+          <dgm:constr type="rMarg" refType="primFontSz" fact="0.3"/>
+          <dgm:constr type="tMarg" refType="primFontSz" fact="0.3"/>
+          <dgm:constr type="bMarg" refType="primFontSz" fact="0.3"/>
+        </dgm:constrLst>
+        <dgm:ruleLst>
+          <dgm:rule type="primFontSz" val="5" fact="NaN" max="NaN"/>
+        </dgm:ruleLst>
+      </dgm:layoutNode>
+      <dgm:forEach name="Name4" axis="followSib" ptType="sibTrans" cnt="1">
+        <dgm:layoutNode name="sibTrans">
+          <dgm:alg type="sp"/>
+          <dgm:shape xmlns:r="http://schemas.openxmlformats.org/officeDocument/2006/relationships" r:blip="">
+            <dgm:adjLst/>
+          </dgm:shape>
+          <dgm:presOf/>
+          <dgm:constrLst/>
+          <dgm:ruleLst/>
+        </dgm:layoutNode>
+      </dgm:forEach>
+    </dgm:forEach>
+  </dgm:layoutNode>
+</dgm:layoutDef>
+</file>
+
 <file path=ppt/diagrams/quickStyle1.xml><?xml version="1.0" encoding="utf-8"?>
 <dgm:styleDef xmlns:dgm="http://schemas.openxmlformats.org/drawingml/2006/diagram" xmlns:a="http://schemas.openxmlformats.org/drawingml/2006/main" uniqueId="urn:microsoft.com/office/officeart/2005/8/quickstyle/simple2">
   <dgm:title val=""/>
@@ -8565,6 +12171,2074 @@
 </file>
 
 <file path=ppt/diagrams/quickStyle3.xml><?xml version="1.0" encoding="utf-8"?>
+<dgm:styleDef xmlns:dgm="http://schemas.openxmlformats.org/drawingml/2006/diagram" xmlns:a="http://schemas.openxmlformats.org/drawingml/2006/main" uniqueId="urn:microsoft.com/office/officeart/2005/8/quickstyle/simple1">
+  <dgm:title val=""/>
+  <dgm:desc val=""/>
+  <dgm:catLst>
+    <dgm:cat type="simple" pri="10100"/>
+  </dgm:catLst>
+  <dgm:scene3d>
+    <a:camera prst="orthographicFront"/>
+    <a:lightRig rig="threePt" dir="t"/>
+  </dgm:scene3d>
+  <dgm:styleLbl name="node0">
+    <dgm:scene3d>
+      <a:camera prst="orthographicFront"/>
+      <a:lightRig rig="threePt" dir="t"/>
+    </dgm:scene3d>
+    <dgm:sp3d/>
+    <dgm:txPr/>
+    <dgm:style>
+      <a:lnRef idx="2">
+        <a:scrgbClr r="0" g="0" b="0"/>
+      </a:lnRef>
+      <a:fillRef idx="1">
+        <a:scrgbClr r="0" g="0" b="0"/>
+      </a:fillRef>
+      <a:effectRef idx="0">
+        <a:scrgbClr r="0" g="0" b="0"/>
+      </a:effectRef>
+      <a:fontRef idx="minor">
+        <a:schemeClr val="lt1"/>
+      </a:fontRef>
+    </dgm:style>
+  </dgm:styleLbl>
+  <dgm:styleLbl name="lnNode1">
+    <dgm:scene3d>
+      <a:camera prst="orthographicFront"/>
+      <a:lightRig rig="threePt" dir="t"/>
+    </dgm:scene3d>
+    <dgm:sp3d/>
+    <dgm:txPr/>
+    <dgm:style>
+      <a:lnRef idx="2">
+        <a:scrgbClr r="0" g="0" b="0"/>
+      </a:lnRef>
+      <a:fillRef idx="1">
+        <a:scrgbClr r="0" g="0" b="0"/>
+      </a:fillRef>
+      <a:effectRef idx="0">
+        <a:scrgbClr r="0" g="0" b="0"/>
+      </a:effectRef>
+      <a:fontRef idx="minor">
+        <a:schemeClr val="lt1"/>
+      </a:fontRef>
+    </dgm:style>
+  </dgm:styleLbl>
+  <dgm:styleLbl name="vennNode1">
+    <dgm:scene3d>
+      <a:camera prst="orthographicFront"/>
+      <a:lightRig rig="threePt" dir="t"/>
+    </dgm:scene3d>
+    <dgm:sp3d/>
+    <dgm:txPr/>
+    <dgm:style>
+      <a:lnRef idx="2">
+        <a:scrgbClr r="0" g="0" b="0"/>
+      </a:lnRef>
+      <a:fillRef idx="1">
+        <a:scrgbClr r="0" g="0" b="0"/>
+      </a:fillRef>
+      <a:effectRef idx="0">
+        <a:scrgbClr r="0" g="0" b="0"/>
+      </a:effectRef>
+      <a:fontRef idx="minor">
+        <a:schemeClr val="tx1"/>
+      </a:fontRef>
+    </dgm:style>
+  </dgm:styleLbl>
+  <dgm:styleLbl name="alignNode1">
+    <dgm:scene3d>
+      <a:camera prst="orthographicFront"/>
+      <a:lightRig rig="threePt" dir="t"/>
+    </dgm:scene3d>
+    <dgm:sp3d/>
+    <dgm:txPr/>
+    <dgm:style>
+      <a:lnRef idx="2">
+        <a:scrgbClr r="0" g="0" b="0"/>
+      </a:lnRef>
+      <a:fillRef idx="1">
+        <a:scrgbClr r="0" g="0" b="0"/>
+      </a:fillRef>
+      <a:effectRef idx="0">
+        <a:scrgbClr r="0" g="0" b="0"/>
+      </a:effectRef>
+      <a:fontRef idx="minor">
+        <a:schemeClr val="lt1"/>
+      </a:fontRef>
+    </dgm:style>
+  </dgm:styleLbl>
+  <dgm:styleLbl name="node1">
+    <dgm:scene3d>
+      <a:camera prst="orthographicFront"/>
+      <a:lightRig rig="threePt" dir="t"/>
+    </dgm:scene3d>
+    <dgm:sp3d/>
+    <dgm:txPr/>
+    <dgm:style>
+      <a:lnRef idx="2">
+        <a:scrgbClr r="0" g="0" b="0"/>
+      </a:lnRef>
+      <a:fillRef idx="1">
+        <a:scrgbClr r="0" g="0" b="0"/>
+      </a:fillRef>
+      <a:effectRef idx="0">
+        <a:scrgbClr r="0" g="0" b="0"/>
+      </a:effectRef>
+      <a:fontRef idx="minor">
+        <a:schemeClr val="lt1"/>
+      </a:fontRef>
+    </dgm:style>
+  </dgm:styleLbl>
+  <dgm:styleLbl name="node2">
+    <dgm:scene3d>
+      <a:camera prst="orthographicFront"/>
+      <a:lightRig rig="threePt" dir="t"/>
+    </dgm:scene3d>
+    <dgm:sp3d/>
+    <dgm:txPr/>
+    <dgm:style>
+      <a:lnRef idx="2">
+        <a:scrgbClr r="0" g="0" b="0"/>
+      </a:lnRef>
+      <a:fillRef idx="1">
+        <a:scrgbClr r="0" g="0" b="0"/>
+      </a:fillRef>
+      <a:effectRef idx="0">
+        <a:scrgbClr r="0" g="0" b="0"/>
+      </a:effectRef>
+      <a:fontRef idx="minor">
+        <a:schemeClr val="lt1"/>
+      </a:fontRef>
+    </dgm:style>
+  </dgm:styleLbl>
+  <dgm:styleLbl name="node3">
+    <dgm:scene3d>
+      <a:camera prst="orthographicFront"/>
+      <a:lightRig rig="threePt" dir="t"/>
+    </dgm:scene3d>
+    <dgm:sp3d/>
+    <dgm:txPr/>
+    <dgm:style>
+      <a:lnRef idx="2">
+        <a:scrgbClr r="0" g="0" b="0"/>
+      </a:lnRef>
+      <a:fillRef idx="1">
+        <a:scrgbClr r="0" g="0" b="0"/>
+      </a:fillRef>
+      <a:effectRef idx="0">
+        <a:scrgbClr r="0" g="0" b="0"/>
+      </a:effectRef>
+      <a:fontRef idx="minor">
+        <a:schemeClr val="lt1"/>
+      </a:fontRef>
+    </dgm:style>
+  </dgm:styleLbl>
+  <dgm:styleLbl name="node4">
+    <dgm:scene3d>
+      <a:camera prst="orthographicFront"/>
+      <a:lightRig rig="threePt" dir="t"/>
+    </dgm:scene3d>
+    <dgm:sp3d/>
+    <dgm:txPr/>
+    <dgm:style>
+      <a:lnRef idx="2">
+        <a:scrgbClr r="0" g="0" b="0"/>
+      </a:lnRef>
+      <a:fillRef idx="1">
+        <a:scrgbClr r="0" g="0" b="0"/>
+      </a:fillRef>
+      <a:effectRef idx="0">
+        <a:scrgbClr r="0" g="0" b="0"/>
+      </a:effectRef>
+      <a:fontRef idx="minor">
+        <a:schemeClr val="lt1"/>
+      </a:fontRef>
+    </dgm:style>
+  </dgm:styleLbl>
+  <dgm:styleLbl name="fgImgPlace1">
+    <dgm:scene3d>
+      <a:camera prst="orthographicFront"/>
+      <a:lightRig rig="threePt" dir="t"/>
+    </dgm:scene3d>
+    <dgm:sp3d/>
+    <dgm:txPr/>
+    <dgm:style>
+      <a:lnRef idx="2">
+        <a:scrgbClr r="0" g="0" b="0"/>
+      </a:lnRef>
+      <a:fillRef idx="1">
+        <a:scrgbClr r="0" g="0" b="0"/>
+      </a:fillRef>
+      <a:effectRef idx="0">
+        <a:scrgbClr r="0" g="0" b="0"/>
+      </a:effectRef>
+      <a:fontRef idx="minor"/>
+    </dgm:style>
+  </dgm:styleLbl>
+  <dgm:styleLbl name="alignImgPlace1">
+    <dgm:scene3d>
+      <a:camera prst="orthographicFront"/>
+      <a:lightRig rig="threePt" dir="t"/>
+    </dgm:scene3d>
+    <dgm:sp3d/>
+    <dgm:txPr/>
+    <dgm:style>
+      <a:lnRef idx="2">
+        <a:scrgbClr r="0" g="0" b="0"/>
+      </a:lnRef>
+      <a:fillRef idx="1">
+        <a:scrgbClr r="0" g="0" b="0"/>
+      </a:fillRef>
+      <a:effectRef idx="0">
+        <a:scrgbClr r="0" g="0" b="0"/>
+      </a:effectRef>
+      <a:fontRef idx="minor"/>
+    </dgm:style>
+  </dgm:styleLbl>
+  <dgm:styleLbl name="bgImgPlace1">
+    <dgm:scene3d>
+      <a:camera prst="orthographicFront"/>
+      <a:lightRig rig="threePt" dir="t"/>
+    </dgm:scene3d>
+    <dgm:sp3d/>
+    <dgm:txPr/>
+    <dgm:style>
+      <a:lnRef idx="2">
+        <a:scrgbClr r="0" g="0" b="0"/>
+      </a:lnRef>
+      <a:fillRef idx="1">
+        <a:scrgbClr r="0" g="0" b="0"/>
+      </a:fillRef>
+      <a:effectRef idx="0">
+        <a:scrgbClr r="0" g="0" b="0"/>
+      </a:effectRef>
+      <a:fontRef idx="minor"/>
+    </dgm:style>
+  </dgm:styleLbl>
+  <dgm:styleLbl name="sibTrans2D1">
+    <dgm:scene3d>
+      <a:camera prst="orthographicFront"/>
+      <a:lightRig rig="threePt" dir="t"/>
+    </dgm:scene3d>
+    <dgm:sp3d/>
+    <dgm:txPr/>
+    <dgm:style>
+      <a:lnRef idx="0">
+        <a:scrgbClr r="0" g="0" b="0"/>
+      </a:lnRef>
+      <a:fillRef idx="1">
+        <a:scrgbClr r="0" g="0" b="0"/>
+      </a:fillRef>
+      <a:effectRef idx="0">
+        <a:scrgbClr r="0" g="0" b="0"/>
+      </a:effectRef>
+      <a:fontRef idx="minor">
+        <a:schemeClr val="lt1"/>
+      </a:fontRef>
+    </dgm:style>
+  </dgm:styleLbl>
+  <dgm:styleLbl name="fgSibTrans2D1">
+    <dgm:scene3d>
+      <a:camera prst="orthographicFront"/>
+      <a:lightRig rig="threePt" dir="t"/>
+    </dgm:scene3d>
+    <dgm:sp3d/>
+    <dgm:txPr/>
+    <dgm:style>
+      <a:lnRef idx="0">
+        <a:scrgbClr r="0" g="0" b="0"/>
+      </a:lnRef>
+      <a:fillRef idx="1">
+        <a:scrgbClr r="0" g="0" b="0"/>
+      </a:fillRef>
+      <a:effectRef idx="0">
+        <a:scrgbClr r="0" g="0" b="0"/>
+      </a:effectRef>
+      <a:fontRef idx="minor">
+        <a:schemeClr val="lt1"/>
+      </a:fontRef>
+    </dgm:style>
+  </dgm:styleLbl>
+  <dgm:styleLbl name="bgSibTrans2D1">
+    <dgm:scene3d>
+      <a:camera prst="orthographicFront"/>
+      <a:lightRig rig="threePt" dir="t"/>
+    </dgm:scene3d>
+    <dgm:sp3d/>
+    <dgm:txPr/>
+    <dgm:style>
+      <a:lnRef idx="0">
+        <a:scrgbClr r="0" g="0" b="0"/>
+      </a:lnRef>
+      <a:fillRef idx="1">
+        <a:scrgbClr r="0" g="0" b="0"/>
+      </a:fillRef>
+      <a:effectRef idx="0">
+        <a:scrgbClr r="0" g="0" b="0"/>
+      </a:effectRef>
+      <a:fontRef idx="minor">
+        <a:schemeClr val="lt1"/>
+      </a:fontRef>
+    </dgm:style>
+  </dgm:styleLbl>
+  <dgm:styleLbl name="sibTrans1D1">
+    <dgm:scene3d>
+      <a:camera prst="orthographicFront"/>
+      <a:lightRig rig="threePt" dir="t"/>
+    </dgm:scene3d>
+    <dgm:sp3d/>
+    <dgm:txPr/>
+    <dgm:style>
+      <a:lnRef idx="1">
+        <a:scrgbClr r="0" g="0" b="0"/>
+      </a:lnRef>
+      <a:fillRef idx="0">
+        <a:scrgbClr r="0" g="0" b="0"/>
+      </a:fillRef>
+      <a:effectRef idx="0">
+        <a:scrgbClr r="0" g="0" b="0"/>
+      </a:effectRef>
+      <a:fontRef idx="minor"/>
+    </dgm:style>
+  </dgm:styleLbl>
+  <dgm:styleLbl name="callout">
+    <dgm:scene3d>
+      <a:camera prst="orthographicFront"/>
+      <a:lightRig rig="threePt" dir="t"/>
+    </dgm:scene3d>
+    <dgm:sp3d/>
+    <dgm:txPr/>
+    <dgm:style>
+      <a:lnRef idx="2">
+        <a:scrgbClr r="0" g="0" b="0"/>
+      </a:lnRef>
+      <a:fillRef idx="1">
+        <a:scrgbClr r="0" g="0" b="0"/>
+      </a:fillRef>
+      <a:effectRef idx="0">
+        <a:scrgbClr r="0" g="0" b="0"/>
+      </a:effectRef>
+      <a:fontRef idx="minor"/>
+    </dgm:style>
+  </dgm:styleLbl>
+  <dgm:styleLbl name="asst0">
+    <dgm:scene3d>
+      <a:camera prst="orthographicFront"/>
+      <a:lightRig rig="threePt" dir="t"/>
+    </dgm:scene3d>
+    <dgm:sp3d/>
+    <dgm:txPr/>
+    <dgm:style>
+      <a:lnRef idx="2">
+        <a:scrgbClr r="0" g="0" b="0"/>
+      </a:lnRef>
+      <a:fillRef idx="1">
+        <a:scrgbClr r="0" g="0" b="0"/>
+      </a:fillRef>
+      <a:effectRef idx="0">
+        <a:scrgbClr r="0" g="0" b="0"/>
+      </a:effectRef>
+      <a:fontRef idx="minor">
+        <a:schemeClr val="lt1"/>
+      </a:fontRef>
+    </dgm:style>
+  </dgm:styleLbl>
+  <dgm:styleLbl name="asst1">
+    <dgm:scene3d>
+      <a:camera prst="orthographicFront"/>
+      <a:lightRig rig="threePt" dir="t"/>
+    </dgm:scene3d>
+    <dgm:sp3d/>
+    <dgm:txPr/>
+    <dgm:style>
+      <a:lnRef idx="2">
+        <a:scrgbClr r="0" g="0" b="0"/>
+      </a:lnRef>
+      <a:fillRef idx="1">
+        <a:scrgbClr r="0" g="0" b="0"/>
+      </a:fillRef>
+      <a:effectRef idx="0">
+        <a:scrgbClr r="0" g="0" b="0"/>
+      </a:effectRef>
+      <a:fontRef idx="minor">
+        <a:schemeClr val="lt1"/>
+      </a:fontRef>
+    </dgm:style>
+  </dgm:styleLbl>
+  <dgm:styleLbl name="asst2">
+    <dgm:scene3d>
+      <a:camera prst="orthographicFront"/>
+      <a:lightRig rig="threePt" dir="t"/>
+    </dgm:scene3d>
+    <dgm:sp3d/>
+    <dgm:txPr/>
+    <dgm:style>
+      <a:lnRef idx="2">
+        <a:scrgbClr r="0" g="0" b="0"/>
+      </a:lnRef>
+      <a:fillRef idx="1">
+        <a:scrgbClr r="0" g="0" b="0"/>
+      </a:fillRef>
+      <a:effectRef idx="0">
+        <a:scrgbClr r="0" g="0" b="0"/>
+      </a:effectRef>
+      <a:fontRef idx="minor">
+        <a:schemeClr val="lt1"/>
+      </a:fontRef>
+    </dgm:style>
+  </dgm:styleLbl>
+  <dgm:styleLbl name="asst3">
+    <dgm:scene3d>
+      <a:camera prst="orthographicFront"/>
+      <a:lightRig rig="threePt" dir="t"/>
+    </dgm:scene3d>
+    <dgm:sp3d/>
+    <dgm:txPr/>
+    <dgm:style>
+      <a:lnRef idx="2">
+        <a:scrgbClr r="0" g="0" b="0"/>
+      </a:lnRef>
+      <a:fillRef idx="1">
+        <a:scrgbClr r="0" g="0" b="0"/>
+      </a:fillRef>
+      <a:effectRef idx="0">
+        <a:scrgbClr r="0" g="0" b="0"/>
+      </a:effectRef>
+      <a:fontRef idx="minor">
+        <a:schemeClr val="lt1"/>
+      </a:fontRef>
+    </dgm:style>
+  </dgm:styleLbl>
+  <dgm:styleLbl name="asst4">
+    <dgm:scene3d>
+      <a:camera prst="orthographicFront"/>
+      <a:lightRig rig="threePt" dir="t"/>
+    </dgm:scene3d>
+    <dgm:sp3d/>
+    <dgm:txPr/>
+    <dgm:style>
+      <a:lnRef idx="2">
+        <a:scrgbClr r="0" g="0" b="0"/>
+      </a:lnRef>
+      <a:fillRef idx="1">
+        <a:scrgbClr r="0" g="0" b="0"/>
+      </a:fillRef>
+      <a:effectRef idx="0">
+        <a:scrgbClr r="0" g="0" b="0"/>
+      </a:effectRef>
+      <a:fontRef idx="minor">
+        <a:schemeClr val="lt1"/>
+      </a:fontRef>
+    </dgm:style>
+  </dgm:styleLbl>
+  <dgm:styleLbl name="parChTrans2D1">
+    <dgm:scene3d>
+      <a:camera prst="orthographicFront"/>
+      <a:lightRig rig="threePt" dir="t"/>
+    </dgm:scene3d>
+    <dgm:sp3d/>
+    <dgm:txPr/>
+    <dgm:style>
+      <a:lnRef idx="2">
+        <a:scrgbClr r="0" g="0" b="0"/>
+      </a:lnRef>
+      <a:fillRef idx="1">
+        <a:scrgbClr r="0" g="0" b="0"/>
+      </a:fillRef>
+      <a:effectRef idx="0">
+        <a:scrgbClr r="0" g="0" b="0"/>
+      </a:effectRef>
+      <a:fontRef idx="minor">
+        <a:schemeClr val="lt1"/>
+      </a:fontRef>
+    </dgm:style>
+  </dgm:styleLbl>
+  <dgm:styleLbl name="parChTrans2D2">
+    <dgm:scene3d>
+      <a:camera prst="orthographicFront"/>
+      <a:lightRig rig="threePt" dir="t"/>
+    </dgm:scene3d>
+    <dgm:sp3d/>
+    <dgm:txPr/>
+    <dgm:style>
+      <a:lnRef idx="2">
+        <a:scrgbClr r="0" g="0" b="0"/>
+      </a:lnRef>
+      <a:fillRef idx="1">
+        <a:scrgbClr r="0" g="0" b="0"/>
+      </a:fillRef>
+      <a:effectRef idx="0">
+        <a:scrgbClr r="0" g="0" b="0"/>
+      </a:effectRef>
+      <a:fontRef idx="minor">
+        <a:schemeClr val="lt1"/>
+      </a:fontRef>
+    </dgm:style>
+  </dgm:styleLbl>
+  <dgm:styleLbl name="parChTrans2D3">
+    <dgm:scene3d>
+      <a:camera prst="orthographicFront"/>
+      <a:lightRig rig="threePt" dir="t"/>
+    </dgm:scene3d>
+    <dgm:sp3d/>
+    <dgm:txPr/>
+    <dgm:style>
+      <a:lnRef idx="2">
+        <a:scrgbClr r="0" g="0" b="0"/>
+      </a:lnRef>
+      <a:fillRef idx="1">
+        <a:scrgbClr r="0" g="0" b="0"/>
+      </a:fillRef>
+      <a:effectRef idx="0">
+        <a:scrgbClr r="0" g="0" b="0"/>
+      </a:effectRef>
+      <a:fontRef idx="minor">
+        <a:schemeClr val="lt1"/>
+      </a:fontRef>
+    </dgm:style>
+  </dgm:styleLbl>
+  <dgm:styleLbl name="parChTrans2D4">
+    <dgm:scene3d>
+      <a:camera prst="orthographicFront"/>
+      <a:lightRig rig="threePt" dir="t"/>
+    </dgm:scene3d>
+    <dgm:sp3d/>
+    <dgm:txPr/>
+    <dgm:style>
+      <a:lnRef idx="2">
+        <a:scrgbClr r="0" g="0" b="0"/>
+      </a:lnRef>
+      <a:fillRef idx="1">
+        <a:scrgbClr r="0" g="0" b="0"/>
+      </a:fillRef>
+      <a:effectRef idx="0">
+        <a:scrgbClr r="0" g="0" b="0"/>
+      </a:effectRef>
+      <a:fontRef idx="minor">
+        <a:schemeClr val="lt1"/>
+      </a:fontRef>
+    </dgm:style>
+  </dgm:styleLbl>
+  <dgm:styleLbl name="parChTrans1D1">
+    <dgm:scene3d>
+      <a:camera prst="orthographicFront"/>
+      <a:lightRig rig="threePt" dir="t"/>
+    </dgm:scene3d>
+    <dgm:sp3d/>
+    <dgm:txPr/>
+    <dgm:style>
+      <a:lnRef idx="2">
+        <a:scrgbClr r="0" g="0" b="0"/>
+      </a:lnRef>
+      <a:fillRef idx="0">
+        <a:scrgbClr r="0" g="0" b="0"/>
+      </a:fillRef>
+      <a:effectRef idx="0">
+        <a:scrgbClr r="0" g="0" b="0"/>
+      </a:effectRef>
+      <a:fontRef idx="minor"/>
+    </dgm:style>
+  </dgm:styleLbl>
+  <dgm:styleLbl name="parChTrans1D2">
+    <dgm:scene3d>
+      <a:camera prst="orthographicFront"/>
+      <a:lightRig rig="threePt" dir="t"/>
+    </dgm:scene3d>
+    <dgm:sp3d/>
+    <dgm:txPr/>
+    <dgm:style>
+      <a:lnRef idx="2">
+        <a:scrgbClr r="0" g="0" b="0"/>
+      </a:lnRef>
+      <a:fillRef idx="0">
+        <a:scrgbClr r="0" g="0" b="0"/>
+      </a:fillRef>
+      <a:effectRef idx="0">
+        <a:scrgbClr r="0" g="0" b="0"/>
+      </a:effectRef>
+      <a:fontRef idx="minor"/>
+    </dgm:style>
+  </dgm:styleLbl>
+  <dgm:styleLbl name="parChTrans1D3">
+    <dgm:scene3d>
+      <a:camera prst="orthographicFront"/>
+      <a:lightRig rig="threePt" dir="t"/>
+    </dgm:scene3d>
+    <dgm:sp3d/>
+    <dgm:txPr/>
+    <dgm:style>
+      <a:lnRef idx="2">
+        <a:scrgbClr r="0" g="0" b="0"/>
+      </a:lnRef>
+      <a:fillRef idx="0">
+        <a:scrgbClr r="0" g="0" b="0"/>
+      </a:fillRef>
+      <a:effectRef idx="0">
+        <a:scrgbClr r="0" g="0" b="0"/>
+      </a:effectRef>
+      <a:fontRef idx="minor"/>
+    </dgm:style>
+  </dgm:styleLbl>
+  <dgm:styleLbl name="parChTrans1D4">
+    <dgm:scene3d>
+      <a:camera prst="orthographicFront"/>
+      <a:lightRig rig="threePt" dir="t"/>
+    </dgm:scene3d>
+    <dgm:sp3d/>
+    <dgm:txPr/>
+    <dgm:style>
+      <a:lnRef idx="2">
+        <a:scrgbClr r="0" g="0" b="0"/>
+      </a:lnRef>
+      <a:fillRef idx="0">
+        <a:scrgbClr r="0" g="0" b="0"/>
+      </a:fillRef>
+      <a:effectRef idx="0">
+        <a:scrgbClr r="0" g="0" b="0"/>
+      </a:effectRef>
+      <a:fontRef idx="minor"/>
+    </dgm:style>
+  </dgm:styleLbl>
+  <dgm:styleLbl name="fgAcc1">
+    <dgm:scene3d>
+      <a:camera prst="orthographicFront"/>
+      <a:lightRig rig="threePt" dir="t"/>
+    </dgm:scene3d>
+    <dgm:sp3d/>
+    <dgm:txPr/>
+    <dgm:style>
+      <a:lnRef idx="2">
+        <a:scrgbClr r="0" g="0" b="0"/>
+      </a:lnRef>
+      <a:fillRef idx="1">
+        <a:scrgbClr r="0" g="0" b="0"/>
+      </a:fillRef>
+      <a:effectRef idx="0">
+        <a:scrgbClr r="0" g="0" b="0"/>
+      </a:effectRef>
+      <a:fontRef idx="minor"/>
+    </dgm:style>
+  </dgm:styleLbl>
+  <dgm:styleLbl name="conFgAcc1">
+    <dgm:scene3d>
+      <a:camera prst="orthographicFront"/>
+      <a:lightRig rig="threePt" dir="t"/>
+    </dgm:scene3d>
+    <dgm:sp3d/>
+    <dgm:txPr/>
+    <dgm:style>
+      <a:lnRef idx="2">
+        <a:scrgbClr r="0" g="0" b="0"/>
+      </a:lnRef>
+      <a:fillRef idx="1">
+        <a:scrgbClr r="0" g="0" b="0"/>
+      </a:fillRef>
+      <a:effectRef idx="0">
+        <a:scrgbClr r="0" g="0" b="0"/>
+      </a:effectRef>
+      <a:fontRef idx="minor"/>
+    </dgm:style>
+  </dgm:styleLbl>
+  <dgm:styleLbl name="alignAcc1">
+    <dgm:scene3d>
+      <a:camera prst="orthographicFront"/>
+      <a:lightRig rig="threePt" dir="t"/>
+    </dgm:scene3d>
+    <dgm:sp3d/>
+    <dgm:txPr/>
+    <dgm:style>
+      <a:lnRef idx="2">
+        <a:scrgbClr r="0" g="0" b="0"/>
+      </a:lnRef>
+      <a:fillRef idx="1">
+        <a:scrgbClr r="0" g="0" b="0"/>
+      </a:fillRef>
+      <a:effectRef idx="0">
+        <a:scrgbClr r="0" g="0" b="0"/>
+      </a:effectRef>
+      <a:fontRef idx="minor"/>
+    </dgm:style>
+  </dgm:styleLbl>
+  <dgm:styleLbl name="trAlignAcc1">
+    <dgm:scene3d>
+      <a:camera prst="orthographicFront"/>
+      <a:lightRig rig="threePt" dir="t"/>
+    </dgm:scene3d>
+    <dgm:sp3d/>
+    <dgm:txPr/>
+    <dgm:style>
+      <a:lnRef idx="1">
+        <a:scrgbClr r="0" g="0" b="0"/>
+      </a:lnRef>
+      <a:fillRef idx="1">
+        <a:scrgbClr r="0" g="0" b="0"/>
+      </a:fillRef>
+      <a:effectRef idx="0">
+        <a:scrgbClr r="0" g="0" b="0"/>
+      </a:effectRef>
+      <a:fontRef idx="minor"/>
+    </dgm:style>
+  </dgm:styleLbl>
+  <dgm:styleLbl name="bgAcc1">
+    <dgm:scene3d>
+      <a:camera prst="orthographicFront"/>
+      <a:lightRig rig="threePt" dir="t"/>
+    </dgm:scene3d>
+    <dgm:sp3d/>
+    <dgm:txPr/>
+    <dgm:style>
+      <a:lnRef idx="2">
+        <a:scrgbClr r="0" g="0" b="0"/>
+      </a:lnRef>
+      <a:fillRef idx="1">
+        <a:scrgbClr r="0" g="0" b="0"/>
+      </a:fillRef>
+      <a:effectRef idx="0">
+        <a:scrgbClr r="0" g="0" b="0"/>
+      </a:effectRef>
+      <a:fontRef idx="minor"/>
+    </dgm:style>
+  </dgm:styleLbl>
+  <dgm:styleLbl name="solidFgAcc1">
+    <dgm:scene3d>
+      <a:camera prst="orthographicFront"/>
+      <a:lightRig rig="threePt" dir="t"/>
+    </dgm:scene3d>
+    <dgm:sp3d/>
+    <dgm:txPr/>
+    <dgm:style>
+      <a:lnRef idx="2">
+        <a:scrgbClr r="0" g="0" b="0"/>
+      </a:lnRef>
+      <a:fillRef idx="1">
+        <a:scrgbClr r="0" g="0" b="0"/>
+      </a:fillRef>
+      <a:effectRef idx="0">
+        <a:scrgbClr r="0" g="0" b="0"/>
+      </a:effectRef>
+      <a:fontRef idx="minor"/>
+    </dgm:style>
+  </dgm:styleLbl>
+  <dgm:styleLbl name="solidAlignAcc1">
+    <dgm:scene3d>
+      <a:camera prst="orthographicFront"/>
+      <a:lightRig rig="threePt" dir="t"/>
+    </dgm:scene3d>
+    <dgm:sp3d/>
+    <dgm:txPr/>
+    <dgm:style>
+      <a:lnRef idx="2">
+        <a:scrgbClr r="0" g="0" b="0"/>
+      </a:lnRef>
+      <a:fillRef idx="1">
+        <a:scrgbClr r="0" g="0" b="0"/>
+      </a:fillRef>
+      <a:effectRef idx="0">
+        <a:scrgbClr r="0" g="0" b="0"/>
+      </a:effectRef>
+      <a:fontRef idx="minor"/>
+    </dgm:style>
+  </dgm:styleLbl>
+  <dgm:styleLbl name="solidBgAcc1">
+    <dgm:scene3d>
+      <a:camera prst="orthographicFront"/>
+      <a:lightRig rig="threePt" dir="t"/>
+    </dgm:scene3d>
+    <dgm:sp3d/>
+    <dgm:txPr/>
+    <dgm:style>
+      <a:lnRef idx="2">
+        <a:scrgbClr r="0" g="0" b="0"/>
+      </a:lnRef>
+      <a:fillRef idx="1">
+        <a:scrgbClr r="0" g="0" b="0"/>
+      </a:fillRef>
+      <a:effectRef idx="0">
+        <a:scrgbClr r="0" g="0" b="0"/>
+      </a:effectRef>
+      <a:fontRef idx="minor"/>
+    </dgm:style>
+  </dgm:styleLbl>
+  <dgm:styleLbl name="fgAccFollowNode1">
+    <dgm:scene3d>
+      <a:camera prst="orthographicFront"/>
+      <a:lightRig rig="threePt" dir="t"/>
+    </dgm:scene3d>
+    <dgm:sp3d/>
+    <dgm:txPr/>
+    <dgm:style>
+      <a:lnRef idx="2">
+        <a:scrgbClr r="0" g="0" b="0"/>
+      </a:lnRef>
+      <a:fillRef idx="1">
+        <a:scrgbClr r="0" g="0" b="0"/>
+      </a:fillRef>
+      <a:effectRef idx="0">
+        <a:scrgbClr r="0" g="0" b="0"/>
+      </a:effectRef>
+      <a:fontRef idx="minor"/>
+    </dgm:style>
+  </dgm:styleLbl>
+  <dgm:styleLbl name="alignAccFollowNode1">
+    <dgm:scene3d>
+      <a:camera prst="orthographicFront"/>
+      <a:lightRig rig="threePt" dir="t"/>
+    </dgm:scene3d>
+    <dgm:sp3d/>
+    <dgm:txPr/>
+    <dgm:style>
+      <a:lnRef idx="2">
+        <a:scrgbClr r="0" g="0" b="0"/>
+      </a:lnRef>
+      <a:fillRef idx="1">
+        <a:scrgbClr r="0" g="0" b="0"/>
+      </a:fillRef>
+      <a:effectRef idx="0">
+        <a:scrgbClr r="0" g="0" b="0"/>
+      </a:effectRef>
+      <a:fontRef idx="minor"/>
+    </dgm:style>
+  </dgm:styleLbl>
+  <dgm:styleLbl name="bgAccFollowNode1">
+    <dgm:scene3d>
+      <a:camera prst="orthographicFront"/>
+      <a:lightRig rig="threePt" dir="t"/>
+    </dgm:scene3d>
+    <dgm:sp3d/>
+    <dgm:txPr/>
+    <dgm:style>
+      <a:lnRef idx="2">
+        <a:scrgbClr r="0" g="0" b="0"/>
+      </a:lnRef>
+      <a:fillRef idx="1">
+        <a:scrgbClr r="0" g="0" b="0"/>
+      </a:fillRef>
+      <a:effectRef idx="0">
+        <a:scrgbClr r="0" g="0" b="0"/>
+      </a:effectRef>
+      <a:fontRef idx="minor"/>
+    </dgm:style>
+  </dgm:styleLbl>
+  <dgm:styleLbl name="fgAcc0">
+    <dgm:scene3d>
+      <a:camera prst="orthographicFront"/>
+      <a:lightRig rig="threePt" dir="t"/>
+    </dgm:scene3d>
+    <dgm:sp3d/>
+    <dgm:txPr/>
+    <dgm:style>
+      <a:lnRef idx="2">
+        <a:scrgbClr r="0" g="0" b="0"/>
+      </a:lnRef>
+      <a:fillRef idx="1">
+        <a:scrgbClr r="0" g="0" b="0"/>
+      </a:fillRef>
+      <a:effectRef idx="0">
+        <a:scrgbClr r="0" g="0" b="0"/>
+      </a:effectRef>
+      <a:fontRef idx="minor"/>
+    </dgm:style>
+  </dgm:styleLbl>
+  <dgm:styleLbl name="fgAcc2">
+    <dgm:scene3d>
+      <a:camera prst="orthographicFront"/>
+      <a:lightRig rig="threePt" dir="t"/>
+    </dgm:scene3d>
+    <dgm:sp3d/>
+    <dgm:txPr/>
+    <dgm:style>
+      <a:lnRef idx="2">
+        <a:scrgbClr r="0" g="0" b="0"/>
+      </a:lnRef>
+      <a:fillRef idx="1">
+        <a:scrgbClr r="0" g="0" b="0"/>
+      </a:fillRef>
+      <a:effectRef idx="0">
+        <a:scrgbClr r="0" g="0" b="0"/>
+      </a:effectRef>
+      <a:fontRef idx="minor"/>
+    </dgm:style>
+  </dgm:styleLbl>
+  <dgm:styleLbl name="fgAcc3">
+    <dgm:scene3d>
+      <a:camera prst="orthographicFront"/>
+      <a:lightRig rig="threePt" dir="t"/>
+    </dgm:scene3d>
+    <dgm:sp3d/>
+    <dgm:txPr/>
+    <dgm:style>
+      <a:lnRef idx="2">
+        <a:scrgbClr r="0" g="0" b="0"/>
+      </a:lnRef>
+      <a:fillRef idx="1">
+        <a:scrgbClr r="0" g="0" b="0"/>
+      </a:fillRef>
+      <a:effectRef idx="0">
+        <a:scrgbClr r="0" g="0" b="0"/>
+      </a:effectRef>
+      <a:fontRef idx="minor"/>
+    </dgm:style>
+  </dgm:styleLbl>
+  <dgm:styleLbl name="fgAcc4">
+    <dgm:scene3d>
+      <a:camera prst="orthographicFront"/>
+      <a:lightRig rig="threePt" dir="t"/>
+    </dgm:scene3d>
+    <dgm:sp3d/>
+    <dgm:txPr/>
+    <dgm:style>
+      <a:lnRef idx="2">
+        <a:scrgbClr r="0" g="0" b="0"/>
+      </a:lnRef>
+      <a:fillRef idx="1">
+        <a:scrgbClr r="0" g="0" b="0"/>
+      </a:fillRef>
+      <a:effectRef idx="0">
+        <a:scrgbClr r="0" g="0" b="0"/>
+      </a:effectRef>
+      <a:fontRef idx="minor"/>
+    </dgm:style>
+  </dgm:styleLbl>
+  <dgm:styleLbl name="bgShp">
+    <dgm:scene3d>
+      <a:camera prst="orthographicFront"/>
+      <a:lightRig rig="threePt" dir="t"/>
+    </dgm:scene3d>
+    <dgm:sp3d/>
+    <dgm:txPr/>
+    <dgm:style>
+      <a:lnRef idx="0">
+        <a:scrgbClr r="0" g="0" b="0"/>
+      </a:lnRef>
+      <a:fillRef idx="1">
+        <a:scrgbClr r="0" g="0" b="0"/>
+      </a:fillRef>
+      <a:effectRef idx="0">
+        <a:scrgbClr r="0" g="0" b="0"/>
+      </a:effectRef>
+      <a:fontRef idx="minor"/>
+    </dgm:style>
+  </dgm:styleLbl>
+  <dgm:styleLbl name="dkBgShp">
+    <dgm:scene3d>
+      <a:camera prst="orthographicFront"/>
+      <a:lightRig rig="threePt" dir="t"/>
+    </dgm:scene3d>
+    <dgm:sp3d/>
+    <dgm:txPr/>
+    <dgm:style>
+      <a:lnRef idx="0">
+        <a:scrgbClr r="0" g="0" b="0"/>
+      </a:lnRef>
+      <a:fillRef idx="1">
+        <a:scrgbClr r="0" g="0" b="0"/>
+      </a:fillRef>
+      <a:effectRef idx="0">
+        <a:scrgbClr r="0" g="0" b="0"/>
+      </a:effectRef>
+      <a:fontRef idx="minor"/>
+    </dgm:style>
+  </dgm:styleLbl>
+  <dgm:styleLbl name="trBgShp">
+    <dgm:scene3d>
+      <a:camera prst="orthographicFront"/>
+      <a:lightRig rig="threePt" dir="t"/>
+    </dgm:scene3d>
+    <dgm:sp3d/>
+    <dgm:txPr/>
+    <dgm:style>
+      <a:lnRef idx="0">
+        <a:scrgbClr r="0" g="0" b="0"/>
+      </a:lnRef>
+      <a:fillRef idx="1">
+        <a:scrgbClr r="0" g="0" b="0"/>
+      </a:fillRef>
+      <a:effectRef idx="0">
+        <a:scrgbClr r="0" g="0" b="0"/>
+      </a:effectRef>
+      <a:fontRef idx="minor"/>
+    </dgm:style>
+  </dgm:styleLbl>
+  <dgm:styleLbl name="fgShp">
+    <dgm:scene3d>
+      <a:camera prst="orthographicFront"/>
+      <a:lightRig rig="threePt" dir="t"/>
+    </dgm:scene3d>
+    <dgm:sp3d/>
+    <dgm:txPr/>
+    <dgm:style>
+      <a:lnRef idx="2">
+        <a:scrgbClr r="0" g="0" b="0"/>
+      </a:lnRef>
+      <a:fillRef idx="1">
+        <a:scrgbClr r="0" g="0" b="0"/>
+      </a:fillRef>
+      <a:effectRef idx="0">
+        <a:scrgbClr r="0" g="0" b="0"/>
+      </a:effectRef>
+      <a:fontRef idx="minor"/>
+    </dgm:style>
+  </dgm:styleLbl>
+  <dgm:styleLbl name="revTx">
+    <dgm:scene3d>
+      <a:camera prst="orthographicFront"/>
+      <a:lightRig rig="threePt" dir="t"/>
+    </dgm:scene3d>
+    <dgm:sp3d/>
+    <dgm:txPr/>
+    <dgm:style>
+      <a:lnRef idx="0">
+        <a:scrgbClr r="0" g="0" b="0"/>
+      </a:lnRef>
+      <a:fillRef idx="0">
+        <a:scrgbClr r="0" g="0" b="0"/>
+      </a:fillRef>
+      <a:effectRef idx="0">
+        <a:scrgbClr r="0" g="0" b="0"/>
+      </a:effectRef>
+      <a:fontRef idx="minor"/>
+    </dgm:style>
+  </dgm:styleLbl>
+</dgm:styleDef>
+</file>
+
+<file path=ppt/diagrams/quickStyle4.xml><?xml version="1.0" encoding="utf-8"?>
+<dgm:styleDef xmlns:dgm="http://schemas.openxmlformats.org/drawingml/2006/diagram" xmlns:a="http://schemas.openxmlformats.org/drawingml/2006/main" uniqueId="urn:microsoft.com/office/officeart/2005/8/quickstyle/simple1">
+  <dgm:title val=""/>
+  <dgm:desc val=""/>
+  <dgm:catLst>
+    <dgm:cat type="simple" pri="10100"/>
+  </dgm:catLst>
+  <dgm:scene3d>
+    <a:camera prst="orthographicFront"/>
+    <a:lightRig rig="threePt" dir="t"/>
+  </dgm:scene3d>
+  <dgm:styleLbl name="node0">
+    <dgm:scene3d>
+      <a:camera prst="orthographicFront"/>
+      <a:lightRig rig="threePt" dir="t"/>
+    </dgm:scene3d>
+    <dgm:sp3d/>
+    <dgm:txPr/>
+    <dgm:style>
+      <a:lnRef idx="2">
+        <a:scrgbClr r="0" g="0" b="0"/>
+      </a:lnRef>
+      <a:fillRef idx="1">
+        <a:scrgbClr r="0" g="0" b="0"/>
+      </a:fillRef>
+      <a:effectRef idx="0">
+        <a:scrgbClr r="0" g="0" b="0"/>
+      </a:effectRef>
+      <a:fontRef idx="minor">
+        <a:schemeClr val="lt1"/>
+      </a:fontRef>
+    </dgm:style>
+  </dgm:styleLbl>
+  <dgm:styleLbl name="lnNode1">
+    <dgm:scene3d>
+      <a:camera prst="orthographicFront"/>
+      <a:lightRig rig="threePt" dir="t"/>
+    </dgm:scene3d>
+    <dgm:sp3d/>
+    <dgm:txPr/>
+    <dgm:style>
+      <a:lnRef idx="2">
+        <a:scrgbClr r="0" g="0" b="0"/>
+      </a:lnRef>
+      <a:fillRef idx="1">
+        <a:scrgbClr r="0" g="0" b="0"/>
+      </a:fillRef>
+      <a:effectRef idx="0">
+        <a:scrgbClr r="0" g="0" b="0"/>
+      </a:effectRef>
+      <a:fontRef idx="minor">
+        <a:schemeClr val="lt1"/>
+      </a:fontRef>
+    </dgm:style>
+  </dgm:styleLbl>
+  <dgm:styleLbl name="vennNode1">
+    <dgm:scene3d>
+      <a:camera prst="orthographicFront"/>
+      <a:lightRig rig="threePt" dir="t"/>
+    </dgm:scene3d>
+    <dgm:sp3d/>
+    <dgm:txPr/>
+    <dgm:style>
+      <a:lnRef idx="2">
+        <a:scrgbClr r="0" g="0" b="0"/>
+      </a:lnRef>
+      <a:fillRef idx="1">
+        <a:scrgbClr r="0" g="0" b="0"/>
+      </a:fillRef>
+      <a:effectRef idx="0">
+        <a:scrgbClr r="0" g="0" b="0"/>
+      </a:effectRef>
+      <a:fontRef idx="minor">
+        <a:schemeClr val="tx1"/>
+      </a:fontRef>
+    </dgm:style>
+  </dgm:styleLbl>
+  <dgm:styleLbl name="alignNode1">
+    <dgm:scene3d>
+      <a:camera prst="orthographicFront"/>
+      <a:lightRig rig="threePt" dir="t"/>
+    </dgm:scene3d>
+    <dgm:sp3d/>
+    <dgm:txPr/>
+    <dgm:style>
+      <a:lnRef idx="2">
+        <a:scrgbClr r="0" g="0" b="0"/>
+      </a:lnRef>
+      <a:fillRef idx="1">
+        <a:scrgbClr r="0" g="0" b="0"/>
+      </a:fillRef>
+      <a:effectRef idx="0">
+        <a:scrgbClr r="0" g="0" b="0"/>
+      </a:effectRef>
+      <a:fontRef idx="minor">
+        <a:schemeClr val="lt1"/>
+      </a:fontRef>
+    </dgm:style>
+  </dgm:styleLbl>
+  <dgm:styleLbl name="node1">
+    <dgm:scene3d>
+      <a:camera prst="orthographicFront"/>
+      <a:lightRig rig="threePt" dir="t"/>
+    </dgm:scene3d>
+    <dgm:sp3d/>
+    <dgm:txPr/>
+    <dgm:style>
+      <a:lnRef idx="2">
+        <a:scrgbClr r="0" g="0" b="0"/>
+      </a:lnRef>
+      <a:fillRef idx="1">
+        <a:scrgbClr r="0" g="0" b="0"/>
+      </a:fillRef>
+      <a:effectRef idx="0">
+        <a:scrgbClr r="0" g="0" b="0"/>
+      </a:effectRef>
+      <a:fontRef idx="minor">
+        <a:schemeClr val="lt1"/>
+      </a:fontRef>
+    </dgm:style>
+  </dgm:styleLbl>
+  <dgm:styleLbl name="node2">
+    <dgm:scene3d>
+      <a:camera prst="orthographicFront"/>
+      <a:lightRig rig="threePt" dir="t"/>
+    </dgm:scene3d>
+    <dgm:sp3d/>
+    <dgm:txPr/>
+    <dgm:style>
+      <a:lnRef idx="2">
+        <a:scrgbClr r="0" g="0" b="0"/>
+      </a:lnRef>
+      <a:fillRef idx="1">
+        <a:scrgbClr r="0" g="0" b="0"/>
+      </a:fillRef>
+      <a:effectRef idx="0">
+        <a:scrgbClr r="0" g="0" b="0"/>
+      </a:effectRef>
+      <a:fontRef idx="minor">
+        <a:schemeClr val="lt1"/>
+      </a:fontRef>
+    </dgm:style>
+  </dgm:styleLbl>
+  <dgm:styleLbl name="node3">
+    <dgm:scene3d>
+      <a:camera prst="orthographicFront"/>
+      <a:lightRig rig="threePt" dir="t"/>
+    </dgm:scene3d>
+    <dgm:sp3d/>
+    <dgm:txPr/>
+    <dgm:style>
+      <a:lnRef idx="2">
+        <a:scrgbClr r="0" g="0" b="0"/>
+      </a:lnRef>
+      <a:fillRef idx="1">
+        <a:scrgbClr r="0" g="0" b="0"/>
+      </a:fillRef>
+      <a:effectRef idx="0">
+        <a:scrgbClr r="0" g="0" b="0"/>
+      </a:effectRef>
+      <a:fontRef idx="minor">
+        <a:schemeClr val="lt1"/>
+      </a:fontRef>
+    </dgm:style>
+  </dgm:styleLbl>
+  <dgm:styleLbl name="node4">
+    <dgm:scene3d>
+      <a:camera prst="orthographicFront"/>
+      <a:lightRig rig="threePt" dir="t"/>
+    </dgm:scene3d>
+    <dgm:sp3d/>
+    <dgm:txPr/>
+    <dgm:style>
+      <a:lnRef idx="2">
+        <a:scrgbClr r="0" g="0" b="0"/>
+      </a:lnRef>
+      <a:fillRef idx="1">
+        <a:scrgbClr r="0" g="0" b="0"/>
+      </a:fillRef>
+      <a:effectRef idx="0">
+        <a:scrgbClr r="0" g="0" b="0"/>
+      </a:effectRef>
+      <a:fontRef idx="minor">
+        <a:schemeClr val="lt1"/>
+      </a:fontRef>
+    </dgm:style>
+  </dgm:styleLbl>
+  <dgm:styleLbl name="fgImgPlace1">
+    <dgm:scene3d>
+      <a:camera prst="orthographicFront"/>
+      <a:lightRig rig="threePt" dir="t"/>
+    </dgm:scene3d>
+    <dgm:sp3d/>
+    <dgm:txPr/>
+    <dgm:style>
+      <a:lnRef idx="2">
+        <a:scrgbClr r="0" g="0" b="0"/>
+      </a:lnRef>
+      <a:fillRef idx="1">
+        <a:scrgbClr r="0" g="0" b="0"/>
+      </a:fillRef>
+      <a:effectRef idx="0">
+        <a:scrgbClr r="0" g="0" b="0"/>
+      </a:effectRef>
+      <a:fontRef idx="minor"/>
+    </dgm:style>
+  </dgm:styleLbl>
+  <dgm:styleLbl name="alignImgPlace1">
+    <dgm:scene3d>
+      <a:camera prst="orthographicFront"/>
+      <a:lightRig rig="threePt" dir="t"/>
+    </dgm:scene3d>
+    <dgm:sp3d/>
+    <dgm:txPr/>
+    <dgm:style>
+      <a:lnRef idx="2">
+        <a:scrgbClr r="0" g="0" b="0"/>
+      </a:lnRef>
+      <a:fillRef idx="1">
+        <a:scrgbClr r="0" g="0" b="0"/>
+      </a:fillRef>
+      <a:effectRef idx="0">
+        <a:scrgbClr r="0" g="0" b="0"/>
+      </a:effectRef>
+      <a:fontRef idx="minor"/>
+    </dgm:style>
+  </dgm:styleLbl>
+  <dgm:styleLbl name="bgImgPlace1">
+    <dgm:scene3d>
+      <a:camera prst="orthographicFront"/>
+      <a:lightRig rig="threePt" dir="t"/>
+    </dgm:scene3d>
+    <dgm:sp3d/>
+    <dgm:txPr/>
+    <dgm:style>
+      <a:lnRef idx="2">
+        <a:scrgbClr r="0" g="0" b="0"/>
+      </a:lnRef>
+      <a:fillRef idx="1">
+        <a:scrgbClr r="0" g="0" b="0"/>
+      </a:fillRef>
+      <a:effectRef idx="0">
+        <a:scrgbClr r="0" g="0" b="0"/>
+      </a:effectRef>
+      <a:fontRef idx="minor"/>
+    </dgm:style>
+  </dgm:styleLbl>
+  <dgm:styleLbl name="sibTrans2D1">
+    <dgm:scene3d>
+      <a:camera prst="orthographicFront"/>
+      <a:lightRig rig="threePt" dir="t"/>
+    </dgm:scene3d>
+    <dgm:sp3d/>
+    <dgm:txPr/>
+    <dgm:style>
+      <a:lnRef idx="0">
+        <a:scrgbClr r="0" g="0" b="0"/>
+      </a:lnRef>
+      <a:fillRef idx="1">
+        <a:scrgbClr r="0" g="0" b="0"/>
+      </a:fillRef>
+      <a:effectRef idx="0">
+        <a:scrgbClr r="0" g="0" b="0"/>
+      </a:effectRef>
+      <a:fontRef idx="minor">
+        <a:schemeClr val="lt1"/>
+      </a:fontRef>
+    </dgm:style>
+  </dgm:styleLbl>
+  <dgm:styleLbl name="fgSibTrans2D1">
+    <dgm:scene3d>
+      <a:camera prst="orthographicFront"/>
+      <a:lightRig rig="threePt" dir="t"/>
+    </dgm:scene3d>
+    <dgm:sp3d/>
+    <dgm:txPr/>
+    <dgm:style>
+      <a:lnRef idx="0">
+        <a:scrgbClr r="0" g="0" b="0"/>
+      </a:lnRef>
+      <a:fillRef idx="1">
+        <a:scrgbClr r="0" g="0" b="0"/>
+      </a:fillRef>
+      <a:effectRef idx="0">
+        <a:scrgbClr r="0" g="0" b="0"/>
+      </a:effectRef>
+      <a:fontRef idx="minor">
+        <a:schemeClr val="lt1"/>
+      </a:fontRef>
+    </dgm:style>
+  </dgm:styleLbl>
+  <dgm:styleLbl name="bgSibTrans2D1">
+    <dgm:scene3d>
+      <a:camera prst="orthographicFront"/>
+      <a:lightRig rig="threePt" dir="t"/>
+    </dgm:scene3d>
+    <dgm:sp3d/>
+    <dgm:txPr/>
+    <dgm:style>
+      <a:lnRef idx="0">
+        <a:scrgbClr r="0" g="0" b="0"/>
+      </a:lnRef>
+      <a:fillRef idx="1">
+        <a:scrgbClr r="0" g="0" b="0"/>
+      </a:fillRef>
+      <a:effectRef idx="0">
+        <a:scrgbClr r="0" g="0" b="0"/>
+      </a:effectRef>
+      <a:fontRef idx="minor">
+        <a:schemeClr val="lt1"/>
+      </a:fontRef>
+    </dgm:style>
+  </dgm:styleLbl>
+  <dgm:styleLbl name="sibTrans1D1">
+    <dgm:scene3d>
+      <a:camera prst="orthographicFront"/>
+      <a:lightRig rig="threePt" dir="t"/>
+    </dgm:scene3d>
+    <dgm:sp3d/>
+    <dgm:txPr/>
+    <dgm:style>
+      <a:lnRef idx="1">
+        <a:scrgbClr r="0" g="0" b="0"/>
+      </a:lnRef>
+      <a:fillRef idx="0">
+        <a:scrgbClr r="0" g="0" b="0"/>
+      </a:fillRef>
+      <a:effectRef idx="0">
+        <a:scrgbClr r="0" g="0" b="0"/>
+      </a:effectRef>
+      <a:fontRef idx="minor"/>
+    </dgm:style>
+  </dgm:styleLbl>
+  <dgm:styleLbl name="callout">
+    <dgm:scene3d>
+      <a:camera prst="orthographicFront"/>
+      <a:lightRig rig="threePt" dir="t"/>
+    </dgm:scene3d>
+    <dgm:sp3d/>
+    <dgm:txPr/>
+    <dgm:style>
+      <a:lnRef idx="2">
+        <a:scrgbClr r="0" g="0" b="0"/>
+      </a:lnRef>
+      <a:fillRef idx="1">
+        <a:scrgbClr r="0" g="0" b="0"/>
+      </a:fillRef>
+      <a:effectRef idx="0">
+        <a:scrgbClr r="0" g="0" b="0"/>
+      </a:effectRef>
+      <a:fontRef idx="minor"/>
+    </dgm:style>
+  </dgm:styleLbl>
+  <dgm:styleLbl name="asst0">
+    <dgm:scene3d>
+      <a:camera prst="orthographicFront"/>
+      <a:lightRig rig="threePt" dir="t"/>
+    </dgm:scene3d>
+    <dgm:sp3d/>
+    <dgm:txPr/>
+    <dgm:style>
+      <a:lnRef idx="2">
+        <a:scrgbClr r="0" g="0" b="0"/>
+      </a:lnRef>
+      <a:fillRef idx="1">
+        <a:scrgbClr r="0" g="0" b="0"/>
+      </a:fillRef>
+      <a:effectRef idx="0">
+        <a:scrgbClr r="0" g="0" b="0"/>
+      </a:effectRef>
+      <a:fontRef idx="minor">
+        <a:schemeClr val="lt1"/>
+      </a:fontRef>
+    </dgm:style>
+  </dgm:styleLbl>
+  <dgm:styleLbl name="asst1">
+    <dgm:scene3d>
+      <a:camera prst="orthographicFront"/>
+      <a:lightRig rig="threePt" dir="t"/>
+    </dgm:scene3d>
+    <dgm:sp3d/>
+    <dgm:txPr/>
+    <dgm:style>
+      <a:lnRef idx="2">
+        <a:scrgbClr r="0" g="0" b="0"/>
+      </a:lnRef>
+      <a:fillRef idx="1">
+        <a:scrgbClr r="0" g="0" b="0"/>
+      </a:fillRef>
+      <a:effectRef idx="0">
+        <a:scrgbClr r="0" g="0" b="0"/>
+      </a:effectRef>
+      <a:fontRef idx="minor">
+        <a:schemeClr val="lt1"/>
+      </a:fontRef>
+    </dgm:style>
+  </dgm:styleLbl>
+  <dgm:styleLbl name="asst2">
+    <dgm:scene3d>
+      <a:camera prst="orthographicFront"/>
+      <a:lightRig rig="threePt" dir="t"/>
+    </dgm:scene3d>
+    <dgm:sp3d/>
+    <dgm:txPr/>
+    <dgm:style>
+      <a:lnRef idx="2">
+        <a:scrgbClr r="0" g="0" b="0"/>
+      </a:lnRef>
+      <a:fillRef idx="1">
+        <a:scrgbClr r="0" g="0" b="0"/>
+      </a:fillRef>
+      <a:effectRef idx="0">
+        <a:scrgbClr r="0" g="0" b="0"/>
+      </a:effectRef>
+      <a:fontRef idx="minor">
+        <a:schemeClr val="lt1"/>
+      </a:fontRef>
+    </dgm:style>
+  </dgm:styleLbl>
+  <dgm:styleLbl name="asst3">
+    <dgm:scene3d>
+      <a:camera prst="orthographicFront"/>
+      <a:lightRig rig="threePt" dir="t"/>
+    </dgm:scene3d>
+    <dgm:sp3d/>
+    <dgm:txPr/>
+    <dgm:style>
+      <a:lnRef idx="2">
+        <a:scrgbClr r="0" g="0" b="0"/>
+      </a:lnRef>
+      <a:fillRef idx="1">
+        <a:scrgbClr r="0" g="0" b="0"/>
+      </a:fillRef>
+      <a:effectRef idx="0">
+        <a:scrgbClr r="0" g="0" b="0"/>
+      </a:effectRef>
+      <a:fontRef idx="minor">
+        <a:schemeClr val="lt1"/>
+      </a:fontRef>
+    </dgm:style>
+  </dgm:styleLbl>
+  <dgm:styleLbl name="asst4">
+    <dgm:scene3d>
+      <a:camera prst="orthographicFront"/>
+      <a:lightRig rig="threePt" dir="t"/>
+    </dgm:scene3d>
+    <dgm:sp3d/>
+    <dgm:txPr/>
+    <dgm:style>
+      <a:lnRef idx="2">
+        <a:scrgbClr r="0" g="0" b="0"/>
+      </a:lnRef>
+      <a:fillRef idx="1">
+        <a:scrgbClr r="0" g="0" b="0"/>
+      </a:fillRef>
+      <a:effectRef idx="0">
+        <a:scrgbClr r="0" g="0" b="0"/>
+      </a:effectRef>
+      <a:fontRef idx="minor">
+        <a:schemeClr val="lt1"/>
+      </a:fontRef>
+    </dgm:style>
+  </dgm:styleLbl>
+  <dgm:styleLbl name="parChTrans2D1">
+    <dgm:scene3d>
+      <a:camera prst="orthographicFront"/>
+      <a:lightRig rig="threePt" dir="t"/>
+    </dgm:scene3d>
+    <dgm:sp3d/>
+    <dgm:txPr/>
+    <dgm:style>
+      <a:lnRef idx="2">
+        <a:scrgbClr r="0" g="0" b="0"/>
+      </a:lnRef>
+      <a:fillRef idx="1">
+        <a:scrgbClr r="0" g="0" b="0"/>
+      </a:fillRef>
+      <a:effectRef idx="0">
+        <a:scrgbClr r="0" g="0" b="0"/>
+      </a:effectRef>
+      <a:fontRef idx="minor">
+        <a:schemeClr val="lt1"/>
+      </a:fontRef>
+    </dgm:style>
+  </dgm:styleLbl>
+  <dgm:styleLbl name="parChTrans2D2">
+    <dgm:scene3d>
+      <a:camera prst="orthographicFront"/>
+      <a:lightRig rig="threePt" dir="t"/>
+    </dgm:scene3d>
+    <dgm:sp3d/>
+    <dgm:txPr/>
+    <dgm:style>
+      <a:lnRef idx="2">
+        <a:scrgbClr r="0" g="0" b="0"/>
+      </a:lnRef>
+      <a:fillRef idx="1">
+        <a:scrgbClr r="0" g="0" b="0"/>
+      </a:fillRef>
+      <a:effectRef idx="0">
+        <a:scrgbClr r="0" g="0" b="0"/>
+      </a:effectRef>
+      <a:fontRef idx="minor">
+        <a:schemeClr val="lt1"/>
+      </a:fontRef>
+    </dgm:style>
+  </dgm:styleLbl>
+  <dgm:styleLbl name="parChTrans2D3">
+    <dgm:scene3d>
+      <a:camera prst="orthographicFront"/>
+      <a:lightRig rig="threePt" dir="t"/>
+    </dgm:scene3d>
+    <dgm:sp3d/>
+    <dgm:txPr/>
+    <dgm:style>
+      <a:lnRef idx="2">
+        <a:scrgbClr r="0" g="0" b="0"/>
+      </a:lnRef>
+      <a:fillRef idx="1">
+        <a:scrgbClr r="0" g="0" b="0"/>
+      </a:fillRef>
+      <a:effectRef idx="0">
+        <a:scrgbClr r="0" g="0" b="0"/>
+      </a:effectRef>
+      <a:fontRef idx="minor">
+        <a:schemeClr val="lt1"/>
+      </a:fontRef>
+    </dgm:style>
+  </dgm:styleLbl>
+  <dgm:styleLbl name="parChTrans2D4">
+    <dgm:scene3d>
+      <a:camera prst="orthographicFront"/>
+      <a:lightRig rig="threePt" dir="t"/>
+    </dgm:scene3d>
+    <dgm:sp3d/>
+    <dgm:txPr/>
+    <dgm:style>
+      <a:lnRef idx="2">
+        <a:scrgbClr r="0" g="0" b="0"/>
+      </a:lnRef>
+      <a:fillRef idx="1">
+        <a:scrgbClr r="0" g="0" b="0"/>
+      </a:fillRef>
+      <a:effectRef idx="0">
+        <a:scrgbClr r="0" g="0" b="0"/>
+      </a:effectRef>
+      <a:fontRef idx="minor">
+        <a:schemeClr val="lt1"/>
+      </a:fontRef>
+    </dgm:style>
+  </dgm:styleLbl>
+  <dgm:styleLbl name="parChTrans1D1">
+    <dgm:scene3d>
+      <a:camera prst="orthographicFront"/>
+      <a:lightRig rig="threePt" dir="t"/>
+    </dgm:scene3d>
+    <dgm:sp3d/>
+    <dgm:txPr/>
+    <dgm:style>
+      <a:lnRef idx="2">
+        <a:scrgbClr r="0" g="0" b="0"/>
+      </a:lnRef>
+      <a:fillRef idx="0">
+        <a:scrgbClr r="0" g="0" b="0"/>
+      </a:fillRef>
+      <a:effectRef idx="0">
+        <a:scrgbClr r="0" g="0" b="0"/>
+      </a:effectRef>
+      <a:fontRef idx="minor"/>
+    </dgm:style>
+  </dgm:styleLbl>
+  <dgm:styleLbl name="parChTrans1D2">
+    <dgm:scene3d>
+      <a:camera prst="orthographicFront"/>
+      <a:lightRig rig="threePt" dir="t"/>
+    </dgm:scene3d>
+    <dgm:sp3d/>
+    <dgm:txPr/>
+    <dgm:style>
+      <a:lnRef idx="2">
+        <a:scrgbClr r="0" g="0" b="0"/>
+      </a:lnRef>
+      <a:fillRef idx="0">
+        <a:scrgbClr r="0" g="0" b="0"/>
+      </a:fillRef>
+      <a:effectRef idx="0">
+        <a:scrgbClr r="0" g="0" b="0"/>
+      </a:effectRef>
+      <a:fontRef idx="minor"/>
+    </dgm:style>
+  </dgm:styleLbl>
+  <dgm:styleLbl name="parChTrans1D3">
+    <dgm:scene3d>
+      <a:camera prst="orthographicFront"/>
+      <a:lightRig rig="threePt" dir="t"/>
+    </dgm:scene3d>
+    <dgm:sp3d/>
+    <dgm:txPr/>
+    <dgm:style>
+      <a:lnRef idx="2">
+        <a:scrgbClr r="0" g="0" b="0"/>
+      </a:lnRef>
+      <a:fillRef idx="0">
+        <a:scrgbClr r="0" g="0" b="0"/>
+      </a:fillRef>
+      <a:effectRef idx="0">
+        <a:scrgbClr r="0" g="0" b="0"/>
+      </a:effectRef>
+      <a:fontRef idx="minor"/>
+    </dgm:style>
+  </dgm:styleLbl>
+  <dgm:styleLbl name="parChTrans1D4">
+    <dgm:scene3d>
+      <a:camera prst="orthographicFront"/>
+      <a:lightRig rig="threePt" dir="t"/>
+    </dgm:scene3d>
+    <dgm:sp3d/>
+    <dgm:txPr/>
+    <dgm:style>
+      <a:lnRef idx="2">
+        <a:scrgbClr r="0" g="0" b="0"/>
+      </a:lnRef>
+      <a:fillRef idx="0">
+        <a:scrgbClr r="0" g="0" b="0"/>
+      </a:fillRef>
+      <a:effectRef idx="0">
+        <a:scrgbClr r="0" g="0" b="0"/>
+      </a:effectRef>
+      <a:fontRef idx="minor"/>
+    </dgm:style>
+  </dgm:styleLbl>
+  <dgm:styleLbl name="fgAcc1">
+    <dgm:scene3d>
+      <a:camera prst="orthographicFront"/>
+      <a:lightRig rig="threePt" dir="t"/>
+    </dgm:scene3d>
+    <dgm:sp3d/>
+    <dgm:txPr/>
+    <dgm:style>
+      <a:lnRef idx="2">
+        <a:scrgbClr r="0" g="0" b="0"/>
+      </a:lnRef>
+      <a:fillRef idx="1">
+        <a:scrgbClr r="0" g="0" b="0"/>
+      </a:fillRef>
+      <a:effectRef idx="0">
+        <a:scrgbClr r="0" g="0" b="0"/>
+      </a:effectRef>
+      <a:fontRef idx="minor"/>
+    </dgm:style>
+  </dgm:styleLbl>
+  <dgm:styleLbl name="conFgAcc1">
+    <dgm:scene3d>
+      <a:camera prst="orthographicFront"/>
+      <a:lightRig rig="threePt" dir="t"/>
+    </dgm:scene3d>
+    <dgm:sp3d/>
+    <dgm:txPr/>
+    <dgm:style>
+      <a:lnRef idx="2">
+        <a:scrgbClr r="0" g="0" b="0"/>
+      </a:lnRef>
+      <a:fillRef idx="1">
+        <a:scrgbClr r="0" g="0" b="0"/>
+      </a:fillRef>
+      <a:effectRef idx="0">
+        <a:scrgbClr r="0" g="0" b="0"/>
+      </a:effectRef>
+      <a:fontRef idx="minor"/>
+    </dgm:style>
+  </dgm:styleLbl>
+  <dgm:styleLbl name="alignAcc1">
+    <dgm:scene3d>
+      <a:camera prst="orthographicFront"/>
+      <a:lightRig rig="threePt" dir="t"/>
+    </dgm:scene3d>
+    <dgm:sp3d/>
+    <dgm:txPr/>
+    <dgm:style>
+      <a:lnRef idx="2">
+        <a:scrgbClr r="0" g="0" b="0"/>
+      </a:lnRef>
+      <a:fillRef idx="1">
+        <a:scrgbClr r="0" g="0" b="0"/>
+      </a:fillRef>
+      <a:effectRef idx="0">
+        <a:scrgbClr r="0" g="0" b="0"/>
+      </a:effectRef>
+      <a:fontRef idx="minor"/>
+    </dgm:style>
+  </dgm:styleLbl>
+  <dgm:styleLbl name="trAlignAcc1">
+    <dgm:scene3d>
+      <a:camera prst="orthographicFront"/>
+      <a:lightRig rig="threePt" dir="t"/>
+    </dgm:scene3d>
+    <dgm:sp3d/>
+    <dgm:txPr/>
+    <dgm:style>
+      <a:lnRef idx="1">
+        <a:scrgbClr r="0" g="0" b="0"/>
+      </a:lnRef>
+      <a:fillRef idx="1">
+        <a:scrgbClr r="0" g="0" b="0"/>
+      </a:fillRef>
+      <a:effectRef idx="0">
+        <a:scrgbClr r="0" g="0" b="0"/>
+      </a:effectRef>
+      <a:fontRef idx="minor"/>
+    </dgm:style>
+  </dgm:styleLbl>
+  <dgm:styleLbl name="bgAcc1">
+    <dgm:scene3d>
+      <a:camera prst="orthographicFront"/>
+      <a:lightRig rig="threePt" dir="t"/>
+    </dgm:scene3d>
+    <dgm:sp3d/>
+    <dgm:txPr/>
+    <dgm:style>
+      <a:lnRef idx="2">
+        <a:scrgbClr r="0" g="0" b="0"/>
+      </a:lnRef>
+      <a:fillRef idx="1">
+        <a:scrgbClr r="0" g="0" b="0"/>
+      </a:fillRef>
+      <a:effectRef idx="0">
+        <a:scrgbClr r="0" g="0" b="0"/>
+      </a:effectRef>
+      <a:fontRef idx="minor"/>
+    </dgm:style>
+  </dgm:styleLbl>
+  <dgm:styleLbl name="solidFgAcc1">
+    <dgm:scene3d>
+      <a:camera prst="orthographicFront"/>
+      <a:lightRig rig="threePt" dir="t"/>
+    </dgm:scene3d>
+    <dgm:sp3d/>
+    <dgm:txPr/>
+    <dgm:style>
+      <a:lnRef idx="2">
+        <a:scrgbClr r="0" g="0" b="0"/>
+      </a:lnRef>
+      <a:fillRef idx="1">
+        <a:scrgbClr r="0" g="0" b="0"/>
+      </a:fillRef>
+      <a:effectRef idx="0">
+        <a:scrgbClr r="0" g="0" b="0"/>
+      </a:effectRef>
+      <a:fontRef idx="minor"/>
+    </dgm:style>
+  </dgm:styleLbl>
+  <dgm:styleLbl name="solidAlignAcc1">
+    <dgm:scene3d>
+      <a:camera prst="orthographicFront"/>
+      <a:lightRig rig="threePt" dir="t"/>
+    </dgm:scene3d>
+    <dgm:sp3d/>
+    <dgm:txPr/>
+    <dgm:style>
+      <a:lnRef idx="2">
+        <a:scrgbClr r="0" g="0" b="0"/>
+      </a:lnRef>
+      <a:fillRef idx="1">
+        <a:scrgbClr r="0" g="0" b="0"/>
+      </a:fillRef>
+      <a:effectRef idx="0">
+        <a:scrgbClr r="0" g="0" b="0"/>
+      </a:effectRef>
+      <a:fontRef idx="minor"/>
+    </dgm:style>
+  </dgm:styleLbl>
+  <dgm:styleLbl name="solidBgAcc1">
+    <dgm:scene3d>
+      <a:camera prst="orthographicFront"/>
+      <a:lightRig rig="threePt" dir="t"/>
+    </dgm:scene3d>
+    <dgm:sp3d/>
+    <dgm:txPr/>
+    <dgm:style>
+      <a:lnRef idx="2">
+        <a:scrgbClr r="0" g="0" b="0"/>
+      </a:lnRef>
+      <a:fillRef idx="1">
+        <a:scrgbClr r="0" g="0" b="0"/>
+      </a:fillRef>
+      <a:effectRef idx="0">
+        <a:scrgbClr r="0" g="0" b="0"/>
+      </a:effectRef>
+      <a:fontRef idx="minor"/>
+    </dgm:style>
+  </dgm:styleLbl>
+  <dgm:styleLbl name="fgAccFollowNode1">
+    <dgm:scene3d>
+      <a:camera prst="orthographicFront"/>
+      <a:lightRig rig="threePt" dir="t"/>
+    </dgm:scene3d>
+    <dgm:sp3d/>
+    <dgm:txPr/>
+    <dgm:style>
+      <a:lnRef idx="2">
+        <a:scrgbClr r="0" g="0" b="0"/>
+      </a:lnRef>
+      <a:fillRef idx="1">
+        <a:scrgbClr r="0" g="0" b="0"/>
+      </a:fillRef>
+      <a:effectRef idx="0">
+        <a:scrgbClr r="0" g="0" b="0"/>
+      </a:effectRef>
+      <a:fontRef idx="minor"/>
+    </dgm:style>
+  </dgm:styleLbl>
+  <dgm:styleLbl name="alignAccFollowNode1">
+    <dgm:scene3d>
+      <a:camera prst="orthographicFront"/>
+      <a:lightRig rig="threePt" dir="t"/>
+    </dgm:scene3d>
+    <dgm:sp3d/>
+    <dgm:txPr/>
+    <dgm:style>
+      <a:lnRef idx="2">
+        <a:scrgbClr r="0" g="0" b="0"/>
+      </a:lnRef>
+      <a:fillRef idx="1">
+        <a:scrgbClr r="0" g="0" b="0"/>
+      </a:fillRef>
+      <a:effectRef idx="0">
+        <a:scrgbClr r="0" g="0" b="0"/>
+      </a:effectRef>
+      <a:fontRef idx="minor"/>
+    </dgm:style>
+  </dgm:styleLbl>
+  <dgm:styleLbl name="bgAccFollowNode1">
+    <dgm:scene3d>
+      <a:camera prst="orthographicFront"/>
+      <a:lightRig rig="threePt" dir="t"/>
+    </dgm:scene3d>
+    <dgm:sp3d/>
+    <dgm:txPr/>
+    <dgm:style>
+      <a:lnRef idx="2">
+        <a:scrgbClr r="0" g="0" b="0"/>
+      </a:lnRef>
+      <a:fillRef idx="1">
+        <a:scrgbClr r="0" g="0" b="0"/>
+      </a:fillRef>
+      <a:effectRef idx="0">
+        <a:scrgbClr r="0" g="0" b="0"/>
+      </a:effectRef>
+      <a:fontRef idx="minor"/>
+    </dgm:style>
+  </dgm:styleLbl>
+  <dgm:styleLbl name="fgAcc0">
+    <dgm:scene3d>
+      <a:camera prst="orthographicFront"/>
+      <a:lightRig rig="threePt" dir="t"/>
+    </dgm:scene3d>
+    <dgm:sp3d/>
+    <dgm:txPr/>
+    <dgm:style>
+      <a:lnRef idx="2">
+        <a:scrgbClr r="0" g="0" b="0"/>
+      </a:lnRef>
+      <a:fillRef idx="1">
+        <a:scrgbClr r="0" g="0" b="0"/>
+      </a:fillRef>
+      <a:effectRef idx="0">
+        <a:scrgbClr r="0" g="0" b="0"/>
+      </a:effectRef>
+      <a:fontRef idx="minor"/>
+    </dgm:style>
+  </dgm:styleLbl>
+  <dgm:styleLbl name="fgAcc2">
+    <dgm:scene3d>
+      <a:camera prst="orthographicFront"/>
+      <a:lightRig rig="threePt" dir="t"/>
+    </dgm:scene3d>
+    <dgm:sp3d/>
+    <dgm:txPr/>
+    <dgm:style>
+      <a:lnRef idx="2">
+        <a:scrgbClr r="0" g="0" b="0"/>
+      </a:lnRef>
+      <a:fillRef idx="1">
+        <a:scrgbClr r="0" g="0" b="0"/>
+      </a:fillRef>
+      <a:effectRef idx="0">
+        <a:scrgbClr r="0" g="0" b="0"/>
+      </a:effectRef>
+      <a:fontRef idx="minor"/>
+    </dgm:style>
+  </dgm:styleLbl>
+  <dgm:styleLbl name="fgAcc3">
+    <dgm:scene3d>
+      <a:camera prst="orthographicFront"/>
+      <a:lightRig rig="threePt" dir="t"/>
+    </dgm:scene3d>
+    <dgm:sp3d/>
+    <dgm:txPr/>
+    <dgm:style>
+      <a:lnRef idx="2">
+        <a:scrgbClr r="0" g="0" b="0"/>
+      </a:lnRef>
+      <a:fillRef idx="1">
+        <a:scrgbClr r="0" g="0" b="0"/>
+      </a:fillRef>
+      <a:effectRef idx="0">
+        <a:scrgbClr r="0" g="0" b="0"/>
+      </a:effectRef>
+      <a:fontRef idx="minor"/>
+    </dgm:style>
+  </dgm:styleLbl>
+  <dgm:styleLbl name="fgAcc4">
+    <dgm:scene3d>
+      <a:camera prst="orthographicFront"/>
+      <a:lightRig rig="threePt" dir="t"/>
+    </dgm:scene3d>
+    <dgm:sp3d/>
+    <dgm:txPr/>
+    <dgm:style>
+      <a:lnRef idx="2">
+        <a:scrgbClr r="0" g="0" b="0"/>
+      </a:lnRef>
+      <a:fillRef idx="1">
+        <a:scrgbClr r="0" g="0" b="0"/>
+      </a:fillRef>
+      <a:effectRef idx="0">
+        <a:scrgbClr r="0" g="0" b="0"/>
+      </a:effectRef>
+      <a:fontRef idx="minor"/>
+    </dgm:style>
+  </dgm:styleLbl>
+  <dgm:styleLbl name="bgShp">
+    <dgm:scene3d>
+      <a:camera prst="orthographicFront"/>
+      <a:lightRig rig="threePt" dir="t"/>
+    </dgm:scene3d>
+    <dgm:sp3d/>
+    <dgm:txPr/>
+    <dgm:style>
+      <a:lnRef idx="0">
+        <a:scrgbClr r="0" g="0" b="0"/>
+      </a:lnRef>
+      <a:fillRef idx="1">
+        <a:scrgbClr r="0" g="0" b="0"/>
+      </a:fillRef>
+      <a:effectRef idx="0">
+        <a:scrgbClr r="0" g="0" b="0"/>
+      </a:effectRef>
+      <a:fontRef idx="minor"/>
+    </dgm:style>
+  </dgm:styleLbl>
+  <dgm:styleLbl name="dkBgShp">
+    <dgm:scene3d>
+      <a:camera prst="orthographicFront"/>
+      <a:lightRig rig="threePt" dir="t"/>
+    </dgm:scene3d>
+    <dgm:sp3d/>
+    <dgm:txPr/>
+    <dgm:style>
+      <a:lnRef idx="0">
+        <a:scrgbClr r="0" g="0" b="0"/>
+      </a:lnRef>
+      <a:fillRef idx="1">
+        <a:scrgbClr r="0" g="0" b="0"/>
+      </a:fillRef>
+      <a:effectRef idx="0">
+        <a:scrgbClr r="0" g="0" b="0"/>
+      </a:effectRef>
+      <a:fontRef idx="minor"/>
+    </dgm:style>
+  </dgm:styleLbl>
+  <dgm:styleLbl name="trBgShp">
+    <dgm:scene3d>
+      <a:camera prst="orthographicFront"/>
+      <a:lightRig rig="threePt" dir="t"/>
+    </dgm:scene3d>
+    <dgm:sp3d/>
+    <dgm:txPr/>
+    <dgm:style>
+      <a:lnRef idx="0">
+        <a:scrgbClr r="0" g="0" b="0"/>
+      </a:lnRef>
+      <a:fillRef idx="1">
+        <a:scrgbClr r="0" g="0" b="0"/>
+      </a:fillRef>
+      <a:effectRef idx="0">
+        <a:scrgbClr r="0" g="0" b="0"/>
+      </a:effectRef>
+      <a:fontRef idx="minor"/>
+    </dgm:style>
+  </dgm:styleLbl>
+  <dgm:styleLbl name="fgShp">
+    <dgm:scene3d>
+      <a:camera prst="orthographicFront"/>
+      <a:lightRig rig="threePt" dir="t"/>
+    </dgm:scene3d>
+    <dgm:sp3d/>
+    <dgm:txPr/>
+    <dgm:style>
+      <a:lnRef idx="2">
+        <a:scrgbClr r="0" g="0" b="0"/>
+      </a:lnRef>
+      <a:fillRef idx="1">
+        <a:scrgbClr r="0" g="0" b="0"/>
+      </a:fillRef>
+      <a:effectRef idx="0">
+        <a:scrgbClr r="0" g="0" b="0"/>
+      </a:effectRef>
+      <a:fontRef idx="minor"/>
+    </dgm:style>
+  </dgm:styleLbl>
+  <dgm:styleLbl name="revTx">
+    <dgm:scene3d>
+      <a:camera prst="orthographicFront"/>
+      <a:lightRig rig="threePt" dir="t"/>
+    </dgm:scene3d>
+    <dgm:sp3d/>
+    <dgm:txPr/>
+    <dgm:style>
+      <a:lnRef idx="0">
+        <a:scrgbClr r="0" g="0" b="0"/>
+      </a:lnRef>
+      <a:fillRef idx="0">
+        <a:scrgbClr r="0" g="0" b="0"/>
+      </a:fillRef>
+      <a:effectRef idx="0">
+        <a:scrgbClr r="0" g="0" b="0"/>
+      </a:effectRef>
+      <a:fontRef idx="minor"/>
+    </dgm:style>
+  </dgm:styleLbl>
+</dgm:styleDef>
+</file>
+
+<file path=ppt/diagrams/quickStyle5.xml><?xml version="1.0" encoding="utf-8"?>
 <dgm:styleDef xmlns:dgm="http://schemas.openxmlformats.org/drawingml/2006/diagram" xmlns:a="http://schemas.openxmlformats.org/drawingml/2006/main" uniqueId="urn:microsoft.com/office/officeart/2005/8/quickstyle/simple1">
   <dgm:title val=""/>
   <dgm:desc val=""/>
@@ -10105,7 +15779,7 @@
     </p:spTree>
     <p:extLst>
       <p:ext uri="{BB962C8B-B14F-4D97-AF65-F5344CB8AC3E}">
-        <p14:creationId xmlns:p14="http://schemas.microsoft.com/office/powerpoint/2010/main" val="3615901706"/>
+        <p14:creationId xmlns:p14="http://schemas.microsoft.com/office/powerpoint/2010/main" val="2223143646"/>
       </p:ext>
     </p:extLst>
   </p:cSld>
@@ -10116,6 +15790,340 @@
 </file>
 
 <file path=ppt/notesSlides/notesSlide11.xml><?xml version="1.0" encoding="utf-8"?>
+<p:notes xmlns:a="http://schemas.openxmlformats.org/drawingml/2006/main" xmlns:r="http://schemas.openxmlformats.org/officeDocument/2006/relationships" xmlns:p="http://schemas.openxmlformats.org/presentationml/2006/main">
+  <p:cSld>
+    <p:spTree>
+      <p:nvGrpSpPr>
+        <p:cNvPr id="1" name=""/>
+        <p:cNvGrpSpPr/>
+        <p:nvPr/>
+      </p:nvGrpSpPr>
+      <p:grpSpPr>
+        <a:xfrm>
+          <a:off x="0" y="0"/>
+          <a:ext cx="0" cy="0"/>
+          <a:chOff x="0" y="0"/>
+          <a:chExt cx="0" cy="0"/>
+        </a:xfrm>
+      </p:grpSpPr>
+      <p:sp>
+        <p:nvSpPr>
+          <p:cNvPr id="2" name="Marcador de imagen de diapositiva 1"/>
+          <p:cNvSpPr>
+            <a:spLocks noGrp="1" noRot="1" noChangeAspect="1"/>
+          </p:cNvSpPr>
+          <p:nvPr>
+            <p:ph type="sldImg"/>
+          </p:nvPr>
+        </p:nvSpPr>
+        <p:spPr/>
+      </p:sp>
+      <p:sp>
+        <p:nvSpPr>
+          <p:cNvPr id="3" name="Marcador de notas 2"/>
+          <p:cNvSpPr>
+            <a:spLocks noGrp="1"/>
+          </p:cNvSpPr>
+          <p:nvPr>
+            <p:ph type="body" idx="1"/>
+          </p:nvPr>
+        </p:nvSpPr>
+        <p:spPr/>
+        <p:txBody>
+          <a:bodyPr/>
+          <a:lstStyle/>
+          <a:p>
+            <a:r>
+              <a:rPr lang="es-ES" sz="1200" b="0" i="0" kern="1200" dirty="0">
+                <a:solidFill>
+                  <a:schemeClr val="tx1"/>
+                </a:solidFill>
+                <a:effectLst/>
+                <a:latin typeface="+mn-lt"/>
+                <a:ea typeface="+mn-ea"/>
+                <a:cs typeface="+mn-cs"/>
+              </a:rPr>
+              <a:t>La puntuación de </a:t>
+            </a:r>
+            <a:r>
+              <a:rPr lang="es-ES" sz="1200" b="1" i="0" kern="1200" dirty="0">
+                <a:solidFill>
+                  <a:schemeClr val="tx1"/>
+                </a:solidFill>
+                <a:effectLst/>
+                <a:latin typeface="+mn-lt"/>
+                <a:ea typeface="+mn-ea"/>
+                <a:cs typeface="+mn-cs"/>
+              </a:rPr>
+              <a:t>silueta</a:t>
+            </a:r>
+            <a:r>
+              <a:rPr lang="es-ES" sz="1200" b="0" i="0" kern="1200" dirty="0">
+                <a:solidFill>
+                  <a:schemeClr val="tx1"/>
+                </a:solidFill>
+                <a:effectLst/>
+                <a:latin typeface="+mn-lt"/>
+                <a:ea typeface="+mn-ea"/>
+                <a:cs typeface="+mn-cs"/>
+              </a:rPr>
+              <a:t> se utiliza para evaluar la calidad de los conglomerados creados mediante algoritmos de conglomerados como K-</a:t>
+            </a:r>
+            <a:r>
+              <a:rPr lang="es-ES" sz="1200" b="0" i="0" kern="1200" dirty="0" err="1">
+                <a:solidFill>
+                  <a:schemeClr val="tx1"/>
+                </a:solidFill>
+                <a:effectLst/>
+                <a:latin typeface="+mn-lt"/>
+                <a:ea typeface="+mn-ea"/>
+                <a:cs typeface="+mn-cs"/>
+              </a:rPr>
+              <a:t>Means</a:t>
+            </a:r>
+            <a:r>
+              <a:rPr lang="es-ES" sz="1200" b="0" i="0" kern="1200" dirty="0">
+                <a:solidFill>
+                  <a:schemeClr val="tx1"/>
+                </a:solidFill>
+                <a:effectLst/>
+                <a:latin typeface="+mn-lt"/>
+                <a:ea typeface="+mn-ea"/>
+                <a:cs typeface="+mn-cs"/>
+              </a:rPr>
+              <a:t> en términos de qué tan bien se agrupan las muestras con otras muestras que son similares entre sí.</a:t>
+            </a:r>
+            <a:endParaRPr lang="es-ES" dirty="0"/>
+          </a:p>
+        </p:txBody>
+      </p:sp>
+      <p:sp>
+        <p:nvSpPr>
+          <p:cNvPr id="4" name="Marcador de número de diapositiva 3"/>
+          <p:cNvSpPr>
+            <a:spLocks noGrp="1"/>
+          </p:cNvSpPr>
+          <p:nvPr>
+            <p:ph type="sldNum" sz="quarter" idx="5"/>
+          </p:nvPr>
+        </p:nvSpPr>
+        <p:spPr/>
+        <p:txBody>
+          <a:bodyPr/>
+          <a:lstStyle/>
+          <a:p>
+            <a:fld id="{45EDAE93-6FDE-8F45-8B84-73D9258E281C}" type="slidenum">
+              <a:rPr lang="es-ES" smtClean="0"/>
+              <a:t>14</a:t>
+            </a:fld>
+            <a:endParaRPr lang="es-ES"/>
+          </a:p>
+        </p:txBody>
+      </p:sp>
+    </p:spTree>
+    <p:extLst>
+      <p:ext uri="{BB962C8B-B14F-4D97-AF65-F5344CB8AC3E}">
+        <p14:creationId xmlns:p14="http://schemas.microsoft.com/office/powerpoint/2010/main" val="3485940937"/>
+      </p:ext>
+    </p:extLst>
+  </p:cSld>
+  <p:clrMapOvr>
+    <a:masterClrMapping/>
+  </p:clrMapOvr>
+</p:notes>
+</file>
+
+<file path=ppt/notesSlides/notesSlide12.xml><?xml version="1.0" encoding="utf-8"?>
+<p:notes xmlns:a="http://schemas.openxmlformats.org/drawingml/2006/main" xmlns:r="http://schemas.openxmlformats.org/officeDocument/2006/relationships" xmlns:p="http://schemas.openxmlformats.org/presentationml/2006/main">
+  <p:cSld>
+    <p:spTree>
+      <p:nvGrpSpPr>
+        <p:cNvPr id="1" name=""/>
+        <p:cNvGrpSpPr/>
+        <p:nvPr/>
+      </p:nvGrpSpPr>
+      <p:grpSpPr>
+        <a:xfrm>
+          <a:off x="0" y="0"/>
+          <a:ext cx="0" cy="0"/>
+          <a:chOff x="0" y="0"/>
+          <a:chExt cx="0" cy="0"/>
+        </a:xfrm>
+      </p:grpSpPr>
+      <p:sp>
+        <p:nvSpPr>
+          <p:cNvPr id="2" name="Marcador de imagen de diapositiva 1"/>
+          <p:cNvSpPr>
+            <a:spLocks noGrp="1" noRot="1" noChangeAspect="1"/>
+          </p:cNvSpPr>
+          <p:nvPr>
+            <p:ph type="sldImg"/>
+          </p:nvPr>
+        </p:nvSpPr>
+        <p:spPr/>
+      </p:sp>
+      <p:sp>
+        <p:nvSpPr>
+          <p:cNvPr id="3" name="Marcador de notas 2"/>
+          <p:cNvSpPr>
+            <a:spLocks noGrp="1"/>
+          </p:cNvSpPr>
+          <p:nvPr>
+            <p:ph type="body" idx="1"/>
+          </p:nvPr>
+        </p:nvSpPr>
+        <p:spPr/>
+        <p:txBody>
+          <a:bodyPr/>
+          <a:lstStyle/>
+          <a:p>
+            <a:r>
+              <a:rPr lang="es-ES" dirty="0"/>
+              <a:t>Inercia: </a:t>
+            </a:r>
+            <a:r>
+              <a:rPr lang="es-ES" dirty="0" err="1"/>
+              <a:t>metrica</a:t>
+            </a:r>
+            <a:r>
+              <a:rPr lang="es-ES" dirty="0"/>
+              <a:t> de rendimiento que mide la distancia cuadrática media entre cada instancia y su centroide. </a:t>
+            </a:r>
+          </a:p>
+        </p:txBody>
+      </p:sp>
+      <p:sp>
+        <p:nvSpPr>
+          <p:cNvPr id="4" name="Marcador de número de diapositiva 3"/>
+          <p:cNvSpPr>
+            <a:spLocks noGrp="1"/>
+          </p:cNvSpPr>
+          <p:nvPr>
+            <p:ph type="sldNum" sz="quarter" idx="5"/>
+          </p:nvPr>
+        </p:nvSpPr>
+        <p:spPr/>
+        <p:txBody>
+          <a:bodyPr/>
+          <a:lstStyle/>
+          <a:p>
+            <a:fld id="{45EDAE93-6FDE-8F45-8B84-73D9258E281C}" type="slidenum">
+              <a:rPr lang="es-ES" smtClean="0"/>
+              <a:t>15</a:t>
+            </a:fld>
+            <a:endParaRPr lang="es-ES"/>
+          </a:p>
+        </p:txBody>
+      </p:sp>
+    </p:spTree>
+    <p:extLst>
+      <p:ext uri="{BB962C8B-B14F-4D97-AF65-F5344CB8AC3E}">
+        <p14:creationId xmlns:p14="http://schemas.microsoft.com/office/powerpoint/2010/main" val="1168860174"/>
+      </p:ext>
+    </p:extLst>
+  </p:cSld>
+  <p:clrMapOvr>
+    <a:masterClrMapping/>
+  </p:clrMapOvr>
+</p:notes>
+</file>
+
+<file path=ppt/notesSlides/notesSlide13.xml><?xml version="1.0" encoding="utf-8"?>
+<p:notes xmlns:a="http://schemas.openxmlformats.org/drawingml/2006/main" xmlns:r="http://schemas.openxmlformats.org/officeDocument/2006/relationships" xmlns:p="http://schemas.openxmlformats.org/presentationml/2006/main">
+  <p:cSld>
+    <p:spTree>
+      <p:nvGrpSpPr>
+        <p:cNvPr id="1" name=""/>
+        <p:cNvGrpSpPr/>
+        <p:nvPr/>
+      </p:nvGrpSpPr>
+      <p:grpSpPr>
+        <a:xfrm>
+          <a:off x="0" y="0"/>
+          <a:ext cx="0" cy="0"/>
+          <a:chOff x="0" y="0"/>
+          <a:chExt cx="0" cy="0"/>
+        </a:xfrm>
+      </p:grpSpPr>
+      <p:sp>
+        <p:nvSpPr>
+          <p:cNvPr id="2" name="Marcador de imagen de diapositiva 1"/>
+          <p:cNvSpPr>
+            <a:spLocks noGrp="1" noRot="1" noChangeAspect="1"/>
+          </p:cNvSpPr>
+          <p:nvPr>
+            <p:ph type="sldImg"/>
+          </p:nvPr>
+        </p:nvSpPr>
+        <p:spPr/>
+      </p:sp>
+      <p:sp>
+        <p:nvSpPr>
+          <p:cNvPr id="3" name="Marcador de notas 2"/>
+          <p:cNvSpPr>
+            <a:spLocks noGrp="1"/>
+          </p:cNvSpPr>
+          <p:nvPr>
+            <p:ph type="body" idx="1"/>
+          </p:nvPr>
+        </p:nvSpPr>
+        <p:spPr/>
+        <p:txBody>
+          <a:bodyPr/>
+          <a:lstStyle/>
+          <a:p>
+            <a:r>
+              <a:rPr lang="es-ES" dirty="0"/>
+              <a:t>En este gráfico podemos ver la clasificación de nuestros datos actuales que podemos llamar </a:t>
+            </a:r>
+            <a:r>
+              <a:rPr lang="es-ES" dirty="0" err="1"/>
+              <a:t>train</a:t>
+            </a:r>
+            <a:r>
+              <a:rPr lang="es-ES" dirty="0"/>
+              <a:t>. Esto nos denota 5 categorías. Posterior identificaremos que productos sean mejor para cada grupo. </a:t>
+            </a:r>
+          </a:p>
+        </p:txBody>
+      </p:sp>
+      <p:sp>
+        <p:nvSpPr>
+          <p:cNvPr id="4" name="Marcador de número de diapositiva 3"/>
+          <p:cNvSpPr>
+            <a:spLocks noGrp="1"/>
+          </p:cNvSpPr>
+          <p:nvPr>
+            <p:ph type="sldNum" sz="quarter" idx="5"/>
+          </p:nvPr>
+        </p:nvSpPr>
+        <p:spPr/>
+        <p:txBody>
+          <a:bodyPr/>
+          <a:lstStyle/>
+          <a:p>
+            <a:fld id="{45EDAE93-6FDE-8F45-8B84-73D9258E281C}" type="slidenum">
+              <a:rPr lang="es-ES" smtClean="0"/>
+              <a:t>16</a:t>
+            </a:fld>
+            <a:endParaRPr lang="es-ES"/>
+          </a:p>
+        </p:txBody>
+      </p:sp>
+    </p:spTree>
+    <p:extLst>
+      <p:ext uri="{BB962C8B-B14F-4D97-AF65-F5344CB8AC3E}">
+        <p14:creationId xmlns:p14="http://schemas.microsoft.com/office/powerpoint/2010/main" val="589927699"/>
+      </p:ext>
+    </p:extLst>
+  </p:cSld>
+  <p:clrMapOvr>
+    <a:masterClrMapping/>
+  </p:clrMapOvr>
+</p:notes>
+</file>
+
+<file path=ppt/notesSlides/notesSlide14.xml><?xml version="1.0" encoding="utf-8"?>
 <p:notes xmlns:a="http://schemas.openxmlformats.org/drawingml/2006/main" xmlns:r="http://schemas.openxmlformats.org/officeDocument/2006/relationships" xmlns:p="http://schemas.openxmlformats.org/presentationml/2006/main">
   <p:cSld>
     <p:spTree>
@@ -10180,7 +16188,7 @@
           <a:p>
             <a:fld id="{45EDAE93-6FDE-8F45-8B84-73D9258E281C}" type="slidenum">
               <a:rPr lang="es-ES" smtClean="0"/>
-              <a:t>14</a:t>
+              <a:t>17</a:t>
             </a:fld>
             <a:endParaRPr lang="es-ES"/>
           </a:p>
@@ -10189,7 +16197,7 @@
     </p:spTree>
     <p:extLst>
       <p:ext uri="{BB962C8B-B14F-4D97-AF65-F5344CB8AC3E}">
-        <p14:creationId xmlns:p14="http://schemas.microsoft.com/office/powerpoint/2010/main" val="2223143646"/>
+        <p14:creationId xmlns:p14="http://schemas.microsoft.com/office/powerpoint/2010/main" val="308266757"/>
       </p:ext>
     </p:extLst>
   </p:cSld>
@@ -10199,7 +16207,7 @@
 </p:notes>
 </file>
 
-<file path=ppt/notesSlides/notesSlide12.xml><?xml version="1.0" encoding="utf-8"?>
+<file path=ppt/notesSlides/notesSlide15.xml><?xml version="1.0" encoding="utf-8"?>
 <p:notes xmlns:a="http://schemas.openxmlformats.org/drawingml/2006/main" xmlns:r="http://schemas.openxmlformats.org/officeDocument/2006/relationships" xmlns:p="http://schemas.openxmlformats.org/presentationml/2006/main">
   <p:cSld>
     <p:spTree>
@@ -10244,66 +16252,17 @@
           <a:lstStyle/>
           <a:p>
             <a:r>
-              <a:rPr lang="es-ES" sz="1200" b="0" i="0" kern="1200" dirty="0">
-                <a:solidFill>
-                  <a:schemeClr val="tx1"/>
-                </a:solidFill>
-                <a:effectLst/>
-                <a:latin typeface="+mn-lt"/>
-                <a:ea typeface="+mn-ea"/>
-                <a:cs typeface="+mn-cs"/>
-              </a:rPr>
-              <a:t>La puntuación de </a:t>
-            </a:r>
-            <a:r>
-              <a:rPr lang="es-ES" sz="1200" b="1" i="0" kern="1200" dirty="0">
-                <a:solidFill>
-                  <a:schemeClr val="tx1"/>
-                </a:solidFill>
-                <a:effectLst/>
-                <a:latin typeface="+mn-lt"/>
-                <a:ea typeface="+mn-ea"/>
-                <a:cs typeface="+mn-cs"/>
-              </a:rPr>
-              <a:t>silueta</a:t>
-            </a:r>
-            <a:r>
-              <a:rPr lang="es-ES" sz="1200" b="0" i="0" kern="1200" dirty="0">
-                <a:solidFill>
-                  <a:schemeClr val="tx1"/>
-                </a:solidFill>
-                <a:effectLst/>
-                <a:latin typeface="+mn-lt"/>
-                <a:ea typeface="+mn-ea"/>
-                <a:cs typeface="+mn-cs"/>
-              </a:rPr>
-              <a:t> se utiliza para evaluar la calidad de los conglomerados creados mediante algoritmos de conglomerados como K-</a:t>
-            </a:r>
-            <a:r>
-              <a:rPr lang="es-ES" sz="1200" b="0" i="0" kern="1200" dirty="0" err="1">
-                <a:solidFill>
-                  <a:schemeClr val="tx1"/>
-                </a:solidFill>
-                <a:effectLst/>
-                <a:latin typeface="+mn-lt"/>
-                <a:ea typeface="+mn-ea"/>
-                <a:cs typeface="+mn-cs"/>
-              </a:rPr>
-              <a:t>Means</a:t>
-            </a:r>
-            <a:r>
-              <a:rPr lang="es-ES" sz="1200" b="0" i="0" kern="1200" dirty="0">
-                <a:solidFill>
-                  <a:schemeClr val="tx1"/>
-                </a:solidFill>
-                <a:effectLst/>
-                <a:latin typeface="+mn-lt"/>
-                <a:ea typeface="+mn-ea"/>
-                <a:cs typeface="+mn-cs"/>
-              </a:rPr>
-              <a:t> en términos de qué tan bien se agrupan las muestras con otras muestras que son similares entre sí.</a:t>
-            </a:r>
-            <a:endParaRPr lang="es-ES" dirty="0"/>
+              <a:rPr lang="es-ES" dirty="0"/>
+              <a:t>&gt; Hallazgo: El rango de </a:t>
+            </a:r>
+            <a:r>
+              <a:rPr lang="es-ES" dirty="0" err="1"/>
+              <a:t>NumStorePurchases</a:t>
+            </a:r>
+            <a:r>
+              <a:rPr lang="es-ES" dirty="0"/>
+              <a:t> es 13, y el error cuadrático medio es solo 1.25 (menos del 10% del rango), lo que significa que es un modelo confiable por  lo que que nos hemos quedado con este modelo. </a:t>
+            </a:r>
           </a:p>
         </p:txBody>
       </p:sp>
@@ -10324,7 +16283,7 @@
           <a:p>
             <a:fld id="{45EDAE93-6FDE-8F45-8B84-73D9258E281C}" type="slidenum">
               <a:rPr lang="es-ES" smtClean="0"/>
-              <a:t>15</a:t>
+              <a:t>18</a:t>
             </a:fld>
             <a:endParaRPr lang="es-ES"/>
           </a:p>
@@ -10333,7 +16292,7 @@
     </p:spTree>
     <p:extLst>
       <p:ext uri="{BB962C8B-B14F-4D97-AF65-F5344CB8AC3E}">
-        <p14:creationId xmlns:p14="http://schemas.microsoft.com/office/powerpoint/2010/main" val="3485940937"/>
+        <p14:creationId xmlns:p14="http://schemas.microsoft.com/office/powerpoint/2010/main" val="3617822224"/>
       </p:ext>
     </p:extLst>
   </p:cSld>
@@ -10343,7 +16302,7 @@
 </p:notes>
 </file>
 
-<file path=ppt/notesSlides/notesSlide13.xml><?xml version="1.0" encoding="utf-8"?>
+<file path=ppt/notesSlides/notesSlide16.xml><?xml version="1.0" encoding="utf-8"?>
 <p:notes xmlns:a="http://schemas.openxmlformats.org/drawingml/2006/main" xmlns:r="http://schemas.openxmlformats.org/officeDocument/2006/relationships" xmlns:p="http://schemas.openxmlformats.org/presentationml/2006/main">
   <p:cSld>
     <p:spTree>
@@ -10389,16 +16348,21 @@
           <a:p>
             <a:r>
               <a:rPr lang="es-ES" dirty="0"/>
-              <a:t>Inercia: </a:t>
+              <a:t>Visualizamos los mejores </a:t>
             </a:r>
             <a:r>
               <a:rPr lang="es-ES" dirty="0" err="1"/>
-              <a:t>metrica</a:t>
+              <a:t>escor</a:t>
             </a:r>
             <a:r>
               <a:rPr lang="es-ES" dirty="0"/>
-              <a:t> de rendimiento que mide la distancia cuadrática media entre cada instancia y su centroide. </a:t>
-            </a:r>
+              <a:t> para cada </a:t>
+            </a:r>
+            <a:r>
+              <a:rPr lang="es-ES" dirty="0" err="1"/>
+              <a:t>Feature</a:t>
+            </a:r>
+            <a:endParaRPr lang="es-ES" dirty="0"/>
           </a:p>
         </p:txBody>
       </p:sp>
@@ -10419,7 +16383,7 @@
           <a:p>
             <a:fld id="{45EDAE93-6FDE-8F45-8B84-73D9258E281C}" type="slidenum">
               <a:rPr lang="es-ES" smtClean="0"/>
-              <a:t>16</a:t>
+              <a:t>19</a:t>
             </a:fld>
             <a:endParaRPr lang="es-ES"/>
           </a:p>
@@ -10428,7 +16392,7 @@
     </p:spTree>
     <p:extLst>
       <p:ext uri="{BB962C8B-B14F-4D97-AF65-F5344CB8AC3E}">
-        <p14:creationId xmlns:p14="http://schemas.microsoft.com/office/powerpoint/2010/main" val="1168860174"/>
+        <p14:creationId xmlns:p14="http://schemas.microsoft.com/office/powerpoint/2010/main" val="2042459567"/>
       </p:ext>
     </p:extLst>
   </p:cSld>
@@ -10438,7 +16402,7 @@
 </p:notes>
 </file>
 
-<file path=ppt/notesSlides/notesSlide14.xml><?xml version="1.0" encoding="utf-8"?>
+<file path=ppt/notesSlides/notesSlide17.xml><?xml version="1.0" encoding="utf-8"?>
 <p:notes xmlns:a="http://schemas.openxmlformats.org/drawingml/2006/main" xmlns:r="http://schemas.openxmlformats.org/officeDocument/2006/relationships" xmlns:p="http://schemas.openxmlformats.org/presentationml/2006/main">
   <p:cSld>
     <p:spTree>
@@ -10483,22 +16447,13 @@
           <a:lstStyle/>
           <a:p>
             <a:r>
+              <a:rPr lang="es-ES" dirty="0" err="1"/>
+              <a:t>Caracteristicas</a:t>
+            </a:r>
+            <a:r>
               <a:rPr lang="es-ES" dirty="0"/>
-              <a:t>En este gráfico podemos ver la clasificación de nuestros datos actuales que podemos llamar </a:t>
-            </a:r>
-            <a:r>
-              <a:rPr lang="es-ES" dirty="0" err="1"/>
-              <a:t>train</a:t>
-            </a:r>
-            <a:r>
-              <a:rPr lang="es-ES" dirty="0"/>
-              <a:t>. Esto nos denota 5 categorías. Posterior identificaremos que productos sean mejor para </a:t>
-            </a:r>
-            <a:r>
-              <a:rPr lang="es-ES"/>
-              <a:t>cada grupo. </a:t>
-            </a:r>
-            <a:endParaRPr lang="es-ES" dirty="0"/>
+              <a:t> de la campaña de marketing</a:t>
+            </a:r>
           </a:p>
         </p:txBody>
       </p:sp>
@@ -10519,7 +16474,7 @@
           <a:p>
             <a:fld id="{45EDAE93-6FDE-8F45-8B84-73D9258E281C}" type="slidenum">
               <a:rPr lang="es-ES" smtClean="0"/>
-              <a:t>17</a:t>
+              <a:t>22</a:t>
             </a:fld>
             <a:endParaRPr lang="es-ES"/>
           </a:p>
@@ -10528,7 +16483,102 @@
     </p:spTree>
     <p:extLst>
       <p:ext uri="{BB962C8B-B14F-4D97-AF65-F5344CB8AC3E}">
-        <p14:creationId xmlns:p14="http://schemas.microsoft.com/office/powerpoint/2010/main" val="589927699"/>
+        <p14:creationId xmlns:p14="http://schemas.microsoft.com/office/powerpoint/2010/main" val="3773952450"/>
+      </p:ext>
+    </p:extLst>
+  </p:cSld>
+  <p:clrMapOvr>
+    <a:masterClrMapping/>
+  </p:clrMapOvr>
+</p:notes>
+</file>
+
+<file path=ppt/notesSlides/notesSlide18.xml><?xml version="1.0" encoding="utf-8"?>
+<p:notes xmlns:a="http://schemas.openxmlformats.org/drawingml/2006/main" xmlns:r="http://schemas.openxmlformats.org/officeDocument/2006/relationships" xmlns:p="http://schemas.openxmlformats.org/presentationml/2006/main">
+  <p:cSld>
+    <p:spTree>
+      <p:nvGrpSpPr>
+        <p:cNvPr id="1" name=""/>
+        <p:cNvGrpSpPr/>
+        <p:nvPr/>
+      </p:nvGrpSpPr>
+      <p:grpSpPr>
+        <a:xfrm>
+          <a:off x="0" y="0"/>
+          <a:ext cx="0" cy="0"/>
+          <a:chOff x="0" y="0"/>
+          <a:chExt cx="0" cy="0"/>
+        </a:xfrm>
+      </p:grpSpPr>
+      <p:sp>
+        <p:nvSpPr>
+          <p:cNvPr id="2" name="Marcador de imagen de diapositiva 1"/>
+          <p:cNvSpPr>
+            <a:spLocks noGrp="1" noRot="1" noChangeAspect="1"/>
+          </p:cNvSpPr>
+          <p:nvPr>
+            <p:ph type="sldImg"/>
+          </p:nvPr>
+        </p:nvSpPr>
+        <p:spPr/>
+      </p:sp>
+      <p:sp>
+        <p:nvSpPr>
+          <p:cNvPr id="3" name="Marcador de notas 2"/>
+          <p:cNvSpPr>
+            <a:spLocks noGrp="1"/>
+          </p:cNvSpPr>
+          <p:nvPr>
+            <p:ph type="body" idx="1"/>
+          </p:nvPr>
+        </p:nvSpPr>
+        <p:spPr/>
+        <p:txBody>
+          <a:bodyPr/>
+          <a:lstStyle/>
+          <a:p>
+            <a:r>
+              <a:rPr lang="es-ES" dirty="0"/>
+              <a:t>hemos podido dividir a nuestro cliente en 5 grupos y realizar un </a:t>
+            </a:r>
+            <a:r>
+              <a:rPr lang="es-ES" dirty="0" err="1"/>
+              <a:t>analisis</a:t>
+            </a:r>
+            <a:r>
+              <a:rPr lang="es-ES" dirty="0"/>
+              <a:t> de los productos y del cliente promedio</a:t>
+            </a:r>
+          </a:p>
+        </p:txBody>
+      </p:sp>
+      <p:sp>
+        <p:nvSpPr>
+          <p:cNvPr id="4" name="Marcador de número de diapositiva 3"/>
+          <p:cNvSpPr>
+            <a:spLocks noGrp="1"/>
+          </p:cNvSpPr>
+          <p:nvPr>
+            <p:ph type="sldNum" sz="quarter" idx="5"/>
+          </p:nvPr>
+        </p:nvSpPr>
+        <p:spPr/>
+        <p:txBody>
+          <a:bodyPr/>
+          <a:lstStyle/>
+          <a:p>
+            <a:fld id="{45EDAE93-6FDE-8F45-8B84-73D9258E281C}" type="slidenum">
+              <a:rPr lang="es-ES" smtClean="0"/>
+              <a:t>23</a:t>
+            </a:fld>
+            <a:endParaRPr lang="es-ES"/>
+          </a:p>
+        </p:txBody>
+      </p:sp>
+    </p:spTree>
+    <p:extLst>
+      <p:ext uri="{BB962C8B-B14F-4D97-AF65-F5344CB8AC3E}">
+        <p14:creationId xmlns:p14="http://schemas.microsoft.com/office/powerpoint/2010/main" val="279924982"/>
       </p:ext>
     </p:extLst>
   </p:cSld>
@@ -11123,7 +17173,15 @@
             </a:r>
             <a:r>
               <a:rPr lang="es-ES" dirty="0"/>
-              <a:t>, para poder tener una base de datos más limpia</a:t>
+              <a:t>, para poder tener una base de datos más limpia. Por </a:t>
+            </a:r>
+            <a:r>
+              <a:rPr lang="es-ES" dirty="0" err="1"/>
+              <a:t>ejm</a:t>
+            </a:r>
+            <a:r>
+              <a:rPr lang="es-ES" dirty="0"/>
+              <a:t> hemos visto personas que nacieron en 1900, Esto debe ser un error en el dato pues no creo que se encuentre viviendo mas de 100 años. </a:t>
             </a:r>
           </a:p>
         </p:txBody>
@@ -11983,7 +18041,7 @@
     </p:spTree>
     <p:extLst>
       <p:ext uri="{BB962C8B-B14F-4D97-AF65-F5344CB8AC3E}">
-        <p14:creationId xmlns:p14="http://schemas.microsoft.com/office/powerpoint/2010/main" val="308266757"/>
+        <p14:creationId xmlns:p14="http://schemas.microsoft.com/office/powerpoint/2010/main" val="3615901706"/>
       </p:ext>
     </p:extLst>
   </p:cSld>
@@ -22904,277 +28962,6 @@
           <a:chExt cx="0" cy="0"/>
         </a:xfrm>
       </p:grpSpPr>
-      <p:sp useBgFill="1">
-        <p:nvSpPr>
-          <p:cNvPr id="8" name="Rectangle 7">
-            <a:extLst>
-              <a:ext uri="{FF2B5EF4-FFF2-40B4-BE49-F238E27FC236}">
-                <a16:creationId xmlns:a16="http://schemas.microsoft.com/office/drawing/2014/main" id="{50E53EDA-3B94-4F6B-9E86-D3BB9EBB9616}"/>
-              </a:ext>
-              <a:ext uri="{C183D7F6-B498-43B3-948B-1728B52AA6E4}">
-                <adec:decorative xmlns:adec="http://schemas.microsoft.com/office/drawing/2017/decorative" val="1"/>
-              </a:ext>
-            </a:extLst>
-          </p:cNvPr>
-          <p:cNvSpPr>
-            <a:spLocks noGrp="1" noRot="1" noChangeAspect="1" noMove="1" noResize="1" noEditPoints="1" noAdjustHandles="1" noChangeArrowheads="1" noChangeShapeType="1" noTextEdit="1"/>
-          </p:cNvSpPr>
-          <p:nvPr>
-            <p:extLst>
-              <p:ext uri="{386F3935-93C4-4BCD-93E2-E3B085C9AB24}">
-                <p16:designElem xmlns:p16="http://schemas.microsoft.com/office/powerpoint/2015/main" val="1"/>
-              </p:ext>
-            </p:extLst>
-          </p:nvPr>
-        </p:nvSpPr>
-        <p:spPr>
-          <a:xfrm>
-            <a:off x="0" y="0"/>
-            <a:ext cx="12192000" cy="6858000"/>
-          </a:xfrm>
-          <a:prstGeom prst="rect">
-            <a:avLst/>
-          </a:prstGeom>
-          <a:ln>
-            <a:noFill/>
-          </a:ln>
-        </p:spPr>
-        <p:style>
-          <a:lnRef idx="2">
-            <a:schemeClr val="accent1">
-              <a:shade val="50000"/>
-            </a:schemeClr>
-          </a:lnRef>
-          <a:fillRef idx="1">
-            <a:schemeClr val="accent1"/>
-          </a:fillRef>
-          <a:effectRef idx="0">
-            <a:schemeClr val="accent1"/>
-          </a:effectRef>
-          <a:fontRef idx="minor">
-            <a:schemeClr val="lt1"/>
-          </a:fontRef>
-        </p:style>
-        <p:txBody>
-          <a:bodyPr rtlCol="0" anchor="ctr"/>
-          <a:lstStyle/>
-          <a:p>
-            <a:pPr algn="ctr"/>
-            <a:endParaRPr lang="en-US"/>
-          </a:p>
-        </p:txBody>
-      </p:sp>
-      <p:sp>
-        <p:nvSpPr>
-          <p:cNvPr id="2" name="Título 1">
-            <a:extLst>
-              <a:ext uri="{FF2B5EF4-FFF2-40B4-BE49-F238E27FC236}">
-                <a16:creationId xmlns:a16="http://schemas.microsoft.com/office/drawing/2014/main" id="{C37EAE00-1D6D-A7DD-A9B7-394D5F03ADCF}"/>
-              </a:ext>
-            </a:extLst>
-          </p:cNvPr>
-          <p:cNvSpPr>
-            <a:spLocks noGrp="1"/>
-          </p:cNvSpPr>
-          <p:nvPr>
-            <p:ph type="title"/>
-          </p:nvPr>
-        </p:nvSpPr>
-        <p:spPr>
-          <a:xfrm>
-            <a:off x="685799" y="1150076"/>
-            <a:ext cx="3659389" cy="4557849"/>
-          </a:xfrm>
-        </p:spPr>
-        <p:txBody>
-          <a:bodyPr>
-            <a:normAutofit/>
-          </a:bodyPr>
-          <a:lstStyle/>
-          <a:p>
-            <a:pPr algn="r">
-              <a:lnSpc>
-                <a:spcPct val="90000"/>
-              </a:lnSpc>
-            </a:pPr>
-            <a:r>
-              <a:rPr lang="es-ES" sz="2500"/>
-              <a:t>Podemos usar un bloque aleatorio para predecir la cantidad de compras en la tienda y luego usar el puntaje de importancia de las características del modelo para clasificar los factores.</a:t>
-            </a:r>
-            <a:br>
-              <a:rPr lang="es-ES" sz="2500"/>
-            </a:br>
-            <a:endParaRPr lang="es-ES" sz="2500"/>
-          </a:p>
-        </p:txBody>
-      </p:sp>
-      <p:cxnSp>
-        <p:nvCxnSpPr>
-          <p:cNvPr id="10" name="Straight Connector 9">
-            <a:extLst>
-              <a:ext uri="{FF2B5EF4-FFF2-40B4-BE49-F238E27FC236}">
-                <a16:creationId xmlns:a16="http://schemas.microsoft.com/office/drawing/2014/main" id="{30EFD79F-7790-479B-B7DB-BD0D8C101DDD}"/>
-              </a:ext>
-              <a:ext uri="{C183D7F6-B498-43B3-948B-1728B52AA6E4}">
-                <adec:decorative xmlns:adec="http://schemas.microsoft.com/office/drawing/2017/decorative" val="1"/>
-              </a:ext>
-            </a:extLst>
-          </p:cNvPr>
-          <p:cNvCxnSpPr>
-            <a:cxnSpLocks noGrp="1" noRot="1" noChangeAspect="1" noMove="1" noResize="1" noEditPoints="1" noAdjustHandles="1" noChangeArrowheads="1" noChangeShapeType="1"/>
-          </p:cNvCxnSpPr>
-          <p:nvPr>
-            <p:extLst>
-              <p:ext uri="{386F3935-93C4-4BCD-93E2-E3B085C9AB24}">
-                <p16:designElem xmlns:p16="http://schemas.microsoft.com/office/powerpoint/2015/main" val="1"/>
-              </p:ext>
-            </p:extLst>
-          </p:nvPr>
-        </p:nvCxnSpPr>
-        <p:spPr>
-          <a:xfrm>
-            <a:off x="4666923" y="1668780"/>
-            <a:ext cx="0" cy="3520440"/>
-          </a:xfrm>
-          <a:prstGeom prst="line">
-            <a:avLst/>
-          </a:prstGeom>
-          <a:ln w="19050"/>
-        </p:spPr>
-        <p:style>
-          <a:lnRef idx="1">
-            <a:schemeClr val="accent1"/>
-          </a:lnRef>
-          <a:fillRef idx="0">
-            <a:schemeClr val="accent1"/>
-          </a:fillRef>
-          <a:effectRef idx="0">
-            <a:schemeClr val="accent1"/>
-          </a:effectRef>
-          <a:fontRef idx="minor">
-            <a:schemeClr val="tx1"/>
-          </a:fontRef>
-        </p:style>
-      </p:cxnSp>
-      <p:sp>
-        <p:nvSpPr>
-          <p:cNvPr id="3" name="Marcador de contenido 2">
-            <a:extLst>
-              <a:ext uri="{FF2B5EF4-FFF2-40B4-BE49-F238E27FC236}">
-                <a16:creationId xmlns:a16="http://schemas.microsoft.com/office/drawing/2014/main" id="{82CA77F0-C6AC-46D3-E2ED-6D94A75B39DF}"/>
-              </a:ext>
-            </a:extLst>
-          </p:cNvPr>
-          <p:cNvSpPr>
-            <a:spLocks noGrp="1"/>
-          </p:cNvSpPr>
-          <p:nvPr>
-            <p:ph idx="1"/>
-          </p:nvPr>
-        </p:nvSpPr>
-        <p:spPr>
-          <a:xfrm>
-            <a:off x="4988658" y="1150076"/>
-            <a:ext cx="6517543" cy="4557849"/>
-          </a:xfrm>
-        </p:spPr>
-        <p:txBody>
-          <a:bodyPr>
-            <a:normAutofit/>
-          </a:bodyPr>
-          <a:lstStyle/>
-          <a:p>
-            <a:r>
-              <a:rPr lang="es-ES" dirty="0"/>
-              <a:t>Consideramos 7 factores principales son: </a:t>
-            </a:r>
-          </a:p>
-          <a:p>
-            <a:r>
-              <a:rPr lang="es-ES" dirty="0"/>
-              <a:t>1. Monto total gastado en los últimos dos años </a:t>
-            </a:r>
-          </a:p>
-          <a:p>
-            <a:r>
-              <a:rPr lang="es-ES" dirty="0"/>
-              <a:t>2. Volumen medio de pedidos </a:t>
-            </a:r>
-          </a:p>
-          <a:p>
-            <a:r>
-              <a:rPr lang="es-ES" dirty="0"/>
-              <a:t>3. Número total de compras en los últimos dos años </a:t>
-            </a:r>
-          </a:p>
-          <a:p>
-            <a:r>
-              <a:rPr lang="es-ES" dirty="0"/>
-              <a:t>4. Cantidad gastada en vino en los últimos 2 años </a:t>
-            </a:r>
-          </a:p>
-          <a:p>
-            <a:r>
-              <a:rPr lang="es-ES" dirty="0"/>
-              <a:t>5. Número de compras realizadas por catálogo </a:t>
-            </a:r>
-          </a:p>
-          <a:p>
-            <a:r>
-              <a:rPr lang="es-ES" dirty="0"/>
-              <a:t>6. Número de visitas al sitio web de la empresa en el último mes </a:t>
-            </a:r>
-          </a:p>
-          <a:p>
-            <a:r>
-              <a:rPr lang="es-ES" dirty="0"/>
-              <a:t>7. Número total de compras a través del sitio web en los últimos dos años </a:t>
-            </a:r>
-          </a:p>
-          <a:p>
-            <a:endParaRPr lang="es-ES" dirty="0"/>
-          </a:p>
-        </p:txBody>
-      </p:sp>
-    </p:spTree>
-    <p:extLst>
-      <p:ext uri="{BB962C8B-B14F-4D97-AF65-F5344CB8AC3E}">
-        <p14:creationId xmlns:p14="http://schemas.microsoft.com/office/powerpoint/2010/main" val="1582578336"/>
-      </p:ext>
-    </p:extLst>
-  </p:cSld>
-  <p:clrMapOvr>
-    <a:masterClrMapping/>
-  </p:clrMapOvr>
-</p:sld>
-</file>
-
-<file path=ppt/slides/slide13.xml><?xml version="1.0" encoding="utf-8"?>
-<p:sld xmlns:a="http://schemas.openxmlformats.org/drawingml/2006/main" xmlns:r="http://schemas.openxmlformats.org/officeDocument/2006/relationships" xmlns:p="http://schemas.openxmlformats.org/presentationml/2006/main">
-  <p:cSld>
-    <p:bg>
-      <p:bgPr>
-        <a:blipFill>
-          <a:blip r:embed="rId3"/>
-          <a:stretch/>
-        </a:blipFill>
-        <a:effectLst/>
-      </p:bgPr>
-    </p:bg>
-    <p:spTree>
-      <p:nvGrpSpPr>
-        <p:cNvPr id="1" name=""/>
-        <p:cNvGrpSpPr/>
-        <p:nvPr/>
-      </p:nvGrpSpPr>
-      <p:grpSpPr>
-        <a:xfrm>
-          <a:off x="0" y="0"/>
-          <a:ext cx="0" cy="0"/>
-          <a:chOff x="0" y="0"/>
-          <a:chExt cx="0" cy="0"/>
-        </a:xfrm>
-      </p:grpSpPr>
       <p:sp>
         <p:nvSpPr>
           <p:cNvPr id="2" name="Título 1">
@@ -23314,7 +29101,7 @@
 </p:sld>
 </file>
 
-<file path=ppt/slides/slide14.xml><?xml version="1.0" encoding="utf-8"?>
+<file path=ppt/slides/slide13.xml><?xml version="1.0" encoding="utf-8"?>
 <p:sld xmlns:a="http://schemas.openxmlformats.org/drawingml/2006/main" xmlns:r="http://schemas.openxmlformats.org/officeDocument/2006/relationships" xmlns:p="http://schemas.openxmlformats.org/presentationml/2006/main">
   <p:cSld>
     <p:bg>
@@ -23536,7 +29323,7 @@
 </p:sld>
 </file>
 
-<file path=ppt/slides/slide15.xml><?xml version="1.0" encoding="utf-8"?>
+<file path=ppt/slides/slide14.xml><?xml version="1.0" encoding="utf-8"?>
 <p:sld xmlns:a="http://schemas.openxmlformats.org/drawingml/2006/main" xmlns:r="http://schemas.openxmlformats.org/officeDocument/2006/relationships" xmlns:p="http://schemas.openxmlformats.org/presentationml/2006/main">
   <p:cSld>
     <p:bg>
@@ -23639,7 +29426,7 @@
 </p:sld>
 </file>
 
-<file path=ppt/slides/slide16.xml><?xml version="1.0" encoding="utf-8"?>
+<file path=ppt/slides/slide15.xml><?xml version="1.0" encoding="utf-8"?>
 <p:sld xmlns:a="http://schemas.openxmlformats.org/drawingml/2006/main" xmlns:r="http://schemas.openxmlformats.org/officeDocument/2006/relationships" xmlns:p="http://schemas.openxmlformats.org/presentationml/2006/main">
   <p:cSld>
     <p:spTree>
@@ -23735,7 +29522,7 @@
 </p:sld>
 </file>
 
-<file path=ppt/slides/slide17.xml><?xml version="1.0" encoding="utf-8"?>
+<file path=ppt/slides/slide16.xml><?xml version="1.0" encoding="utf-8"?>
 <p:sld xmlns:a="http://schemas.openxmlformats.org/drawingml/2006/main" xmlns:r="http://schemas.openxmlformats.org/officeDocument/2006/relationships" xmlns:p="http://schemas.openxmlformats.org/presentationml/2006/main">
   <p:cSld>
     <p:bg>
@@ -24022,6 +29809,689 @@
       <p:bldP spid="2" grpId="0"/>
     </p:bldLst>
   </p:timing>
+</p:sld>
+</file>
+
+<file path=ppt/slides/slide17.xml><?xml version="1.0" encoding="utf-8"?>
+<p:sld xmlns:a="http://schemas.openxmlformats.org/drawingml/2006/main" xmlns:r="http://schemas.openxmlformats.org/officeDocument/2006/relationships" xmlns:p="http://schemas.openxmlformats.org/presentationml/2006/main">
+  <p:cSld>
+    <p:bg>
+      <p:bgPr>
+        <a:blipFill>
+          <a:blip r:embed="rId3"/>
+          <a:stretch/>
+        </a:blipFill>
+        <a:effectLst/>
+      </p:bgPr>
+    </p:bg>
+    <p:spTree>
+      <p:nvGrpSpPr>
+        <p:cNvPr id="1" name=""/>
+        <p:cNvGrpSpPr/>
+        <p:nvPr/>
+      </p:nvGrpSpPr>
+      <p:grpSpPr>
+        <a:xfrm>
+          <a:off x="0" y="0"/>
+          <a:ext cx="0" cy="0"/>
+          <a:chOff x="0" y="0"/>
+          <a:chExt cx="0" cy="0"/>
+        </a:xfrm>
+      </p:grpSpPr>
+      <p:sp useBgFill="1">
+        <p:nvSpPr>
+          <p:cNvPr id="8" name="Rectangle 7">
+            <a:extLst>
+              <a:ext uri="{FF2B5EF4-FFF2-40B4-BE49-F238E27FC236}">
+                <a16:creationId xmlns:a16="http://schemas.microsoft.com/office/drawing/2014/main" id="{50E53EDA-3B94-4F6B-9E86-D3BB9EBB9616}"/>
+              </a:ext>
+              <a:ext uri="{C183D7F6-B498-43B3-948B-1728B52AA6E4}">
+                <adec:decorative xmlns:adec="http://schemas.microsoft.com/office/drawing/2017/decorative" val="1"/>
+              </a:ext>
+            </a:extLst>
+          </p:cNvPr>
+          <p:cNvSpPr>
+            <a:spLocks noGrp="1" noRot="1" noChangeAspect="1" noMove="1" noResize="1" noEditPoints="1" noAdjustHandles="1" noChangeArrowheads="1" noChangeShapeType="1" noTextEdit="1"/>
+          </p:cNvSpPr>
+          <p:nvPr>
+            <p:extLst>
+              <p:ext uri="{386F3935-93C4-4BCD-93E2-E3B085C9AB24}">
+                <p16:designElem xmlns:p16="http://schemas.microsoft.com/office/powerpoint/2015/main" val="1"/>
+              </p:ext>
+            </p:extLst>
+          </p:nvPr>
+        </p:nvSpPr>
+        <p:spPr>
+          <a:xfrm>
+            <a:off x="0" y="0"/>
+            <a:ext cx="12192000" cy="6858000"/>
+          </a:xfrm>
+          <a:prstGeom prst="rect">
+            <a:avLst/>
+          </a:prstGeom>
+          <a:ln>
+            <a:noFill/>
+          </a:ln>
+        </p:spPr>
+        <p:style>
+          <a:lnRef idx="2">
+            <a:schemeClr val="accent1">
+              <a:shade val="50000"/>
+            </a:schemeClr>
+          </a:lnRef>
+          <a:fillRef idx="1">
+            <a:schemeClr val="accent1"/>
+          </a:fillRef>
+          <a:effectRef idx="0">
+            <a:schemeClr val="accent1"/>
+          </a:effectRef>
+          <a:fontRef idx="minor">
+            <a:schemeClr val="lt1"/>
+          </a:fontRef>
+        </p:style>
+        <p:txBody>
+          <a:bodyPr rtlCol="0" anchor="ctr"/>
+          <a:lstStyle/>
+          <a:p>
+            <a:pPr algn="ctr"/>
+            <a:endParaRPr lang="en-US"/>
+          </a:p>
+        </p:txBody>
+      </p:sp>
+      <p:sp>
+        <p:nvSpPr>
+          <p:cNvPr id="2" name="Título 1">
+            <a:extLst>
+              <a:ext uri="{FF2B5EF4-FFF2-40B4-BE49-F238E27FC236}">
+                <a16:creationId xmlns:a16="http://schemas.microsoft.com/office/drawing/2014/main" id="{C37EAE00-1D6D-A7DD-A9B7-394D5F03ADCF}"/>
+              </a:ext>
+            </a:extLst>
+          </p:cNvPr>
+          <p:cNvSpPr>
+            <a:spLocks noGrp="1"/>
+          </p:cNvSpPr>
+          <p:nvPr>
+            <p:ph type="title"/>
+          </p:nvPr>
+        </p:nvSpPr>
+        <p:spPr>
+          <a:xfrm>
+            <a:off x="685799" y="1150076"/>
+            <a:ext cx="3659389" cy="4557849"/>
+          </a:xfrm>
+        </p:spPr>
+        <p:txBody>
+          <a:bodyPr>
+            <a:normAutofit/>
+          </a:bodyPr>
+          <a:lstStyle/>
+          <a:p>
+            <a:pPr algn="r">
+              <a:lnSpc>
+                <a:spcPct val="90000"/>
+              </a:lnSpc>
+            </a:pPr>
+            <a:r>
+              <a:rPr lang="es-ES" sz="2500"/>
+              <a:t>Podemos usar un bloque aleatorio para predecir la cantidad de compras en la tienda y luego usar el puntaje de importancia de las características del modelo para clasificar los factores.</a:t>
+            </a:r>
+            <a:br>
+              <a:rPr lang="es-ES" sz="2500"/>
+            </a:br>
+            <a:endParaRPr lang="es-ES" sz="2500"/>
+          </a:p>
+        </p:txBody>
+      </p:sp>
+      <p:cxnSp>
+        <p:nvCxnSpPr>
+          <p:cNvPr id="10" name="Straight Connector 9">
+            <a:extLst>
+              <a:ext uri="{FF2B5EF4-FFF2-40B4-BE49-F238E27FC236}">
+                <a16:creationId xmlns:a16="http://schemas.microsoft.com/office/drawing/2014/main" id="{30EFD79F-7790-479B-B7DB-BD0D8C101DDD}"/>
+              </a:ext>
+              <a:ext uri="{C183D7F6-B498-43B3-948B-1728B52AA6E4}">
+                <adec:decorative xmlns:adec="http://schemas.microsoft.com/office/drawing/2017/decorative" val="1"/>
+              </a:ext>
+            </a:extLst>
+          </p:cNvPr>
+          <p:cNvCxnSpPr>
+            <a:cxnSpLocks noGrp="1" noRot="1" noChangeAspect="1" noMove="1" noResize="1" noEditPoints="1" noAdjustHandles="1" noChangeArrowheads="1" noChangeShapeType="1"/>
+          </p:cNvCxnSpPr>
+          <p:nvPr>
+            <p:extLst>
+              <p:ext uri="{386F3935-93C4-4BCD-93E2-E3B085C9AB24}">
+                <p16:designElem xmlns:p16="http://schemas.microsoft.com/office/powerpoint/2015/main" val="1"/>
+              </p:ext>
+            </p:extLst>
+          </p:nvPr>
+        </p:nvCxnSpPr>
+        <p:spPr>
+          <a:xfrm>
+            <a:off x="4666923" y="1668780"/>
+            <a:ext cx="0" cy="3520440"/>
+          </a:xfrm>
+          <a:prstGeom prst="line">
+            <a:avLst/>
+          </a:prstGeom>
+          <a:ln w="19050"/>
+        </p:spPr>
+        <p:style>
+          <a:lnRef idx="1">
+            <a:schemeClr val="accent1"/>
+          </a:lnRef>
+          <a:fillRef idx="0">
+            <a:schemeClr val="accent1"/>
+          </a:fillRef>
+          <a:effectRef idx="0">
+            <a:schemeClr val="accent1"/>
+          </a:effectRef>
+          <a:fontRef idx="minor">
+            <a:schemeClr val="tx1"/>
+          </a:fontRef>
+        </p:style>
+      </p:cxnSp>
+      <p:sp>
+        <p:nvSpPr>
+          <p:cNvPr id="3" name="Marcador de contenido 2">
+            <a:extLst>
+              <a:ext uri="{FF2B5EF4-FFF2-40B4-BE49-F238E27FC236}">
+                <a16:creationId xmlns:a16="http://schemas.microsoft.com/office/drawing/2014/main" id="{82CA77F0-C6AC-46D3-E2ED-6D94A75B39DF}"/>
+              </a:ext>
+            </a:extLst>
+          </p:cNvPr>
+          <p:cNvSpPr>
+            <a:spLocks noGrp="1"/>
+          </p:cNvSpPr>
+          <p:nvPr>
+            <p:ph idx="1"/>
+          </p:nvPr>
+        </p:nvSpPr>
+        <p:spPr>
+          <a:xfrm>
+            <a:off x="4988658" y="1150076"/>
+            <a:ext cx="6517543" cy="4557849"/>
+          </a:xfrm>
+        </p:spPr>
+        <p:txBody>
+          <a:bodyPr>
+            <a:normAutofit/>
+          </a:bodyPr>
+          <a:lstStyle/>
+          <a:p>
+            <a:r>
+              <a:rPr lang="es-ES" dirty="0"/>
+              <a:t>Consideramos 7 factores principales son: </a:t>
+            </a:r>
+          </a:p>
+          <a:p>
+            <a:r>
+              <a:rPr lang="es-ES" dirty="0"/>
+              <a:t>1. Monto total gastado en los últimos dos años </a:t>
+            </a:r>
+          </a:p>
+          <a:p>
+            <a:r>
+              <a:rPr lang="es-ES" dirty="0"/>
+              <a:t>2. Volumen medio de pedidos </a:t>
+            </a:r>
+          </a:p>
+          <a:p>
+            <a:r>
+              <a:rPr lang="es-ES" dirty="0"/>
+              <a:t>3. Número total de compras en los últimos dos años </a:t>
+            </a:r>
+          </a:p>
+          <a:p>
+            <a:r>
+              <a:rPr lang="es-ES" dirty="0"/>
+              <a:t>4. Cantidad gastada en vino en los últimos 2 años </a:t>
+            </a:r>
+          </a:p>
+          <a:p>
+            <a:r>
+              <a:rPr lang="es-ES" dirty="0"/>
+              <a:t>5. Número de compras realizadas por catálogo </a:t>
+            </a:r>
+          </a:p>
+          <a:p>
+            <a:r>
+              <a:rPr lang="es-ES" dirty="0"/>
+              <a:t>6. Número de visitas al sitio web de la empresa en el último mes </a:t>
+            </a:r>
+          </a:p>
+          <a:p>
+            <a:r>
+              <a:rPr lang="es-ES" dirty="0"/>
+              <a:t>7. Número total de compras a través del sitio web en los últimos dos años </a:t>
+            </a:r>
+          </a:p>
+          <a:p>
+            <a:endParaRPr lang="es-ES" dirty="0"/>
+          </a:p>
+        </p:txBody>
+      </p:sp>
+    </p:spTree>
+    <p:extLst>
+      <p:ext uri="{BB962C8B-B14F-4D97-AF65-F5344CB8AC3E}">
+        <p14:creationId xmlns:p14="http://schemas.microsoft.com/office/powerpoint/2010/main" val="1582578336"/>
+      </p:ext>
+    </p:extLst>
+  </p:cSld>
+  <p:clrMapOvr>
+    <a:masterClrMapping/>
+  </p:clrMapOvr>
+</p:sld>
+</file>
+
+<file path=ppt/slides/slide18.xml><?xml version="1.0" encoding="utf-8"?>
+<p:sld xmlns:a="http://schemas.openxmlformats.org/drawingml/2006/main" xmlns:r="http://schemas.openxmlformats.org/officeDocument/2006/relationships" xmlns:p="http://schemas.openxmlformats.org/presentationml/2006/main">
+  <p:cSld>
+    <p:bg>
+      <p:bgPr>
+        <a:solidFill>
+          <a:schemeClr val="bg1"/>
+        </a:solidFill>
+        <a:effectLst/>
+      </p:bgPr>
+    </p:bg>
+    <p:spTree>
+      <p:nvGrpSpPr>
+        <p:cNvPr id="1" name=""/>
+        <p:cNvGrpSpPr/>
+        <p:nvPr/>
+      </p:nvGrpSpPr>
+      <p:grpSpPr>
+        <a:xfrm>
+          <a:off x="0" y="0"/>
+          <a:ext cx="0" cy="0"/>
+          <a:chOff x="0" y="0"/>
+          <a:chExt cx="0" cy="0"/>
+        </a:xfrm>
+      </p:grpSpPr>
+      <p:sp>
+        <p:nvSpPr>
+          <p:cNvPr id="9" name="Rectangle 8">
+            <a:extLst>
+              <a:ext uri="{FF2B5EF4-FFF2-40B4-BE49-F238E27FC236}">
+                <a16:creationId xmlns:a16="http://schemas.microsoft.com/office/drawing/2014/main" id="{6A166780-9337-4437-95D3-5EA9D55AAAC5}"/>
+              </a:ext>
+              <a:ext uri="{C183D7F6-B498-43B3-948B-1728B52AA6E4}">
+                <adec:decorative xmlns:adec="http://schemas.microsoft.com/office/drawing/2017/decorative" val="1"/>
+              </a:ext>
+            </a:extLst>
+          </p:cNvPr>
+          <p:cNvSpPr>
+            <a:spLocks noGrp="1" noRot="1" noChangeAspect="1" noMove="1" noResize="1" noEditPoints="1" noAdjustHandles="1" noChangeArrowheads="1" noChangeShapeType="1" noTextEdit="1"/>
+          </p:cNvSpPr>
+          <p:nvPr>
+            <p:extLst>
+              <p:ext uri="{386F3935-93C4-4BCD-93E2-E3B085C9AB24}">
+                <p16:designElem xmlns:p16="http://schemas.microsoft.com/office/powerpoint/2015/main" val="1"/>
+              </p:ext>
+            </p:extLst>
+          </p:nvPr>
+        </p:nvSpPr>
+        <p:spPr>
+          <a:xfrm>
+            <a:off x="0" y="0"/>
+            <a:ext cx="12192000" cy="6858000"/>
+          </a:xfrm>
+          <a:prstGeom prst="rect">
+            <a:avLst/>
+          </a:prstGeom>
+          <a:ln>
+            <a:noFill/>
+          </a:ln>
+        </p:spPr>
+        <p:style>
+          <a:lnRef idx="2">
+            <a:schemeClr val="accent1">
+              <a:shade val="50000"/>
+            </a:schemeClr>
+          </a:lnRef>
+          <a:fillRef idx="1003">
+            <a:schemeClr val="dk2"/>
+          </a:fillRef>
+          <a:effectRef idx="0">
+            <a:schemeClr val="accent1"/>
+          </a:effectRef>
+          <a:fontRef idx="minor">
+            <a:schemeClr val="lt1"/>
+          </a:fontRef>
+        </p:style>
+        <p:txBody>
+          <a:bodyPr rtlCol="0" anchor="ctr"/>
+          <a:lstStyle/>
+          <a:p>
+            <a:pPr algn="ctr"/>
+            <a:endParaRPr lang="en-US"/>
+          </a:p>
+        </p:txBody>
+      </p:sp>
+      <p:sp>
+        <p:nvSpPr>
+          <p:cNvPr id="11" name="Rectangle 10">
+            <a:extLst>
+              <a:ext uri="{FF2B5EF4-FFF2-40B4-BE49-F238E27FC236}">
+                <a16:creationId xmlns:a16="http://schemas.microsoft.com/office/drawing/2014/main" id="{EB3D0F40-BF1F-4120-945D-90C5AAD6E35A}"/>
+              </a:ext>
+              <a:ext uri="{C183D7F6-B498-43B3-948B-1728B52AA6E4}">
+                <adec:decorative xmlns:adec="http://schemas.microsoft.com/office/drawing/2017/decorative" val="1"/>
+              </a:ext>
+            </a:extLst>
+          </p:cNvPr>
+          <p:cNvSpPr>
+            <a:spLocks noGrp="1" noRot="1" noChangeAspect="1" noMove="1" noResize="1" noEditPoints="1" noAdjustHandles="1" noChangeArrowheads="1" noChangeShapeType="1" noTextEdit="1"/>
+          </p:cNvSpPr>
+          <p:nvPr>
+            <p:extLst>
+              <p:ext uri="{386F3935-93C4-4BCD-93E2-E3B085C9AB24}">
+                <p16:designElem xmlns:p16="http://schemas.microsoft.com/office/powerpoint/2015/main" val="1"/>
+              </p:ext>
+            </p:extLst>
+          </p:nvPr>
+        </p:nvSpPr>
+        <p:spPr>
+          <a:xfrm>
+            <a:off x="-3175" y="0"/>
+            <a:ext cx="4654296" cy="6856214"/>
+          </a:xfrm>
+          <a:prstGeom prst="rect">
+            <a:avLst/>
+          </a:prstGeom>
+          <a:blipFill dpi="0" rotWithShape="1">
+            <a:blip r:embed="rId3"/>
+            <a:srcRect/>
+            <a:tile tx="0" ty="0" sx="100000" sy="100000" flip="none" algn="tl"/>
+          </a:blipFill>
+          <a:ln>
+            <a:noFill/>
+          </a:ln>
+        </p:spPr>
+        <p:style>
+          <a:lnRef idx="2">
+            <a:schemeClr val="accent1">
+              <a:shade val="50000"/>
+            </a:schemeClr>
+          </a:lnRef>
+          <a:fillRef idx="1003">
+            <a:schemeClr val="lt2"/>
+          </a:fillRef>
+          <a:effectRef idx="0">
+            <a:schemeClr val="accent1"/>
+          </a:effectRef>
+          <a:fontRef idx="minor">
+            <a:schemeClr val="lt1"/>
+          </a:fontRef>
+        </p:style>
+        <p:txBody>
+          <a:bodyPr rtlCol="0" anchor="ctr"/>
+          <a:lstStyle/>
+          <a:p>
+            <a:pPr algn="ctr"/>
+            <a:endParaRPr lang="en-US"/>
+          </a:p>
+        </p:txBody>
+      </p:sp>
+      <p:pic>
+        <p:nvPicPr>
+          <p:cNvPr id="19" name="Picture 12">
+            <a:extLst>
+              <a:ext uri="{FF2B5EF4-FFF2-40B4-BE49-F238E27FC236}">
+                <a16:creationId xmlns:a16="http://schemas.microsoft.com/office/drawing/2014/main" id="{15640A69-3748-450C-8DDB-B2051AC04BC7}"/>
+              </a:ext>
+              <a:ext uri="{C183D7F6-B498-43B3-948B-1728B52AA6E4}">
+                <adec:decorative xmlns:adec="http://schemas.microsoft.com/office/drawing/2017/decorative" val="1"/>
+              </a:ext>
+            </a:extLst>
+          </p:cNvPr>
+          <p:cNvPicPr>
+            <a:picLocks noGrp="1" noRot="1" noChangeAspect="1" noMove="1" noResize="1" noEditPoints="1" noAdjustHandles="1" noChangeArrowheads="1" noChangeShapeType="1" noCrop="1"/>
+          </p:cNvPicPr>
+          <p:nvPr>
+            <p:extLst>
+              <p:ext uri="{386F3935-93C4-4BCD-93E2-E3B085C9AB24}">
+                <p16:designElem xmlns:p16="http://schemas.microsoft.com/office/powerpoint/2015/main" val="1"/>
+              </p:ext>
+            </p:extLst>
+          </p:nvPr>
+        </p:nvPicPr>
+        <p:blipFill rotWithShape="1">
+          <a:blip r:embed="rId4">
+            <a:extLst>
+              <a:ext uri="{28A0092B-C50C-407E-A947-70E740481C1C}">
+                <a14:useLocalDpi xmlns:a14="http://schemas.microsoft.com/office/drawing/2010/main" val="0"/>
+              </a:ext>
+            </a:extLst>
+          </a:blip>
+          <a:srcRect r="61893"/>
+          <a:stretch/>
+        </p:blipFill>
+        <p:spPr>
+          <a:xfrm>
+            <a:off x="0" y="0"/>
+            <a:ext cx="4644770" cy="6856214"/>
+          </a:xfrm>
+          <a:prstGeom prst="rect">
+            <a:avLst/>
+          </a:prstGeom>
+        </p:spPr>
+      </p:pic>
+      <p:sp>
+        <p:nvSpPr>
+          <p:cNvPr id="2" name="Título 1">
+            <a:extLst>
+              <a:ext uri="{FF2B5EF4-FFF2-40B4-BE49-F238E27FC236}">
+                <a16:creationId xmlns:a16="http://schemas.microsoft.com/office/drawing/2014/main" id="{06C15BB5-C8D2-5255-53E6-705EC831B9DE}"/>
+              </a:ext>
+            </a:extLst>
+          </p:cNvPr>
+          <p:cNvSpPr>
+            <a:spLocks noGrp="1"/>
+          </p:cNvSpPr>
+          <p:nvPr>
+            <p:ph type="title"/>
+          </p:nvPr>
+        </p:nvSpPr>
+        <p:spPr>
+          <a:xfrm>
+            <a:off x="685801" y="643466"/>
+            <a:ext cx="3351530" cy="4995333"/>
+          </a:xfrm>
+        </p:spPr>
+        <p:txBody>
+          <a:bodyPr>
+            <a:normAutofit/>
+          </a:bodyPr>
+          <a:lstStyle/>
+          <a:p>
+            <a:r>
+              <a:rPr lang="es-ES" dirty="0">
+                <a:solidFill>
+                  <a:srgbClr val="FFFFFF"/>
+                </a:solidFill>
+              </a:rPr>
+              <a:t>Modelo de </a:t>
+            </a:r>
+            <a:r>
+              <a:rPr lang="es-ES" dirty="0" err="1">
+                <a:solidFill>
+                  <a:srgbClr val="FFFFFF"/>
+                </a:solidFill>
+              </a:rPr>
+              <a:t>Random</a:t>
+            </a:r>
+            <a:r>
+              <a:rPr lang="es-ES" dirty="0">
+                <a:solidFill>
+                  <a:srgbClr val="FFFFFF"/>
+                </a:solidFill>
+              </a:rPr>
+              <a:t> Forest</a:t>
+            </a:r>
+          </a:p>
+        </p:txBody>
+      </p:sp>
+      <p:sp useBgFill="1">
+        <p:nvSpPr>
+          <p:cNvPr id="20" name="Rectangle 14">
+            <a:extLst>
+              <a:ext uri="{FF2B5EF4-FFF2-40B4-BE49-F238E27FC236}">
+                <a16:creationId xmlns:a16="http://schemas.microsoft.com/office/drawing/2014/main" id="{66F4F323-644B-4A47-97E9-BFB73840F402}"/>
+              </a:ext>
+              <a:ext uri="{C183D7F6-B498-43B3-948B-1728B52AA6E4}">
+                <adec:decorative xmlns:adec="http://schemas.microsoft.com/office/drawing/2017/decorative" val="1"/>
+              </a:ext>
+            </a:extLst>
+          </p:cNvPr>
+          <p:cNvSpPr>
+            <a:spLocks noGrp="1" noRot="1" noChangeAspect="1" noMove="1" noResize="1" noEditPoints="1" noAdjustHandles="1" noChangeArrowheads="1" noChangeShapeType="1" noTextEdit="1"/>
+          </p:cNvSpPr>
+          <p:nvPr>
+            <p:extLst>
+              <p:ext uri="{386F3935-93C4-4BCD-93E2-E3B085C9AB24}">
+                <p16:designElem xmlns:p16="http://schemas.microsoft.com/office/powerpoint/2015/main" val="1"/>
+              </p:ext>
+            </p:extLst>
+          </p:nvPr>
+        </p:nvSpPr>
+        <p:spPr>
+          <a:xfrm>
+            <a:off x="4651120" y="-2"/>
+            <a:ext cx="7537705" cy="6856216"/>
+          </a:xfrm>
+          <a:prstGeom prst="rect">
+            <a:avLst/>
+          </a:prstGeom>
+          <a:ln>
+            <a:noFill/>
+          </a:ln>
+        </p:spPr>
+        <p:style>
+          <a:lnRef idx="2">
+            <a:schemeClr val="accent1">
+              <a:shade val="50000"/>
+            </a:schemeClr>
+          </a:lnRef>
+          <a:fillRef idx="1">
+            <a:schemeClr val="accent1"/>
+          </a:fillRef>
+          <a:effectRef idx="0">
+            <a:schemeClr val="accent1"/>
+          </a:effectRef>
+          <a:fontRef idx="minor">
+            <a:schemeClr val="lt1"/>
+          </a:fontRef>
+        </p:style>
+        <p:txBody>
+          <a:bodyPr rtlCol="0" anchor="ctr"/>
+          <a:lstStyle/>
+          <a:p>
+            <a:pPr algn="ctr"/>
+            <a:endParaRPr lang="en-US"/>
+          </a:p>
+        </p:txBody>
+      </p:sp>
+      <p:graphicFrame>
+        <p:nvGraphicFramePr>
+          <p:cNvPr id="5" name="Marcador de contenido 2">
+            <a:extLst>
+              <a:ext uri="{FF2B5EF4-FFF2-40B4-BE49-F238E27FC236}">
+                <a16:creationId xmlns:a16="http://schemas.microsoft.com/office/drawing/2014/main" id="{FE5D98DC-2741-939A-8A2A-E03D04F2D4BD}"/>
+              </a:ext>
+            </a:extLst>
+          </p:cNvPr>
+          <p:cNvGraphicFramePr>
+            <a:graphicFrameLocks noGrp="1"/>
+          </p:cNvGraphicFramePr>
+          <p:nvPr>
+            <p:ph idx="1"/>
+            <p:extLst>
+              <p:ext uri="{D42A27DB-BD31-4B8C-83A1-F6EECF244321}">
+                <p14:modId xmlns:p14="http://schemas.microsoft.com/office/powerpoint/2010/main" val="2596996191"/>
+              </p:ext>
+            </p:extLst>
+          </p:nvPr>
+        </p:nvGraphicFramePr>
+        <p:xfrm>
+          <a:off x="5467509" y="804671"/>
+          <a:ext cx="5886291" cy="4917211"/>
+        </p:xfrm>
+        <a:graphic>
+          <a:graphicData uri="http://schemas.openxmlformats.org/drawingml/2006/diagram">
+            <dgm:relIds xmlns:dgm="http://schemas.openxmlformats.org/drawingml/2006/diagram" xmlns:r="http://schemas.openxmlformats.org/officeDocument/2006/relationships" r:dm="rId5" r:lo="rId6" r:qs="rId7" r:cs="rId8"/>
+          </a:graphicData>
+        </a:graphic>
+      </p:graphicFrame>
+    </p:spTree>
+    <p:extLst>
+      <p:ext uri="{BB962C8B-B14F-4D97-AF65-F5344CB8AC3E}">
+        <p14:creationId xmlns:p14="http://schemas.microsoft.com/office/powerpoint/2010/main" val="200451647"/>
+      </p:ext>
+    </p:extLst>
+  </p:cSld>
+  <p:clrMapOvr>
+    <a:overrideClrMapping bg1="lt1" tx1="dk1" bg2="lt2" tx2="dk2" accent1="accent1" accent2="accent2" accent3="accent3" accent4="accent4" accent5="accent5" accent6="accent6" hlink="hlink" folHlink="folHlink"/>
+  </p:clrMapOvr>
+</p:sld>
+</file>
+
+<file path=ppt/slides/slide19.xml><?xml version="1.0" encoding="utf-8"?>
+<p:sld xmlns:a="http://schemas.openxmlformats.org/drawingml/2006/main" xmlns:r="http://schemas.openxmlformats.org/officeDocument/2006/relationships" xmlns:p="http://schemas.openxmlformats.org/presentationml/2006/main">
+  <p:cSld>
+    <p:spTree>
+      <p:nvGrpSpPr>
+        <p:cNvPr id="1" name=""/>
+        <p:cNvGrpSpPr/>
+        <p:nvPr/>
+      </p:nvGrpSpPr>
+      <p:grpSpPr>
+        <a:xfrm>
+          <a:off x="0" y="0"/>
+          <a:ext cx="0" cy="0"/>
+          <a:chOff x="0" y="0"/>
+          <a:chExt cx="0" cy="0"/>
+        </a:xfrm>
+      </p:grpSpPr>
+      <p:pic>
+        <p:nvPicPr>
+          <p:cNvPr id="5" name="Marcador de contenido 4" descr="Gráfico, Gráfico de barras&#10;&#10;Descripción generada automáticamente">
+            <a:extLst>
+              <a:ext uri="{FF2B5EF4-FFF2-40B4-BE49-F238E27FC236}">
+                <a16:creationId xmlns:a16="http://schemas.microsoft.com/office/drawing/2014/main" id="{5DC72497-428B-69A7-C6DA-6B76D3BD08A3}"/>
+              </a:ext>
+            </a:extLst>
+          </p:cNvPr>
+          <p:cNvPicPr>
+            <a:picLocks noGrp="1" noChangeAspect="1"/>
+          </p:cNvPicPr>
+          <p:nvPr>
+            <p:ph idx="1"/>
+          </p:nvPr>
+        </p:nvPicPr>
+        <p:blipFill>
+          <a:blip r:embed="rId3"/>
+          <a:stretch>
+            <a:fillRect/>
+          </a:stretch>
+        </p:blipFill>
+        <p:spPr>
+          <a:xfrm>
+            <a:off x="1861456" y="292842"/>
+            <a:ext cx="7625443" cy="6272316"/>
+          </a:xfrm>
+        </p:spPr>
+      </p:pic>
+    </p:spTree>
+    <p:extLst>
+      <p:ext uri="{BB962C8B-B14F-4D97-AF65-F5344CB8AC3E}">
+        <p14:creationId xmlns:p14="http://schemas.microsoft.com/office/powerpoint/2010/main" val="3260438525"/>
+      </p:ext>
+    </p:extLst>
+  </p:cSld>
+  <p:clrMapOvr>
+    <a:masterClrMapping/>
+  </p:clrMapOvr>
 </p:sld>
 </file>
 
@@ -24259,6 +30729,1090 @@
     <p:extLst>
       <p:ext uri="{BB962C8B-B14F-4D97-AF65-F5344CB8AC3E}">
         <p14:creationId xmlns:p14="http://schemas.microsoft.com/office/powerpoint/2010/main" val="3670834573"/>
+      </p:ext>
+    </p:extLst>
+  </p:cSld>
+  <p:clrMapOvr>
+    <a:masterClrMapping/>
+  </p:clrMapOvr>
+</p:sld>
+</file>
+
+<file path=ppt/slides/slide20.xml><?xml version="1.0" encoding="utf-8"?>
+<p:sld xmlns:a="http://schemas.openxmlformats.org/drawingml/2006/main" xmlns:r="http://schemas.openxmlformats.org/officeDocument/2006/relationships" xmlns:p="http://schemas.openxmlformats.org/presentationml/2006/main">
+  <p:cSld>
+    <p:bg>
+      <p:bgPr>
+        <a:solidFill>
+          <a:schemeClr val="bg1"/>
+        </a:solidFill>
+        <a:effectLst/>
+      </p:bgPr>
+    </p:bg>
+    <p:spTree>
+      <p:nvGrpSpPr>
+        <p:cNvPr id="1" name=""/>
+        <p:cNvGrpSpPr/>
+        <p:nvPr/>
+      </p:nvGrpSpPr>
+      <p:grpSpPr>
+        <a:xfrm>
+          <a:off x="0" y="0"/>
+          <a:ext cx="0" cy="0"/>
+          <a:chOff x="0" y="0"/>
+          <a:chExt cx="0" cy="0"/>
+        </a:xfrm>
+      </p:grpSpPr>
+      <p:pic>
+        <p:nvPicPr>
+          <p:cNvPr id="31" name="Picture 20">
+            <a:extLst>
+              <a:ext uri="{FF2B5EF4-FFF2-40B4-BE49-F238E27FC236}">
+                <a16:creationId xmlns:a16="http://schemas.microsoft.com/office/drawing/2014/main" id="{5C819037-A607-4A7B-ADF1-B04516199C89}"/>
+              </a:ext>
+              <a:ext uri="{C183D7F6-B498-43B3-948B-1728B52AA6E4}">
+                <adec:decorative xmlns:adec="http://schemas.microsoft.com/office/drawing/2017/decorative" val="1"/>
+              </a:ext>
+            </a:extLst>
+          </p:cNvPr>
+          <p:cNvPicPr>
+            <a:picLocks noGrp="1" noRot="1" noChangeAspect="1" noMove="1" noResize="1" noEditPoints="1" noAdjustHandles="1" noChangeArrowheads="1" noChangeShapeType="1" noCrop="1"/>
+          </p:cNvPicPr>
+          <p:nvPr>
+            <p:extLst>
+              <p:ext uri="{386F3935-93C4-4BCD-93E2-E3B085C9AB24}">
+                <p16:designElem xmlns:p16="http://schemas.microsoft.com/office/powerpoint/2015/main" val="1"/>
+              </p:ext>
+            </p:extLst>
+          </p:nvPr>
+        </p:nvPicPr>
+        <p:blipFill>
+          <a:blip r:embed="rId2">
+            <a:extLst>
+              <a:ext uri="{28A0092B-C50C-407E-A947-70E740481C1C}">
+                <a14:useLocalDpi xmlns:a14="http://schemas.microsoft.com/office/drawing/2010/main" val="0"/>
+              </a:ext>
+            </a:extLst>
+          </a:blip>
+          <a:stretch>
+            <a:fillRect/>
+          </a:stretch>
+        </p:blipFill>
+        <p:spPr>
+          <a:xfrm>
+            <a:off x="0" y="0"/>
+            <a:ext cx="12188825" cy="6856214"/>
+          </a:xfrm>
+          <a:prstGeom prst="rect">
+            <a:avLst/>
+          </a:prstGeom>
+        </p:spPr>
+      </p:pic>
+      <p:sp>
+        <p:nvSpPr>
+          <p:cNvPr id="32" name="Rectangle 22">
+            <a:extLst>
+              <a:ext uri="{FF2B5EF4-FFF2-40B4-BE49-F238E27FC236}">
+                <a16:creationId xmlns:a16="http://schemas.microsoft.com/office/drawing/2014/main" id="{F8C668FA-2417-47B5-B454-2D55FC17FF7A}"/>
+              </a:ext>
+              <a:ext uri="{C183D7F6-B498-43B3-948B-1728B52AA6E4}">
+                <adec:decorative xmlns:adec="http://schemas.microsoft.com/office/drawing/2017/decorative" val="1"/>
+              </a:ext>
+            </a:extLst>
+          </p:cNvPr>
+          <p:cNvSpPr>
+            <a:spLocks noGrp="1" noRot="1" noChangeAspect="1" noMove="1" noResize="1" noEditPoints="1" noAdjustHandles="1" noChangeArrowheads="1" noChangeShapeType="1" noTextEdit="1"/>
+          </p:cNvSpPr>
+          <p:nvPr>
+            <p:extLst>
+              <p:ext uri="{386F3935-93C4-4BCD-93E2-E3B085C9AB24}">
+                <p16:designElem xmlns:p16="http://schemas.microsoft.com/office/powerpoint/2015/main" val="1"/>
+              </p:ext>
+            </p:extLst>
+          </p:nvPr>
+        </p:nvSpPr>
+        <p:spPr>
+          <a:xfrm>
+            <a:off x="0" y="0"/>
+            <a:ext cx="12192000" cy="6858000"/>
+          </a:xfrm>
+          <a:prstGeom prst="rect">
+            <a:avLst/>
+          </a:prstGeom>
+          <a:ln>
+            <a:noFill/>
+          </a:ln>
+        </p:spPr>
+        <p:style>
+          <a:lnRef idx="2">
+            <a:schemeClr val="accent1">
+              <a:shade val="50000"/>
+            </a:schemeClr>
+          </a:lnRef>
+          <a:fillRef idx="1003">
+            <a:schemeClr val="dk2"/>
+          </a:fillRef>
+          <a:effectRef idx="0">
+            <a:schemeClr val="accent1"/>
+          </a:effectRef>
+          <a:fontRef idx="minor">
+            <a:schemeClr val="lt1"/>
+          </a:fontRef>
+        </p:style>
+        <p:txBody>
+          <a:bodyPr rtlCol="0" anchor="ctr"/>
+          <a:lstStyle/>
+          <a:p>
+            <a:pPr algn="ctr"/>
+            <a:endParaRPr lang="en-US"/>
+          </a:p>
+        </p:txBody>
+      </p:sp>
+      <p:pic>
+        <p:nvPicPr>
+          <p:cNvPr id="33" name="Picture 24">
+            <a:extLst>
+              <a:ext uri="{FF2B5EF4-FFF2-40B4-BE49-F238E27FC236}">
+                <a16:creationId xmlns:a16="http://schemas.microsoft.com/office/drawing/2014/main" id="{97FEBA57-8992-46BB-BCF0-5A83FE8E01E8}"/>
+              </a:ext>
+              <a:ext uri="{C183D7F6-B498-43B3-948B-1728B52AA6E4}">
+                <adec:decorative xmlns:adec="http://schemas.microsoft.com/office/drawing/2017/decorative" val="1"/>
+              </a:ext>
+            </a:extLst>
+          </p:cNvPr>
+          <p:cNvPicPr>
+            <a:picLocks noGrp="1" noRot="1" noChangeAspect="1" noMove="1" noResize="1" noEditPoints="1" noAdjustHandles="1" noChangeArrowheads="1" noChangeShapeType="1" noCrop="1"/>
+          </p:cNvPicPr>
+          <p:nvPr>
+            <p:extLst>
+              <p:ext uri="{386F3935-93C4-4BCD-93E2-E3B085C9AB24}">
+                <p16:designElem xmlns:p16="http://schemas.microsoft.com/office/powerpoint/2015/main" val="1"/>
+              </p:ext>
+            </p:extLst>
+          </p:nvPr>
+        </p:nvPicPr>
+        <p:blipFill>
+          <a:blip r:embed="rId2">
+            <a:extLst>
+              <a:ext uri="{28A0092B-C50C-407E-A947-70E740481C1C}">
+                <a14:useLocalDpi xmlns:a14="http://schemas.microsoft.com/office/drawing/2010/main" val="0"/>
+              </a:ext>
+            </a:extLst>
+          </a:blip>
+          <a:stretch>
+            <a:fillRect/>
+          </a:stretch>
+        </p:blipFill>
+        <p:spPr>
+          <a:xfrm>
+            <a:off x="0" y="0"/>
+            <a:ext cx="12188825" cy="6856214"/>
+          </a:xfrm>
+          <a:prstGeom prst="rect">
+            <a:avLst/>
+          </a:prstGeom>
+        </p:spPr>
+      </p:pic>
+      <p:sp>
+        <p:nvSpPr>
+          <p:cNvPr id="34" name="Rectangle 26">
+            <a:extLst>
+              <a:ext uri="{FF2B5EF4-FFF2-40B4-BE49-F238E27FC236}">
+                <a16:creationId xmlns:a16="http://schemas.microsoft.com/office/drawing/2014/main" id="{2B4CDDF6-55C3-415A-8D8B-7E03C3D616FC}"/>
+              </a:ext>
+              <a:ext uri="{C183D7F6-B498-43B3-948B-1728B52AA6E4}">
+                <adec:decorative xmlns:adec="http://schemas.microsoft.com/office/drawing/2017/decorative" val="1"/>
+              </a:ext>
+            </a:extLst>
+          </p:cNvPr>
+          <p:cNvSpPr>
+            <a:spLocks noGrp="1" noRot="1" noChangeAspect="1" noMove="1" noResize="1" noEditPoints="1" noAdjustHandles="1" noChangeArrowheads="1" noChangeShapeType="1" noTextEdit="1"/>
+          </p:cNvSpPr>
+          <p:nvPr>
+            <p:extLst>
+              <p:ext uri="{386F3935-93C4-4BCD-93E2-E3B085C9AB24}">
+                <p16:designElem xmlns:p16="http://schemas.microsoft.com/office/powerpoint/2015/main" val="1"/>
+              </p:ext>
+            </p:extLst>
+          </p:nvPr>
+        </p:nvSpPr>
+        <p:spPr>
+          <a:xfrm>
+            <a:off x="477012" y="480060"/>
+            <a:ext cx="11237976" cy="5897880"/>
+          </a:xfrm>
+          <a:prstGeom prst="rect">
+            <a:avLst/>
+          </a:prstGeom>
+          <a:solidFill>
+            <a:srgbClr val="FFFFFF"/>
+          </a:solidFill>
+          <a:ln>
+            <a:noFill/>
+          </a:ln>
+        </p:spPr>
+        <p:style>
+          <a:lnRef idx="2">
+            <a:schemeClr val="accent1">
+              <a:shade val="50000"/>
+            </a:schemeClr>
+          </a:lnRef>
+          <a:fillRef idx="1">
+            <a:schemeClr val="accent1"/>
+          </a:fillRef>
+          <a:effectRef idx="0">
+            <a:schemeClr val="accent1"/>
+          </a:effectRef>
+          <a:fontRef idx="minor">
+            <a:schemeClr val="lt1"/>
+          </a:fontRef>
+        </p:style>
+        <p:txBody>
+          <a:bodyPr rtlCol="0" anchor="ctr"/>
+          <a:lstStyle/>
+          <a:p>
+            <a:pPr algn="ctr"/>
+            <a:endParaRPr lang="en-US"/>
+          </a:p>
+        </p:txBody>
+      </p:sp>
+      <p:pic>
+        <p:nvPicPr>
+          <p:cNvPr id="7" name="Marcador de contenido 6" descr="Gráfico&#10;&#10;Descripción generada automáticamente con confianza baja">
+            <a:extLst>
+              <a:ext uri="{FF2B5EF4-FFF2-40B4-BE49-F238E27FC236}">
+                <a16:creationId xmlns:a16="http://schemas.microsoft.com/office/drawing/2014/main" id="{B9F710DC-9BB3-E64F-98D5-527B31A2EEA1}"/>
+              </a:ext>
+            </a:extLst>
+          </p:cNvPr>
+          <p:cNvPicPr>
+            <a:picLocks noChangeAspect="1"/>
+          </p:cNvPicPr>
+          <p:nvPr/>
+        </p:nvPicPr>
+        <p:blipFill>
+          <a:blip r:embed="rId3"/>
+          <a:stretch>
+            <a:fillRect/>
+          </a:stretch>
+        </p:blipFill>
+        <p:spPr>
+          <a:xfrm>
+            <a:off x="1024169" y="981204"/>
+            <a:ext cx="9552372" cy="4895591"/>
+          </a:xfrm>
+          <a:prstGeom prst="rect">
+            <a:avLst/>
+          </a:prstGeom>
+        </p:spPr>
+      </p:pic>
+    </p:spTree>
+    <p:extLst>
+      <p:ext uri="{BB962C8B-B14F-4D97-AF65-F5344CB8AC3E}">
+        <p14:creationId xmlns:p14="http://schemas.microsoft.com/office/powerpoint/2010/main" val="716580157"/>
+      </p:ext>
+    </p:extLst>
+  </p:cSld>
+  <p:clrMapOvr>
+    <a:overrideClrMapping bg1="lt1" tx1="dk1" bg2="lt2" tx2="dk2" accent1="accent1" accent2="accent2" accent3="accent3" accent4="accent4" accent5="accent5" accent6="accent6" hlink="hlink" folHlink="folHlink"/>
+  </p:clrMapOvr>
+</p:sld>
+</file>
+
+<file path=ppt/slides/slide21.xml><?xml version="1.0" encoding="utf-8"?>
+<p:sld xmlns:a="http://schemas.openxmlformats.org/drawingml/2006/main" xmlns:r="http://schemas.openxmlformats.org/officeDocument/2006/relationships" xmlns:p="http://schemas.openxmlformats.org/presentationml/2006/main">
+  <p:cSld>
+    <p:bg>
+      <p:bgPr>
+        <a:blipFill>
+          <a:blip r:embed="rId2"/>
+          <a:stretch/>
+        </a:blipFill>
+        <a:effectLst/>
+      </p:bgPr>
+    </p:bg>
+    <p:spTree>
+      <p:nvGrpSpPr>
+        <p:cNvPr id="1" name=""/>
+        <p:cNvGrpSpPr/>
+        <p:nvPr/>
+      </p:nvGrpSpPr>
+      <p:grpSpPr>
+        <a:xfrm>
+          <a:off x="0" y="0"/>
+          <a:ext cx="0" cy="0"/>
+          <a:chOff x="0" y="0"/>
+          <a:chExt cx="0" cy="0"/>
+        </a:xfrm>
+      </p:grpSpPr>
+      <p:pic>
+        <p:nvPicPr>
+          <p:cNvPr id="7" name="Picture 6">
+            <a:extLst>
+              <a:ext uri="{FF2B5EF4-FFF2-40B4-BE49-F238E27FC236}">
+                <a16:creationId xmlns:a16="http://schemas.microsoft.com/office/drawing/2014/main" id="{18BD78ED-75E1-4879-B369-BC61F7C45E22}"/>
+              </a:ext>
+              <a:ext uri="{C183D7F6-B498-43B3-948B-1728B52AA6E4}">
+                <adec:decorative xmlns:adec="http://schemas.microsoft.com/office/drawing/2017/decorative" val="1"/>
+              </a:ext>
+            </a:extLst>
+          </p:cNvPr>
+          <p:cNvPicPr>
+            <a:picLocks noGrp="1" noRot="1" noChangeAspect="1" noMove="1" noResize="1" noEditPoints="1" noAdjustHandles="1" noChangeArrowheads="1" noChangeShapeType="1" noCrop="1"/>
+          </p:cNvPicPr>
+          <p:nvPr>
+            <p:extLst>
+              <p:ext uri="{386F3935-93C4-4BCD-93E2-E3B085C9AB24}">
+                <p16:designElem xmlns:p16="http://schemas.microsoft.com/office/powerpoint/2015/main" val="1"/>
+              </p:ext>
+            </p:extLst>
+          </p:nvPr>
+        </p:nvPicPr>
+        <p:blipFill>
+          <a:blip r:embed="rId3">
+            <a:extLst>
+              <a:ext uri="{28A0092B-C50C-407E-A947-70E740481C1C}">
+                <a14:useLocalDpi xmlns:a14="http://schemas.microsoft.com/office/drawing/2010/main" val="0"/>
+              </a:ext>
+            </a:extLst>
+          </a:blip>
+          <a:stretch>
+            <a:fillRect/>
+          </a:stretch>
+        </p:blipFill>
+        <p:spPr>
+          <a:xfrm>
+            <a:off x="0" y="0"/>
+            <a:ext cx="12188825" cy="6856214"/>
+          </a:xfrm>
+          <a:prstGeom prst="rect">
+            <a:avLst/>
+          </a:prstGeom>
+        </p:spPr>
+      </p:pic>
+      <p:sp useBgFill="1">
+        <p:nvSpPr>
+          <p:cNvPr id="9" name="Rectangle 8">
+            <a:extLst>
+              <a:ext uri="{FF2B5EF4-FFF2-40B4-BE49-F238E27FC236}">
+                <a16:creationId xmlns:a16="http://schemas.microsoft.com/office/drawing/2014/main" id="{3D1E5586-8BB5-40F6-96C3-2E87DD7CE5CD}"/>
+              </a:ext>
+              <a:ext uri="{C183D7F6-B498-43B3-948B-1728B52AA6E4}">
+                <adec:decorative xmlns:adec="http://schemas.microsoft.com/office/drawing/2017/decorative" val="1"/>
+              </a:ext>
+            </a:extLst>
+          </p:cNvPr>
+          <p:cNvSpPr>
+            <a:spLocks noGrp="1" noRot="1" noChangeAspect="1" noMove="1" noResize="1" noEditPoints="1" noAdjustHandles="1" noChangeArrowheads="1" noChangeShapeType="1" noTextEdit="1"/>
+          </p:cNvSpPr>
+          <p:nvPr>
+            <p:extLst>
+              <p:ext uri="{386F3935-93C4-4BCD-93E2-E3B085C9AB24}">
+                <p16:designElem xmlns:p16="http://schemas.microsoft.com/office/powerpoint/2015/main" val="1"/>
+              </p:ext>
+            </p:extLst>
+          </p:nvPr>
+        </p:nvSpPr>
+        <p:spPr>
+          <a:xfrm>
+            <a:off x="0" y="0"/>
+            <a:ext cx="12192000" cy="6858000"/>
+          </a:xfrm>
+          <a:prstGeom prst="rect">
+            <a:avLst/>
+          </a:prstGeom>
+          <a:ln>
+            <a:noFill/>
+          </a:ln>
+        </p:spPr>
+        <p:style>
+          <a:lnRef idx="2">
+            <a:schemeClr val="accent1">
+              <a:shade val="50000"/>
+            </a:schemeClr>
+          </a:lnRef>
+          <a:fillRef idx="1">
+            <a:schemeClr val="accent1"/>
+          </a:fillRef>
+          <a:effectRef idx="0">
+            <a:schemeClr val="accent1"/>
+          </a:effectRef>
+          <a:fontRef idx="minor">
+            <a:schemeClr val="lt1"/>
+          </a:fontRef>
+        </p:style>
+        <p:txBody>
+          <a:bodyPr rtlCol="0" anchor="ctr"/>
+          <a:lstStyle/>
+          <a:p>
+            <a:pPr algn="ctr"/>
+            <a:endParaRPr lang="en-US"/>
+          </a:p>
+        </p:txBody>
+      </p:sp>
+      <p:sp>
+        <p:nvSpPr>
+          <p:cNvPr id="2" name="Título 1">
+            <a:extLst>
+              <a:ext uri="{FF2B5EF4-FFF2-40B4-BE49-F238E27FC236}">
+                <a16:creationId xmlns:a16="http://schemas.microsoft.com/office/drawing/2014/main" id="{8560EA11-5152-DCF1-26CC-8C48581B9CCA}"/>
+              </a:ext>
+            </a:extLst>
+          </p:cNvPr>
+          <p:cNvSpPr>
+            <a:spLocks noGrp="1"/>
+          </p:cNvSpPr>
+          <p:nvPr>
+            <p:ph type="title"/>
+          </p:nvPr>
+        </p:nvSpPr>
+        <p:spPr>
+          <a:xfrm>
+            <a:off x="1993805" y="1354668"/>
+            <a:ext cx="8204391" cy="2346475"/>
+          </a:xfrm>
+        </p:spPr>
+        <p:txBody>
+          <a:bodyPr vert="horz" lIns="91440" tIns="45720" rIns="91440" bIns="45720" rtlCol="0" anchor="b">
+            <a:normAutofit/>
+          </a:bodyPr>
+          <a:lstStyle/>
+          <a:p>
+            <a:pPr algn="ctr"/>
+            <a:r>
+              <a:rPr lang="en-US" sz="6000"/>
+              <a:t>Conclusiones</a:t>
+            </a:r>
+          </a:p>
+        </p:txBody>
+      </p:sp>
+      <p:cxnSp>
+        <p:nvCxnSpPr>
+          <p:cNvPr id="11" name="Straight Connector 10">
+            <a:extLst>
+              <a:ext uri="{FF2B5EF4-FFF2-40B4-BE49-F238E27FC236}">
+                <a16:creationId xmlns:a16="http://schemas.microsoft.com/office/drawing/2014/main" id="{8A832D40-B9E2-4CE7-9E0A-B35591EA2035}"/>
+              </a:ext>
+              <a:ext uri="{C183D7F6-B498-43B3-948B-1728B52AA6E4}">
+                <adec:decorative xmlns:adec="http://schemas.microsoft.com/office/drawing/2017/decorative" val="1"/>
+              </a:ext>
+            </a:extLst>
+          </p:cNvPr>
+          <p:cNvCxnSpPr>
+            <a:cxnSpLocks noGrp="1" noRot="1" noChangeAspect="1" noMove="1" noResize="1" noEditPoints="1" noAdjustHandles="1" noChangeArrowheads="1" noChangeShapeType="1"/>
+          </p:cNvCxnSpPr>
+          <p:nvPr>
+            <p:extLst>
+              <p:ext uri="{386F3935-93C4-4BCD-93E2-E3B085C9AB24}">
+                <p16:designElem xmlns:p16="http://schemas.microsoft.com/office/powerpoint/2015/main" val="1"/>
+              </p:ext>
+            </p:extLst>
+          </p:nvPr>
+        </p:nvCxnSpPr>
+        <p:spPr>
+          <a:xfrm>
+            <a:off x="5845629" y="3810000"/>
+            <a:ext cx="500743" cy="0"/>
+          </a:xfrm>
+          <a:prstGeom prst="line">
+            <a:avLst/>
+          </a:prstGeom>
+          <a:ln w="19050"/>
+        </p:spPr>
+        <p:style>
+          <a:lnRef idx="1">
+            <a:schemeClr val="accent1"/>
+          </a:lnRef>
+          <a:fillRef idx="0">
+            <a:schemeClr val="accent1"/>
+          </a:fillRef>
+          <a:effectRef idx="0">
+            <a:schemeClr val="accent1"/>
+          </a:effectRef>
+          <a:fontRef idx="minor">
+            <a:schemeClr val="tx1"/>
+          </a:fontRef>
+        </p:style>
+      </p:cxnSp>
+    </p:spTree>
+    <p:extLst>
+      <p:ext uri="{BB962C8B-B14F-4D97-AF65-F5344CB8AC3E}">
+        <p14:creationId xmlns:p14="http://schemas.microsoft.com/office/powerpoint/2010/main" val="1190440272"/>
+      </p:ext>
+    </p:extLst>
+  </p:cSld>
+  <p:clrMapOvr>
+    <a:masterClrMapping/>
+  </p:clrMapOvr>
+  <mc:AlternateContent xmlns:mc="http://schemas.openxmlformats.org/markup-compatibility/2006">
+    <mc:Choice xmlns:p14="http://schemas.microsoft.com/office/powerpoint/2010/main" Requires="p14">
+      <p:transition spd="slow" p14:dur="1500">
+        <p:random/>
+      </p:transition>
+    </mc:Choice>
+    <mc:Fallback>
+      <p:transition spd="slow">
+        <p:random/>
+      </p:transition>
+    </mc:Fallback>
+  </mc:AlternateContent>
+  <p:timing>
+    <p:tnLst>
+      <p:par>
+        <p:cTn id="1" dur="indefinite" restart="never" nodeType="tmRoot">
+          <p:childTnLst>
+            <p:seq concurrent="1" nextAc="seek">
+              <p:cTn id="2" dur="indefinite" nodeType="mainSeq">
+                <p:childTnLst>
+                  <p:par>
+                    <p:cTn id="3" fill="hold">
+                      <p:stCondLst>
+                        <p:cond delay="indefinite"/>
+                        <p:cond evt="onBegin" delay="0">
+                          <p:tn val="2"/>
+                        </p:cond>
+                      </p:stCondLst>
+                      <p:childTnLst>
+                        <p:par>
+                          <p:cTn id="4" fill="hold">
+                            <p:stCondLst>
+                              <p:cond delay="0"/>
+                            </p:stCondLst>
+                            <p:childTnLst>
+                              <p:par>
+                                <p:cTn id="5" presetID="10" presetClass="entr" presetSubtype="0" fill="hold" grpId="0" nodeType="withEffect">
+                                  <p:stCondLst>
+                                    <p:cond delay="500"/>
+                                  </p:stCondLst>
+                                  <p:iterate type="lt">
+                                    <p:tmPct val="10000"/>
+                                  </p:iterate>
+                                  <p:childTnLst>
+                                    <p:set>
+                                      <p:cBhvr>
+                                        <p:cTn id="6" dur="1" fill="hold">
+                                          <p:stCondLst>
+                                            <p:cond delay="0"/>
+                                          </p:stCondLst>
+                                        </p:cTn>
+                                        <p:tgtEl>
+                                          <p:spTgt spid="2"/>
+                                        </p:tgtEl>
+                                        <p:attrNameLst>
+                                          <p:attrName>style.visibility</p:attrName>
+                                        </p:attrNameLst>
+                                      </p:cBhvr>
+                                      <p:to>
+                                        <p:strVal val="visible"/>
+                                      </p:to>
+                                    </p:set>
+                                    <p:animEffect transition="in" filter="fade">
+                                      <p:cBhvr>
+                                        <p:cTn id="7" dur="400"/>
+                                        <p:tgtEl>
+                                          <p:spTgt spid="2"/>
+                                        </p:tgtEl>
+                                      </p:cBhvr>
+                                    </p:animEffect>
+                                  </p:childTnLst>
+                                </p:cTn>
+                              </p:par>
+                            </p:childTnLst>
+                          </p:cTn>
+                        </p:par>
+                      </p:childTnLst>
+                    </p:cTn>
+                  </p:par>
+                </p:childTnLst>
+              </p:cTn>
+              <p:prevCondLst>
+                <p:cond evt="onPrev" delay="0">
+                  <p:tgtEl>
+                    <p:sldTgt/>
+                  </p:tgtEl>
+                </p:cond>
+              </p:prevCondLst>
+              <p:nextCondLst>
+                <p:cond evt="onNext" delay="0">
+                  <p:tgtEl>
+                    <p:sldTgt/>
+                  </p:tgtEl>
+                </p:cond>
+              </p:nextCondLst>
+            </p:seq>
+          </p:childTnLst>
+        </p:cTn>
+      </p:par>
+    </p:tnLst>
+    <p:bldLst>
+      <p:bldP spid="2" grpId="0"/>
+    </p:bldLst>
+  </p:timing>
+</p:sld>
+</file>
+
+<file path=ppt/slides/slide22.xml><?xml version="1.0" encoding="utf-8"?>
+<p:sld xmlns:a="http://schemas.openxmlformats.org/drawingml/2006/main" xmlns:r="http://schemas.openxmlformats.org/officeDocument/2006/relationships" xmlns:p="http://schemas.openxmlformats.org/presentationml/2006/main">
+  <p:cSld>
+    <p:bg>
+      <p:bgPr>
+        <a:blipFill>
+          <a:blip r:embed="rId3"/>
+          <a:stretch/>
+        </a:blipFill>
+        <a:effectLst/>
+      </p:bgPr>
+    </p:bg>
+    <p:spTree>
+      <p:nvGrpSpPr>
+        <p:cNvPr id="1" name=""/>
+        <p:cNvGrpSpPr/>
+        <p:nvPr/>
+      </p:nvGrpSpPr>
+      <p:grpSpPr>
+        <a:xfrm>
+          <a:off x="0" y="0"/>
+          <a:ext cx="0" cy="0"/>
+          <a:chOff x="0" y="0"/>
+          <a:chExt cx="0" cy="0"/>
+        </a:xfrm>
+      </p:grpSpPr>
+      <p:sp useBgFill="1">
+        <p:nvSpPr>
+          <p:cNvPr id="8" name="Rectangle 7">
+            <a:extLst>
+              <a:ext uri="{FF2B5EF4-FFF2-40B4-BE49-F238E27FC236}">
+                <a16:creationId xmlns:a16="http://schemas.microsoft.com/office/drawing/2014/main" id="{50E53EDA-3B94-4F6B-9E86-D3BB9EBB9616}"/>
+              </a:ext>
+              <a:ext uri="{C183D7F6-B498-43B3-948B-1728B52AA6E4}">
+                <adec:decorative xmlns:adec="http://schemas.microsoft.com/office/drawing/2017/decorative" val="1"/>
+              </a:ext>
+            </a:extLst>
+          </p:cNvPr>
+          <p:cNvSpPr>
+            <a:spLocks noGrp="1" noRot="1" noChangeAspect="1" noMove="1" noResize="1" noEditPoints="1" noAdjustHandles="1" noChangeArrowheads="1" noChangeShapeType="1" noTextEdit="1"/>
+          </p:cNvSpPr>
+          <p:nvPr>
+            <p:extLst>
+              <p:ext uri="{386F3935-93C4-4BCD-93E2-E3B085C9AB24}">
+                <p16:designElem xmlns:p16="http://schemas.microsoft.com/office/powerpoint/2015/main" val="1"/>
+              </p:ext>
+            </p:extLst>
+          </p:nvPr>
+        </p:nvSpPr>
+        <p:spPr>
+          <a:xfrm>
+            <a:off x="0" y="0"/>
+            <a:ext cx="12192000" cy="6858000"/>
+          </a:xfrm>
+          <a:prstGeom prst="rect">
+            <a:avLst/>
+          </a:prstGeom>
+          <a:ln>
+            <a:noFill/>
+          </a:ln>
+        </p:spPr>
+        <p:style>
+          <a:lnRef idx="2">
+            <a:schemeClr val="accent1">
+              <a:shade val="50000"/>
+            </a:schemeClr>
+          </a:lnRef>
+          <a:fillRef idx="1">
+            <a:schemeClr val="accent1"/>
+          </a:fillRef>
+          <a:effectRef idx="0">
+            <a:schemeClr val="accent1"/>
+          </a:effectRef>
+          <a:fontRef idx="minor">
+            <a:schemeClr val="lt1"/>
+          </a:fontRef>
+        </p:style>
+        <p:txBody>
+          <a:bodyPr rtlCol="0" anchor="ctr"/>
+          <a:lstStyle/>
+          <a:p>
+            <a:pPr algn="ctr"/>
+            <a:endParaRPr lang="en-US"/>
+          </a:p>
+        </p:txBody>
+      </p:sp>
+      <p:sp>
+        <p:nvSpPr>
+          <p:cNvPr id="2" name="Título 1">
+            <a:extLst>
+              <a:ext uri="{FF2B5EF4-FFF2-40B4-BE49-F238E27FC236}">
+                <a16:creationId xmlns:a16="http://schemas.microsoft.com/office/drawing/2014/main" id="{A3084844-6F5F-D184-3C94-340A23691BF6}"/>
+              </a:ext>
+            </a:extLst>
+          </p:cNvPr>
+          <p:cNvSpPr>
+            <a:spLocks noGrp="1"/>
+          </p:cNvSpPr>
+          <p:nvPr>
+            <p:ph type="title"/>
+          </p:nvPr>
+        </p:nvSpPr>
+        <p:spPr>
+          <a:xfrm>
+            <a:off x="685799" y="1150076"/>
+            <a:ext cx="3659389" cy="4557849"/>
+          </a:xfrm>
+        </p:spPr>
+        <p:txBody>
+          <a:bodyPr>
+            <a:normAutofit/>
+          </a:bodyPr>
+          <a:lstStyle/>
+          <a:p>
+            <a:pPr algn="r"/>
+            <a:r>
+              <a:rPr lang="es-ES" dirty="0"/>
+              <a:t>Campaña de marketing: </a:t>
+            </a:r>
+            <a:br>
+              <a:rPr lang="es-ES" dirty="0"/>
+            </a:br>
+            <a:endParaRPr lang="es-ES" dirty="0"/>
+          </a:p>
+        </p:txBody>
+      </p:sp>
+      <p:cxnSp>
+        <p:nvCxnSpPr>
+          <p:cNvPr id="10" name="Straight Connector 9">
+            <a:extLst>
+              <a:ext uri="{FF2B5EF4-FFF2-40B4-BE49-F238E27FC236}">
+                <a16:creationId xmlns:a16="http://schemas.microsoft.com/office/drawing/2014/main" id="{30EFD79F-7790-479B-B7DB-BD0D8C101DDD}"/>
+              </a:ext>
+              <a:ext uri="{C183D7F6-B498-43B3-948B-1728B52AA6E4}">
+                <adec:decorative xmlns:adec="http://schemas.microsoft.com/office/drawing/2017/decorative" val="1"/>
+              </a:ext>
+            </a:extLst>
+          </p:cNvPr>
+          <p:cNvCxnSpPr>
+            <a:cxnSpLocks noGrp="1" noRot="1" noChangeAspect="1" noMove="1" noResize="1" noEditPoints="1" noAdjustHandles="1" noChangeArrowheads="1" noChangeShapeType="1"/>
+          </p:cNvCxnSpPr>
+          <p:nvPr>
+            <p:extLst>
+              <p:ext uri="{386F3935-93C4-4BCD-93E2-E3B085C9AB24}">
+                <p16:designElem xmlns:p16="http://schemas.microsoft.com/office/powerpoint/2015/main" val="1"/>
+              </p:ext>
+            </p:extLst>
+          </p:nvPr>
+        </p:nvCxnSpPr>
+        <p:spPr>
+          <a:xfrm>
+            <a:off x="4666923" y="1668780"/>
+            <a:ext cx="0" cy="3520440"/>
+          </a:xfrm>
+          <a:prstGeom prst="line">
+            <a:avLst/>
+          </a:prstGeom>
+          <a:ln w="19050"/>
+        </p:spPr>
+        <p:style>
+          <a:lnRef idx="1">
+            <a:schemeClr val="accent1"/>
+          </a:lnRef>
+          <a:fillRef idx="0">
+            <a:schemeClr val="accent1"/>
+          </a:fillRef>
+          <a:effectRef idx="0">
+            <a:schemeClr val="accent1"/>
+          </a:effectRef>
+          <a:fontRef idx="minor">
+            <a:schemeClr val="tx1"/>
+          </a:fontRef>
+        </p:style>
+      </p:cxnSp>
+      <p:graphicFrame>
+        <p:nvGraphicFramePr>
+          <p:cNvPr id="12" name="Marcador de contenido 2">
+            <a:extLst>
+              <a:ext uri="{FF2B5EF4-FFF2-40B4-BE49-F238E27FC236}">
+                <a16:creationId xmlns:a16="http://schemas.microsoft.com/office/drawing/2014/main" id="{49E4E276-5E96-8BD0-1DBA-09A3D6F4A1FA}"/>
+              </a:ext>
+            </a:extLst>
+          </p:cNvPr>
+          <p:cNvGraphicFramePr>
+            <a:graphicFrameLocks noGrp="1"/>
+          </p:cNvGraphicFramePr>
+          <p:nvPr>
+            <p:ph idx="1"/>
+          </p:nvPr>
+        </p:nvGraphicFramePr>
+        <p:xfrm>
+          <a:off x="4988658" y="1150076"/>
+          <a:ext cx="6517543" cy="4557849"/>
+        </p:xfrm>
+        <a:graphic>
+          <a:graphicData uri="http://schemas.openxmlformats.org/drawingml/2006/diagram">
+            <dgm:relIds xmlns:dgm="http://schemas.openxmlformats.org/drawingml/2006/diagram" xmlns:r="http://schemas.openxmlformats.org/officeDocument/2006/relationships" r:dm="rId4" r:lo="rId5" r:qs="rId6" r:cs="rId7"/>
+          </a:graphicData>
+        </a:graphic>
+      </p:graphicFrame>
+    </p:spTree>
+    <p:extLst>
+      <p:ext uri="{BB962C8B-B14F-4D97-AF65-F5344CB8AC3E}">
+        <p14:creationId xmlns:p14="http://schemas.microsoft.com/office/powerpoint/2010/main" val="2257189328"/>
+      </p:ext>
+    </p:extLst>
+  </p:cSld>
+  <p:clrMapOvr>
+    <a:masterClrMapping/>
+  </p:clrMapOvr>
+</p:sld>
+</file>
+
+<file path=ppt/slides/slide23.xml><?xml version="1.0" encoding="utf-8"?>
+<p:sld xmlns:a="http://schemas.openxmlformats.org/drawingml/2006/main" xmlns:r="http://schemas.openxmlformats.org/officeDocument/2006/relationships" xmlns:p="http://schemas.openxmlformats.org/presentationml/2006/main">
+  <p:cSld>
+    <p:bg>
+      <p:bgPr>
+        <a:blipFill>
+          <a:blip r:embed="rId3"/>
+          <a:stretch/>
+        </a:blipFill>
+        <a:effectLst/>
+      </p:bgPr>
+    </p:bg>
+    <p:spTree>
+      <p:nvGrpSpPr>
+        <p:cNvPr id="1" name=""/>
+        <p:cNvGrpSpPr/>
+        <p:nvPr/>
+      </p:nvGrpSpPr>
+      <p:grpSpPr>
+        <a:xfrm>
+          <a:off x="0" y="0"/>
+          <a:ext cx="0" cy="0"/>
+          <a:chOff x="0" y="0"/>
+          <a:chExt cx="0" cy="0"/>
+        </a:xfrm>
+      </p:grpSpPr>
+      <p:sp>
+        <p:nvSpPr>
+          <p:cNvPr id="2" name="Título 1">
+            <a:extLst>
+              <a:ext uri="{FF2B5EF4-FFF2-40B4-BE49-F238E27FC236}">
+                <a16:creationId xmlns:a16="http://schemas.microsoft.com/office/drawing/2014/main" id="{B630EABD-AE77-3193-A7FB-297C8F0115F0}"/>
+              </a:ext>
+            </a:extLst>
+          </p:cNvPr>
+          <p:cNvSpPr>
+            <a:spLocks noGrp="1"/>
+          </p:cNvSpPr>
+          <p:nvPr>
+            <p:ph type="title"/>
+          </p:nvPr>
+        </p:nvSpPr>
+        <p:spPr>
+          <a:xfrm>
+            <a:off x="4955458" y="639097"/>
+            <a:ext cx="6593075" cy="1612490"/>
+          </a:xfrm>
+        </p:spPr>
+        <p:txBody>
+          <a:bodyPr>
+            <a:normAutofit/>
+          </a:bodyPr>
+          <a:lstStyle/>
+          <a:p>
+            <a:r>
+              <a:rPr lang="es-ES" dirty="0"/>
+              <a:t>el </a:t>
+            </a:r>
+            <a:r>
+              <a:rPr lang="es-ES" dirty="0" err="1"/>
+              <a:t>clustering</a:t>
+            </a:r>
+            <a:br>
+              <a:rPr lang="es-ES" dirty="0"/>
+            </a:br>
+            <a:endParaRPr lang="es-ES" dirty="0"/>
+          </a:p>
+        </p:txBody>
+      </p:sp>
+      <p:pic>
+        <p:nvPicPr>
+          <p:cNvPr id="5" name="Picture 4">
+            <a:extLst>
+              <a:ext uri="{FF2B5EF4-FFF2-40B4-BE49-F238E27FC236}">
+                <a16:creationId xmlns:a16="http://schemas.microsoft.com/office/drawing/2014/main" id="{2C6442E4-5D0A-9337-FF86-2106FD612014}"/>
+              </a:ext>
+            </a:extLst>
+          </p:cNvPr>
+          <p:cNvPicPr>
+            <a:picLocks noChangeAspect="1"/>
+          </p:cNvPicPr>
+          <p:nvPr/>
+        </p:nvPicPr>
+        <p:blipFill rotWithShape="1">
+          <a:blip r:embed="rId4"/>
+          <a:srcRect l="20008" r="41967"/>
+          <a:stretch/>
+        </p:blipFill>
+        <p:spPr>
+          <a:xfrm>
+            <a:off x="20" y="975"/>
+            <a:ext cx="4635988" cy="6858000"/>
+          </a:xfrm>
+          <a:prstGeom prst="rect">
+            <a:avLst/>
+          </a:prstGeom>
+        </p:spPr>
+      </p:pic>
+      <p:sp>
+        <p:nvSpPr>
+          <p:cNvPr id="3" name="Marcador de contenido 2">
+            <a:extLst>
+              <a:ext uri="{FF2B5EF4-FFF2-40B4-BE49-F238E27FC236}">
+                <a16:creationId xmlns:a16="http://schemas.microsoft.com/office/drawing/2014/main" id="{36AA55E5-E61D-F0C9-B7A9-5B8792E2F8D6}"/>
+              </a:ext>
+            </a:extLst>
+          </p:cNvPr>
+          <p:cNvSpPr>
+            <a:spLocks noGrp="1"/>
+          </p:cNvSpPr>
+          <p:nvPr>
+            <p:ph idx="1"/>
+          </p:nvPr>
+        </p:nvSpPr>
+        <p:spPr>
+          <a:xfrm>
+            <a:off x="4955458" y="2251587"/>
+            <a:ext cx="6593075" cy="3972232"/>
+          </a:xfrm>
+        </p:spPr>
+        <p:txBody>
+          <a:bodyPr>
+            <a:normAutofit/>
+          </a:bodyPr>
+          <a:lstStyle/>
+          <a:p>
+            <a:pPr>
+              <a:lnSpc>
+                <a:spcPct val="90000"/>
+              </a:lnSpc>
+            </a:pPr>
+            <a:r>
+              <a:rPr lang="es-ES" sz="1700"/>
+              <a:t>Cliente Promedio</a:t>
+            </a:r>
+          </a:p>
+          <a:p>
+            <a:pPr>
+              <a:lnSpc>
+                <a:spcPct val="90000"/>
+              </a:lnSpc>
+            </a:pPr>
+            <a:r>
+              <a:rPr lang="es-ES" sz="1700"/>
+              <a:t>- tiene un ingreso anual de 52200 euros</a:t>
+            </a:r>
+          </a:p>
+          <a:p>
+            <a:pPr>
+              <a:lnSpc>
+                <a:spcPct val="90000"/>
+              </a:lnSpc>
+            </a:pPr>
+            <a:r>
+              <a:rPr lang="es-ES" sz="1700"/>
+              <a:t>- había comprado hace 49 días</a:t>
+            </a:r>
+          </a:p>
+          <a:p>
+            <a:pPr>
+              <a:lnSpc>
+                <a:spcPct val="90000"/>
+              </a:lnSpc>
+            </a:pPr>
+            <a:r>
+              <a:rPr lang="es-ES" sz="1700"/>
+              <a:t>- tiene un AOV de 26,8 euros</a:t>
+            </a:r>
+          </a:p>
+          <a:p>
+            <a:pPr>
+              <a:lnSpc>
+                <a:spcPct val="90000"/>
+              </a:lnSpc>
+            </a:pPr>
+            <a:r>
+              <a:rPr lang="es-ES" sz="1700"/>
+              <a:t>- ha gastado 605 euros</a:t>
+            </a:r>
+          </a:p>
+          <a:p>
+            <a:pPr>
+              <a:lnSpc>
+                <a:spcPct val="90000"/>
+              </a:lnSpc>
+            </a:pPr>
+            <a:r>
+              <a:rPr lang="es-ES" sz="1700"/>
+              <a:t>- ha comprado 20 veces</a:t>
+            </a:r>
+          </a:p>
+          <a:p>
+            <a:pPr>
+              <a:lnSpc>
+                <a:spcPct val="90000"/>
+              </a:lnSpc>
+            </a:pPr>
+            <a:r>
+              <a:rPr lang="es-ES" sz="1700"/>
+              <a:t>- se hizo cliente a mediados de junio</a:t>
+            </a:r>
+          </a:p>
+          <a:p>
+            <a:pPr>
+              <a:lnSpc>
+                <a:spcPct val="90000"/>
+              </a:lnSpc>
+            </a:pPr>
+            <a:r>
+              <a:rPr lang="es-ES" sz="1700"/>
+              <a:t>- se hizo cliente el jueves</a:t>
+            </a:r>
+          </a:p>
+          <a:p>
+            <a:pPr>
+              <a:lnSpc>
+                <a:spcPct val="90000"/>
+              </a:lnSpc>
+            </a:pPr>
+            <a:r>
+              <a:rPr lang="es-ES" sz="1700"/>
+              <a:t>- gastó más en vinos (300 euros) y luego en productos cárnicos (165 euros)</a:t>
+            </a:r>
+          </a:p>
+          <a:p>
+            <a:pPr>
+              <a:lnSpc>
+                <a:spcPct val="90000"/>
+              </a:lnSpc>
+            </a:pPr>
+            <a:r>
+              <a:rPr lang="es-ES" sz="1700"/>
+              <a:t>- gastó menos en frutas (26 euros) y productos dulces (27 euros</a:t>
+            </a:r>
+          </a:p>
+          <a:p>
+            <a:pPr>
+              <a:lnSpc>
+                <a:spcPct val="90000"/>
+              </a:lnSpc>
+            </a:pPr>
+            <a:endParaRPr lang="es-ES" sz="1700"/>
+          </a:p>
+        </p:txBody>
+      </p:sp>
+    </p:spTree>
+    <p:extLst>
+      <p:ext uri="{BB962C8B-B14F-4D97-AF65-F5344CB8AC3E}">
+        <p14:creationId xmlns:p14="http://schemas.microsoft.com/office/powerpoint/2010/main" val="3264481484"/>
       </p:ext>
     </p:extLst>
   </p:cSld>
